--- a/부트캠프_07기_RTOS_1팀(김정진, 김소연, 심훈, 이성훈)_최종보고서.pptx
+++ b/부트캠프_07기_RTOS_1팀(김정진, 김소연, 심훈, 이성훈)_최종보고서.pptx
@@ -1191,7 +1191,27 @@
                 <a:latin typeface="LG스마트체2.0 Regular" panose="020B0600000101010101" pitchFamily="50" charset="-127"/>
                 <a:ea typeface="LG스마트체2.0 Regular" panose="020B0600000101010101" pitchFamily="50" charset="-127"/>
               </a:rPr>
-              <a:t>주제 및 결과 요약</a:t>
+              <a:t>주제 및 결과 </a:t>
+            </a:r>
+            <a:r>
+              <a:rPr lang="ko-KR" altLang="en-US" sz="4400" b="1" dirty="0" smtClean="0">
+                <a:solidFill>
+                  <a:schemeClr val="bg1"/>
+                </a:solidFill>
+                <a:latin typeface="LG스마트체2.0 Regular" panose="020B0600000101010101" pitchFamily="50" charset="-127"/>
+                <a:ea typeface="LG스마트체2.0 Regular" panose="020B0600000101010101" pitchFamily="50" charset="-127"/>
+              </a:rPr>
+              <a:t>요약</a:t>
+            </a:r>
+            <a:r>
+              <a:rPr lang="en-US" altLang="ko-KR" sz="4400" b="1" dirty="0" smtClean="0">
+                <a:solidFill>
+                  <a:schemeClr val="bg1"/>
+                </a:solidFill>
+                <a:latin typeface="LG스마트체2.0 Regular" panose="020B0600000101010101" pitchFamily="50" charset="-127"/>
+                <a:ea typeface="LG스마트체2.0 Regular" panose="020B0600000101010101" pitchFamily="50" charset="-127"/>
+              </a:rPr>
+              <a:t>(Snake)</a:t>
             </a:r>
             <a:endParaRPr lang="en-US" altLang="ko-KR" sz="4400" b="1" dirty="0">
               <a:solidFill>
@@ -1216,7 +1236,117 @@
                 <a:latin typeface="LG스마트체2.0 Regular" panose="020B0600000101010101" pitchFamily="50" charset="-127"/>
                 <a:ea typeface="LG스마트체2.0 Regular" panose="020B0600000101010101" pitchFamily="50" charset="-127"/>
               </a:rPr>
-              <a:t>개발 목표 및 개발 결과</a:t>
+              <a:t>개발 </a:t>
+            </a:r>
+            <a:r>
+              <a:rPr lang="ko-KR" altLang="en-US" sz="4400" b="1" dirty="0" smtClean="0">
+                <a:solidFill>
+                  <a:schemeClr val="bg1"/>
+                </a:solidFill>
+                <a:latin typeface="LG스마트체2.0 Regular" panose="020B0600000101010101" pitchFamily="50" charset="-127"/>
+                <a:ea typeface="LG스마트체2.0 Regular" panose="020B0600000101010101" pitchFamily="50" charset="-127"/>
+              </a:rPr>
+              <a:t>목표</a:t>
+            </a:r>
+            <a:r>
+              <a:rPr lang="en-US" altLang="ko-KR" sz="4400" b="1" dirty="0" smtClean="0">
+                <a:solidFill>
+                  <a:schemeClr val="bg1"/>
+                </a:solidFill>
+                <a:latin typeface="LG스마트체2.0 Regular" panose="020B0600000101010101" pitchFamily="50" charset="-127"/>
+                <a:ea typeface="LG스마트체2.0 Regular" panose="020B0600000101010101" pitchFamily="50" charset="-127"/>
+              </a:rPr>
+              <a:t>(</a:t>
+            </a:r>
+            <a:r>
+              <a:rPr lang="ko-KR" altLang="en-US" sz="4400" b="1" smtClean="0">
+                <a:solidFill>
+                  <a:schemeClr val="bg1"/>
+                </a:solidFill>
+                <a:latin typeface="LG스마트체2.0 Regular" panose="020B0600000101010101" pitchFamily="50" charset="-127"/>
+                <a:ea typeface="LG스마트체2.0 Regular" panose="020B0600000101010101" pitchFamily="50" charset="-127"/>
+              </a:rPr>
+              <a:t>지금가능</a:t>
+            </a:r>
+            <a:r>
+              <a:rPr lang="en-US" altLang="ko-KR" sz="4400" b="1" dirty="0" smtClean="0">
+                <a:solidFill>
+                  <a:schemeClr val="bg1"/>
+                </a:solidFill>
+                <a:latin typeface="LG스마트체2.0 Regular" panose="020B0600000101010101" pitchFamily="50" charset="-127"/>
+                <a:ea typeface="LG스마트체2.0 Regular" panose="020B0600000101010101" pitchFamily="50" charset="-127"/>
+              </a:rPr>
+              <a:t>)</a:t>
+            </a:r>
+            <a:r>
+              <a:rPr lang="ko-KR" altLang="en-US" sz="4400" b="1" smtClean="0">
+                <a:solidFill>
+                  <a:schemeClr val="bg1"/>
+                </a:solidFill>
+                <a:latin typeface="LG스마트체2.0 Regular" panose="020B0600000101010101" pitchFamily="50" charset="-127"/>
+                <a:ea typeface="LG스마트체2.0 Regular" panose="020B0600000101010101" pitchFamily="50" charset="-127"/>
+              </a:rPr>
+              <a:t> </a:t>
+            </a:r>
+            <a:r>
+              <a:rPr lang="ko-KR" altLang="en-US" sz="4400" b="1" dirty="0">
+                <a:solidFill>
+                  <a:schemeClr val="bg1"/>
+                </a:solidFill>
+                <a:latin typeface="LG스마트체2.0 Regular" panose="020B0600000101010101" pitchFamily="50" charset="-127"/>
+                <a:ea typeface="LG스마트체2.0 Regular" panose="020B0600000101010101" pitchFamily="50" charset="-127"/>
+              </a:rPr>
+              <a:t>및 </a:t>
+            </a:r>
+            <a:r>
+              <a:rPr lang="ko-KR" altLang="en-US" sz="4400" b="1">
+                <a:solidFill>
+                  <a:schemeClr val="bg1"/>
+                </a:solidFill>
+                <a:latin typeface="LG스마트체2.0 Regular" panose="020B0600000101010101" pitchFamily="50" charset="-127"/>
+                <a:ea typeface="LG스마트체2.0 Regular" panose="020B0600000101010101" pitchFamily="50" charset="-127"/>
+              </a:rPr>
+              <a:t>개발 </a:t>
+            </a:r>
+            <a:r>
+              <a:rPr lang="ko-KR" altLang="en-US" sz="4400" b="1" smtClean="0">
+                <a:solidFill>
+                  <a:schemeClr val="bg1"/>
+                </a:solidFill>
+                <a:latin typeface="LG스마트체2.0 Regular" panose="020B0600000101010101" pitchFamily="50" charset="-127"/>
+                <a:ea typeface="LG스마트체2.0 Regular" panose="020B0600000101010101" pitchFamily="50" charset="-127"/>
+              </a:rPr>
+              <a:t>결과</a:t>
+            </a:r>
+            <a:r>
+              <a:rPr lang="en-US" altLang="ko-KR" sz="4400" b="1" dirty="0" smtClean="0">
+                <a:solidFill>
+                  <a:schemeClr val="bg1"/>
+                </a:solidFill>
+                <a:latin typeface="LG스마트체2.0 Regular" panose="020B0600000101010101" pitchFamily="50" charset="-127"/>
+                <a:ea typeface="LG스마트체2.0 Regular" panose="020B0600000101010101" pitchFamily="50" charset="-127"/>
+              </a:rPr>
+              <a:t>(</a:t>
+            </a:r>
+            <a:r>
+              <a:rPr lang="ko-KR" altLang="en-US" sz="4400" b="1" smtClean="0">
+                <a:solidFill>
+                  <a:schemeClr val="bg1"/>
+                </a:solidFill>
+                <a:latin typeface="LG스마트체2.0 Regular" panose="020B0600000101010101" pitchFamily="50" charset="-127"/>
+                <a:ea typeface="LG스마트체2.0 Regular" panose="020B0600000101010101" pitchFamily="50" charset="-127"/>
+              </a:rPr>
+              <a:t>끝날때</a:t>
+            </a:r>
+            <a:r>
+              <a:rPr lang="en-US" altLang="ko-KR" sz="4400" b="1" dirty="0" smtClean="0">
+                <a:solidFill>
+                  <a:schemeClr val="bg1"/>
+                </a:solidFill>
+                <a:latin typeface="LG스마트체2.0 Regular" panose="020B0600000101010101" pitchFamily="50" charset="-127"/>
+                <a:ea typeface="LG스마트체2.0 Regular" panose="020B0600000101010101" pitchFamily="50" charset="-127"/>
+              </a:rPr>
+              <a:t>)</a:t>
             </a:r>
             <a:endParaRPr lang="en-US" altLang="ko-KR" sz="4400" b="1" dirty="0">
               <a:solidFill>
@@ -1241,7 +1371,47 @@
                 <a:latin typeface="LG스마트체2.0 Regular" panose="020B0600000101010101" pitchFamily="50" charset="-127"/>
                 <a:ea typeface="LG스마트체2.0 Regular" panose="020B0600000101010101" pitchFamily="50" charset="-127"/>
               </a:rPr>
-              <a:t>핵심 기술</a:t>
+              <a:t>핵심 </a:t>
+            </a:r>
+            <a:r>
+              <a:rPr lang="ko-KR" altLang="en-US" sz="4400" b="1" dirty="0" smtClean="0">
+                <a:solidFill>
+                  <a:schemeClr val="bg1"/>
+                </a:solidFill>
+                <a:latin typeface="LG스마트체2.0 Regular" panose="020B0600000101010101" pitchFamily="50" charset="-127"/>
+                <a:ea typeface="LG스마트체2.0 Regular" panose="020B0600000101010101" pitchFamily="50" charset="-127"/>
+              </a:rPr>
+              <a:t>기술</a:t>
+            </a:r>
+            <a:r>
+              <a:rPr lang="en-US" altLang="ko-KR" sz="4400" b="1" dirty="0" smtClean="0">
+                <a:solidFill>
+                  <a:schemeClr val="bg1"/>
+                </a:solidFill>
+                <a:latin typeface="LG스마트체2.0 Regular" panose="020B0600000101010101" pitchFamily="50" charset="-127"/>
+                <a:ea typeface="LG스마트체2.0 Regular" panose="020B0600000101010101" pitchFamily="50" charset="-127"/>
+              </a:rPr>
+              <a:t>(</a:t>
+            </a:r>
+            <a:r>
+              <a:rPr lang="ko-KR" altLang="en-US" sz="4400" b="1" smtClean="0">
+                <a:solidFill>
+                  <a:schemeClr val="bg1"/>
+                </a:solidFill>
+                <a:latin typeface="LG스마트체2.0 Regular" panose="020B0600000101010101" pitchFamily="50" charset="-127"/>
+                <a:ea typeface="LG스마트체2.0 Regular" panose="020B0600000101010101" pitchFamily="50" charset="-127"/>
+              </a:rPr>
+              <a:t>지금가능</a:t>
+            </a:r>
+            <a:r>
+              <a:rPr lang="en-US" altLang="ko-KR" sz="4400" b="1" dirty="0" smtClean="0">
+                <a:solidFill>
+                  <a:schemeClr val="bg1"/>
+                </a:solidFill>
+                <a:latin typeface="LG스마트체2.0 Regular" panose="020B0600000101010101" pitchFamily="50" charset="-127"/>
+                <a:ea typeface="LG스마트체2.0 Regular" panose="020B0600000101010101" pitchFamily="50" charset="-127"/>
+              </a:rPr>
+              <a:t>, RTOS)</a:t>
             </a:r>
             <a:endParaRPr lang="en-US" altLang="ko-KR" sz="4400" b="1" dirty="0">
               <a:solidFill>
@@ -1455,7 +1625,7 @@
         <p:spPr>
           <a:xfrm>
             <a:off x="884420" y="2488367"/>
-            <a:ext cx="11092721" cy="1124263"/>
+            <a:ext cx="12660129" cy="2883733"/>
           </a:xfrm>
           <a:prstGeom prst="rect">
             <a:avLst/>
@@ -1506,15 +1676,127 @@
                   <a:schemeClr val="tx1"/>
                 </a:solidFill>
               </a:rPr>
-              <a:t>페이지에 프로젝트의 주제</a:t>
-            </a:r>
-            <a:r>
-              <a:rPr lang="en-US" altLang="ko-KR" sz="3200" b="1" dirty="0">
-                <a:solidFill>
-                  <a:schemeClr val="tx1"/>
-                </a:solidFill>
-              </a:rPr>
-              <a:t>, </a:t>
+              <a:t>페이지에 </a:t>
+            </a:r>
+            <a:r>
+              <a:rPr lang="ko-KR" altLang="en-US" sz="3200" b="1">
+                <a:solidFill>
+                  <a:schemeClr val="tx1"/>
+                </a:solidFill>
+              </a:rPr>
+              <a:t>프로젝트의 </a:t>
+            </a:r>
+            <a:r>
+              <a:rPr lang="ko-KR" altLang="en-US" sz="3200" b="1" smtClean="0">
+                <a:solidFill>
+                  <a:schemeClr val="tx1"/>
+                </a:solidFill>
+              </a:rPr>
+              <a:t>주</a:t>
+            </a:r>
+            <a:r>
+              <a:rPr lang="ko-KR" altLang="en-US" sz="3200" b="1" smtClean="0">
+                <a:solidFill>
+                  <a:srgbClr val="FF0000"/>
+                </a:solidFill>
+              </a:rPr>
+              <a:t>제</a:t>
+            </a:r>
+            <a:r>
+              <a:rPr lang="en-US" altLang="ko-KR" sz="3200" b="1" dirty="0" smtClean="0">
+                <a:solidFill>
+                  <a:srgbClr val="FF0000"/>
+                </a:solidFill>
+              </a:rPr>
+              <a:t>(RTOS </a:t>
+            </a:r>
+            <a:r>
+              <a:rPr lang="ko-KR" altLang="en-US" sz="3200" b="1" smtClean="0">
+                <a:solidFill>
+                  <a:srgbClr val="FF0000"/>
+                </a:solidFill>
+              </a:rPr>
+              <a:t>구현</a:t>
+            </a:r>
+            <a:r>
+              <a:rPr lang="en-US" altLang="ko-KR" sz="3200" b="1" dirty="0" smtClean="0">
+                <a:solidFill>
+                  <a:srgbClr val="FF0000"/>
+                </a:solidFill>
+              </a:rPr>
+              <a:t>), </a:t>
+            </a:r>
+            <a:r>
+              <a:rPr lang="ko-KR" altLang="en-US" sz="3200" b="1" smtClean="0">
+                <a:solidFill>
+                  <a:srgbClr val="FF0000"/>
+                </a:solidFill>
+              </a:rPr>
+              <a:t>목표</a:t>
+            </a:r>
+            <a:r>
+              <a:rPr lang="en-US" altLang="ko-KR" sz="3200" b="1" dirty="0" smtClean="0">
+                <a:solidFill>
+                  <a:srgbClr val="FF0000"/>
+                </a:solidFill>
+              </a:rPr>
+              <a:t>(PJT </a:t>
+            </a:r>
+            <a:r>
+              <a:rPr lang="ko-KR" altLang="en-US" sz="3200" b="1" smtClean="0">
+                <a:solidFill>
+                  <a:srgbClr val="FF0000"/>
+                </a:solidFill>
+              </a:rPr>
+              <a:t>일정에 있는거 직접 구현하기</a:t>
+            </a:r>
+            <a:r>
+              <a:rPr lang="en-US" altLang="ko-KR" sz="3200" b="1" dirty="0" smtClean="0">
+                <a:solidFill>
+                  <a:srgbClr val="FF0000"/>
+                </a:solidFill>
+              </a:rPr>
+              <a:t>), </a:t>
+            </a:r>
+            <a:r>
+              <a:rPr lang="ko-KR" altLang="en-US" sz="3200" b="1" smtClean="0">
+                <a:solidFill>
+                  <a:schemeClr val="tx1"/>
+                </a:solidFill>
+              </a:rPr>
+              <a:t>결과</a:t>
+            </a:r>
+            <a:r>
+              <a:rPr lang="en-US" altLang="ko-KR" sz="3200" b="1" dirty="0" smtClean="0">
+                <a:solidFill>
+                  <a:schemeClr val="tx1"/>
+                </a:solidFill>
+              </a:rPr>
+              <a:t>(Snake</a:t>
+            </a:r>
+            <a:r>
+              <a:rPr lang="ko-KR" altLang="en-US" sz="3200" b="1" smtClean="0">
+                <a:solidFill>
+                  <a:schemeClr val="tx1"/>
+                </a:solidFill>
+              </a:rPr>
+              <a:t>를 통해 확인함</a:t>
+            </a:r>
+            <a:r>
+              <a:rPr lang="en-US" altLang="ko-KR" sz="3200" b="1" dirty="0" smtClean="0">
+                <a:solidFill>
+                  <a:schemeClr val="tx1"/>
+                </a:solidFill>
+              </a:rPr>
+              <a:t>)</a:t>
+            </a:r>
+            <a:r>
+              <a:rPr lang="ko-KR" altLang="en-US" sz="3200" b="1" smtClean="0">
+                <a:solidFill>
+                  <a:schemeClr val="tx1"/>
+                </a:solidFill>
+              </a:rPr>
+              <a:t>를 </a:t>
             </a:r>
             <a:r>
               <a:rPr lang="ko-KR" altLang="en-US" sz="3200" b="1" dirty="0">
@@ -1522,23 +1804,7 @@
                   <a:schemeClr val="tx1"/>
                 </a:solidFill>
               </a:rPr>
-              <a:t>목표</a:t>
-            </a:r>
-            <a:r>
-              <a:rPr lang="en-US" altLang="ko-KR" sz="3200" b="1" dirty="0">
-                <a:solidFill>
-                  <a:schemeClr val="tx1"/>
-                </a:solidFill>
-              </a:rPr>
-              <a:t>, </a:t>
-            </a:r>
-            <a:r>
-              <a:rPr lang="ko-KR" altLang="en-US" sz="3200" b="1" dirty="0">
-                <a:solidFill>
-                  <a:schemeClr val="tx1"/>
-                </a:solidFill>
-              </a:rPr>
-              <a:t>결과를 요약</a:t>
+              <a:t>요약</a:t>
             </a:r>
           </a:p>
         </p:txBody>
@@ -1666,7 +1932,106 @@
                   <a:schemeClr val="tx1"/>
                 </a:solidFill>
               </a:rPr>
-              <a:t>처음 기획한 개발 목표</a:t>
+              <a:t>처음 기획한 개발 </a:t>
+            </a:r>
+            <a:r>
+              <a:rPr lang="ko-KR" altLang="en-US" sz="3200" b="1" dirty="0" smtClean="0">
+                <a:solidFill>
+                  <a:srgbClr val="FF0000"/>
+                </a:solidFill>
+              </a:rPr>
+              <a:t>목표</a:t>
+            </a:r>
+            <a:r>
+              <a:rPr lang="en-US" altLang="ko-KR" sz="3200" b="1" dirty="0" smtClean="0">
+                <a:solidFill>
+                  <a:srgbClr val="FF0000"/>
+                </a:solidFill>
+              </a:rPr>
+              <a:t>(RTOS </a:t>
+            </a:r>
+            <a:r>
+              <a:rPr lang="ko-KR" altLang="en-US" sz="3200" b="1" smtClean="0">
+                <a:solidFill>
+                  <a:srgbClr val="FF0000"/>
+                </a:solidFill>
+              </a:rPr>
+              <a:t>잘 되게 하는 거</a:t>
+            </a:r>
+            <a:r>
+              <a:rPr lang="en-US" altLang="ko-KR" sz="3200" b="1" dirty="0" smtClean="0">
+                <a:solidFill>
+                  <a:srgbClr val="FF0000"/>
+                </a:solidFill>
+              </a:rPr>
+              <a:t>)</a:t>
+            </a:r>
+            <a:endParaRPr lang="en-US" altLang="ko-KR" sz="3200" b="1" dirty="0">
+              <a:solidFill>
+                <a:srgbClr val="FF0000"/>
+              </a:solidFill>
+            </a:endParaRPr>
+          </a:p>
+          <a:p>
+            <a:pPr marL="457200" indent="-457200">
+              <a:buFontTx/>
+              <a:buChar char="-"/>
+            </a:pPr>
+            <a:r>
+              <a:rPr lang="ko-KR" altLang="en-US" sz="3200" b="1" dirty="0">
+                <a:solidFill>
+                  <a:schemeClr val="tx1"/>
+                </a:solidFill>
+              </a:rPr>
+              <a:t>실제 개발 결과 </a:t>
+            </a:r>
+            <a:r>
+              <a:rPr lang="ko-KR" altLang="en-US" sz="3200" b="1" dirty="0" smtClean="0">
+                <a:solidFill>
+                  <a:schemeClr val="tx1"/>
+                </a:solidFill>
+              </a:rPr>
+              <a:t>소개</a:t>
+            </a:r>
+            <a:r>
+              <a:rPr lang="en-US" altLang="ko-KR" sz="3200" b="1" dirty="0" smtClean="0">
+                <a:solidFill>
+                  <a:schemeClr val="tx1"/>
+                </a:solidFill>
+              </a:rPr>
+              <a:t>(</a:t>
+            </a:r>
+            <a:r>
+              <a:rPr lang="ko-KR" altLang="en-US" sz="3200" b="1" smtClean="0">
+                <a:solidFill>
+                  <a:schemeClr val="tx1"/>
+                </a:solidFill>
+              </a:rPr>
+              <a:t>잘 되는거 </a:t>
+            </a:r>
+            <a:r>
+              <a:rPr lang="en-US" altLang="ko-KR" sz="3200" b="1" dirty="0" smtClean="0">
+                <a:solidFill>
+                  <a:schemeClr val="tx1"/>
+                </a:solidFill>
+              </a:rPr>
+              <a:t>– snake</a:t>
+            </a:r>
+            <a:r>
+              <a:rPr lang="ko-KR" altLang="en-US" sz="3200" b="1" smtClean="0">
+                <a:solidFill>
+                  <a:schemeClr val="tx1"/>
+                </a:solidFill>
+              </a:rPr>
+              <a:t>를 통해 보여줌</a:t>
+            </a:r>
+            <a:r>
+              <a:rPr lang="en-US" altLang="ko-KR" sz="3200" b="1" dirty="0" smtClean="0">
+                <a:solidFill>
+                  <a:schemeClr val="tx1"/>
+                </a:solidFill>
+              </a:rPr>
+              <a:t>)</a:t>
             </a:r>
             <a:endParaRPr lang="en-US" altLang="ko-KR" sz="3200" b="1" dirty="0">
               <a:solidFill>
@@ -1685,7 +2050,15 @@
                   <a:schemeClr val="tx1"/>
                 </a:solidFill>
               </a:rPr>
-              <a:t>실제 개발 결과 소개</a:t>
+              <a:t>가급적 결과 내용을 상세히 </a:t>
+            </a:r>
+            <a:r>
+              <a:rPr lang="ko-KR" altLang="en-US" sz="3200" b="1" dirty="0" err="1" smtClean="0">
+                <a:solidFill>
+                  <a:schemeClr val="tx1"/>
+                </a:solidFill>
+              </a:rPr>
+              <a:t>기술ㅇㅋ</a:t>
             </a:r>
             <a:endParaRPr lang="en-US" altLang="ko-KR" sz="3200" b="1" dirty="0">
               <a:solidFill>
@@ -1704,27 +2077,21 @@
                   <a:schemeClr val="tx1"/>
                 </a:solidFill>
               </a:rPr>
-              <a:t>가급적 결과 내용을 상세히 기술</a:t>
-            </a:r>
-            <a:endParaRPr lang="en-US" altLang="ko-KR" sz="3200" b="1" dirty="0">
+              <a:t>페이지 수 </a:t>
+            </a:r>
+            <a:r>
+              <a:rPr lang="ko-KR" altLang="en-US" sz="3200" b="1" dirty="0" err="1" smtClean="0">
+                <a:solidFill>
+                  <a:schemeClr val="tx1"/>
+                </a:solidFill>
+              </a:rPr>
+              <a:t>무관ㅇㅋ</a:t>
+            </a:r>
+            <a:endParaRPr lang="ko-KR" altLang="en-US" sz="3200" b="1" dirty="0">
               <a:solidFill>
                 <a:schemeClr val="tx1"/>
               </a:solidFill>
             </a:endParaRPr>
-          </a:p>
-          <a:p>
-            <a:pPr marL="457200" indent="-457200">
-              <a:buFontTx/>
-              <a:buChar char="-"/>
-            </a:pPr>
-            <a:r>
-              <a:rPr lang="ko-KR" altLang="en-US" sz="3200" b="1" dirty="0">
-                <a:solidFill>
-                  <a:schemeClr val="tx1"/>
-                </a:solidFill>
-              </a:rPr>
-              <a:t>페이지 수 무관</a:t>
-            </a:r>
           </a:p>
         </p:txBody>
       </p:sp>
@@ -1812,7 +2179,7 @@
         <p:spPr>
           <a:xfrm>
             <a:off x="884420" y="2488367"/>
-            <a:ext cx="11092721" cy="2188564"/>
+            <a:ext cx="17346430" cy="2188564"/>
           </a:xfrm>
           <a:prstGeom prst="rect">
             <a:avLst/>
@@ -1851,46 +2218,139 @@
                   <a:schemeClr val="tx1"/>
                 </a:solidFill>
               </a:rPr>
-              <a:t>개발에 사용된 가장 핵심적으로 구현된 기술 소개</a:t>
+              <a:t>개발에 사용된 가장 </a:t>
+            </a:r>
+            <a:r>
+              <a:rPr lang="ko-KR" altLang="en-US" sz="3200" b="1" dirty="0">
+                <a:solidFill>
+                  <a:srgbClr val="FF0000"/>
+                </a:solidFill>
+              </a:rPr>
+              <a:t>핵심적으로 구현된 기술 </a:t>
+            </a:r>
+            <a:r>
+              <a:rPr lang="ko-KR" altLang="en-US" sz="3200" b="1" dirty="0" smtClean="0">
+                <a:solidFill>
+                  <a:srgbClr val="FF0000"/>
+                </a:solidFill>
+              </a:rPr>
+              <a:t>소개</a:t>
+            </a:r>
+            <a:r>
+              <a:rPr lang="en-US" altLang="ko-KR" sz="3200" b="1" dirty="0" smtClean="0">
+                <a:solidFill>
+                  <a:srgbClr val="FF0000"/>
+                </a:solidFill>
+              </a:rPr>
+              <a:t>(PJT </a:t>
+            </a:r>
+            <a:r>
+              <a:rPr lang="ko-KR" altLang="en-US" sz="3200" b="1" smtClean="0">
+                <a:solidFill>
+                  <a:srgbClr val="FF0000"/>
+                </a:solidFill>
+              </a:rPr>
+              <a:t>일정에 나와있는거 소개</a:t>
+            </a:r>
+            <a:r>
+              <a:rPr lang="en-US" altLang="ko-KR" sz="3200" b="1" dirty="0" smtClean="0">
+                <a:solidFill>
+                  <a:srgbClr val="FF0000"/>
+                </a:solidFill>
+              </a:rPr>
+              <a:t>)</a:t>
             </a:r>
             <a:endParaRPr lang="en-US" altLang="ko-KR" sz="3200" b="1" dirty="0">
+              <a:solidFill>
+                <a:srgbClr val="FF0000"/>
+              </a:solidFill>
+            </a:endParaRPr>
+          </a:p>
+          <a:p>
+            <a:pPr marL="457200" indent="-457200">
+              <a:buFontTx/>
+              <a:buChar char="-"/>
+            </a:pPr>
+            <a:r>
+              <a:rPr lang="ko-KR" altLang="en-US" sz="3200" b="1" dirty="0">
+                <a:solidFill>
+                  <a:schemeClr val="tx1"/>
+                </a:solidFill>
+              </a:rPr>
+              <a:t>기술 내용 또는 소스코드 등 다양한 방법으로 </a:t>
+            </a:r>
+            <a:r>
+              <a:rPr lang="ko-KR" altLang="en-US" sz="3200" b="1" dirty="0">
+                <a:solidFill>
+                  <a:srgbClr val="FF0000"/>
+                </a:solidFill>
+              </a:rPr>
+              <a:t>핵심을 </a:t>
+            </a:r>
+            <a:r>
+              <a:rPr lang="ko-KR" altLang="en-US" sz="3200" b="1" dirty="0" smtClean="0">
+                <a:solidFill>
+                  <a:srgbClr val="FF0000"/>
+                </a:solidFill>
+              </a:rPr>
+              <a:t>소개</a:t>
+            </a:r>
+            <a:r>
+              <a:rPr lang="en-US" altLang="ko-KR" sz="3200" b="1" dirty="0" smtClean="0">
+                <a:solidFill>
+                  <a:srgbClr val="FF0000"/>
+                </a:solidFill>
+              </a:rPr>
+              <a:t>(</a:t>
+            </a:r>
+            <a:r>
+              <a:rPr lang="ko-KR" altLang="en-US" sz="3200" b="1" smtClean="0">
+                <a:solidFill>
+                  <a:srgbClr val="FF0000"/>
+                </a:solidFill>
+              </a:rPr>
+              <a:t>각 부분 주요한 부분 코드 보여주고 대충 설명해</a:t>
+            </a:r>
+            <a:r>
+              <a:rPr lang="en-US" altLang="ko-KR" sz="3200" b="1" dirty="0" smtClean="0">
+                <a:solidFill>
+                  <a:srgbClr val="FF0000"/>
+                </a:solidFill>
+              </a:rPr>
+              <a:t>)</a:t>
+            </a:r>
+            <a:endParaRPr lang="en-US" altLang="ko-KR" sz="3200" b="1" dirty="0">
+              <a:solidFill>
+                <a:srgbClr val="FF0000"/>
+              </a:solidFill>
+            </a:endParaRPr>
+          </a:p>
+          <a:p>
+            <a:pPr marL="457200" indent="-457200">
+              <a:buFontTx/>
+              <a:buChar char="-"/>
+            </a:pPr>
+            <a:r>
+              <a:rPr lang="ko-KR" altLang="en-US" sz="3200" b="1" dirty="0">
+                <a:solidFill>
+                  <a:schemeClr val="tx1"/>
+                </a:solidFill>
+              </a:rPr>
+              <a:t>페이지 수 </a:t>
+            </a:r>
+            <a:r>
+              <a:rPr lang="ko-KR" altLang="en-US" sz="3200" b="1" dirty="0" err="1" smtClean="0">
+                <a:solidFill>
+                  <a:schemeClr val="tx1"/>
+                </a:solidFill>
+              </a:rPr>
+              <a:t>무관ㅇㅋ</a:t>
+            </a:r>
+            <a:endParaRPr lang="ko-KR" altLang="en-US" sz="3200" b="1" dirty="0">
               <a:solidFill>
                 <a:schemeClr val="tx1"/>
               </a:solidFill>
             </a:endParaRPr>
-          </a:p>
-          <a:p>
-            <a:pPr marL="457200" indent="-457200">
-              <a:buFontTx/>
-              <a:buChar char="-"/>
-            </a:pPr>
-            <a:r>
-              <a:rPr lang="ko-KR" altLang="en-US" sz="3200" b="1" dirty="0">
-                <a:solidFill>
-                  <a:schemeClr val="tx1"/>
-                </a:solidFill>
-              </a:rPr>
-              <a:t>기술 내용 또는 소스코드 등 다양한 방법으로 핵심을 소개</a:t>
-            </a:r>
-            <a:endParaRPr lang="en-US" altLang="ko-KR" sz="3200" b="1" dirty="0">
-              <a:solidFill>
-                <a:schemeClr val="tx1"/>
-              </a:solidFill>
-            </a:endParaRPr>
-          </a:p>
-          <a:p>
-            <a:pPr marL="457200" indent="-457200">
-              <a:buFontTx/>
-              <a:buChar char="-"/>
-            </a:pPr>
-            <a:r>
-              <a:rPr lang="ko-KR" altLang="en-US" sz="3200" b="1" dirty="0">
-                <a:solidFill>
-                  <a:schemeClr val="tx1"/>
-                </a:solidFill>
-              </a:rPr>
-              <a:t>페이지 수 무관</a:t>
-            </a:r>
           </a:p>
         </p:txBody>
       </p:sp>
@@ -1977,8 +2437,8 @@
         </p:nvSpPr>
         <p:spPr>
           <a:xfrm>
-            <a:off x="884420" y="2488367"/>
-            <a:ext cx="11092721" cy="2458388"/>
+            <a:off x="244862" y="3306894"/>
+            <a:ext cx="18328888" cy="2458388"/>
           </a:xfrm>
           <a:prstGeom prst="rect">
             <a:avLst/>
@@ -2017,7 +2477,130 @@
                   <a:schemeClr val="tx1"/>
                 </a:solidFill>
               </a:rPr>
-              <a:t>결과물에 대한 성능측정 또는 목표달성 여부 등 평가</a:t>
+              <a:t>결과물에 대한 성능측정 또는 </a:t>
+            </a:r>
+            <a:r>
+              <a:rPr lang="ko-KR" altLang="en-US" sz="3200" b="1" dirty="0">
+                <a:solidFill>
+                  <a:srgbClr val="FF0000"/>
+                </a:solidFill>
+              </a:rPr>
+              <a:t>목표달성 여부 등 </a:t>
+            </a:r>
+            <a:r>
+              <a:rPr lang="ko-KR" altLang="en-US" sz="3200" b="1" dirty="0" smtClean="0">
+                <a:solidFill>
+                  <a:srgbClr val="FF0000"/>
+                </a:solidFill>
+              </a:rPr>
+              <a:t>평가</a:t>
+            </a:r>
+            <a:r>
+              <a:rPr lang="en-US" altLang="ko-KR" sz="3200" b="1" dirty="0" smtClean="0">
+                <a:solidFill>
+                  <a:srgbClr val="FF0000"/>
+                </a:solidFill>
+              </a:rPr>
+              <a:t>(</a:t>
+            </a:r>
+            <a:r>
+              <a:rPr lang="ko-KR" altLang="en-US" sz="3200" b="1" smtClean="0">
+                <a:solidFill>
+                  <a:srgbClr val="FF0000"/>
+                </a:solidFill>
+              </a:rPr>
+              <a:t>예</a:t>
+            </a:r>
+            <a:r>
+              <a:rPr lang="en-US" altLang="ko-KR" sz="3200" b="1" dirty="0" smtClean="0">
+                <a:solidFill>
+                  <a:srgbClr val="FF0000"/>
+                </a:solidFill>
+              </a:rPr>
+              <a:t>- task </a:t>
+            </a:r>
+            <a:r>
+              <a:rPr lang="ko-KR" altLang="en-US" sz="3200" b="1" smtClean="0">
+                <a:solidFill>
+                  <a:srgbClr val="FF0000"/>
+                </a:solidFill>
+              </a:rPr>
+              <a:t>수십개 만들어도 잘 되더라</a:t>
+            </a:r>
+            <a:r>
+              <a:rPr lang="en-US" altLang="ko-KR" sz="3200" b="1" dirty="0" smtClean="0">
+                <a:solidFill>
+                  <a:srgbClr val="FF0000"/>
+                </a:solidFill>
+              </a:rPr>
+              <a:t>, TC</a:t>
+            </a:r>
+            <a:r>
+              <a:rPr lang="ko-KR" altLang="en-US" sz="3200" b="1" smtClean="0">
+                <a:solidFill>
+                  <a:srgbClr val="FF0000"/>
+                </a:solidFill>
+              </a:rPr>
+              <a:t>기반 설명</a:t>
+            </a:r>
+            <a:r>
+              <a:rPr lang="en-US" altLang="ko-KR" sz="3200" b="1" dirty="0" smtClean="0">
+                <a:solidFill>
+                  <a:srgbClr val="FF0000"/>
+                </a:solidFill>
+              </a:rPr>
+              <a:t>)</a:t>
+            </a:r>
+            <a:endParaRPr lang="en-US" altLang="ko-KR" sz="3200" b="1" dirty="0">
+              <a:solidFill>
+                <a:srgbClr val="FF0000"/>
+              </a:solidFill>
+            </a:endParaRPr>
+          </a:p>
+          <a:p>
+            <a:pPr marL="457200" indent="-457200">
+              <a:buFontTx/>
+              <a:buChar char="-"/>
+            </a:pPr>
+            <a:r>
+              <a:rPr lang="ko-KR" altLang="en-US" sz="3200" b="1" dirty="0">
+                <a:solidFill>
+                  <a:schemeClr val="tx1"/>
+                </a:solidFill>
+              </a:rPr>
+              <a:t>성능이 낮을 경우 원인 분석 및 개선책 검토 </a:t>
+            </a:r>
+            <a:r>
+              <a:rPr lang="ko-KR" altLang="en-US" sz="3200" b="1" dirty="0" smtClean="0">
+                <a:solidFill>
+                  <a:schemeClr val="tx1"/>
+                </a:solidFill>
+              </a:rPr>
+              <a:t>기록</a:t>
+            </a:r>
+            <a:r>
+              <a:rPr lang="en-US" altLang="ko-KR" sz="3200" b="1" dirty="0" smtClean="0">
+                <a:solidFill>
+                  <a:schemeClr val="tx1"/>
+                </a:solidFill>
+              </a:rPr>
+              <a:t>(</a:t>
+            </a:r>
+            <a:r>
+              <a:rPr lang="ko-KR" altLang="en-US" sz="3200" b="1" smtClean="0">
+                <a:solidFill>
+                  <a:schemeClr val="tx1"/>
+                </a:solidFill>
+              </a:rPr>
+              <a:t>개 잘됨 안써도됨</a:t>
+            </a:r>
+            <a:r>
+              <a:rPr lang="en-US" altLang="ko-KR" sz="3200" b="1" dirty="0" smtClean="0">
+                <a:solidFill>
+                  <a:schemeClr val="tx1"/>
+                </a:solidFill>
+              </a:rPr>
+              <a:t>)</a:t>
             </a:r>
             <a:endParaRPr lang="en-US" altLang="ko-KR" sz="3200" b="1" dirty="0">
               <a:solidFill>
@@ -2036,26 +2619,39 @@
                   <a:schemeClr val="tx1"/>
                 </a:solidFill>
               </a:rPr>
-              <a:t>성능이 낮을 경우 원인 분석 및 개선책 검토 기록</a:t>
-            </a:r>
-            <a:endParaRPr lang="en-US" altLang="ko-KR" sz="3200" b="1" dirty="0">
-              <a:solidFill>
-                <a:schemeClr val="tx1"/>
-              </a:solidFill>
-            </a:endParaRPr>
-          </a:p>
-          <a:p>
-            <a:pPr marL="457200" indent="-457200">
-              <a:buFontTx/>
-              <a:buChar char="-"/>
-            </a:pPr>
-            <a:r>
-              <a:rPr lang="ko-KR" altLang="en-US" sz="3200" b="1" dirty="0">
-                <a:solidFill>
-                  <a:schemeClr val="tx1"/>
-                </a:solidFill>
-              </a:rPr>
-              <a:t>성능이 만족했을 경우 향후 활용 가능한 기대효과 기록</a:t>
+              <a:t>성능이 만족했을 경우 향후 활용 가능한 기대효과 </a:t>
+            </a:r>
+            <a:r>
+              <a:rPr lang="ko-KR" altLang="en-US" sz="3200" b="1" dirty="0" smtClean="0">
+                <a:solidFill>
+                  <a:schemeClr val="tx1"/>
+                </a:solidFill>
+              </a:rPr>
+              <a:t>기록</a:t>
+            </a:r>
+            <a:r>
+              <a:rPr lang="en-US" altLang="ko-KR" sz="3200" b="1" dirty="0" smtClean="0">
+                <a:solidFill>
+                  <a:schemeClr val="tx1"/>
+                </a:solidFill>
+              </a:rPr>
+              <a:t>(Snake</a:t>
+            </a:r>
+            <a:r>
+              <a:rPr lang="ko-KR" altLang="en-US" sz="3200" b="1" smtClean="0">
+                <a:solidFill>
+                  <a:schemeClr val="tx1"/>
+                </a:solidFill>
+              </a:rPr>
+              <a:t>같은거 만들 수 있음</a:t>
+            </a:r>
+            <a:r>
+              <a:rPr lang="en-US" altLang="ko-KR" sz="3200" b="1" dirty="0" smtClean="0">
+                <a:solidFill>
+                  <a:schemeClr val="tx1"/>
+                </a:solidFill>
+              </a:rPr>
+              <a:t>)</a:t>
             </a:r>
             <a:endParaRPr lang="en-US" altLang="ko-KR" sz="3200" b="1" dirty="0">
               <a:solidFill>
@@ -2215,7 +2811,7 @@
             <a:r>
               <a:rPr lang="ko-KR" altLang="en-US" sz="3200" b="1" dirty="0">
                 <a:solidFill>
-                  <a:schemeClr val="tx1"/>
+                  <a:srgbClr val="FF0000"/>
                 </a:solidFill>
               </a:rPr>
               <a:t>개발 결과물의 추후 개선점</a:t>
@@ -2223,7 +2819,7 @@
             <a:r>
               <a:rPr lang="en-US" altLang="ko-KR" sz="3200" b="1" dirty="0">
                 <a:solidFill>
-                  <a:schemeClr val="tx1"/>
+                  <a:srgbClr val="FF0000"/>
                 </a:solidFill>
               </a:rPr>
               <a:t>, </a:t>
@@ -2231,46 +2827,123 @@
             <a:r>
               <a:rPr lang="ko-KR" altLang="en-US" sz="3200" b="1" dirty="0">
                 <a:solidFill>
-                  <a:schemeClr val="tx1"/>
-                </a:solidFill>
-              </a:rPr>
-              <a:t>후속 개발 주제 등에 대한 내용</a:t>
+                  <a:srgbClr val="FF0000"/>
+                </a:solidFill>
+              </a:rPr>
+              <a:t>후속 개발 주제 등에 </a:t>
+            </a:r>
+            <a:r>
+              <a:rPr lang="ko-KR" altLang="en-US" sz="3200" b="1">
+                <a:solidFill>
+                  <a:srgbClr val="FF0000"/>
+                </a:solidFill>
+              </a:rPr>
+              <a:t>대한 </a:t>
+            </a:r>
+            <a:r>
+              <a:rPr lang="ko-KR" altLang="en-US" sz="3200" b="1" smtClean="0">
+                <a:solidFill>
+                  <a:srgbClr val="FF0000"/>
+                </a:solidFill>
+              </a:rPr>
+              <a:t>내용</a:t>
+            </a:r>
+            <a:r>
+              <a:rPr lang="en-US" altLang="ko-KR" sz="3200" b="1" dirty="0" smtClean="0">
+                <a:solidFill>
+                  <a:srgbClr val="FF0000"/>
+                </a:solidFill>
+              </a:rPr>
+              <a:t>(</a:t>
+            </a:r>
+            <a:r>
+              <a:rPr lang="ko-KR" altLang="en-US" sz="3200" b="1" smtClean="0">
+                <a:solidFill>
+                  <a:srgbClr val="FF0000"/>
+                </a:solidFill>
+              </a:rPr>
+              <a:t>현재 상용 </a:t>
+            </a:r>
+            <a:r>
+              <a:rPr lang="en-US" altLang="ko-KR" sz="3200" b="1" dirty="0" smtClean="0">
+                <a:solidFill>
+                  <a:srgbClr val="FF0000"/>
+                </a:solidFill>
+              </a:rPr>
+              <a:t>RTOS </a:t>
+            </a:r>
+            <a:r>
+              <a:rPr lang="ko-KR" altLang="en-US" sz="3200" b="1" smtClean="0">
+                <a:solidFill>
+                  <a:srgbClr val="FF0000"/>
+                </a:solidFill>
+              </a:rPr>
+              <a:t>기능 몇 개 찾아서 추가하면 됨</a:t>
+            </a:r>
+            <a:r>
+              <a:rPr lang="en-US" altLang="ko-KR" sz="3200" b="1" dirty="0" smtClean="0">
+                <a:solidFill>
+                  <a:srgbClr val="FF0000"/>
+                </a:solidFill>
+              </a:rPr>
+              <a:t>)</a:t>
             </a:r>
             <a:endParaRPr lang="en-US" altLang="ko-KR" sz="3200" b="1" dirty="0">
+              <a:solidFill>
+                <a:srgbClr val="FF0000"/>
+              </a:solidFill>
+            </a:endParaRPr>
+          </a:p>
+          <a:p>
+            <a:pPr marL="457200" indent="-457200">
+              <a:buFontTx/>
+              <a:buChar char="-"/>
+            </a:pPr>
+            <a:r>
+              <a:rPr lang="ko-KR" altLang="en-US" sz="3200" b="1" dirty="0">
+                <a:solidFill>
+                  <a:schemeClr val="tx1"/>
+                </a:solidFill>
+              </a:rPr>
+              <a:t>가급적 </a:t>
+            </a:r>
+            <a:r>
+              <a:rPr lang="en-US" altLang="ko-KR" sz="3200" b="1" dirty="0">
+                <a:solidFill>
+                  <a:schemeClr val="tx1"/>
+                </a:solidFill>
+              </a:rPr>
+              <a:t>1</a:t>
+            </a:r>
+            <a:r>
+              <a:rPr lang="ko-KR" altLang="en-US" sz="3200" b="1">
+                <a:solidFill>
+                  <a:schemeClr val="tx1"/>
+                </a:solidFill>
+              </a:rPr>
+              <a:t>페이지로 </a:t>
+            </a:r>
+            <a:r>
+              <a:rPr lang="ko-KR" altLang="en-US" sz="3200" b="1" smtClean="0">
+                <a:solidFill>
+                  <a:schemeClr val="tx1"/>
+                </a:solidFill>
+              </a:rPr>
+              <a:t>요약</a:t>
+            </a:r>
+            <a:r>
+              <a:rPr lang="ko-KR" altLang="en-US" sz="3200" b="1" smtClean="0">
+                <a:solidFill>
+                  <a:schemeClr val="tx1"/>
+                </a:solidFill>
+              </a:rPr>
+              <a:t>ㅇㅋ</a:t>
+            </a:r>
+            <a:endParaRPr lang="ko-KR" altLang="en-US" sz="3200" b="1" dirty="0">
               <a:solidFill>
                 <a:schemeClr val="tx1"/>
               </a:solidFill>
             </a:endParaRPr>
-          </a:p>
-          <a:p>
-            <a:pPr marL="457200" indent="-457200">
-              <a:buFontTx/>
-              <a:buChar char="-"/>
-            </a:pPr>
-            <a:r>
-              <a:rPr lang="ko-KR" altLang="en-US" sz="3200" b="1" dirty="0">
-                <a:solidFill>
-                  <a:schemeClr val="tx1"/>
-                </a:solidFill>
-              </a:rPr>
-              <a:t>가급적 </a:t>
-            </a:r>
-            <a:r>
-              <a:rPr lang="en-US" altLang="ko-KR" sz="3200" b="1" dirty="0">
-                <a:solidFill>
-                  <a:schemeClr val="tx1"/>
-                </a:solidFill>
-              </a:rPr>
-              <a:t>1</a:t>
-            </a:r>
-            <a:r>
-              <a:rPr lang="ko-KR" altLang="en-US" sz="3200" b="1" dirty="0">
-                <a:solidFill>
-                  <a:schemeClr val="tx1"/>
-                </a:solidFill>
-              </a:rPr>
-              <a:t>페이지로 요약</a:t>
-            </a:r>
           </a:p>
         </p:txBody>
       </p:sp>
@@ -2358,7 +3031,7 @@
         <p:spPr>
           <a:xfrm>
             <a:off x="884420" y="2488367"/>
-            <a:ext cx="11092721" cy="2203554"/>
+            <a:ext cx="14469880" cy="2203554"/>
           </a:xfrm>
           <a:prstGeom prst="rect">
             <a:avLst/>
@@ -2400,12 +3073,36 @@
               <a:t>프로젝트 수행에 따른 </a:t>
             </a:r>
             <a:r>
-              <a:rPr lang="ko-KR" altLang="en-US" sz="3200" b="1" dirty="0" err="1">
+              <a:rPr lang="ko-KR" altLang="en-US" sz="3200" b="1" dirty="0" err="1" smtClean="0">
                 <a:solidFill>
                   <a:schemeClr val="tx1"/>
                 </a:solidFill>
               </a:rPr>
               <a:t>느낀점</a:t>
+            </a:r>
+            <a:r>
+              <a:rPr lang="en-US" altLang="ko-KR" sz="3200" b="1" dirty="0" smtClean="0">
+                <a:solidFill>
+                  <a:schemeClr val="tx1"/>
+                </a:solidFill>
+              </a:rPr>
+              <a:t>(</a:t>
+            </a:r>
+            <a:r>
+              <a:rPr lang="ko-KR" altLang="en-US" sz="3200" b="1" smtClean="0">
+                <a:solidFill>
+                  <a:schemeClr val="tx1"/>
+                </a:solidFill>
+              </a:rPr>
+              <a:t>각자 쓰고 합쳐</a:t>
+            </a:r>
+            <a:r>
+              <a:rPr lang="en-US" altLang="ko-KR" sz="3200" b="1" dirty="0" smtClean="0">
+                <a:solidFill>
+                  <a:schemeClr val="tx1"/>
+                </a:solidFill>
+              </a:rPr>
+              <a:t>)</a:t>
             </a:r>
             <a:endParaRPr lang="en-US" altLang="ko-KR" sz="3200" b="1" dirty="0">
               <a:solidFill>
@@ -2432,7 +3129,39 @@
                   <a:schemeClr val="tx1"/>
                 </a:solidFill>
               </a:rPr>
-              <a:t> 어려웠던 점 그리고 이를 극복한 사연 등</a:t>
+              <a:t> 어려웠던 점 그리고 이를 극복한 사연 </a:t>
+            </a:r>
+            <a:r>
+              <a:rPr lang="ko-KR" altLang="en-US" sz="3200" b="1" dirty="0" smtClean="0">
+                <a:solidFill>
+                  <a:schemeClr val="tx1"/>
+                </a:solidFill>
+              </a:rPr>
+              <a:t>등</a:t>
+            </a:r>
+            <a:r>
+              <a:rPr lang="en-US" altLang="ko-KR" sz="3200" b="1" dirty="0" smtClean="0">
+                <a:solidFill>
+                  <a:schemeClr val="tx1"/>
+                </a:solidFill>
+              </a:rPr>
+              <a:t>(</a:t>
+            </a:r>
+            <a:r>
+              <a:rPr lang="ko-KR" altLang="en-US" sz="3200" b="1" smtClean="0">
+                <a:solidFill>
+                  <a:schemeClr val="tx1"/>
+                </a:solidFill>
+              </a:rPr>
+              <a:t>각자 쓰고 합쳐</a:t>
+            </a:r>
+            <a:r>
+              <a:rPr lang="en-US" altLang="ko-KR" sz="3200" b="1" dirty="0" smtClean="0">
+                <a:solidFill>
+                  <a:schemeClr val="tx1"/>
+                </a:solidFill>
+              </a:rPr>
+              <a:t>)</a:t>
             </a:r>
             <a:endParaRPr lang="en-US" altLang="ko-KR" sz="3200" b="1" dirty="0">
               <a:solidFill>
@@ -2467,8 +3196,45 @@
                   <a:schemeClr val="tx1"/>
                 </a:solidFill>
               </a:rPr>
-              <a:t>페이지로 정리 </a:t>
-            </a:r>
+              <a:t>페이지로 </a:t>
+            </a:r>
+            <a:r>
+              <a:rPr lang="ko-KR" altLang="en-US" sz="3200" b="1">
+                <a:solidFill>
+                  <a:schemeClr val="tx1"/>
+                </a:solidFill>
+              </a:rPr>
+              <a:t>정리 </a:t>
+            </a:r>
+            <a:r>
+              <a:rPr lang="en-US" altLang="ko-KR" sz="3200" b="1" dirty="0" smtClean="0">
+                <a:solidFill>
+                  <a:schemeClr val="tx1"/>
+                </a:solidFill>
+              </a:rPr>
+              <a:t>(</a:t>
+            </a:r>
+            <a:r>
+              <a:rPr lang="ko-KR" altLang="en-US" sz="3200" b="1" smtClean="0">
+                <a:solidFill>
+                  <a:schemeClr val="tx1"/>
+                </a:solidFill>
+              </a:rPr>
+              <a:t>각자 쓰고 합쳐</a:t>
+            </a:r>
+            <a:r>
+              <a:rPr lang="en-US" altLang="ko-KR" sz="3200" b="1" dirty="0" smtClean="0">
+                <a:solidFill>
+                  <a:schemeClr val="tx1"/>
+                </a:solidFill>
+              </a:rPr>
+              <a:t>)</a:t>
+            </a:r>
+            <a:endParaRPr lang="ko-KR" altLang="en-US" sz="3200" b="1" dirty="0">
+              <a:solidFill>
+                <a:schemeClr val="tx1"/>
+              </a:solidFill>
+            </a:endParaRPr>
           </a:p>
         </p:txBody>
       </p:sp>

--- a/부트캠프_07기_RTOS_1팀(김정진, 김소연, 심훈, 이성훈)_최종보고서.pptx
+++ b/부트캠프_07기_RTOS_1팀(김정진, 김소연, 심훈, 이성훈)_최종보고서.pptx
@@ -5,17 +5,20 @@
     <p:sldMasterId id="2147483648" r:id="rId1"/>
   </p:sldMasterIdLst>
   <p:notesMasterIdLst>
-    <p:notesMasterId r:id="rId10"/>
+    <p:notesMasterId r:id="rId13"/>
   </p:notesMasterIdLst>
   <p:sldIdLst>
     <p:sldId id="257" r:id="rId2"/>
     <p:sldId id="258" r:id="rId3"/>
     <p:sldId id="259" r:id="rId4"/>
     <p:sldId id="260" r:id="rId5"/>
-    <p:sldId id="261" r:id="rId6"/>
-    <p:sldId id="262" r:id="rId7"/>
-    <p:sldId id="263" r:id="rId8"/>
-    <p:sldId id="264" r:id="rId9"/>
+    <p:sldId id="266" r:id="rId6"/>
+    <p:sldId id="265" r:id="rId7"/>
+    <p:sldId id="267" r:id="rId8"/>
+    <p:sldId id="268" r:id="rId9"/>
+    <p:sldId id="262" r:id="rId10"/>
+    <p:sldId id="263" r:id="rId11"/>
+    <p:sldId id="264" r:id="rId12"/>
   </p:sldIdLst>
   <p:sldSz cx="17556163" cy="9875838"/>
   <p:notesSz cx="9875838" cy="17556163"/>
@@ -299,7 +302,7 @@
           <a:bodyPr/>
           <a:lstStyle/>
           <a:p>
-            <a:endParaRPr lang="en-US" dirty="0"/>
+            <a:endParaRPr lang="en-US"/>
           </a:p>
         </p:txBody>
       </p:sp>
@@ -383,7 +386,7 @@
           <a:bodyPr/>
           <a:lstStyle/>
           <a:p>
-            <a:endParaRPr lang="en-US" dirty="0"/>
+            <a:endParaRPr lang="en-US"/>
           </a:p>
         </p:txBody>
       </p:sp>
@@ -474,6 +477,13 @@
   <p:clrMapOvr>
     <a:masterClrMapping/>
   </p:clrMapOvr>
+  <p:timing>
+    <p:tnLst>
+      <p:par>
+        <p:cTn id="1" dur="indefinite" restart="never" nodeType="tmRoot"/>
+      </p:par>
+    </p:tnLst>
+  </p:timing>
 </p:sldLayout>
 </file>
 
@@ -505,6 +515,13 @@
   <p:sldLayoutIdLst>
     <p:sldLayoutId id="2147483649" r:id="rId1"/>
   </p:sldLayoutIdLst>
+  <p:timing>
+    <p:tnLst>
+      <p:par>
+        <p:cTn id="1" dur="indefinite" restart="never" nodeType="tmRoot"/>
+      </p:par>
+    </p:tnLst>
+  </p:timing>
   <p:hf sldNum="0" hdr="0" ftr="0" dt="0"/>
   <p:txStyles>
     <p:titleStyle>
@@ -823,7 +840,7 @@
           <a:lstStyle/>
           <a:p>
             <a:r>
-              <a:rPr lang="en-US" altLang="ko-KR" b="1" dirty="0">
+              <a:rPr lang="en-US" altLang="ko-KR" b="1">
                 <a:solidFill>
                   <a:schemeClr val="bg1"/>
                 </a:solidFill>
@@ -833,7 +850,7 @@
               <a:t>LG </a:t>
             </a:r>
             <a:r>
-              <a:rPr lang="ko-KR" altLang="en-US" b="1" dirty="0">
+              <a:rPr lang="ko-KR" altLang="en-US" b="1">
                 <a:solidFill>
                   <a:schemeClr val="bg1"/>
                 </a:solidFill>
@@ -843,7 +860,7 @@
               <a:t>부트캠프 </a:t>
             </a:r>
             <a:r>
-              <a:rPr lang="en-US" altLang="ko-KR" b="1" dirty="0">
+              <a:rPr lang="en-US" altLang="ko-KR" b="1">
                 <a:solidFill>
                   <a:schemeClr val="bg1"/>
                 </a:solidFill>
@@ -853,7 +870,7 @@
               <a:t>7</a:t>
             </a:r>
             <a:r>
-              <a:rPr lang="ko-KR" altLang="en-US" b="1" dirty="0">
+              <a:rPr lang="ko-KR" altLang="en-US" b="1">
                 <a:solidFill>
                   <a:schemeClr val="bg1"/>
                 </a:solidFill>
@@ -888,15 +905,22 @@
           <a:lstStyle/>
           <a:p>
             <a:r>
-              <a:rPr lang="ko-KR" altLang="en-US" sz="5400" b="1" dirty="0">
+              <a:rPr lang="en-US" altLang="ko-KR" sz="5400" b="1" smtClean="0">
                 <a:solidFill>
                   <a:schemeClr val="bg1"/>
                 </a:solidFill>
                 <a:latin typeface="LG스마트체2.0 Regular" panose="020B0600000101010101" pitchFamily="50" charset="-127"/>
                 <a:ea typeface="LG스마트체2.0 Regular" panose="020B0600000101010101" pitchFamily="50" charset="-127"/>
               </a:rPr>
-              <a:t>프로젝트 제목을 기입합니다</a:t>
-            </a:r>
+              <a:t>Real-Time Operating Snake</a:t>
+            </a:r>
+            <a:endParaRPr lang="ko-KR" altLang="en-US" sz="5400" b="1">
+              <a:solidFill>
+                <a:schemeClr val="bg1"/>
+              </a:solidFill>
+              <a:latin typeface="LG스마트체2.0 Regular" panose="020B0600000101010101" pitchFamily="50" charset="-127"/>
+              <a:ea typeface="LG스마트체2.0 Regular" panose="020B0600000101010101" pitchFamily="50" charset="-127"/>
+            </a:endParaRPr>
           </a:p>
         </p:txBody>
       </p:sp>
@@ -923,18 +947,56 @@
           <a:lstStyle/>
           <a:p>
             <a:r>
-              <a:rPr lang="en-US" altLang="ko-KR" sz="2800" b="1" dirty="0">
+              <a:rPr lang="en-US" altLang="ko-KR" sz="2800" b="1" smtClean="0">
                 <a:solidFill>
                   <a:schemeClr val="bg1"/>
                 </a:solidFill>
                 <a:latin typeface="LG스마트체2.0 Regular" panose="020B0600000101010101" pitchFamily="50" charset="-127"/>
                 <a:ea typeface="LG스마트체2.0 Regular" panose="020B0600000101010101" pitchFamily="50" charset="-127"/>
               </a:rPr>
-              <a:t>RTOS</a:t>
-            </a:r>
-          </a:p>
-          <a:p>
-            <a:endParaRPr lang="en-US" altLang="ko-KR" sz="2800" b="1" dirty="0">
+              <a:t>RTOS / 1</a:t>
+            </a:r>
+            <a:r>
+              <a:rPr lang="ko-KR" altLang="en-US" sz="2800" b="1" smtClean="0">
+                <a:solidFill>
+                  <a:schemeClr val="bg1"/>
+                </a:solidFill>
+                <a:latin typeface="LG스마트체2.0 Regular" panose="020B0600000101010101" pitchFamily="50" charset="-127"/>
+                <a:ea typeface="LG스마트체2.0 Regular" panose="020B0600000101010101" pitchFamily="50" charset="-127"/>
+              </a:rPr>
+              <a:t>반 </a:t>
+            </a:r>
+            <a:r>
+              <a:rPr lang="en-US" altLang="ko-KR" sz="2800" b="1" smtClean="0">
+                <a:solidFill>
+                  <a:schemeClr val="bg1"/>
+                </a:solidFill>
+                <a:latin typeface="LG스마트체2.0 Regular" panose="020B0600000101010101" pitchFamily="50" charset="-127"/>
+                <a:ea typeface="LG스마트체2.0 Regular" panose="020B0600000101010101" pitchFamily="50" charset="-127"/>
+              </a:rPr>
+              <a:t>1</a:t>
+            </a:r>
+            <a:r>
+              <a:rPr lang="ko-KR" altLang="en-US" sz="2800" b="1" smtClean="0">
+                <a:solidFill>
+                  <a:schemeClr val="bg1"/>
+                </a:solidFill>
+                <a:latin typeface="LG스마트체2.0 Regular" panose="020B0600000101010101" pitchFamily="50" charset="-127"/>
+                <a:ea typeface="LG스마트체2.0 Regular" panose="020B0600000101010101" pitchFamily="50" charset="-127"/>
+              </a:rPr>
+              <a:t>팀 </a:t>
+            </a:r>
+            <a:r>
+              <a:rPr lang="en-US" altLang="ko-KR" sz="2800" b="1" smtClean="0">
+                <a:solidFill>
+                  <a:schemeClr val="bg1"/>
+                </a:solidFill>
+                <a:latin typeface="LG스마트체2.0 Regular" panose="020B0600000101010101" pitchFamily="50" charset="-127"/>
+                <a:ea typeface="LG스마트체2.0 Regular" panose="020B0600000101010101" pitchFamily="50" charset="-127"/>
+              </a:rPr>
+              <a:t>/ 0xF</a:t>
+            </a:r>
+            <a:endParaRPr lang="en-US" altLang="ko-KR" sz="2800" b="1">
               <a:solidFill>
                 <a:schemeClr val="bg1"/>
               </a:solidFill>
@@ -943,6 +1005,15 @@
             </a:endParaRPr>
           </a:p>
           <a:p>
+            <a:endParaRPr lang="en-US" altLang="ko-KR" sz="2800" b="1">
+              <a:solidFill>
+                <a:schemeClr val="bg1"/>
+              </a:solidFill>
+              <a:latin typeface="LG스마트체2.0 Regular" panose="020B0600000101010101" pitchFamily="50" charset="-127"/>
+              <a:ea typeface="LG스마트체2.0 Regular" panose="020B0600000101010101" pitchFamily="50" charset="-127"/>
+            </a:endParaRPr>
+          </a:p>
+          <a:p>
             <a:r>
               <a:rPr lang="ko-KR" altLang="en-US" sz="2800" b="1" smtClean="0">
                 <a:solidFill>
@@ -954,7 +1025,7 @@
               <a:t>김정진</a:t>
             </a:r>
             <a:r>
-              <a:rPr lang="en-US" altLang="ko-KR" sz="2800" b="1" dirty="0" smtClean="0">
+              <a:rPr lang="en-US" altLang="ko-KR" sz="2800" b="1" smtClean="0">
                 <a:solidFill>
                   <a:schemeClr val="bg1"/>
                 </a:solidFill>
@@ -974,7 +1045,7 @@
               <a:t>김소연</a:t>
             </a:r>
             <a:r>
-              <a:rPr lang="en-US" altLang="ko-KR" sz="2800" b="1" dirty="0" smtClean="0">
+              <a:rPr lang="en-US" altLang="ko-KR" sz="2800" b="1" smtClean="0">
                 <a:solidFill>
                   <a:schemeClr val="bg1"/>
                 </a:solidFill>
@@ -1013,7 +1084,7 @@
               </a:rPr>
               <a:t>이성훈</a:t>
             </a:r>
-            <a:endParaRPr lang="ko-KR" altLang="en-US" sz="2800" b="1" dirty="0">
+            <a:endParaRPr lang="ko-KR" altLang="en-US" sz="2800" b="1">
               <a:solidFill>
                 <a:schemeClr val="bg1"/>
               </a:solidFill>
@@ -1046,7 +1117,7 @@
           <a:lstStyle/>
           <a:p>
             <a:r>
-              <a:rPr lang="ko-KR" altLang="en-US" sz="3600" b="1" dirty="0">
+              <a:rPr lang="ko-KR" altLang="en-US" sz="3600" b="1">
                 <a:solidFill>
                   <a:schemeClr val="bg1"/>
                 </a:solidFill>
@@ -1063,6 +1134,1391 @@
   <p:clrMapOvr>
     <a:masterClrMapping/>
   </p:clrMapOvr>
+  <p:timing>
+    <p:tnLst>
+      <p:par>
+        <p:cTn id="1" dur="indefinite" restart="never" nodeType="tmRoot"/>
+      </p:par>
+    </p:tnLst>
+  </p:timing>
+</p:sld>
+</file>
+
+<file path=ppt/slides/slide10.xml><?xml version="1.0" encoding="utf-8"?>
+<p:sld xmlns:a="http://schemas.openxmlformats.org/drawingml/2006/main" xmlns:r="http://schemas.openxmlformats.org/officeDocument/2006/relationships" xmlns:p="http://schemas.openxmlformats.org/presentationml/2006/main">
+  <p:cSld>
+    <p:spTree>
+      <p:nvGrpSpPr>
+        <p:cNvPr id="1" name=""/>
+        <p:cNvGrpSpPr/>
+        <p:nvPr/>
+      </p:nvGrpSpPr>
+      <p:grpSpPr>
+        <a:xfrm>
+          <a:off x="0" y="0"/>
+          <a:ext cx="0" cy="0"/>
+          <a:chOff x="0" y="0"/>
+          <a:chExt cx="0" cy="0"/>
+        </a:xfrm>
+      </p:grpSpPr>
+      <p:sp>
+        <p:nvSpPr>
+          <p:cNvPr id="2" name="TextBox 1"/>
+          <p:cNvSpPr txBox="1"/>
+          <p:nvPr/>
+        </p:nvSpPr>
+        <p:spPr>
+          <a:xfrm>
+            <a:off x="244862" y="238662"/>
+            <a:ext cx="14190667" cy="923330"/>
+          </a:xfrm>
+          <a:prstGeom prst="rect">
+            <a:avLst/>
+          </a:prstGeom>
+          <a:noFill/>
+        </p:spPr>
+        <p:txBody>
+          <a:bodyPr wrap="square" rtlCol="0">
+            <a:spAutoFit/>
+          </a:bodyPr>
+          <a:lstStyle/>
+          <a:p>
+            <a:r>
+              <a:rPr lang="en-US" altLang="ko-KR" sz="5400" b="1">
+                <a:solidFill>
+                  <a:schemeClr val="bg1"/>
+                </a:solidFill>
+                <a:latin typeface="LG스마트체2.0 Regular" panose="020B0600000101010101" pitchFamily="50" charset="-127"/>
+                <a:ea typeface="LG스마트체2.0 Regular" panose="020B0600000101010101" pitchFamily="50" charset="-127"/>
+              </a:rPr>
+              <a:t>5. </a:t>
+            </a:r>
+            <a:r>
+              <a:rPr lang="ko-KR" altLang="en-US" sz="5400" b="1">
+                <a:solidFill>
+                  <a:schemeClr val="bg1"/>
+                </a:solidFill>
+                <a:latin typeface="LG스마트체2.0 Regular" panose="020B0600000101010101" pitchFamily="50" charset="-127"/>
+                <a:ea typeface="LG스마트체2.0 Regular" panose="020B0600000101010101" pitchFamily="50" charset="-127"/>
+              </a:rPr>
+              <a:t>향후 연구 과제</a:t>
+            </a:r>
+          </a:p>
+        </p:txBody>
+      </p:sp>
+      <p:sp>
+        <p:nvSpPr>
+          <p:cNvPr id="3" name="직사각형 2"/>
+          <p:cNvSpPr/>
+          <p:nvPr/>
+        </p:nvSpPr>
+        <p:spPr>
+          <a:xfrm>
+            <a:off x="884420" y="10253510"/>
+            <a:ext cx="11092721" cy="1798820"/>
+          </a:xfrm>
+          <a:prstGeom prst="rect">
+            <a:avLst/>
+          </a:prstGeom>
+          <a:solidFill>
+            <a:srgbClr val="FFFF00"/>
+          </a:solidFill>
+        </p:spPr>
+        <p:style>
+          <a:lnRef idx="2">
+            <a:schemeClr val="accent1">
+              <a:shade val="50000"/>
+            </a:schemeClr>
+          </a:lnRef>
+          <a:fillRef idx="1">
+            <a:schemeClr val="accent1"/>
+          </a:fillRef>
+          <a:effectRef idx="0">
+            <a:schemeClr val="accent1"/>
+          </a:effectRef>
+          <a:fontRef idx="minor">
+            <a:schemeClr val="lt1"/>
+          </a:fontRef>
+        </p:style>
+        <p:txBody>
+          <a:bodyPr rtlCol="0" anchor="ctr"/>
+          <a:lstStyle/>
+          <a:p>
+            <a:pPr marL="457200" indent="-457200">
+              <a:buFontTx/>
+              <a:buChar char="-"/>
+            </a:pPr>
+            <a:r>
+              <a:rPr lang="ko-KR" altLang="en-US" sz="3200" b="1">
+                <a:solidFill>
+                  <a:srgbClr val="FF0000"/>
+                </a:solidFill>
+              </a:rPr>
+              <a:t>개발 결과물의 추후 개선점</a:t>
+            </a:r>
+            <a:r>
+              <a:rPr lang="en-US" altLang="ko-KR" sz="3200" b="1">
+                <a:solidFill>
+                  <a:srgbClr val="FF0000"/>
+                </a:solidFill>
+              </a:rPr>
+              <a:t>, </a:t>
+            </a:r>
+            <a:r>
+              <a:rPr lang="ko-KR" altLang="en-US" sz="3200" b="1">
+                <a:solidFill>
+                  <a:srgbClr val="FF0000"/>
+                </a:solidFill>
+              </a:rPr>
+              <a:t>후속 개발 주제 등에 대한 </a:t>
+            </a:r>
+            <a:r>
+              <a:rPr lang="ko-KR" altLang="en-US" sz="3200" b="1" smtClean="0">
+                <a:solidFill>
+                  <a:srgbClr val="FF0000"/>
+                </a:solidFill>
+              </a:rPr>
+              <a:t>내용</a:t>
+            </a:r>
+            <a:r>
+              <a:rPr lang="en-US" altLang="ko-KR" sz="3200" b="1" smtClean="0">
+                <a:solidFill>
+                  <a:srgbClr val="FF0000"/>
+                </a:solidFill>
+              </a:rPr>
+              <a:t>(</a:t>
+            </a:r>
+            <a:r>
+              <a:rPr lang="ko-KR" altLang="en-US" sz="3200" b="1" smtClean="0">
+                <a:solidFill>
+                  <a:srgbClr val="FF0000"/>
+                </a:solidFill>
+              </a:rPr>
+              <a:t>현재 상용 </a:t>
+            </a:r>
+            <a:r>
+              <a:rPr lang="en-US" altLang="ko-KR" sz="3200" b="1" smtClean="0">
+                <a:solidFill>
+                  <a:srgbClr val="FF0000"/>
+                </a:solidFill>
+              </a:rPr>
+              <a:t>RTOS </a:t>
+            </a:r>
+            <a:r>
+              <a:rPr lang="ko-KR" altLang="en-US" sz="3200" b="1" smtClean="0">
+                <a:solidFill>
+                  <a:srgbClr val="FF0000"/>
+                </a:solidFill>
+              </a:rPr>
+              <a:t>기능 몇 개 찾아서 추가하면 됨</a:t>
+            </a:r>
+            <a:r>
+              <a:rPr lang="en-US" altLang="ko-KR" sz="3200" b="1" smtClean="0">
+                <a:solidFill>
+                  <a:srgbClr val="FF0000"/>
+                </a:solidFill>
+              </a:rPr>
+              <a:t>)</a:t>
+            </a:r>
+            <a:endParaRPr lang="en-US" altLang="ko-KR" sz="3200" b="1">
+              <a:solidFill>
+                <a:srgbClr val="FF0000"/>
+              </a:solidFill>
+            </a:endParaRPr>
+          </a:p>
+          <a:p>
+            <a:pPr marL="457200" indent="-457200">
+              <a:buFontTx/>
+              <a:buChar char="-"/>
+            </a:pPr>
+            <a:r>
+              <a:rPr lang="ko-KR" altLang="en-US" sz="3200" b="1">
+                <a:solidFill>
+                  <a:schemeClr val="tx1"/>
+                </a:solidFill>
+              </a:rPr>
+              <a:t>가급적 </a:t>
+            </a:r>
+            <a:r>
+              <a:rPr lang="en-US" altLang="ko-KR" sz="3200" b="1">
+                <a:solidFill>
+                  <a:schemeClr val="tx1"/>
+                </a:solidFill>
+              </a:rPr>
+              <a:t>1</a:t>
+            </a:r>
+            <a:r>
+              <a:rPr lang="ko-KR" altLang="en-US" sz="3200" b="1">
+                <a:solidFill>
+                  <a:schemeClr val="tx1"/>
+                </a:solidFill>
+              </a:rPr>
+              <a:t>페이지로 </a:t>
+            </a:r>
+            <a:r>
+              <a:rPr lang="ko-KR" altLang="en-US" sz="3200" b="1" smtClean="0">
+                <a:solidFill>
+                  <a:schemeClr val="tx1"/>
+                </a:solidFill>
+              </a:rPr>
+              <a:t>요약ㅇㅋ</a:t>
+            </a:r>
+            <a:endParaRPr lang="ko-KR" altLang="en-US" sz="3200" b="1">
+              <a:solidFill>
+                <a:schemeClr val="tx1"/>
+              </a:solidFill>
+            </a:endParaRPr>
+          </a:p>
+        </p:txBody>
+      </p:sp>
+      <p:sp>
+        <p:nvSpPr>
+          <p:cNvPr id="4" name="TextBox 3"/>
+          <p:cNvSpPr txBox="1"/>
+          <p:nvPr/>
+        </p:nvSpPr>
+        <p:spPr>
+          <a:xfrm>
+            <a:off x="737675" y="1800664"/>
+            <a:ext cx="12603130" cy="4770537"/>
+          </a:xfrm>
+          <a:prstGeom prst="rect">
+            <a:avLst/>
+          </a:prstGeom>
+          <a:noFill/>
+        </p:spPr>
+        <p:txBody>
+          <a:bodyPr wrap="none" rtlCol="0">
+            <a:spAutoFit/>
+          </a:bodyPr>
+          <a:lstStyle/>
+          <a:p>
+            <a:pPr marL="285750" indent="-285750">
+              <a:buFont typeface="Arial" panose="020B0604020202020204" pitchFamily="34" charset="0"/>
+              <a:buChar char="•"/>
+            </a:pPr>
+            <a:r>
+              <a:rPr lang="ko-KR" altLang="en-US" sz="2400" b="1" smtClean="0">
+                <a:latin typeface="LG스마트체2.0 Regular" panose="020B0600000101010101" pitchFamily="50" charset="-127"/>
+                <a:ea typeface="LG스마트체2.0 Regular" panose="020B0600000101010101" pitchFamily="50" charset="-127"/>
+              </a:rPr>
+              <a:t>추후 개선점</a:t>
+            </a:r>
+            <a:endParaRPr lang="en-US" altLang="ko-KR" sz="2000" b="1" smtClean="0">
+              <a:latin typeface="LG스마트체2.0 Regular" panose="020B0600000101010101" pitchFamily="50" charset="-127"/>
+              <a:ea typeface="LG스마트체2.0 Regular" panose="020B0600000101010101" pitchFamily="50" charset="-127"/>
+            </a:endParaRPr>
+          </a:p>
+          <a:p>
+            <a:pPr marL="800100" lvl="1" indent="-342900">
+              <a:buFont typeface="Wingdings" panose="05000000000000000000" pitchFamily="2" charset="2"/>
+              <a:buChar char="Ø"/>
+            </a:pPr>
+            <a:r>
+              <a:rPr lang="en-US" altLang="ko-KR" sz="2000" smtClean="0">
+                <a:latin typeface="LG스마트체2.0 Regular" panose="020B0600000101010101" pitchFamily="50" charset="-127"/>
+                <a:ea typeface="LG스마트체2.0 Regular" panose="020B0600000101010101" pitchFamily="50" charset="-127"/>
+              </a:rPr>
+              <a:t>Task state </a:t>
+            </a:r>
+            <a:r>
+              <a:rPr lang="ko-KR" altLang="en-US" sz="2000" smtClean="0">
+                <a:latin typeface="LG스마트체2.0 Regular" panose="020B0600000101010101" pitchFamily="50" charset="-127"/>
+                <a:ea typeface="LG스마트체2.0 Regular" panose="020B0600000101010101" pitchFamily="50" charset="-127"/>
+              </a:rPr>
+              <a:t>세분화를 통한 구체적인 </a:t>
+            </a:r>
+            <a:r>
+              <a:rPr lang="en-US" altLang="ko-KR" sz="2000" smtClean="0">
+                <a:latin typeface="LG스마트체2.0 Regular" panose="020B0600000101010101" pitchFamily="50" charset="-127"/>
+                <a:ea typeface="LG스마트체2.0 Regular" panose="020B0600000101010101" pitchFamily="50" charset="-127"/>
+              </a:rPr>
+              <a:t>task </a:t>
+            </a:r>
+            <a:r>
+              <a:rPr lang="ko-KR" altLang="en-US" sz="2000" smtClean="0">
+                <a:latin typeface="LG스마트체2.0 Regular" panose="020B0600000101010101" pitchFamily="50" charset="-127"/>
+                <a:ea typeface="LG스마트체2.0 Regular" panose="020B0600000101010101" pitchFamily="50" charset="-127"/>
+              </a:rPr>
+              <a:t>상태를 표현</a:t>
+            </a:r>
+            <a:endParaRPr lang="en-US" altLang="ko-KR" sz="2000">
+              <a:latin typeface="LG스마트체2.0 Regular" panose="020B0600000101010101" pitchFamily="50" charset="-127"/>
+              <a:ea typeface="LG스마트체2.0 Regular" panose="020B0600000101010101" pitchFamily="50" charset="-127"/>
+            </a:endParaRPr>
+          </a:p>
+          <a:p>
+            <a:pPr marL="1257300" lvl="2" indent="-342900">
+              <a:buFont typeface="Wingdings" panose="05000000000000000000" pitchFamily="2" charset="2"/>
+              <a:buChar char="ü"/>
+            </a:pPr>
+            <a:r>
+              <a:rPr lang="en-US" altLang="ko-KR" sz="2000" smtClean="0">
+                <a:latin typeface="LG스마트체2.0 Regular" panose="020B0600000101010101" pitchFamily="50" charset="-127"/>
+                <a:ea typeface="LG스마트체2.0 Regular" panose="020B0600000101010101" pitchFamily="50" charset="-127"/>
+              </a:rPr>
+              <a:t>Task suspended </a:t>
+            </a:r>
+            <a:r>
+              <a:rPr lang="ko-KR" altLang="en-US" sz="2000" smtClean="0">
+                <a:latin typeface="LG스마트체2.0 Regular" panose="020B0600000101010101" pitchFamily="50" charset="-127"/>
+                <a:ea typeface="LG스마트체2.0 Regular" panose="020B0600000101010101" pitchFamily="50" charset="-127"/>
+              </a:rPr>
+              <a:t>구현</a:t>
+            </a:r>
+            <a:r>
+              <a:rPr lang="en-US" altLang="ko-KR" sz="2000" smtClean="0">
+                <a:latin typeface="LG스마트체2.0 Regular" panose="020B0600000101010101" pitchFamily="50" charset="-127"/>
+                <a:ea typeface="LG스마트체2.0 Regular" panose="020B0600000101010101" pitchFamily="50" charset="-127"/>
+              </a:rPr>
+              <a:t>(Suspended Ready, Blocked)</a:t>
+            </a:r>
+            <a:endParaRPr lang="en-US" altLang="ko-KR" sz="2000">
+              <a:latin typeface="LG스마트체2.0 Regular" panose="020B0600000101010101" pitchFamily="50" charset="-127"/>
+              <a:ea typeface="LG스마트체2.0 Regular" panose="020B0600000101010101" pitchFamily="50" charset="-127"/>
+            </a:endParaRPr>
+          </a:p>
+          <a:p>
+            <a:pPr marL="1257300" lvl="2" indent="-342900">
+              <a:buFont typeface="Wingdings" panose="05000000000000000000" pitchFamily="2" charset="2"/>
+              <a:buChar char="ü"/>
+            </a:pPr>
+            <a:r>
+              <a:rPr lang="en-US" altLang="ko-KR" sz="2000" smtClean="0">
+                <a:latin typeface="LG스마트체2.0 Regular" panose="020B0600000101010101" pitchFamily="50" charset="-127"/>
+                <a:ea typeface="LG스마트체2.0 Regular" panose="020B0600000101010101" pitchFamily="50" charset="-127"/>
+              </a:rPr>
+              <a:t>Blocked state </a:t>
+            </a:r>
+            <a:r>
+              <a:rPr lang="ko-KR" altLang="en-US" sz="2000" smtClean="0">
+                <a:latin typeface="LG스마트체2.0 Regular" panose="020B0600000101010101" pitchFamily="50" charset="-127"/>
+                <a:ea typeface="LG스마트체2.0 Regular" panose="020B0600000101010101" pitchFamily="50" charset="-127"/>
+              </a:rPr>
+              <a:t>세분화</a:t>
+            </a:r>
+            <a:r>
+              <a:rPr lang="en-US" altLang="ko-KR" sz="2000" smtClean="0">
+                <a:latin typeface="LG스마트체2.0 Regular" panose="020B0600000101010101" pitchFamily="50" charset="-127"/>
+                <a:ea typeface="LG스마트체2.0 Regular" panose="020B0600000101010101" pitchFamily="50" charset="-127"/>
+              </a:rPr>
+              <a:t>(Blocked I/O, Blocked resource)</a:t>
+            </a:r>
+          </a:p>
+          <a:p>
+            <a:pPr marL="1257300" lvl="2" indent="-342900">
+              <a:buFont typeface="Wingdings" panose="05000000000000000000" pitchFamily="2" charset="2"/>
+              <a:buChar char="ü"/>
+            </a:pPr>
+            <a:endParaRPr lang="en-US" altLang="ko-KR" sz="2000" smtClean="0">
+              <a:latin typeface="LG스마트체2.0 Regular" panose="020B0600000101010101" pitchFamily="50" charset="-127"/>
+              <a:ea typeface="LG스마트체2.0 Regular" panose="020B0600000101010101" pitchFamily="50" charset="-127"/>
+            </a:endParaRPr>
+          </a:p>
+          <a:p>
+            <a:pPr marL="800100" lvl="1" indent="-342900">
+              <a:buFont typeface="Wingdings" panose="05000000000000000000" pitchFamily="2" charset="2"/>
+              <a:buChar char="Ø"/>
+            </a:pPr>
+            <a:r>
+              <a:rPr lang="en-US" altLang="ko-KR" sz="2000" smtClean="0">
+                <a:latin typeface="LG스마트체2.0 Regular" panose="020B0600000101010101" pitchFamily="50" charset="-127"/>
+                <a:ea typeface="LG스마트체2.0 Regular" panose="020B0600000101010101" pitchFamily="50" charset="-127"/>
+              </a:rPr>
+              <a:t>Application</a:t>
+            </a:r>
+            <a:r>
+              <a:rPr lang="ko-KR" altLang="en-US" sz="2000" smtClean="0">
+                <a:latin typeface="LG스마트체2.0 Regular" panose="020B0600000101010101" pitchFamily="50" charset="-127"/>
+                <a:ea typeface="LG스마트체2.0 Regular" panose="020B0600000101010101" pitchFamily="50" charset="-127"/>
+              </a:rPr>
+              <a:t>에 따라 같은 우선순위를 갖는 </a:t>
+            </a:r>
+            <a:r>
+              <a:rPr lang="en-US" altLang="ko-KR" sz="2000" smtClean="0">
+                <a:latin typeface="LG스마트체2.0 Regular" panose="020B0600000101010101" pitchFamily="50" charset="-127"/>
+                <a:ea typeface="LG스마트체2.0 Regular" panose="020B0600000101010101" pitchFamily="50" charset="-127"/>
+              </a:rPr>
+              <a:t>task</a:t>
+            </a:r>
+            <a:r>
+              <a:rPr lang="ko-KR" altLang="en-US" sz="2000" smtClean="0">
+                <a:latin typeface="LG스마트체2.0 Regular" panose="020B0600000101010101" pitchFamily="50" charset="-127"/>
+                <a:ea typeface="LG스마트체2.0 Regular" panose="020B0600000101010101" pitchFamily="50" charset="-127"/>
+              </a:rPr>
+              <a:t>에 대한 </a:t>
+            </a:r>
+            <a:r>
+              <a:rPr lang="en-US" altLang="ko-KR" sz="2000" smtClean="0">
+                <a:latin typeface="LG스마트체2.0 Regular" panose="020B0600000101010101" pitchFamily="50" charset="-127"/>
+                <a:ea typeface="LG스마트체2.0 Regular" panose="020B0600000101010101" pitchFamily="50" charset="-127"/>
+              </a:rPr>
+              <a:t>scheduling </a:t>
+            </a:r>
+            <a:r>
+              <a:rPr lang="ko-KR" altLang="en-US" sz="2000" smtClean="0">
+                <a:latin typeface="LG스마트체2.0 Regular" panose="020B0600000101010101" pitchFamily="50" charset="-127"/>
+                <a:ea typeface="LG스마트체2.0 Regular" panose="020B0600000101010101" pitchFamily="50" charset="-127"/>
+              </a:rPr>
+              <a:t>방법 선택</a:t>
+            </a:r>
+            <a:endParaRPr lang="en-US" altLang="ko-KR" sz="2000" smtClean="0">
+              <a:latin typeface="LG스마트체2.0 Regular" panose="020B0600000101010101" pitchFamily="50" charset="-127"/>
+              <a:ea typeface="LG스마트체2.0 Regular" panose="020B0600000101010101" pitchFamily="50" charset="-127"/>
+            </a:endParaRPr>
+          </a:p>
+          <a:p>
+            <a:pPr marL="1257300" lvl="2" indent="-342900">
+              <a:buFont typeface="Wingdings" panose="05000000000000000000" pitchFamily="2" charset="2"/>
+              <a:buChar char="ü"/>
+            </a:pPr>
+            <a:r>
+              <a:rPr lang="ko-KR" altLang="en-US" sz="2000" smtClean="0">
+                <a:latin typeface="LG스마트체2.0 Regular" panose="020B0600000101010101" pitchFamily="50" charset="-127"/>
+                <a:ea typeface="LG스마트체2.0 Regular" panose="020B0600000101010101" pitchFamily="50" charset="-127"/>
+              </a:rPr>
+              <a:t>현재 구현 방법은 모든 준비 상태의 </a:t>
+            </a:r>
+            <a:r>
+              <a:rPr lang="en-US" altLang="ko-KR" sz="2000" smtClean="0">
+                <a:latin typeface="LG스마트체2.0 Regular" panose="020B0600000101010101" pitchFamily="50" charset="-127"/>
+                <a:ea typeface="LG스마트체2.0 Regular" panose="020B0600000101010101" pitchFamily="50" charset="-127"/>
+              </a:rPr>
+              <a:t>task</a:t>
+            </a:r>
+            <a:r>
+              <a:rPr lang="ko-KR" altLang="en-US" sz="2000" smtClean="0">
+                <a:latin typeface="LG스마트체2.0 Regular" panose="020B0600000101010101" pitchFamily="50" charset="-127"/>
+                <a:ea typeface="LG스마트체2.0 Regular" panose="020B0600000101010101" pitchFamily="50" charset="-127"/>
+              </a:rPr>
+              <a:t>에게 시간을 균등하게 할당하는 </a:t>
+            </a:r>
+            <a:r>
+              <a:rPr lang="en-US" altLang="ko-KR" sz="2000" smtClean="0">
+                <a:latin typeface="LG스마트체2.0 Regular" panose="020B0600000101010101" pitchFamily="50" charset="-127"/>
+                <a:ea typeface="LG스마트체2.0 Regular" panose="020B0600000101010101" pitchFamily="50" charset="-127"/>
+              </a:rPr>
+              <a:t>Round robin scheduling </a:t>
+            </a:r>
+            <a:r>
+              <a:rPr lang="ko-KR" altLang="en-US" sz="2000" smtClean="0">
+                <a:latin typeface="LG스마트체2.0 Regular" panose="020B0600000101010101" pitchFamily="50" charset="-127"/>
+                <a:ea typeface="LG스마트체2.0 Regular" panose="020B0600000101010101" pitchFamily="50" charset="-127"/>
+              </a:rPr>
+              <a:t>형태임</a:t>
+            </a:r>
+            <a:endParaRPr lang="en-US" altLang="ko-KR" sz="2000" smtClean="0">
+              <a:latin typeface="LG스마트체2.0 Regular" panose="020B0600000101010101" pitchFamily="50" charset="-127"/>
+              <a:ea typeface="LG스마트체2.0 Regular" panose="020B0600000101010101" pitchFamily="50" charset="-127"/>
+            </a:endParaRPr>
+          </a:p>
+          <a:p>
+            <a:pPr marL="1257300" lvl="2" indent="-342900">
+              <a:buFont typeface="Wingdings" panose="05000000000000000000" pitchFamily="2" charset="2"/>
+              <a:buChar char="ü"/>
+            </a:pPr>
+            <a:r>
+              <a:rPr lang="en-US" altLang="ko-KR" sz="2000" smtClean="0">
+                <a:latin typeface="LG스마트체2.0 Regular" panose="020B0600000101010101" pitchFamily="50" charset="-127"/>
+                <a:ea typeface="LG스마트체2.0 Regular" panose="020B0600000101010101" pitchFamily="50" charset="-127"/>
+              </a:rPr>
+              <a:t>First-come, first-served </a:t>
+            </a:r>
+            <a:r>
+              <a:rPr lang="ko-KR" altLang="en-US" sz="2000" smtClean="0">
+                <a:latin typeface="LG스마트체2.0 Regular" panose="020B0600000101010101" pitchFamily="50" charset="-127"/>
+                <a:ea typeface="LG스마트체2.0 Regular" panose="020B0600000101010101" pitchFamily="50" charset="-127"/>
+              </a:rPr>
+              <a:t>방법</a:t>
+            </a:r>
+            <a:endParaRPr lang="en-US" altLang="ko-KR" sz="2000" smtClean="0">
+              <a:latin typeface="LG스마트체2.0 Regular" panose="020B0600000101010101" pitchFamily="50" charset="-127"/>
+              <a:ea typeface="LG스마트체2.0 Regular" panose="020B0600000101010101" pitchFamily="50" charset="-127"/>
+            </a:endParaRPr>
+          </a:p>
+          <a:p>
+            <a:pPr marL="1257300" lvl="2" indent="-342900">
+              <a:buFont typeface="Wingdings" panose="05000000000000000000" pitchFamily="2" charset="2"/>
+              <a:buChar char="ü"/>
+            </a:pPr>
+            <a:r>
+              <a:rPr lang="ko-KR" altLang="en-US" sz="2000" smtClean="0">
+                <a:latin typeface="LG스마트체2.0 Regular" panose="020B0600000101010101" pitchFamily="50" charset="-127"/>
+                <a:ea typeface="LG스마트체2.0 Regular" panose="020B0600000101010101" pitchFamily="50" charset="-127"/>
+              </a:rPr>
+              <a:t>실행 시간이 가장 짧은 </a:t>
+            </a:r>
+            <a:r>
+              <a:rPr lang="en-US" altLang="ko-KR" sz="2000" smtClean="0">
+                <a:latin typeface="LG스마트체2.0 Regular" panose="020B0600000101010101" pitchFamily="50" charset="-127"/>
+                <a:ea typeface="LG스마트체2.0 Regular" panose="020B0600000101010101" pitchFamily="50" charset="-127"/>
+              </a:rPr>
+              <a:t>task</a:t>
+            </a:r>
+            <a:r>
+              <a:rPr lang="ko-KR" altLang="en-US" sz="2000" smtClean="0">
+                <a:latin typeface="LG스마트체2.0 Regular" panose="020B0600000101010101" pitchFamily="50" charset="-127"/>
+                <a:ea typeface="LG스마트체2.0 Regular" panose="020B0600000101010101" pitchFamily="50" charset="-127"/>
+              </a:rPr>
+              <a:t>를 가장 먼저 실행</a:t>
+            </a:r>
+            <a:endParaRPr lang="en-US" altLang="ko-KR" sz="2000" smtClean="0">
+              <a:latin typeface="LG스마트체2.0 Regular" panose="020B0600000101010101" pitchFamily="50" charset="-127"/>
+              <a:ea typeface="LG스마트체2.0 Regular" panose="020B0600000101010101" pitchFamily="50" charset="-127"/>
+            </a:endParaRPr>
+          </a:p>
+          <a:p>
+            <a:pPr lvl="1"/>
+            <a:endParaRPr lang="en-US" altLang="ko-KR" sz="2000" smtClean="0">
+              <a:latin typeface="LG스마트체2.0 Regular" panose="020B0600000101010101" pitchFamily="50" charset="-127"/>
+              <a:ea typeface="LG스마트체2.0 Regular" panose="020B0600000101010101" pitchFamily="50" charset="-127"/>
+            </a:endParaRPr>
+          </a:p>
+          <a:p>
+            <a:pPr marL="800100" lvl="1" indent="-342900">
+              <a:buFont typeface="Wingdings" panose="05000000000000000000" pitchFamily="2" charset="2"/>
+              <a:buChar char="Ø"/>
+            </a:pPr>
+            <a:r>
+              <a:rPr lang="en-US" altLang="ko-KR" sz="2000" smtClean="0">
+                <a:latin typeface="LG스마트체2.0 Regular" panose="020B0600000101010101" pitchFamily="50" charset="-127"/>
+                <a:ea typeface="LG스마트체2.0 Regular" panose="020B0600000101010101" pitchFamily="50" charset="-127"/>
+              </a:rPr>
+              <a:t>Signaling &amp; Queue</a:t>
+            </a:r>
+            <a:endParaRPr lang="en-US" altLang="ko-KR" sz="2000">
+              <a:latin typeface="LG스마트체2.0 Regular" panose="020B0600000101010101" pitchFamily="50" charset="-127"/>
+              <a:ea typeface="LG스마트체2.0 Regular" panose="020B0600000101010101" pitchFamily="50" charset="-127"/>
+            </a:endParaRPr>
+          </a:p>
+          <a:p>
+            <a:pPr marL="1257300" lvl="2" indent="-342900">
+              <a:buFont typeface="Wingdings" panose="05000000000000000000" pitchFamily="2" charset="2"/>
+              <a:buChar char="ü"/>
+            </a:pPr>
+            <a:r>
+              <a:rPr lang="en-US" altLang="ko-KR" sz="2000" smtClean="0">
+                <a:latin typeface="LG스마트체2.0 Regular" panose="020B0600000101010101" pitchFamily="50" charset="-127"/>
+                <a:ea typeface="LG스마트체2.0 Regular" panose="020B0600000101010101" pitchFamily="50" charset="-127"/>
+              </a:rPr>
+              <a:t>Signal/Queue </a:t>
+            </a:r>
+            <a:r>
+              <a:rPr lang="ko-KR" altLang="en-US" sz="2000" smtClean="0">
+                <a:latin typeface="LG스마트체2.0 Regular" panose="020B0600000101010101" pitchFamily="50" charset="-127"/>
+                <a:ea typeface="LG스마트체2.0 Regular" panose="020B0600000101010101" pitchFamily="50" charset="-127"/>
+              </a:rPr>
+              <a:t>간 우선순위 구현</a:t>
+            </a:r>
+            <a:endParaRPr lang="en-US" altLang="ko-KR" sz="2000">
+              <a:latin typeface="LG스마트체2.0 Regular" panose="020B0600000101010101" pitchFamily="50" charset="-127"/>
+              <a:ea typeface="LG스마트체2.0 Regular" panose="020B0600000101010101" pitchFamily="50" charset="-127"/>
+            </a:endParaRPr>
+          </a:p>
+          <a:p>
+            <a:pPr marL="800100" lvl="1" indent="-342900">
+              <a:buFont typeface="Wingdings" panose="05000000000000000000" pitchFamily="2" charset="2"/>
+              <a:buChar char="Ø"/>
+            </a:pPr>
+            <a:endParaRPr lang="en-US" altLang="ko-KR" sz="2000">
+              <a:latin typeface="LG스마트체2.0 Regular" panose="020B0600000101010101" pitchFamily="50" charset="-127"/>
+              <a:ea typeface="LG스마트체2.0 Regular" panose="020B0600000101010101" pitchFamily="50" charset="-127"/>
+            </a:endParaRPr>
+          </a:p>
+          <a:p>
+            <a:pPr marL="800100" lvl="1" indent="-342900">
+              <a:buFont typeface="Wingdings" panose="05000000000000000000" pitchFamily="2" charset="2"/>
+              <a:buChar char="Ø"/>
+            </a:pPr>
+            <a:r>
+              <a:rPr lang="en-US" altLang="ko-KR" sz="2000" smtClean="0">
+                <a:latin typeface="LG스마트체2.0 Regular" panose="020B0600000101010101" pitchFamily="50" charset="-127"/>
+                <a:ea typeface="LG스마트체2.0 Regular" panose="020B0600000101010101" pitchFamily="50" charset="-127"/>
+              </a:rPr>
+              <a:t>Mutex</a:t>
+            </a:r>
+            <a:endParaRPr lang="en-US" altLang="ko-KR" sz="2000">
+              <a:latin typeface="LG스마트체2.0 Regular" panose="020B0600000101010101" pitchFamily="50" charset="-127"/>
+              <a:ea typeface="LG스마트체2.0 Regular" panose="020B0600000101010101" pitchFamily="50" charset="-127"/>
+            </a:endParaRPr>
+          </a:p>
+          <a:p>
+            <a:pPr marL="1257300" lvl="2" indent="-342900">
+              <a:buFont typeface="Wingdings" panose="05000000000000000000" pitchFamily="2" charset="2"/>
+              <a:buChar char="ü"/>
+            </a:pPr>
+            <a:r>
+              <a:rPr lang="en-US" altLang="ko-KR" sz="2000" smtClean="0">
+                <a:latin typeface="LG스마트체2.0 Regular" panose="020B0600000101010101" pitchFamily="50" charset="-127"/>
+                <a:ea typeface="LG스마트체2.0 Regular" panose="020B0600000101010101" pitchFamily="50" charset="-127"/>
+              </a:rPr>
+              <a:t>Multi-threading</a:t>
+            </a:r>
+            <a:r>
+              <a:rPr lang="ko-KR" altLang="en-US" sz="2000" smtClean="0">
+                <a:latin typeface="LG스마트체2.0 Regular" panose="020B0600000101010101" pitchFamily="50" charset="-127"/>
+                <a:ea typeface="LG스마트체2.0 Regular" panose="020B0600000101010101" pitchFamily="50" charset="-127"/>
+              </a:rPr>
+              <a:t>을 사용하는 상황을 위한 </a:t>
+            </a:r>
+            <a:r>
+              <a:rPr lang="en-US" altLang="ko-KR" sz="2000" smtClean="0">
+                <a:latin typeface="LG스마트체2.0 Regular" panose="020B0600000101010101" pitchFamily="50" charset="-127"/>
+                <a:ea typeface="LG스마트체2.0 Regular" panose="020B0600000101010101" pitchFamily="50" charset="-127"/>
+              </a:rPr>
+              <a:t>recursive mutex</a:t>
+            </a:r>
+            <a:r>
+              <a:rPr lang="ko-KR" altLang="en-US" sz="2000" smtClean="0">
+                <a:latin typeface="LG스마트체2.0 Regular" panose="020B0600000101010101" pitchFamily="50" charset="-127"/>
+                <a:ea typeface="LG스마트체2.0 Regular" panose="020B0600000101010101" pitchFamily="50" charset="-127"/>
+              </a:rPr>
+              <a:t>를 구현</a:t>
+            </a:r>
+            <a:endParaRPr lang="en-US" altLang="ko-KR" sz="2000" smtClean="0">
+              <a:latin typeface="LG스마트체2.0 Regular" panose="020B0600000101010101" pitchFamily="50" charset="-127"/>
+              <a:ea typeface="LG스마트체2.0 Regular" panose="020B0600000101010101" pitchFamily="50" charset="-127"/>
+            </a:endParaRPr>
+          </a:p>
+        </p:txBody>
+      </p:sp>
+    </p:spTree>
+    <p:extLst>
+      <p:ext uri="{BB962C8B-B14F-4D97-AF65-F5344CB8AC3E}">
+        <p14:creationId xmlns:p14="http://schemas.microsoft.com/office/powerpoint/2010/main" val="3019012668"/>
+      </p:ext>
+    </p:extLst>
+  </p:cSld>
+  <p:clrMapOvr>
+    <a:masterClrMapping/>
+  </p:clrMapOvr>
+  <p:timing>
+    <p:tnLst>
+      <p:par>
+        <p:cTn id="1" dur="indefinite" restart="never" nodeType="tmRoot"/>
+      </p:par>
+    </p:tnLst>
+  </p:timing>
+</p:sld>
+</file>
+
+<file path=ppt/slides/slide11.xml><?xml version="1.0" encoding="utf-8"?>
+<p:sld xmlns:a="http://schemas.openxmlformats.org/drawingml/2006/main" xmlns:r="http://schemas.openxmlformats.org/officeDocument/2006/relationships" xmlns:p="http://schemas.openxmlformats.org/presentationml/2006/main">
+  <p:cSld>
+    <p:spTree>
+      <p:nvGrpSpPr>
+        <p:cNvPr id="1" name=""/>
+        <p:cNvGrpSpPr/>
+        <p:nvPr/>
+      </p:nvGrpSpPr>
+      <p:grpSpPr>
+        <a:xfrm>
+          <a:off x="0" y="0"/>
+          <a:ext cx="0" cy="0"/>
+          <a:chOff x="0" y="0"/>
+          <a:chExt cx="0" cy="0"/>
+        </a:xfrm>
+      </p:grpSpPr>
+      <p:sp>
+        <p:nvSpPr>
+          <p:cNvPr id="2" name="TextBox 1"/>
+          <p:cNvSpPr txBox="1"/>
+          <p:nvPr/>
+        </p:nvSpPr>
+        <p:spPr>
+          <a:xfrm>
+            <a:off x="244862" y="238662"/>
+            <a:ext cx="14190667" cy="923330"/>
+          </a:xfrm>
+          <a:prstGeom prst="rect">
+            <a:avLst/>
+          </a:prstGeom>
+          <a:noFill/>
+        </p:spPr>
+        <p:txBody>
+          <a:bodyPr wrap="square" rtlCol="0">
+            <a:spAutoFit/>
+          </a:bodyPr>
+          <a:lstStyle/>
+          <a:p>
+            <a:r>
+              <a:rPr lang="en-US" altLang="ko-KR" sz="5400" b="1">
+                <a:solidFill>
+                  <a:schemeClr val="bg1"/>
+                </a:solidFill>
+                <a:latin typeface="LG스마트체2.0 Regular" panose="020B0600000101010101" pitchFamily="50" charset="-127"/>
+                <a:ea typeface="LG스마트체2.0 Regular" panose="020B0600000101010101" pitchFamily="50" charset="-127"/>
+              </a:rPr>
+              <a:t>6. </a:t>
+            </a:r>
+            <a:r>
+              <a:rPr lang="ko-KR" altLang="en-US" sz="5400" b="1">
+                <a:solidFill>
+                  <a:schemeClr val="bg1"/>
+                </a:solidFill>
+                <a:latin typeface="LG스마트체2.0 Regular" panose="020B0600000101010101" pitchFamily="50" charset="-127"/>
+                <a:ea typeface="LG스마트체2.0 Regular" panose="020B0600000101010101" pitchFamily="50" charset="-127"/>
+              </a:rPr>
+              <a:t>프로젝트 수행 후기</a:t>
+            </a:r>
+          </a:p>
+        </p:txBody>
+      </p:sp>
+      <p:sp>
+        <p:nvSpPr>
+          <p:cNvPr id="3" name="직사각형 2"/>
+          <p:cNvSpPr/>
+          <p:nvPr/>
+        </p:nvSpPr>
+        <p:spPr>
+          <a:xfrm>
+            <a:off x="884420" y="10317917"/>
+            <a:ext cx="14469880" cy="2203554"/>
+          </a:xfrm>
+          <a:prstGeom prst="rect">
+            <a:avLst/>
+          </a:prstGeom>
+          <a:solidFill>
+            <a:srgbClr val="FFFF00"/>
+          </a:solidFill>
+        </p:spPr>
+        <p:style>
+          <a:lnRef idx="2">
+            <a:schemeClr val="accent1">
+              <a:shade val="50000"/>
+            </a:schemeClr>
+          </a:lnRef>
+          <a:fillRef idx="1">
+            <a:schemeClr val="accent1"/>
+          </a:fillRef>
+          <a:effectRef idx="0">
+            <a:schemeClr val="accent1"/>
+          </a:effectRef>
+          <a:fontRef idx="minor">
+            <a:schemeClr val="lt1"/>
+          </a:fontRef>
+        </p:style>
+        <p:txBody>
+          <a:bodyPr rtlCol="0" anchor="ctr"/>
+          <a:lstStyle/>
+          <a:p>
+            <a:pPr marL="457200" indent="-457200">
+              <a:buFontTx/>
+              <a:buChar char="-"/>
+            </a:pPr>
+            <a:r>
+              <a:rPr lang="ko-KR" altLang="en-US" sz="3200" b="1">
+                <a:solidFill>
+                  <a:schemeClr val="tx1"/>
+                </a:solidFill>
+              </a:rPr>
+              <a:t>프로젝트 수행에 따른 </a:t>
+            </a:r>
+            <a:r>
+              <a:rPr lang="ko-KR" altLang="en-US" sz="3200" b="1" err="1" smtClean="0">
+                <a:solidFill>
+                  <a:schemeClr val="tx1"/>
+                </a:solidFill>
+              </a:rPr>
+              <a:t>느낀점</a:t>
+            </a:r>
+            <a:r>
+              <a:rPr lang="en-US" altLang="ko-KR" sz="3200" b="1" smtClean="0">
+                <a:solidFill>
+                  <a:schemeClr val="tx1"/>
+                </a:solidFill>
+              </a:rPr>
+              <a:t>(</a:t>
+            </a:r>
+            <a:r>
+              <a:rPr lang="ko-KR" altLang="en-US" sz="3200" b="1" smtClean="0">
+                <a:solidFill>
+                  <a:schemeClr val="tx1"/>
+                </a:solidFill>
+              </a:rPr>
+              <a:t>각자 쓰고 합쳐</a:t>
+            </a:r>
+            <a:r>
+              <a:rPr lang="en-US" altLang="ko-KR" sz="3200" b="1" smtClean="0">
+                <a:solidFill>
+                  <a:schemeClr val="tx1"/>
+                </a:solidFill>
+              </a:rPr>
+              <a:t>)</a:t>
+            </a:r>
+            <a:endParaRPr lang="en-US" altLang="ko-KR" sz="3200" b="1">
+              <a:solidFill>
+                <a:schemeClr val="tx1"/>
+              </a:solidFill>
+            </a:endParaRPr>
+          </a:p>
+          <a:p>
+            <a:pPr marL="457200" indent="-457200">
+              <a:buFontTx/>
+              <a:buChar char="-"/>
+            </a:pPr>
+            <a:r>
+              <a:rPr lang="ko-KR" altLang="en-US" sz="3200" b="1" err="1">
+                <a:solidFill>
+                  <a:schemeClr val="tx1"/>
+                </a:solidFill>
+              </a:rPr>
+              <a:t>개발중</a:t>
+            </a:r>
+            <a:r>
+              <a:rPr lang="ko-KR" altLang="en-US" sz="3200" b="1">
+                <a:solidFill>
+                  <a:schemeClr val="tx1"/>
+                </a:solidFill>
+              </a:rPr>
+              <a:t> 어려웠던 점 그리고 이를 극복한 사연 </a:t>
+            </a:r>
+            <a:r>
+              <a:rPr lang="ko-KR" altLang="en-US" sz="3200" b="1" smtClean="0">
+                <a:solidFill>
+                  <a:schemeClr val="tx1"/>
+                </a:solidFill>
+              </a:rPr>
+              <a:t>등</a:t>
+            </a:r>
+            <a:r>
+              <a:rPr lang="en-US" altLang="ko-KR" sz="3200" b="1" smtClean="0">
+                <a:solidFill>
+                  <a:schemeClr val="tx1"/>
+                </a:solidFill>
+              </a:rPr>
+              <a:t>(</a:t>
+            </a:r>
+            <a:r>
+              <a:rPr lang="ko-KR" altLang="en-US" sz="3200" b="1" smtClean="0">
+                <a:solidFill>
+                  <a:schemeClr val="tx1"/>
+                </a:solidFill>
+              </a:rPr>
+              <a:t>각자 쓰고 합쳐</a:t>
+            </a:r>
+            <a:r>
+              <a:rPr lang="en-US" altLang="ko-KR" sz="3200" b="1" smtClean="0">
+                <a:solidFill>
+                  <a:schemeClr val="tx1"/>
+                </a:solidFill>
+              </a:rPr>
+              <a:t>)</a:t>
+            </a:r>
+            <a:endParaRPr lang="en-US" altLang="ko-KR" sz="3200" b="1">
+              <a:solidFill>
+                <a:schemeClr val="tx1"/>
+              </a:solidFill>
+            </a:endParaRPr>
+          </a:p>
+          <a:p>
+            <a:pPr marL="457200" indent="-457200">
+              <a:buFontTx/>
+              <a:buChar char="-"/>
+            </a:pPr>
+            <a:r>
+              <a:rPr lang="ko-KR" altLang="en-US" sz="3200" b="1">
+                <a:solidFill>
+                  <a:schemeClr val="tx1"/>
+                </a:solidFill>
+              </a:rPr>
+              <a:t>교육과 프로젝트를 마무리한 소회 등</a:t>
+            </a:r>
+            <a:r>
+              <a:rPr lang="en-US" altLang="ko-KR" sz="3200" b="1">
+                <a:solidFill>
+                  <a:schemeClr val="tx1"/>
+                </a:solidFill>
+              </a:rPr>
+              <a:t>… 1</a:t>
+            </a:r>
+            <a:r>
+              <a:rPr lang="ko-KR" altLang="en-US" sz="3200" b="1">
+                <a:solidFill>
+                  <a:schemeClr val="tx1"/>
+                </a:solidFill>
+              </a:rPr>
+              <a:t>페이지로 정리 </a:t>
+            </a:r>
+            <a:r>
+              <a:rPr lang="en-US" altLang="ko-KR" sz="3200" b="1" smtClean="0">
+                <a:solidFill>
+                  <a:schemeClr val="tx1"/>
+                </a:solidFill>
+              </a:rPr>
+              <a:t>(</a:t>
+            </a:r>
+            <a:r>
+              <a:rPr lang="ko-KR" altLang="en-US" sz="3200" b="1" smtClean="0">
+                <a:solidFill>
+                  <a:schemeClr val="tx1"/>
+                </a:solidFill>
+              </a:rPr>
+              <a:t>각자 쓰고 합쳐</a:t>
+            </a:r>
+            <a:r>
+              <a:rPr lang="en-US" altLang="ko-KR" sz="3200" b="1" smtClean="0">
+                <a:solidFill>
+                  <a:schemeClr val="tx1"/>
+                </a:solidFill>
+              </a:rPr>
+              <a:t>)</a:t>
+            </a:r>
+            <a:endParaRPr lang="ko-KR" altLang="en-US" sz="3200" b="1">
+              <a:solidFill>
+                <a:schemeClr val="tx1"/>
+              </a:solidFill>
+            </a:endParaRPr>
+          </a:p>
+        </p:txBody>
+      </p:sp>
+      <p:sp>
+        <p:nvSpPr>
+          <p:cNvPr id="4" name="직사각형 3"/>
+          <p:cNvSpPr/>
+          <p:nvPr/>
+        </p:nvSpPr>
+        <p:spPr>
+          <a:xfrm>
+            <a:off x="3664207" y="1575372"/>
+            <a:ext cx="11690093" cy="6711378"/>
+          </a:xfrm>
+          <a:prstGeom prst="rect">
+            <a:avLst/>
+          </a:prstGeom>
+        </p:spPr>
+        <p:style>
+          <a:lnRef idx="2">
+            <a:schemeClr val="accent1">
+              <a:shade val="50000"/>
+            </a:schemeClr>
+          </a:lnRef>
+          <a:fillRef idx="1">
+            <a:schemeClr val="accent1"/>
+          </a:fillRef>
+          <a:effectRef idx="0">
+            <a:schemeClr val="accent1"/>
+          </a:effectRef>
+          <a:fontRef idx="minor">
+            <a:schemeClr val="lt1"/>
+          </a:fontRef>
+        </p:style>
+        <p:txBody>
+          <a:bodyPr rtlCol="0" anchor="ctr"/>
+          <a:lstStyle/>
+          <a:p>
+            <a:pPr algn="ctr"/>
+            <a:r>
+              <a:rPr lang="en-US" altLang="ko-KR" smtClean="0"/>
+              <a:t>TBD</a:t>
+            </a:r>
+          </a:p>
+        </p:txBody>
+      </p:sp>
+      <p:sp>
+        <p:nvSpPr>
+          <p:cNvPr id="5" name="TextBox 4"/>
+          <p:cNvSpPr txBox="1"/>
+          <p:nvPr/>
+        </p:nvSpPr>
+        <p:spPr>
+          <a:xfrm>
+            <a:off x="737675" y="1800664"/>
+            <a:ext cx="2630848" cy="7078861"/>
+          </a:xfrm>
+          <a:prstGeom prst="rect">
+            <a:avLst/>
+          </a:prstGeom>
+          <a:noFill/>
+        </p:spPr>
+        <p:txBody>
+          <a:bodyPr wrap="none" rtlCol="0">
+            <a:spAutoFit/>
+          </a:bodyPr>
+          <a:lstStyle/>
+          <a:p>
+            <a:pPr marL="285750" indent="-285750">
+              <a:buFont typeface="Arial" panose="020B0604020202020204" pitchFamily="34" charset="0"/>
+              <a:buChar char="•"/>
+            </a:pPr>
+            <a:r>
+              <a:rPr lang="ko-KR" altLang="en-US" sz="2400" b="1" smtClean="0">
+                <a:latin typeface="LG스마트체2.0 Regular" panose="020B0600000101010101" pitchFamily="50" charset="-127"/>
+                <a:ea typeface="LG스마트체2.0 Regular" panose="020B0600000101010101" pitchFamily="50" charset="-127"/>
+              </a:rPr>
+              <a:t>김정진</a:t>
+            </a:r>
+            <a:endParaRPr lang="en-US" altLang="ko-KR" sz="2400" b="1" smtClean="0">
+              <a:latin typeface="LG스마트체2.0 Regular" panose="020B0600000101010101" pitchFamily="50" charset="-127"/>
+              <a:ea typeface="LG스마트체2.0 Regular" panose="020B0600000101010101" pitchFamily="50" charset="-127"/>
+            </a:endParaRPr>
+          </a:p>
+          <a:p>
+            <a:pPr marL="800100" lvl="1" indent="-342900">
+              <a:buFont typeface="Wingdings" panose="05000000000000000000" pitchFamily="2" charset="2"/>
+              <a:buChar char="Ø"/>
+            </a:pPr>
+            <a:r>
+              <a:rPr lang="ko-KR" altLang="en-US" sz="2000" smtClean="0">
+                <a:latin typeface="LG스마트체2.0 Regular" panose="020B0600000101010101" pitchFamily="50" charset="-127"/>
+                <a:ea typeface="LG스마트체2.0 Regular" panose="020B0600000101010101" pitchFamily="50" charset="-127"/>
+              </a:rPr>
+              <a:t>느낀점</a:t>
+            </a:r>
+            <a:r>
+              <a:rPr lang="en-US" altLang="ko-KR" sz="2000" smtClean="0">
+                <a:latin typeface="LG스마트체2.0 Regular" panose="020B0600000101010101" pitchFamily="50" charset="-127"/>
+                <a:ea typeface="LG스마트체2.0 Regular" panose="020B0600000101010101" pitchFamily="50" charset="-127"/>
+              </a:rPr>
+              <a:t>: </a:t>
+            </a:r>
+          </a:p>
+          <a:p>
+            <a:pPr marL="800100" lvl="1" indent="-342900">
+              <a:buFont typeface="Wingdings" panose="05000000000000000000" pitchFamily="2" charset="2"/>
+              <a:buChar char="Ø"/>
+            </a:pPr>
+            <a:r>
+              <a:rPr lang="ko-KR" altLang="en-US" sz="2000" smtClean="0">
+                <a:latin typeface="LG스마트체2.0 Regular" panose="020B0600000101010101" pitchFamily="50" charset="-127"/>
+                <a:ea typeface="LG스마트체2.0 Regular" panose="020B0600000101010101" pitchFamily="50" charset="-127"/>
+              </a:rPr>
+              <a:t>어려웠던 점</a:t>
+            </a:r>
+            <a:r>
+              <a:rPr lang="en-US" altLang="ko-KR" sz="2000" smtClean="0">
+                <a:latin typeface="LG스마트체2.0 Regular" panose="020B0600000101010101" pitchFamily="50" charset="-127"/>
+                <a:ea typeface="LG스마트체2.0 Regular" panose="020B0600000101010101" pitchFamily="50" charset="-127"/>
+              </a:rPr>
+              <a:t>:</a:t>
+            </a:r>
+            <a:endParaRPr lang="en-US" altLang="ko-KR" sz="2000">
+              <a:latin typeface="LG스마트체2.0 Regular" panose="020B0600000101010101" pitchFamily="50" charset="-127"/>
+              <a:ea typeface="LG스마트체2.0 Regular" panose="020B0600000101010101" pitchFamily="50" charset="-127"/>
+            </a:endParaRPr>
+          </a:p>
+          <a:p>
+            <a:pPr marL="800100" lvl="1" indent="-342900">
+              <a:buFont typeface="Wingdings" panose="05000000000000000000" pitchFamily="2" charset="2"/>
+              <a:buChar char="Ø"/>
+            </a:pPr>
+            <a:r>
+              <a:rPr lang="ko-KR" altLang="en-US" sz="2000" smtClean="0">
+                <a:latin typeface="LG스마트체2.0 Regular" panose="020B0600000101010101" pitchFamily="50" charset="-127"/>
+                <a:ea typeface="LG스마트체2.0 Regular" panose="020B0600000101010101" pitchFamily="50" charset="-127"/>
+              </a:rPr>
+              <a:t>교육 종료 소감</a:t>
+            </a:r>
+            <a:r>
+              <a:rPr lang="en-US" altLang="ko-KR" sz="2000" smtClean="0">
+                <a:latin typeface="LG스마트체2.0 Regular" panose="020B0600000101010101" pitchFamily="50" charset="-127"/>
+                <a:ea typeface="LG스마트체2.0 Regular" panose="020B0600000101010101" pitchFamily="50" charset="-127"/>
+              </a:rPr>
+              <a:t>:</a:t>
+            </a:r>
+          </a:p>
+          <a:p>
+            <a:pPr marL="800100" lvl="1" indent="-342900">
+              <a:buFont typeface="Wingdings" panose="05000000000000000000" pitchFamily="2" charset="2"/>
+              <a:buChar char="Ø"/>
+            </a:pPr>
+            <a:endParaRPr lang="en-US" altLang="ko-KR" sz="2000">
+              <a:latin typeface="LG스마트체2.0 Regular" panose="020B0600000101010101" pitchFamily="50" charset="-127"/>
+              <a:ea typeface="LG스마트체2.0 Regular" panose="020B0600000101010101" pitchFamily="50" charset="-127"/>
+            </a:endParaRPr>
+          </a:p>
+          <a:p>
+            <a:pPr marL="285750" indent="-285750">
+              <a:buFont typeface="Arial" panose="020B0604020202020204" pitchFamily="34" charset="0"/>
+              <a:buChar char="•"/>
+            </a:pPr>
+            <a:r>
+              <a:rPr lang="ko-KR" altLang="en-US" sz="2400" b="1" smtClean="0">
+                <a:latin typeface="LG스마트체2.0 Regular" panose="020B0600000101010101" pitchFamily="50" charset="-127"/>
+                <a:ea typeface="LG스마트체2.0 Regular" panose="020B0600000101010101" pitchFamily="50" charset="-127"/>
+              </a:rPr>
+              <a:t>심훈</a:t>
+            </a:r>
+            <a:endParaRPr lang="en-US" altLang="ko-KR" sz="2400" b="1">
+              <a:latin typeface="LG스마트체2.0 Regular" panose="020B0600000101010101" pitchFamily="50" charset="-127"/>
+              <a:ea typeface="LG스마트체2.0 Regular" panose="020B0600000101010101" pitchFamily="50" charset="-127"/>
+            </a:endParaRPr>
+          </a:p>
+          <a:p>
+            <a:pPr marL="800100" lvl="1" indent="-342900">
+              <a:buFont typeface="Wingdings" panose="05000000000000000000" pitchFamily="2" charset="2"/>
+              <a:buChar char="Ø"/>
+            </a:pPr>
+            <a:r>
+              <a:rPr lang="ko-KR" altLang="en-US" sz="2000">
+                <a:latin typeface="LG스마트체2.0 Regular" panose="020B0600000101010101" pitchFamily="50" charset="-127"/>
+                <a:ea typeface="LG스마트체2.0 Regular" panose="020B0600000101010101" pitchFamily="50" charset="-127"/>
+              </a:rPr>
+              <a:t>느낀점</a:t>
+            </a:r>
+            <a:r>
+              <a:rPr lang="en-US" altLang="ko-KR" sz="2000">
+                <a:latin typeface="LG스마트체2.0 Regular" panose="020B0600000101010101" pitchFamily="50" charset="-127"/>
+                <a:ea typeface="LG스마트체2.0 Regular" panose="020B0600000101010101" pitchFamily="50" charset="-127"/>
+              </a:rPr>
+              <a:t>: </a:t>
+            </a:r>
+          </a:p>
+          <a:p>
+            <a:pPr marL="800100" lvl="1" indent="-342900">
+              <a:buFont typeface="Wingdings" panose="05000000000000000000" pitchFamily="2" charset="2"/>
+              <a:buChar char="Ø"/>
+            </a:pPr>
+            <a:r>
+              <a:rPr lang="ko-KR" altLang="en-US" sz="2000">
+                <a:latin typeface="LG스마트체2.0 Regular" panose="020B0600000101010101" pitchFamily="50" charset="-127"/>
+                <a:ea typeface="LG스마트체2.0 Regular" panose="020B0600000101010101" pitchFamily="50" charset="-127"/>
+              </a:rPr>
+              <a:t>어려웠던 점</a:t>
+            </a:r>
+            <a:r>
+              <a:rPr lang="en-US" altLang="ko-KR" sz="2000">
+                <a:latin typeface="LG스마트체2.0 Regular" panose="020B0600000101010101" pitchFamily="50" charset="-127"/>
+                <a:ea typeface="LG스마트체2.0 Regular" panose="020B0600000101010101" pitchFamily="50" charset="-127"/>
+              </a:rPr>
+              <a:t>:</a:t>
+            </a:r>
+          </a:p>
+          <a:p>
+            <a:pPr marL="800100" lvl="1" indent="-342900">
+              <a:buFont typeface="Wingdings" panose="05000000000000000000" pitchFamily="2" charset="2"/>
+              <a:buChar char="Ø"/>
+            </a:pPr>
+            <a:r>
+              <a:rPr lang="ko-KR" altLang="en-US" sz="2000">
+                <a:latin typeface="LG스마트체2.0 Regular" panose="020B0600000101010101" pitchFamily="50" charset="-127"/>
+                <a:ea typeface="LG스마트체2.0 Regular" panose="020B0600000101010101" pitchFamily="50" charset="-127"/>
+              </a:rPr>
+              <a:t>교육 종료 소감</a:t>
+            </a:r>
+            <a:r>
+              <a:rPr lang="en-US" altLang="ko-KR" sz="2000">
+                <a:latin typeface="LG스마트체2.0 Regular" panose="020B0600000101010101" pitchFamily="50" charset="-127"/>
+                <a:ea typeface="LG스마트체2.0 Regular" panose="020B0600000101010101" pitchFamily="50" charset="-127"/>
+              </a:rPr>
+              <a:t>:</a:t>
+            </a:r>
+          </a:p>
+          <a:p>
+            <a:pPr marL="800100" lvl="1" indent="-342900">
+              <a:buFont typeface="Wingdings" panose="05000000000000000000" pitchFamily="2" charset="2"/>
+              <a:buChar char="Ø"/>
+            </a:pPr>
+            <a:endParaRPr lang="en-US" altLang="ko-KR">
+              <a:latin typeface="LG스마트체2.0 Regular" panose="020B0600000101010101" pitchFamily="50" charset="-127"/>
+              <a:ea typeface="LG스마트체2.0 Regular" panose="020B0600000101010101" pitchFamily="50" charset="-127"/>
+            </a:endParaRPr>
+          </a:p>
+          <a:p>
+            <a:pPr marL="285750" indent="-285750">
+              <a:buFont typeface="Arial" panose="020B0604020202020204" pitchFamily="34" charset="0"/>
+              <a:buChar char="•"/>
+            </a:pPr>
+            <a:r>
+              <a:rPr lang="ko-KR" altLang="en-US" sz="2400" b="1" smtClean="0">
+                <a:latin typeface="LG스마트체2.0 Regular" panose="020B0600000101010101" pitchFamily="50" charset="-127"/>
+                <a:ea typeface="LG스마트체2.0 Regular" panose="020B0600000101010101" pitchFamily="50" charset="-127"/>
+              </a:rPr>
+              <a:t>김소연</a:t>
+            </a:r>
+            <a:endParaRPr lang="en-US" altLang="ko-KR" sz="2400" b="1">
+              <a:latin typeface="LG스마트체2.0 Regular" panose="020B0600000101010101" pitchFamily="50" charset="-127"/>
+              <a:ea typeface="LG스마트체2.0 Regular" panose="020B0600000101010101" pitchFamily="50" charset="-127"/>
+            </a:endParaRPr>
+          </a:p>
+          <a:p>
+            <a:pPr marL="800100" lvl="1" indent="-342900">
+              <a:buFont typeface="Wingdings" panose="05000000000000000000" pitchFamily="2" charset="2"/>
+              <a:buChar char="Ø"/>
+            </a:pPr>
+            <a:r>
+              <a:rPr lang="ko-KR" altLang="en-US" sz="2000">
+                <a:latin typeface="LG스마트체2.0 Regular" panose="020B0600000101010101" pitchFamily="50" charset="-127"/>
+                <a:ea typeface="LG스마트체2.0 Regular" panose="020B0600000101010101" pitchFamily="50" charset="-127"/>
+              </a:rPr>
+              <a:t>느낀점</a:t>
+            </a:r>
+            <a:r>
+              <a:rPr lang="en-US" altLang="ko-KR" sz="2000">
+                <a:latin typeface="LG스마트체2.0 Regular" panose="020B0600000101010101" pitchFamily="50" charset="-127"/>
+                <a:ea typeface="LG스마트체2.0 Regular" panose="020B0600000101010101" pitchFamily="50" charset="-127"/>
+              </a:rPr>
+              <a:t>: </a:t>
+            </a:r>
+          </a:p>
+          <a:p>
+            <a:pPr marL="800100" lvl="1" indent="-342900">
+              <a:buFont typeface="Wingdings" panose="05000000000000000000" pitchFamily="2" charset="2"/>
+              <a:buChar char="Ø"/>
+            </a:pPr>
+            <a:r>
+              <a:rPr lang="ko-KR" altLang="en-US" sz="2000">
+                <a:latin typeface="LG스마트체2.0 Regular" panose="020B0600000101010101" pitchFamily="50" charset="-127"/>
+                <a:ea typeface="LG스마트체2.0 Regular" panose="020B0600000101010101" pitchFamily="50" charset="-127"/>
+              </a:rPr>
+              <a:t>어려웠던 점</a:t>
+            </a:r>
+            <a:r>
+              <a:rPr lang="en-US" altLang="ko-KR" sz="2000">
+                <a:latin typeface="LG스마트체2.0 Regular" panose="020B0600000101010101" pitchFamily="50" charset="-127"/>
+                <a:ea typeface="LG스마트체2.0 Regular" panose="020B0600000101010101" pitchFamily="50" charset="-127"/>
+              </a:rPr>
+              <a:t>:</a:t>
+            </a:r>
+          </a:p>
+          <a:p>
+            <a:pPr marL="800100" lvl="1" indent="-342900">
+              <a:buFont typeface="Wingdings" panose="05000000000000000000" pitchFamily="2" charset="2"/>
+              <a:buChar char="Ø"/>
+            </a:pPr>
+            <a:r>
+              <a:rPr lang="ko-KR" altLang="en-US" sz="2000">
+                <a:latin typeface="LG스마트체2.0 Regular" panose="020B0600000101010101" pitchFamily="50" charset="-127"/>
+                <a:ea typeface="LG스마트체2.0 Regular" panose="020B0600000101010101" pitchFamily="50" charset="-127"/>
+              </a:rPr>
+              <a:t>교육 종료 소감</a:t>
+            </a:r>
+            <a:r>
+              <a:rPr lang="en-US" altLang="ko-KR" sz="2000">
+                <a:latin typeface="LG스마트체2.0 Regular" panose="020B0600000101010101" pitchFamily="50" charset="-127"/>
+                <a:ea typeface="LG스마트체2.0 Regular" panose="020B0600000101010101" pitchFamily="50" charset="-127"/>
+              </a:rPr>
+              <a:t>:</a:t>
+            </a:r>
+          </a:p>
+          <a:p>
+            <a:pPr marL="800100" lvl="1" indent="-342900">
+              <a:buFont typeface="Wingdings" panose="05000000000000000000" pitchFamily="2" charset="2"/>
+              <a:buChar char="Ø"/>
+            </a:pPr>
+            <a:endParaRPr lang="en-US" altLang="ko-KR" sz="2000" smtClean="0">
+              <a:latin typeface="LG스마트체2.0 Regular" panose="020B0600000101010101" pitchFamily="50" charset="-127"/>
+              <a:ea typeface="LG스마트체2.0 Regular" panose="020B0600000101010101" pitchFamily="50" charset="-127"/>
+            </a:endParaRPr>
+          </a:p>
+          <a:p>
+            <a:pPr marL="285750" indent="-285750">
+              <a:buFont typeface="Arial" panose="020B0604020202020204" pitchFamily="34" charset="0"/>
+              <a:buChar char="•"/>
+            </a:pPr>
+            <a:r>
+              <a:rPr lang="ko-KR" altLang="en-US" sz="2400" b="1" smtClean="0">
+                <a:latin typeface="LG스마트체2.0 Regular" panose="020B0600000101010101" pitchFamily="50" charset="-127"/>
+                <a:ea typeface="LG스마트체2.0 Regular" panose="020B0600000101010101" pitchFamily="50" charset="-127"/>
+              </a:rPr>
+              <a:t>이성훈</a:t>
+            </a:r>
+            <a:endParaRPr lang="en-US" altLang="ko-KR" sz="2400" b="1">
+              <a:latin typeface="LG스마트체2.0 Regular" panose="020B0600000101010101" pitchFamily="50" charset="-127"/>
+              <a:ea typeface="LG스마트체2.0 Regular" panose="020B0600000101010101" pitchFamily="50" charset="-127"/>
+            </a:endParaRPr>
+          </a:p>
+          <a:p>
+            <a:pPr marL="800100" lvl="1" indent="-342900">
+              <a:buFont typeface="Wingdings" panose="05000000000000000000" pitchFamily="2" charset="2"/>
+              <a:buChar char="Ø"/>
+            </a:pPr>
+            <a:r>
+              <a:rPr lang="ko-KR" altLang="en-US" sz="2000">
+                <a:latin typeface="LG스마트체2.0 Regular" panose="020B0600000101010101" pitchFamily="50" charset="-127"/>
+                <a:ea typeface="LG스마트체2.0 Regular" panose="020B0600000101010101" pitchFamily="50" charset="-127"/>
+              </a:rPr>
+              <a:t>느낀점</a:t>
+            </a:r>
+            <a:r>
+              <a:rPr lang="en-US" altLang="ko-KR" sz="2000">
+                <a:latin typeface="LG스마트체2.0 Regular" panose="020B0600000101010101" pitchFamily="50" charset="-127"/>
+                <a:ea typeface="LG스마트체2.0 Regular" panose="020B0600000101010101" pitchFamily="50" charset="-127"/>
+              </a:rPr>
+              <a:t>: </a:t>
+            </a:r>
+          </a:p>
+          <a:p>
+            <a:pPr marL="800100" lvl="1" indent="-342900">
+              <a:buFont typeface="Wingdings" panose="05000000000000000000" pitchFamily="2" charset="2"/>
+              <a:buChar char="Ø"/>
+            </a:pPr>
+            <a:r>
+              <a:rPr lang="ko-KR" altLang="en-US" sz="2000">
+                <a:latin typeface="LG스마트체2.0 Regular" panose="020B0600000101010101" pitchFamily="50" charset="-127"/>
+                <a:ea typeface="LG스마트체2.0 Regular" panose="020B0600000101010101" pitchFamily="50" charset="-127"/>
+              </a:rPr>
+              <a:t>어려웠던 점</a:t>
+            </a:r>
+            <a:r>
+              <a:rPr lang="en-US" altLang="ko-KR" sz="2000">
+                <a:latin typeface="LG스마트체2.0 Regular" panose="020B0600000101010101" pitchFamily="50" charset="-127"/>
+                <a:ea typeface="LG스마트체2.0 Regular" panose="020B0600000101010101" pitchFamily="50" charset="-127"/>
+              </a:rPr>
+              <a:t>:</a:t>
+            </a:r>
+          </a:p>
+          <a:p>
+            <a:pPr marL="800100" lvl="1" indent="-342900">
+              <a:buFont typeface="Wingdings" panose="05000000000000000000" pitchFamily="2" charset="2"/>
+              <a:buChar char="Ø"/>
+            </a:pPr>
+            <a:r>
+              <a:rPr lang="ko-KR" altLang="en-US" sz="2000">
+                <a:latin typeface="LG스마트체2.0 Regular" panose="020B0600000101010101" pitchFamily="50" charset="-127"/>
+                <a:ea typeface="LG스마트체2.0 Regular" panose="020B0600000101010101" pitchFamily="50" charset="-127"/>
+              </a:rPr>
+              <a:t>교육 종료 소감</a:t>
+            </a:r>
+            <a:r>
+              <a:rPr lang="en-US" altLang="ko-KR" sz="2000">
+                <a:latin typeface="LG스마트체2.0 Regular" panose="020B0600000101010101" pitchFamily="50" charset="-127"/>
+                <a:ea typeface="LG스마트체2.0 Regular" panose="020B0600000101010101" pitchFamily="50" charset="-127"/>
+              </a:rPr>
+              <a:t>:</a:t>
+            </a:r>
+          </a:p>
+          <a:p>
+            <a:pPr marL="800100" lvl="1" indent="-342900">
+              <a:buFont typeface="Wingdings" panose="05000000000000000000" pitchFamily="2" charset="2"/>
+              <a:buChar char="Ø"/>
+            </a:pPr>
+            <a:endParaRPr lang="en-US" altLang="ko-KR" sz="2000">
+              <a:latin typeface="LG스마트체2.0 Regular" panose="020B0600000101010101" pitchFamily="50" charset="-127"/>
+              <a:ea typeface="LG스마트체2.0 Regular" panose="020B0600000101010101" pitchFamily="50" charset="-127"/>
+            </a:endParaRPr>
+          </a:p>
+          <a:p>
+            <a:endParaRPr lang="en-US" altLang="ko-KR" sz="2000" smtClean="0">
+              <a:latin typeface="LG스마트체2.0 Regular" panose="020B0600000101010101" pitchFamily="50" charset="-127"/>
+              <a:ea typeface="LG스마트체2.0 Regular" panose="020B0600000101010101" pitchFamily="50" charset="-127"/>
+            </a:endParaRPr>
+          </a:p>
+          <a:p>
+            <a:endParaRPr lang="ko-KR" altLang="en-US" sz="2000">
+              <a:latin typeface="LG스마트체2.0 Regular" panose="020B0600000101010101" pitchFamily="50" charset="-127"/>
+              <a:ea typeface="LG스마트체2.0 Regular" panose="020B0600000101010101" pitchFamily="50" charset="-127"/>
+            </a:endParaRPr>
+          </a:p>
+        </p:txBody>
+      </p:sp>
+    </p:spTree>
+    <p:extLst>
+      <p:ext uri="{BB962C8B-B14F-4D97-AF65-F5344CB8AC3E}">
+        <p14:creationId xmlns:p14="http://schemas.microsoft.com/office/powerpoint/2010/main" val="2477282649"/>
+      </p:ext>
+    </p:extLst>
+  </p:cSld>
+  <p:clrMapOvr>
+    <a:masterClrMapping/>
+  </p:clrMapOvr>
+  <p:timing>
+    <p:tnLst>
+      <p:par>
+        <p:cTn id="1" dur="indefinite" restart="never" nodeType="tmRoot"/>
+      </p:par>
+    </p:tnLst>
+  </p:timing>
 </p:sld>
 </file>
 
@@ -1184,7 +2640,7 @@
               <a:buAutoNum type="arabicPeriod"/>
             </a:pPr>
             <a:r>
-              <a:rPr lang="ko-KR" altLang="en-US" sz="4400" b="1" dirty="0">
+              <a:rPr lang="ko-KR" altLang="en-US" sz="4400" b="1">
                 <a:solidFill>
                   <a:schemeClr val="bg1"/>
                 </a:solidFill>
@@ -1194,7 +2650,7 @@
               <a:t>주제 및 결과 </a:t>
             </a:r>
             <a:r>
-              <a:rPr lang="ko-KR" altLang="en-US" sz="4400" b="1" dirty="0" smtClean="0">
+              <a:rPr lang="ko-KR" altLang="en-US" sz="4400" b="1" smtClean="0">
                 <a:solidFill>
                   <a:schemeClr val="bg1"/>
                 </a:solidFill>
@@ -1204,7 +2660,7 @@
               <a:t>요약</a:t>
             </a:r>
             <a:r>
-              <a:rPr lang="en-US" altLang="ko-KR" sz="4400" b="1" dirty="0" smtClean="0">
+              <a:rPr lang="en-US" altLang="ko-KR" sz="4400" b="1" smtClean="0">
                 <a:solidFill>
                   <a:schemeClr val="bg1"/>
                 </a:solidFill>
@@ -1213,7 +2669,7 @@
               </a:rPr>
               <a:t>(Snake)</a:t>
             </a:r>
-            <a:endParaRPr lang="en-US" altLang="ko-KR" sz="4400" b="1" dirty="0">
+            <a:endParaRPr lang="en-US" altLang="ko-KR" sz="4400" b="1">
               <a:solidFill>
                 <a:schemeClr val="bg1"/>
               </a:solidFill>
@@ -1229,7 +2685,7 @@
               <a:buAutoNum type="arabicPeriod"/>
             </a:pPr>
             <a:r>
-              <a:rPr lang="ko-KR" altLang="en-US" sz="4400" b="1" dirty="0">
+              <a:rPr lang="ko-KR" altLang="en-US" sz="4400" b="1">
                 <a:solidFill>
                   <a:schemeClr val="bg1"/>
                 </a:solidFill>
@@ -1239,7 +2695,7 @@
               <a:t>개발 </a:t>
             </a:r>
             <a:r>
-              <a:rPr lang="ko-KR" altLang="en-US" sz="4400" b="1" dirty="0" smtClean="0">
+              <a:rPr lang="ko-KR" altLang="en-US" sz="4400" b="1" smtClean="0">
                 <a:solidFill>
                   <a:schemeClr val="bg1"/>
                 </a:solidFill>
@@ -1249,7 +2705,7 @@
               <a:t>목표</a:t>
             </a:r>
             <a:r>
-              <a:rPr lang="en-US" altLang="ko-KR" sz="4400" b="1" dirty="0" smtClean="0">
+              <a:rPr lang="en-US" altLang="ko-KR" sz="4400" b="1" smtClean="0">
                 <a:solidFill>
                   <a:schemeClr val="bg1"/>
                 </a:solidFill>
@@ -1269,7 +2725,7 @@
               <a:t>지금가능</a:t>
             </a:r>
             <a:r>
-              <a:rPr lang="en-US" altLang="ko-KR" sz="4400" b="1" dirty="0" smtClean="0">
+              <a:rPr lang="en-US" altLang="ko-KR" sz="4400" b="1" smtClean="0">
                 <a:solidFill>
                   <a:schemeClr val="bg1"/>
                 </a:solidFill>
@@ -1289,24 +2745,34 @@
               <a:t> </a:t>
             </a:r>
             <a:r>
-              <a:rPr lang="ko-KR" altLang="en-US" sz="4400" b="1" dirty="0">
+              <a:rPr lang="ko-KR" altLang="en-US" sz="4400" b="1">
                 <a:solidFill>
                   <a:schemeClr val="bg1"/>
                 </a:solidFill>
                 <a:latin typeface="LG스마트체2.0 Regular" panose="020B0600000101010101" pitchFamily="50" charset="-127"/>
                 <a:ea typeface="LG스마트체2.0 Regular" panose="020B0600000101010101" pitchFamily="50" charset="-127"/>
               </a:rPr>
-              <a:t>및 </a:t>
-            </a:r>
-            <a:r>
-              <a:rPr lang="ko-KR" altLang="en-US" sz="4400" b="1">
+              <a:t>및 개발 </a:t>
+            </a:r>
+            <a:r>
+              <a:rPr lang="ko-KR" altLang="en-US" sz="4400" b="1" smtClean="0">
                 <a:solidFill>
                   <a:schemeClr val="bg1"/>
                 </a:solidFill>
                 <a:latin typeface="LG스마트체2.0 Regular" panose="020B0600000101010101" pitchFamily="50" charset="-127"/>
                 <a:ea typeface="LG스마트체2.0 Regular" panose="020B0600000101010101" pitchFamily="50" charset="-127"/>
               </a:rPr>
-              <a:t>개발 </a:t>
+              <a:t>결과</a:t>
+            </a:r>
+            <a:r>
+              <a:rPr lang="en-US" altLang="ko-KR" sz="4400" b="1" smtClean="0">
+                <a:solidFill>
+                  <a:schemeClr val="bg1"/>
+                </a:solidFill>
+                <a:latin typeface="LG스마트체2.0 Regular" panose="020B0600000101010101" pitchFamily="50" charset="-127"/>
+                <a:ea typeface="LG스마트체2.0 Regular" panose="020B0600000101010101" pitchFamily="50" charset="-127"/>
+              </a:rPr>
+              <a:t>(</a:t>
             </a:r>
             <a:r>
               <a:rPr lang="ko-KR" altLang="en-US" sz="4400" b="1" smtClean="0">
@@ -1316,39 +2782,19 @@
                 <a:latin typeface="LG스마트체2.0 Regular" panose="020B0600000101010101" pitchFamily="50" charset="-127"/>
                 <a:ea typeface="LG스마트체2.0 Regular" panose="020B0600000101010101" pitchFamily="50" charset="-127"/>
               </a:rPr>
-              <a:t>결과</a:t>
-            </a:r>
-            <a:r>
-              <a:rPr lang="en-US" altLang="ko-KR" sz="4400" b="1" dirty="0" smtClean="0">
+              <a:t>끝날때</a:t>
+            </a:r>
+            <a:r>
+              <a:rPr lang="en-US" altLang="ko-KR" sz="4400" b="1" smtClean="0">
                 <a:solidFill>
                   <a:schemeClr val="bg1"/>
                 </a:solidFill>
                 <a:latin typeface="LG스마트체2.0 Regular" panose="020B0600000101010101" pitchFamily="50" charset="-127"/>
                 <a:ea typeface="LG스마트체2.0 Regular" panose="020B0600000101010101" pitchFamily="50" charset="-127"/>
               </a:rPr>
-              <a:t>(</a:t>
-            </a:r>
-            <a:r>
-              <a:rPr lang="ko-KR" altLang="en-US" sz="4400" b="1" smtClean="0">
-                <a:solidFill>
-                  <a:schemeClr val="bg1"/>
-                </a:solidFill>
-                <a:latin typeface="LG스마트체2.0 Regular" panose="020B0600000101010101" pitchFamily="50" charset="-127"/>
-                <a:ea typeface="LG스마트체2.0 Regular" panose="020B0600000101010101" pitchFamily="50" charset="-127"/>
-              </a:rPr>
-              <a:t>끝날때</a:t>
-            </a:r>
-            <a:r>
-              <a:rPr lang="en-US" altLang="ko-KR" sz="4400" b="1" dirty="0" smtClean="0">
-                <a:solidFill>
-                  <a:schemeClr val="bg1"/>
-                </a:solidFill>
-                <a:latin typeface="LG스마트체2.0 Regular" panose="020B0600000101010101" pitchFamily="50" charset="-127"/>
-                <a:ea typeface="LG스마트체2.0 Regular" panose="020B0600000101010101" pitchFamily="50" charset="-127"/>
-              </a:rPr>
               <a:t>)</a:t>
             </a:r>
-            <a:endParaRPr lang="en-US" altLang="ko-KR" sz="4400" b="1" dirty="0">
+            <a:endParaRPr lang="en-US" altLang="ko-KR" sz="4400" b="1">
               <a:solidFill>
                 <a:schemeClr val="bg1"/>
               </a:solidFill>
@@ -1364,7 +2810,7 @@
               <a:buAutoNum type="arabicPeriod"/>
             </a:pPr>
             <a:r>
-              <a:rPr lang="ko-KR" altLang="en-US" sz="4400" b="1" dirty="0">
+              <a:rPr lang="ko-KR" altLang="en-US" sz="4400" b="1">
                 <a:solidFill>
                   <a:schemeClr val="bg1"/>
                 </a:solidFill>
@@ -1374,7 +2820,7 @@
               <a:t>핵심 </a:t>
             </a:r>
             <a:r>
-              <a:rPr lang="ko-KR" altLang="en-US" sz="4400" b="1" dirty="0" smtClean="0">
+              <a:rPr lang="ko-KR" altLang="en-US" sz="4400" b="1" smtClean="0">
                 <a:solidFill>
                   <a:schemeClr val="bg1"/>
                 </a:solidFill>
@@ -1384,7 +2830,7 @@
               <a:t>기술</a:t>
             </a:r>
             <a:r>
-              <a:rPr lang="en-US" altLang="ko-KR" sz="4400" b="1" dirty="0" smtClean="0">
+              <a:rPr lang="en-US" altLang="ko-KR" sz="4400" b="1" smtClean="0">
                 <a:solidFill>
                   <a:schemeClr val="bg1"/>
                 </a:solidFill>
@@ -1404,7 +2850,7 @@
               <a:t>지금가능</a:t>
             </a:r>
             <a:r>
-              <a:rPr lang="en-US" altLang="ko-KR" sz="4400" b="1" dirty="0" smtClean="0">
+              <a:rPr lang="en-US" altLang="ko-KR" sz="4400" b="1" smtClean="0">
                 <a:solidFill>
                   <a:schemeClr val="bg1"/>
                 </a:solidFill>
@@ -1413,7 +2859,7 @@
               </a:rPr>
               <a:t>, RTOS)</a:t>
             </a:r>
-            <a:endParaRPr lang="en-US" altLang="ko-KR" sz="4400" b="1" dirty="0">
+            <a:endParaRPr lang="en-US" altLang="ko-KR" sz="4400" b="1">
               <a:solidFill>
                 <a:schemeClr val="bg1"/>
               </a:solidFill>
@@ -1429,7 +2875,7 @@
               <a:buAutoNum type="arabicPeriod"/>
             </a:pPr>
             <a:r>
-              <a:rPr lang="ko-KR" altLang="en-US" sz="4400" b="1" dirty="0">
+              <a:rPr lang="ko-KR" altLang="en-US" sz="4400" b="1">
                 <a:solidFill>
                   <a:schemeClr val="bg1"/>
                 </a:solidFill>
@@ -1438,7 +2884,7 @@
               </a:rPr>
               <a:t>결과 분석 및 기대 효과</a:t>
             </a:r>
-            <a:endParaRPr lang="en-US" altLang="ko-KR" sz="4400" b="1" dirty="0">
+            <a:endParaRPr lang="en-US" altLang="ko-KR" sz="4400" b="1">
               <a:solidFill>
                 <a:schemeClr val="bg1"/>
               </a:solidFill>
@@ -1454,7 +2900,7 @@
               <a:buAutoNum type="arabicPeriod"/>
             </a:pPr>
             <a:r>
-              <a:rPr lang="ko-KR" altLang="en-US" sz="4400" b="1" dirty="0">
+              <a:rPr lang="ko-KR" altLang="en-US" sz="4400" b="1">
                 <a:solidFill>
                   <a:schemeClr val="bg1"/>
                 </a:solidFill>
@@ -1463,7 +2909,7 @@
               </a:rPr>
               <a:t>향후 연구 과제</a:t>
             </a:r>
-            <a:endParaRPr lang="en-US" altLang="ko-KR" sz="4400" b="1" dirty="0">
+            <a:endParaRPr lang="en-US" altLang="ko-KR" sz="4400" b="1">
               <a:solidFill>
                 <a:schemeClr val="bg1"/>
               </a:solidFill>
@@ -1479,7 +2925,7 @@
               <a:buAutoNum type="arabicPeriod"/>
             </a:pPr>
             <a:r>
-              <a:rPr lang="ko-KR" altLang="en-US" sz="4400" b="1" dirty="0">
+              <a:rPr lang="ko-KR" altLang="en-US" sz="4400" b="1">
                 <a:solidFill>
                   <a:schemeClr val="bg1"/>
                 </a:solidFill>
@@ -1538,11 +2984,6 @@
               </a:rPr>
               <a:t>필요시 목차 임의 수정 가능</a:t>
             </a:r>
-            <a:endParaRPr lang="ko-KR" altLang="en-US" sz="3200" b="1" dirty="0">
-              <a:solidFill>
-                <a:schemeClr val="tx1"/>
-              </a:solidFill>
-            </a:endParaRPr>
           </a:p>
         </p:txBody>
       </p:sp>
@@ -1551,6 +2992,13 @@
   <p:clrMapOvr>
     <a:masterClrMapping/>
   </p:clrMapOvr>
+  <p:timing>
+    <p:tnLst>
+      <p:par>
+        <p:cTn id="1" dur="indefinite" restart="never" nodeType="tmRoot"/>
+      </p:par>
+    </p:tnLst>
+  </p:timing>
 </p:sld>
 </file>
 
@@ -1594,7 +3042,7 @@
           <a:lstStyle/>
           <a:p>
             <a:r>
-              <a:rPr lang="en-US" altLang="ko-KR" sz="5400" b="1" dirty="0">
+              <a:rPr lang="en-US" altLang="ko-KR" sz="5400" b="1">
                 <a:solidFill>
                   <a:schemeClr val="bg1"/>
                 </a:solidFill>
@@ -1604,7 +3052,7 @@
               <a:t>1. </a:t>
             </a:r>
             <a:r>
-              <a:rPr lang="ko-KR" altLang="en-US" sz="5400" b="1" dirty="0">
+              <a:rPr lang="ko-KR" altLang="en-US" sz="5400" b="1">
                 <a:solidFill>
                   <a:schemeClr val="bg1"/>
                 </a:solidFill>
@@ -1624,7 +3072,7 @@
         </p:nvSpPr>
         <p:spPr>
           <a:xfrm>
-            <a:off x="884420" y="2488367"/>
+            <a:off x="2171700" y="10279817"/>
             <a:ext cx="12660129" cy="2883733"/>
           </a:xfrm>
           <a:prstGeom prst="rect">
@@ -1655,7 +3103,7 @@
           <a:lstStyle/>
           <a:p>
             <a:r>
-              <a:rPr lang="ko-KR" altLang="en-US" sz="3200" b="1" dirty="0">
+              <a:rPr lang="ko-KR" altLang="en-US" sz="3200" b="1">
                 <a:solidFill>
                   <a:schemeClr val="tx1"/>
                 </a:solidFill>
@@ -1663,7 +3111,7 @@
               <a:t>간략하게 </a:t>
             </a:r>
             <a:r>
-              <a:rPr lang="en-US" altLang="ko-KR" sz="3200" b="1" dirty="0">
+              <a:rPr lang="en-US" altLang="ko-KR" sz="3200" b="1">
                 <a:solidFill>
                   <a:schemeClr val="tx1"/>
                 </a:solidFill>
@@ -1671,12 +3119,124 @@
               <a:t>1 </a:t>
             </a:r>
             <a:r>
-              <a:rPr lang="ko-KR" altLang="en-US" sz="3200" b="1" dirty="0">
+              <a:rPr lang="ko-KR" altLang="en-US" sz="3200" b="1">
                 <a:solidFill>
                   <a:schemeClr val="tx1"/>
                 </a:solidFill>
               </a:rPr>
-              <a:t>페이지에 </a:t>
+              <a:t>페이지에 프로젝트의 </a:t>
+            </a:r>
+            <a:r>
+              <a:rPr lang="ko-KR" altLang="en-US" sz="3200" b="1" smtClean="0">
+                <a:solidFill>
+                  <a:schemeClr val="tx1"/>
+                </a:solidFill>
+              </a:rPr>
+              <a:t>주</a:t>
+            </a:r>
+            <a:r>
+              <a:rPr lang="ko-KR" altLang="en-US" sz="3200" b="1" smtClean="0">
+                <a:solidFill>
+                  <a:srgbClr val="FF0000"/>
+                </a:solidFill>
+              </a:rPr>
+              <a:t>제</a:t>
+            </a:r>
+            <a:r>
+              <a:rPr lang="en-US" altLang="ko-KR" sz="3200" b="1" smtClean="0">
+                <a:solidFill>
+                  <a:srgbClr val="FF0000"/>
+                </a:solidFill>
+              </a:rPr>
+              <a:t>(RTOS </a:t>
+            </a:r>
+            <a:r>
+              <a:rPr lang="ko-KR" altLang="en-US" sz="3200" b="1" smtClean="0">
+                <a:solidFill>
+                  <a:srgbClr val="FF0000"/>
+                </a:solidFill>
+              </a:rPr>
+              <a:t>구현</a:t>
+            </a:r>
+            <a:r>
+              <a:rPr lang="en-US" altLang="ko-KR" sz="3200" b="1" smtClean="0">
+                <a:solidFill>
+                  <a:srgbClr val="FF0000"/>
+                </a:solidFill>
+              </a:rPr>
+              <a:t>), </a:t>
+            </a:r>
+            <a:r>
+              <a:rPr lang="ko-KR" altLang="en-US" sz="3200" b="1" smtClean="0">
+                <a:solidFill>
+                  <a:srgbClr val="FF0000"/>
+                </a:solidFill>
+              </a:rPr>
+              <a:t>목표</a:t>
+            </a:r>
+            <a:r>
+              <a:rPr lang="en-US" altLang="ko-KR" sz="3200" b="1" smtClean="0">
+                <a:solidFill>
+                  <a:srgbClr val="FF0000"/>
+                </a:solidFill>
+              </a:rPr>
+              <a:t>(PJT </a:t>
+            </a:r>
+            <a:r>
+              <a:rPr lang="ko-KR" altLang="en-US" sz="3200" b="1" smtClean="0">
+                <a:solidFill>
+                  <a:srgbClr val="FF0000"/>
+                </a:solidFill>
+              </a:rPr>
+              <a:t>일정에 있는거 직접 구현하기</a:t>
+            </a:r>
+            <a:r>
+              <a:rPr lang="en-US" altLang="ko-KR" sz="3200" b="1" smtClean="0">
+                <a:solidFill>
+                  <a:srgbClr val="FF0000"/>
+                </a:solidFill>
+              </a:rPr>
+              <a:t>), </a:t>
+            </a:r>
+            <a:r>
+              <a:rPr lang="ko-KR" altLang="en-US" sz="3200" b="1" smtClean="0">
+                <a:solidFill>
+                  <a:schemeClr val="tx1"/>
+                </a:solidFill>
+              </a:rPr>
+              <a:t>결과</a:t>
+            </a:r>
+            <a:r>
+              <a:rPr lang="en-US" altLang="ko-KR" sz="3200" b="1" smtClean="0">
+                <a:solidFill>
+                  <a:schemeClr val="tx1"/>
+                </a:solidFill>
+              </a:rPr>
+              <a:t>(Snake</a:t>
+            </a:r>
+            <a:r>
+              <a:rPr lang="ko-KR" altLang="en-US" sz="3200" b="1" smtClean="0">
+                <a:solidFill>
+                  <a:schemeClr val="tx1"/>
+                </a:solidFill>
+              </a:rPr>
+              <a:t>를 통해 확인함</a:t>
+            </a:r>
+            <a:r>
+              <a:rPr lang="en-US" altLang="ko-KR" sz="3200" b="1" smtClean="0">
+                <a:solidFill>
+                  <a:schemeClr val="tx1"/>
+                </a:solidFill>
+              </a:rPr>
+              <a:t>)</a:t>
+            </a:r>
+            <a:r>
+              <a:rPr lang="ko-KR" altLang="en-US" sz="3200" b="1" smtClean="0">
+                <a:solidFill>
+                  <a:schemeClr val="tx1"/>
+                </a:solidFill>
+              </a:rPr>
+              <a:t>를 </a:t>
             </a:r>
             <a:r>
               <a:rPr lang="ko-KR" altLang="en-US" sz="3200" b="1">
@@ -1684,128 +3244,375 @@
                   <a:schemeClr val="tx1"/>
                 </a:solidFill>
               </a:rPr>
-              <a:t>프로젝트의 </a:t>
-            </a:r>
-            <a:r>
-              <a:rPr lang="ko-KR" altLang="en-US" sz="3200" b="1" smtClean="0">
-                <a:solidFill>
-                  <a:schemeClr val="tx1"/>
-                </a:solidFill>
-              </a:rPr>
-              <a:t>주</a:t>
-            </a:r>
-            <a:r>
-              <a:rPr lang="ko-KR" altLang="en-US" sz="3200" b="1" smtClean="0">
-                <a:solidFill>
-                  <a:srgbClr val="FF0000"/>
-                </a:solidFill>
-              </a:rPr>
-              <a:t>제</a:t>
-            </a:r>
-            <a:r>
-              <a:rPr lang="en-US" altLang="ko-KR" sz="3200" b="1" dirty="0" smtClean="0">
-                <a:solidFill>
-                  <a:srgbClr val="FF0000"/>
-                </a:solidFill>
-              </a:rPr>
-              <a:t>(RTOS </a:t>
-            </a:r>
-            <a:r>
-              <a:rPr lang="ko-KR" altLang="en-US" sz="3200" b="1" smtClean="0">
-                <a:solidFill>
-                  <a:srgbClr val="FF0000"/>
-                </a:solidFill>
-              </a:rPr>
-              <a:t>구현</a:t>
-            </a:r>
-            <a:r>
-              <a:rPr lang="en-US" altLang="ko-KR" sz="3200" b="1" dirty="0" smtClean="0">
-                <a:solidFill>
-                  <a:srgbClr val="FF0000"/>
-                </a:solidFill>
-              </a:rPr>
-              <a:t>), </a:t>
-            </a:r>
-            <a:r>
-              <a:rPr lang="ko-KR" altLang="en-US" sz="3200" b="1" smtClean="0">
-                <a:solidFill>
-                  <a:srgbClr val="FF0000"/>
-                </a:solidFill>
+              <a:t>요약</a:t>
+            </a:r>
+          </a:p>
+        </p:txBody>
+      </p:sp>
+      <p:sp>
+        <p:nvSpPr>
+          <p:cNvPr id="4" name="TextBox 3"/>
+          <p:cNvSpPr txBox="1"/>
+          <p:nvPr/>
+        </p:nvSpPr>
+        <p:spPr>
+          <a:xfrm>
+            <a:off x="737675" y="1800664"/>
+            <a:ext cx="10876695" cy="5478423"/>
+          </a:xfrm>
+          <a:prstGeom prst="rect">
+            <a:avLst/>
+          </a:prstGeom>
+          <a:noFill/>
+        </p:spPr>
+        <p:txBody>
+          <a:bodyPr wrap="none" rtlCol="0">
+            <a:spAutoFit/>
+          </a:bodyPr>
+          <a:lstStyle/>
+          <a:p>
+            <a:pPr marL="285750" indent="-285750">
+              <a:buFont typeface="Arial" panose="020B0604020202020204" pitchFamily="34" charset="0"/>
+              <a:buChar char="•"/>
+            </a:pPr>
+            <a:r>
+              <a:rPr lang="ko-KR" altLang="en-US" sz="2400" b="1" smtClean="0">
+                <a:latin typeface="LG스마트체2.0 Regular" panose="020B0600000101010101" pitchFamily="50" charset="-127"/>
+                <a:ea typeface="LG스마트체2.0 Regular" panose="020B0600000101010101" pitchFamily="50" charset="-127"/>
+              </a:rPr>
+              <a:t>주제</a:t>
+            </a:r>
+            <a:endParaRPr lang="en-US" altLang="ko-KR" sz="2400" b="1" smtClean="0">
+              <a:latin typeface="LG스마트체2.0 Regular" panose="020B0600000101010101" pitchFamily="50" charset="-127"/>
+              <a:ea typeface="LG스마트체2.0 Regular" panose="020B0600000101010101" pitchFamily="50" charset="-127"/>
+            </a:endParaRPr>
+          </a:p>
+          <a:p>
+            <a:pPr marL="800100" lvl="1" indent="-342900">
+              <a:buFont typeface="Wingdings" panose="05000000000000000000" pitchFamily="2" charset="2"/>
+              <a:buChar char="Ø"/>
+            </a:pPr>
+            <a:r>
+              <a:rPr lang="en-US" altLang="ko-KR" sz="2000" smtClean="0">
+                <a:latin typeface="LG스마트체2.0 Regular" panose="020B0600000101010101" pitchFamily="50" charset="-127"/>
+                <a:ea typeface="LG스마트체2.0 Regular" panose="020B0600000101010101" pitchFamily="50" charset="-127"/>
+              </a:rPr>
+              <a:t>RTOS(Real time OS) </a:t>
+            </a:r>
+            <a:r>
+              <a:rPr lang="ko-KR" altLang="en-US" sz="2000" smtClean="0">
+                <a:latin typeface="LG스마트체2.0 Regular" panose="020B0600000101010101" pitchFamily="50" charset="-127"/>
+                <a:ea typeface="LG스마트체2.0 Regular" panose="020B0600000101010101" pitchFamily="50" charset="-127"/>
+              </a:rPr>
+              <a:t>기능을 직접 구현하고 해당 기능을 사용하여 </a:t>
+            </a:r>
+            <a:r>
+              <a:rPr lang="en-US" altLang="ko-KR" sz="2000" smtClean="0">
+                <a:latin typeface="LG스마트체2.0 Regular" panose="020B0600000101010101" pitchFamily="50" charset="-127"/>
+                <a:ea typeface="LG스마트체2.0 Regular" panose="020B0600000101010101" pitchFamily="50" charset="-127"/>
+              </a:rPr>
+              <a:t>Demo application </a:t>
+            </a:r>
+            <a:r>
+              <a:rPr lang="ko-KR" altLang="en-US" sz="2000" smtClean="0">
+                <a:latin typeface="LG스마트체2.0 Regular" panose="020B0600000101010101" pitchFamily="50" charset="-127"/>
+                <a:ea typeface="LG스마트체2.0 Regular" panose="020B0600000101010101" pitchFamily="50" charset="-127"/>
+              </a:rPr>
+              <a:t>제작함</a:t>
+            </a:r>
+            <a:endParaRPr lang="en-US" altLang="ko-KR" sz="2000" smtClean="0">
+              <a:latin typeface="LG스마트체2.0 Regular" panose="020B0600000101010101" pitchFamily="50" charset="-127"/>
+              <a:ea typeface="LG스마트체2.0 Regular" panose="020B0600000101010101" pitchFamily="50" charset="-127"/>
+            </a:endParaRPr>
+          </a:p>
+          <a:p>
+            <a:pPr marL="800100" lvl="1" indent="-342900">
+              <a:buFont typeface="Wingdings" panose="05000000000000000000" pitchFamily="2" charset="2"/>
+              <a:buChar char="Ø"/>
+            </a:pPr>
+            <a:endParaRPr lang="en-US" altLang="ko-KR" sz="2000">
+              <a:latin typeface="LG스마트체2.0 Regular" panose="020B0600000101010101" pitchFamily="50" charset="-127"/>
+              <a:ea typeface="LG스마트체2.0 Regular" panose="020B0600000101010101" pitchFamily="50" charset="-127"/>
+            </a:endParaRPr>
+          </a:p>
+          <a:p>
+            <a:pPr marL="342900" indent="-342900">
+              <a:buFont typeface="Arial" panose="020B0604020202020204" pitchFamily="34" charset="0"/>
+              <a:buChar char="•"/>
+            </a:pPr>
+            <a:r>
+              <a:rPr lang="ko-KR" altLang="en-US" sz="2400" b="1" smtClean="0">
+                <a:latin typeface="LG스마트체2.0 Regular" panose="020B0600000101010101" pitchFamily="50" charset="-127"/>
+                <a:ea typeface="LG스마트체2.0 Regular" panose="020B0600000101010101" pitchFamily="50" charset="-127"/>
               </a:rPr>
               <a:t>목표</a:t>
             </a:r>
-            <a:r>
-              <a:rPr lang="en-US" altLang="ko-KR" sz="3200" b="1" dirty="0" smtClean="0">
-                <a:solidFill>
-                  <a:srgbClr val="FF0000"/>
-                </a:solidFill>
-              </a:rPr>
-              <a:t>(PJT </a:t>
-            </a:r>
-            <a:r>
-              <a:rPr lang="ko-KR" altLang="en-US" sz="3200" b="1" smtClean="0">
-                <a:solidFill>
-                  <a:srgbClr val="FF0000"/>
-                </a:solidFill>
-              </a:rPr>
-              <a:t>일정에 있는거 직접 구현하기</a:t>
-            </a:r>
-            <a:r>
-              <a:rPr lang="en-US" altLang="ko-KR" sz="3200" b="1" dirty="0" smtClean="0">
-                <a:solidFill>
-                  <a:srgbClr val="FF0000"/>
-                </a:solidFill>
-              </a:rPr>
-              <a:t>), </a:t>
-            </a:r>
-            <a:r>
-              <a:rPr lang="ko-KR" altLang="en-US" sz="3200" b="1" smtClean="0">
-                <a:solidFill>
-                  <a:schemeClr val="tx1"/>
-                </a:solidFill>
+            <a:endParaRPr lang="en-US" altLang="ko-KR" sz="2400" b="1" smtClean="0">
+              <a:latin typeface="LG스마트체2.0 Regular" panose="020B0600000101010101" pitchFamily="50" charset="-127"/>
+              <a:ea typeface="LG스마트체2.0 Regular" panose="020B0600000101010101" pitchFamily="50" charset="-127"/>
+            </a:endParaRPr>
+          </a:p>
+          <a:p>
+            <a:pPr marL="800100" lvl="1" indent="-342900">
+              <a:buFont typeface="Wingdings" panose="05000000000000000000" pitchFamily="2" charset="2"/>
+              <a:buChar char="Ø"/>
+            </a:pPr>
+            <a:r>
+              <a:rPr lang="en-US" altLang="ko-KR" sz="2000" smtClean="0">
+                <a:latin typeface="LG스마트체2.0 Regular" panose="020B0600000101010101" pitchFamily="50" charset="-127"/>
+                <a:ea typeface="LG스마트체2.0 Regular" panose="020B0600000101010101" pitchFamily="50" charset="-127"/>
+              </a:rPr>
+              <a:t>RTOS </a:t>
+            </a:r>
+            <a:r>
+              <a:rPr lang="ko-KR" altLang="en-US" sz="2000" smtClean="0">
+                <a:latin typeface="LG스마트체2.0 Regular" panose="020B0600000101010101" pitchFamily="50" charset="-127"/>
+                <a:ea typeface="LG스마트체2.0 Regular" panose="020B0600000101010101" pitchFamily="50" charset="-127"/>
+              </a:rPr>
+              <a:t>기능 구현</a:t>
+            </a:r>
+            <a:endParaRPr lang="en-US" altLang="ko-KR" sz="2000" smtClean="0">
+              <a:latin typeface="LG스마트체2.0 Regular" panose="020B0600000101010101" pitchFamily="50" charset="-127"/>
+              <a:ea typeface="LG스마트체2.0 Regular" panose="020B0600000101010101" pitchFamily="50" charset="-127"/>
+            </a:endParaRPr>
+          </a:p>
+          <a:p>
+            <a:pPr marL="1257300" lvl="2" indent="-342900">
+              <a:buFont typeface="Wingdings" panose="05000000000000000000" pitchFamily="2" charset="2"/>
+              <a:buChar char="ü"/>
+            </a:pPr>
+            <a:r>
+              <a:rPr lang="en-US" altLang="ko-KR" sz="2000" smtClean="0">
+                <a:latin typeface="LG스마트체2.0 Regular" panose="020B0600000101010101" pitchFamily="50" charset="-127"/>
+                <a:ea typeface="LG스마트체2.0 Regular" panose="020B0600000101010101" pitchFamily="50" charset="-127"/>
+              </a:rPr>
+              <a:t>Task &amp; Scheduler</a:t>
+            </a:r>
+          </a:p>
+          <a:p>
+            <a:pPr marL="1257300" lvl="2" indent="-342900">
+              <a:buFont typeface="Wingdings" panose="05000000000000000000" pitchFamily="2" charset="2"/>
+              <a:buChar char="ü"/>
+            </a:pPr>
+            <a:r>
+              <a:rPr lang="en-US" altLang="ko-KR" sz="2000" smtClean="0">
+                <a:latin typeface="LG스마트체2.0 Regular" panose="020B0600000101010101" pitchFamily="50" charset="-127"/>
+                <a:ea typeface="LG스마트체2.0 Regular" panose="020B0600000101010101" pitchFamily="50" charset="-127"/>
+              </a:rPr>
+              <a:t>Blocked based delay</a:t>
+            </a:r>
+          </a:p>
+          <a:p>
+            <a:pPr marL="1257300" lvl="2" indent="-342900">
+              <a:buFont typeface="Wingdings" panose="05000000000000000000" pitchFamily="2" charset="2"/>
+              <a:buChar char="ü"/>
+            </a:pPr>
+            <a:r>
+              <a:rPr lang="en-US" altLang="ko-KR" sz="2000" smtClean="0">
+                <a:latin typeface="LG스마트체2.0 Regular" panose="020B0600000101010101" pitchFamily="50" charset="-127"/>
+                <a:ea typeface="LG스마트체2.0 Regular" panose="020B0600000101010101" pitchFamily="50" charset="-127"/>
+              </a:rPr>
+              <a:t>Signaling</a:t>
+            </a:r>
+          </a:p>
+          <a:p>
+            <a:pPr marL="1257300" lvl="2" indent="-342900">
+              <a:buFont typeface="Wingdings" panose="05000000000000000000" pitchFamily="2" charset="2"/>
+              <a:buChar char="ü"/>
+            </a:pPr>
+            <a:r>
+              <a:rPr lang="en-US" altLang="ko-KR" sz="2000" smtClean="0">
+                <a:latin typeface="LG스마트체2.0 Regular" panose="020B0600000101010101" pitchFamily="50" charset="-127"/>
+                <a:ea typeface="LG스마트체2.0 Regular" panose="020B0600000101010101" pitchFamily="50" charset="-127"/>
+              </a:rPr>
+              <a:t>Queue</a:t>
+            </a:r>
+          </a:p>
+          <a:p>
+            <a:pPr marL="1257300" lvl="2" indent="-342900">
+              <a:buFont typeface="Wingdings" panose="05000000000000000000" pitchFamily="2" charset="2"/>
+              <a:buChar char="ü"/>
+            </a:pPr>
+            <a:r>
+              <a:rPr lang="en-US" altLang="ko-KR" sz="2000" err="1" smtClean="0">
+                <a:latin typeface="LG스마트체2.0 Regular" panose="020B0600000101010101" pitchFamily="50" charset="-127"/>
+                <a:ea typeface="LG스마트체2.0 Regular" panose="020B0600000101010101" pitchFamily="50" charset="-127"/>
+              </a:rPr>
+              <a:t>Mutex</a:t>
+            </a:r>
+            <a:endParaRPr lang="en-US" altLang="ko-KR" sz="2000" smtClean="0">
+              <a:latin typeface="LG스마트체2.0 Regular" panose="020B0600000101010101" pitchFamily="50" charset="-127"/>
+              <a:ea typeface="LG스마트체2.0 Regular" panose="020B0600000101010101" pitchFamily="50" charset="-127"/>
+            </a:endParaRPr>
+          </a:p>
+          <a:p>
+            <a:pPr marL="800100" lvl="1" indent="-342900">
+              <a:buFont typeface="Wingdings" panose="05000000000000000000" pitchFamily="2" charset="2"/>
+              <a:buChar char="Ø"/>
+            </a:pPr>
+            <a:r>
+              <a:rPr lang="en-US" altLang="ko-KR" sz="2000" smtClean="0">
+                <a:latin typeface="LG스마트체2.0 Regular" panose="020B0600000101010101" pitchFamily="50" charset="-127"/>
+                <a:ea typeface="LG스마트체2.0 Regular" panose="020B0600000101010101" pitchFamily="50" charset="-127"/>
+              </a:rPr>
+              <a:t>Demo application</a:t>
+            </a:r>
+            <a:endParaRPr lang="en-US" altLang="ko-KR" sz="2000">
+              <a:latin typeface="LG스마트체2.0 Regular" panose="020B0600000101010101" pitchFamily="50" charset="-127"/>
+              <a:ea typeface="LG스마트체2.0 Regular" panose="020B0600000101010101" pitchFamily="50" charset="-127"/>
+            </a:endParaRPr>
+          </a:p>
+          <a:p>
+            <a:pPr marL="1257300" lvl="2" indent="-342900">
+              <a:buFont typeface="Wingdings" panose="05000000000000000000" pitchFamily="2" charset="2"/>
+              <a:buChar char="ü"/>
+            </a:pPr>
+            <a:r>
+              <a:rPr lang="en-US" altLang="ko-KR" sz="2000" smtClean="0">
+                <a:latin typeface="LG스마트체2.0 Regular" panose="020B0600000101010101" pitchFamily="50" charset="-127"/>
+                <a:ea typeface="LG스마트체2.0 Regular" panose="020B0600000101010101" pitchFamily="50" charset="-127"/>
+              </a:rPr>
+              <a:t>Snake </a:t>
+            </a:r>
+            <a:r>
+              <a:rPr lang="ko-KR" altLang="en-US" sz="2000" smtClean="0">
+                <a:latin typeface="LG스마트체2.0 Regular" panose="020B0600000101010101" pitchFamily="50" charset="-127"/>
+                <a:ea typeface="LG스마트체2.0 Regular" panose="020B0600000101010101" pitchFamily="50" charset="-127"/>
+              </a:rPr>
+              <a:t>게임 제작</a:t>
+            </a:r>
+            <a:endParaRPr lang="en-US" altLang="ko-KR" sz="2000" smtClean="0">
+              <a:latin typeface="LG스마트체2.0 Regular" panose="020B0600000101010101" pitchFamily="50" charset="-127"/>
+              <a:ea typeface="LG스마트체2.0 Regular" panose="020B0600000101010101" pitchFamily="50" charset="-127"/>
+            </a:endParaRPr>
+          </a:p>
+          <a:p>
+            <a:pPr marL="800100" lvl="1" indent="-342900">
+              <a:buFont typeface="Wingdings" panose="05000000000000000000" pitchFamily="2" charset="2"/>
+              <a:buChar char="Ø"/>
+            </a:pPr>
+            <a:endParaRPr lang="en-US" altLang="ko-KR">
+              <a:latin typeface="LG스마트체2.0 Regular" panose="020B0600000101010101" pitchFamily="50" charset="-127"/>
+              <a:ea typeface="LG스마트체2.0 Regular" panose="020B0600000101010101" pitchFamily="50" charset="-127"/>
+            </a:endParaRPr>
+          </a:p>
+          <a:p>
+            <a:pPr marL="342900" indent="-342900">
+              <a:buFont typeface="Arial" panose="020B0604020202020204" pitchFamily="34" charset="0"/>
+              <a:buChar char="•"/>
+            </a:pPr>
+            <a:r>
+              <a:rPr lang="ko-KR" altLang="en-US" sz="2400" b="1" smtClean="0">
+                <a:latin typeface="LG스마트체2.0 Regular" panose="020B0600000101010101" pitchFamily="50" charset="-127"/>
+                <a:ea typeface="LG스마트체2.0 Regular" panose="020B0600000101010101" pitchFamily="50" charset="-127"/>
               </a:rPr>
               <a:t>결과</a:t>
             </a:r>
-            <a:r>
-              <a:rPr lang="en-US" altLang="ko-KR" sz="3200" b="1" dirty="0" smtClean="0">
-                <a:solidFill>
-                  <a:schemeClr val="tx1"/>
-                </a:solidFill>
-              </a:rPr>
-              <a:t>(Snake</a:t>
-            </a:r>
-            <a:r>
-              <a:rPr lang="ko-KR" altLang="en-US" sz="3200" b="1" smtClean="0">
-                <a:solidFill>
-                  <a:schemeClr val="tx1"/>
-                </a:solidFill>
-              </a:rPr>
-              <a:t>를 통해 확인함</a:t>
-            </a:r>
-            <a:r>
-              <a:rPr lang="en-US" altLang="ko-KR" sz="3200" b="1" dirty="0" smtClean="0">
-                <a:solidFill>
-                  <a:schemeClr val="tx1"/>
-                </a:solidFill>
-              </a:rPr>
+            <a:endParaRPr lang="en-US" altLang="ko-KR" sz="2400" b="1" smtClean="0">
+              <a:latin typeface="LG스마트체2.0 Regular" panose="020B0600000101010101" pitchFamily="50" charset="-127"/>
+              <a:ea typeface="LG스마트체2.0 Regular" panose="020B0600000101010101" pitchFamily="50" charset="-127"/>
+            </a:endParaRPr>
+          </a:p>
+          <a:p>
+            <a:pPr marL="800100" lvl="1" indent="-342900">
+              <a:buFont typeface="Wingdings" panose="05000000000000000000" pitchFamily="2" charset="2"/>
+              <a:buChar char="Ø"/>
+            </a:pPr>
+            <a:endParaRPr lang="en-US" altLang="ko-KR" sz="2000">
+              <a:latin typeface="LG스마트체2.0 Regular" panose="020B0600000101010101" pitchFamily="50" charset="-127"/>
+              <a:ea typeface="LG스마트체2.0 Regular" panose="020B0600000101010101" pitchFamily="50" charset="-127"/>
+            </a:endParaRPr>
+          </a:p>
+          <a:p>
+            <a:endParaRPr lang="en-US" altLang="ko-KR" sz="2000" smtClean="0">
+              <a:latin typeface="LG스마트체2.0 Regular" panose="020B0600000101010101" pitchFamily="50" charset="-127"/>
+              <a:ea typeface="LG스마트체2.0 Regular" panose="020B0600000101010101" pitchFamily="50" charset="-127"/>
+            </a:endParaRPr>
+          </a:p>
+          <a:p>
+            <a:endParaRPr lang="ko-KR" altLang="en-US" sz="2000">
+              <a:latin typeface="LG스마트체2.0 Regular" panose="020B0600000101010101" pitchFamily="50" charset="-127"/>
+              <a:ea typeface="LG스마트체2.0 Regular" panose="020B0600000101010101" pitchFamily="50" charset="-127"/>
+            </a:endParaRPr>
+          </a:p>
+        </p:txBody>
+      </p:sp>
+      <p:sp>
+        <p:nvSpPr>
+          <p:cNvPr id="5" name="직사각형 4"/>
+          <p:cNvSpPr/>
+          <p:nvPr/>
+        </p:nvSpPr>
+        <p:spPr>
+          <a:xfrm>
+            <a:off x="2171700" y="6267450"/>
+            <a:ext cx="10267950" cy="2762250"/>
+          </a:xfrm>
+          <a:prstGeom prst="rect">
+            <a:avLst/>
+          </a:prstGeom>
+        </p:spPr>
+        <p:style>
+          <a:lnRef idx="2">
+            <a:schemeClr val="accent1">
+              <a:shade val="50000"/>
+            </a:schemeClr>
+          </a:lnRef>
+          <a:fillRef idx="1">
+            <a:schemeClr val="accent1"/>
+          </a:fillRef>
+          <a:effectRef idx="0">
+            <a:schemeClr val="accent1"/>
+          </a:effectRef>
+          <a:fontRef idx="minor">
+            <a:schemeClr val="lt1"/>
+          </a:fontRef>
+        </p:style>
+        <p:txBody>
+          <a:bodyPr rtlCol="0" anchor="ctr"/>
+          <a:lstStyle/>
+          <a:p>
+            <a:pPr algn="ctr"/>
+            <a:r>
+              <a:rPr lang="en-US" altLang="ko-KR" smtClean="0"/>
+              <a:t>TBD</a:t>
+            </a:r>
+          </a:p>
+          <a:p>
+            <a:pPr algn="ctr"/>
+            <a:r>
+              <a:rPr lang="ko-KR" altLang="en-US" smtClean="0"/>
+              <a:t>구현한 </a:t>
+            </a:r>
+            <a:r>
+              <a:rPr lang="en-US" altLang="ko-KR" smtClean="0"/>
+              <a:t>RTOS </a:t>
+            </a:r>
+            <a:r>
+              <a:rPr lang="ko-KR" altLang="en-US" smtClean="0"/>
+              <a:t>기능을 기반으로 </a:t>
+            </a:r>
+            <a:r>
+              <a:rPr lang="en-US" altLang="ko-KR" smtClean="0"/>
+              <a:t>demo application(snake) </a:t>
+            </a:r>
+            <a:r>
+              <a:rPr lang="ko-KR" altLang="en-US" smtClean="0"/>
+              <a:t>구현 완료</a:t>
+            </a:r>
+            <a:r>
+              <a:rPr lang="en-US" altLang="ko-KR" smtClean="0"/>
+              <a:t>(</a:t>
+            </a:r>
+            <a:r>
+              <a:rPr lang="ko-KR" altLang="en-US" smtClean="0"/>
+              <a:t>간략하게</a:t>
+            </a:r>
+            <a:r>
+              <a:rPr lang="en-US" altLang="ko-KR" smtClean="0"/>
               <a:t>)</a:t>
             </a:r>
-            <a:r>
-              <a:rPr lang="ko-KR" altLang="en-US" sz="3200" b="1" smtClean="0">
-                <a:solidFill>
-                  <a:schemeClr val="tx1"/>
-                </a:solidFill>
-              </a:rPr>
-              <a:t>를 </a:t>
-            </a:r>
-            <a:r>
-              <a:rPr lang="ko-KR" altLang="en-US" sz="3200" b="1" dirty="0">
-                <a:solidFill>
-                  <a:schemeClr val="tx1"/>
-                </a:solidFill>
-              </a:rPr>
-              <a:t>요약</a:t>
-            </a:r>
+            <a:endParaRPr lang="ko-KR" altLang="en-US"/>
           </a:p>
         </p:txBody>
       </p:sp>
@@ -1819,6 +3626,13 @@
   <p:clrMapOvr>
     <a:masterClrMapping/>
   </p:clrMapOvr>
+  <p:timing>
+    <p:tnLst>
+      <p:par>
+        <p:cTn id="1" dur="indefinite" restart="never" nodeType="tmRoot"/>
+      </p:par>
+    </p:tnLst>
+  </p:timing>
 </p:sld>
 </file>
 
@@ -1862,7 +3676,7 @@
           <a:lstStyle/>
           <a:p>
             <a:r>
-              <a:rPr lang="en-US" altLang="ko-KR" sz="5400" b="1" dirty="0">
+              <a:rPr lang="en-US" altLang="ko-KR" sz="5400" b="1">
                 <a:solidFill>
                   <a:schemeClr val="bg1"/>
                 </a:solidFill>
@@ -1872,7 +3686,7 @@
               <a:t>2. </a:t>
             </a:r>
             <a:r>
-              <a:rPr lang="ko-KR" altLang="en-US" sz="5400" b="1" dirty="0">
+              <a:rPr lang="ko-KR" altLang="en-US" sz="5400" b="1">
                 <a:solidFill>
                   <a:schemeClr val="bg1"/>
                 </a:solidFill>
@@ -1892,7 +3706,7 @@
         </p:nvSpPr>
         <p:spPr>
           <a:xfrm>
-            <a:off x="884420" y="2488367"/>
+            <a:off x="2617970" y="10260767"/>
             <a:ext cx="11092721" cy="2548328"/>
           </a:xfrm>
           <a:prstGeom prst="rect">
@@ -1927,7 +3741,7 @@
               <a:buChar char="-"/>
             </a:pPr>
             <a:r>
-              <a:rPr lang="ko-KR" altLang="en-US" sz="3200" b="1" dirty="0">
+              <a:rPr lang="ko-KR" altLang="en-US" sz="3200" b="1">
                 <a:solidFill>
                   <a:schemeClr val="tx1"/>
                 </a:solidFill>
@@ -1935,7 +3749,7 @@
               <a:t>처음 기획한 개발 </a:t>
             </a:r>
             <a:r>
-              <a:rPr lang="ko-KR" altLang="en-US" sz="3200" b="1" dirty="0" smtClean="0">
+              <a:rPr lang="ko-KR" altLang="en-US" sz="3200" b="1" smtClean="0">
                 <a:solidFill>
                   <a:srgbClr val="FF0000"/>
                 </a:solidFill>
@@ -1943,7 +3757,7 @@
               <a:t>목표</a:t>
             </a:r>
             <a:r>
-              <a:rPr lang="en-US" altLang="ko-KR" sz="3200" b="1" dirty="0" smtClean="0">
+              <a:rPr lang="en-US" altLang="ko-KR" sz="3200" b="1" smtClean="0">
                 <a:solidFill>
                   <a:srgbClr val="FF0000"/>
                 </a:solidFill>
@@ -1959,14 +3773,14 @@
               <a:t>잘 되게 하는 거</a:t>
             </a:r>
             <a:r>
-              <a:rPr lang="en-US" altLang="ko-KR" sz="3200" b="1" dirty="0" smtClean="0">
+              <a:rPr lang="en-US" altLang="ko-KR" sz="3200" b="1" smtClean="0">
                 <a:solidFill>
                   <a:srgbClr val="FF0000"/>
                 </a:solidFill>
               </a:rPr>
               <a:t>)</a:t>
             </a:r>
-            <a:endParaRPr lang="en-US" altLang="ko-KR" sz="3200" b="1" dirty="0">
+            <a:endParaRPr lang="en-US" altLang="ko-KR" sz="3200" b="1">
               <a:solidFill>
                 <a:srgbClr val="FF0000"/>
               </a:solidFill>
@@ -1978,7 +3792,7 @@
               <a:buChar char="-"/>
             </a:pPr>
             <a:r>
-              <a:rPr lang="ko-KR" altLang="en-US" sz="3200" b="1" dirty="0">
+              <a:rPr lang="ko-KR" altLang="en-US" sz="3200" b="1">
                 <a:solidFill>
                   <a:schemeClr val="tx1"/>
                 </a:solidFill>
@@ -1986,7 +3800,7 @@
               <a:t>실제 개발 결과 </a:t>
             </a:r>
             <a:r>
-              <a:rPr lang="ko-KR" altLang="en-US" sz="3200" b="1" dirty="0" smtClean="0">
+              <a:rPr lang="ko-KR" altLang="en-US" sz="3200" b="1" smtClean="0">
                 <a:solidFill>
                   <a:schemeClr val="tx1"/>
                 </a:solidFill>
@@ -1994,7 +3808,7 @@
               <a:t>소개</a:t>
             </a:r>
             <a:r>
-              <a:rPr lang="en-US" altLang="ko-KR" sz="3200" b="1" dirty="0" smtClean="0">
+              <a:rPr lang="en-US" altLang="ko-KR" sz="3200" b="1" smtClean="0">
                 <a:solidFill>
                   <a:schemeClr val="tx1"/>
                 </a:solidFill>
@@ -2010,7 +3824,7 @@
               <a:t>잘 되는거 </a:t>
             </a:r>
             <a:r>
-              <a:rPr lang="en-US" altLang="ko-KR" sz="3200" b="1" dirty="0" smtClean="0">
+              <a:rPr lang="en-US" altLang="ko-KR" sz="3200" b="1" smtClean="0">
                 <a:solidFill>
                   <a:schemeClr val="tx1"/>
                 </a:solidFill>
@@ -2026,14 +3840,14 @@
               <a:t>를 통해 보여줌</a:t>
             </a:r>
             <a:r>
-              <a:rPr lang="en-US" altLang="ko-KR" sz="3200" b="1" dirty="0" smtClean="0">
+              <a:rPr lang="en-US" altLang="ko-KR" sz="3200" b="1" smtClean="0">
                 <a:solidFill>
                   <a:schemeClr val="tx1"/>
                 </a:solidFill>
               </a:rPr>
               <a:t>)</a:t>
             </a:r>
-            <a:endParaRPr lang="en-US" altLang="ko-KR" sz="3200" b="1" dirty="0">
+            <a:endParaRPr lang="en-US" altLang="ko-KR" sz="3200" b="1">
               <a:solidFill>
                 <a:schemeClr val="tx1"/>
               </a:solidFill>
@@ -2045,7 +3859,7 @@
               <a:buChar char="-"/>
             </a:pPr>
             <a:r>
-              <a:rPr lang="ko-KR" altLang="en-US" sz="3200" b="1" dirty="0">
+              <a:rPr lang="ko-KR" altLang="en-US" sz="3200" b="1">
                 <a:solidFill>
                   <a:schemeClr val="tx1"/>
                 </a:solidFill>
@@ -2053,14 +3867,14 @@
               <a:t>가급적 결과 내용을 상세히 </a:t>
             </a:r>
             <a:r>
-              <a:rPr lang="ko-KR" altLang="en-US" sz="3200" b="1" dirty="0" err="1" smtClean="0">
+              <a:rPr lang="ko-KR" altLang="en-US" sz="3200" b="1" err="1" smtClean="0">
                 <a:solidFill>
                   <a:schemeClr val="tx1"/>
                 </a:solidFill>
               </a:rPr>
               <a:t>기술ㅇㅋ</a:t>
             </a:r>
-            <a:endParaRPr lang="en-US" altLang="ko-KR" sz="3200" b="1" dirty="0">
+            <a:endParaRPr lang="en-US" altLang="ko-KR" sz="3200" b="1">
               <a:solidFill>
                 <a:schemeClr val="tx1"/>
               </a:solidFill>
@@ -2072,7 +3886,7 @@
               <a:buChar char="-"/>
             </a:pPr>
             <a:r>
-              <a:rPr lang="ko-KR" altLang="en-US" sz="3200" b="1" dirty="0">
+              <a:rPr lang="ko-KR" altLang="en-US" sz="3200" b="1">
                 <a:solidFill>
                   <a:schemeClr val="tx1"/>
                 </a:solidFill>
@@ -2080,18 +3894,405 @@
               <a:t>페이지 수 </a:t>
             </a:r>
             <a:r>
-              <a:rPr lang="ko-KR" altLang="en-US" sz="3200" b="1" dirty="0" err="1" smtClean="0">
+              <a:rPr lang="ko-KR" altLang="en-US" sz="3200" b="1" err="1" smtClean="0">
                 <a:solidFill>
                   <a:schemeClr val="tx1"/>
                 </a:solidFill>
               </a:rPr>
               <a:t>무관ㅇㅋ</a:t>
             </a:r>
-            <a:endParaRPr lang="ko-KR" altLang="en-US" sz="3200" b="1" dirty="0">
+            <a:endParaRPr lang="ko-KR" altLang="en-US" sz="3200" b="1">
               <a:solidFill>
                 <a:schemeClr val="tx1"/>
               </a:solidFill>
             </a:endParaRPr>
+          </a:p>
+        </p:txBody>
+      </p:sp>
+      <p:sp>
+        <p:nvSpPr>
+          <p:cNvPr id="4" name="TextBox 3"/>
+          <p:cNvSpPr txBox="1"/>
+          <p:nvPr/>
+        </p:nvSpPr>
+        <p:spPr>
+          <a:xfrm>
+            <a:off x="737675" y="1800664"/>
+            <a:ext cx="9754593" cy="2985433"/>
+          </a:xfrm>
+          <a:prstGeom prst="rect">
+            <a:avLst/>
+          </a:prstGeom>
+          <a:noFill/>
+        </p:spPr>
+        <p:txBody>
+          <a:bodyPr wrap="none" rtlCol="0">
+            <a:spAutoFit/>
+          </a:bodyPr>
+          <a:lstStyle/>
+          <a:p>
+            <a:pPr marL="285750" indent="-285750">
+              <a:buFont typeface="Arial" panose="020B0604020202020204" pitchFamily="34" charset="0"/>
+              <a:buChar char="•"/>
+            </a:pPr>
+            <a:r>
+              <a:rPr lang="ko-KR" altLang="en-US" sz="2400" b="1" smtClean="0">
+                <a:latin typeface="LG스마트체2.0 Regular" panose="020B0600000101010101" pitchFamily="50" charset="-127"/>
+                <a:ea typeface="LG스마트체2.0 Regular" panose="020B0600000101010101" pitchFamily="50" charset="-127"/>
+              </a:rPr>
+              <a:t>개발 목표</a:t>
+            </a:r>
+            <a:endParaRPr lang="en-US" altLang="ko-KR" sz="2400" b="1" smtClean="0">
+              <a:latin typeface="LG스마트체2.0 Regular" panose="020B0600000101010101" pitchFamily="50" charset="-127"/>
+              <a:ea typeface="LG스마트체2.0 Regular" panose="020B0600000101010101" pitchFamily="50" charset="-127"/>
+            </a:endParaRPr>
+          </a:p>
+          <a:p>
+            <a:pPr marL="800100" lvl="1" indent="-342900">
+              <a:buFont typeface="Wingdings" panose="05000000000000000000" pitchFamily="2" charset="2"/>
+              <a:buChar char="Ø"/>
+            </a:pPr>
+            <a:r>
+              <a:rPr lang="ko-KR" altLang="en-US" sz="2000" smtClean="0">
+                <a:latin typeface="LG스마트체2.0 Regular" panose="020B0600000101010101" pitchFamily="50" charset="-127"/>
+                <a:ea typeface="LG스마트체2.0 Regular" panose="020B0600000101010101" pitchFamily="50" charset="-127"/>
+              </a:rPr>
+              <a:t>최소 구현 </a:t>
+            </a:r>
+            <a:r>
+              <a:rPr lang="en-US" altLang="ko-KR" sz="2000" smtClean="0">
+                <a:latin typeface="LG스마트체2.0 Regular" panose="020B0600000101010101" pitchFamily="50" charset="-127"/>
+                <a:ea typeface="LG스마트체2.0 Regular" panose="020B0600000101010101" pitchFamily="50" charset="-127"/>
+              </a:rPr>
+              <a:t>spec</a:t>
+            </a:r>
+            <a:r>
+              <a:rPr lang="ko-KR" altLang="en-US" sz="2000" smtClean="0">
+                <a:latin typeface="LG스마트체2.0 Regular" panose="020B0600000101010101" pitchFamily="50" charset="-127"/>
+                <a:ea typeface="LG스마트체2.0 Regular" panose="020B0600000101010101" pitchFamily="50" charset="-127"/>
+              </a:rPr>
+              <a:t>을 만족하는 </a:t>
+            </a:r>
+            <a:r>
+              <a:rPr lang="en-US" altLang="ko-KR" sz="2000" smtClean="0">
+                <a:latin typeface="LG스마트체2.0 Regular" panose="020B0600000101010101" pitchFamily="50" charset="-127"/>
+                <a:ea typeface="LG스마트체2.0 Regular" panose="020B0600000101010101" pitchFamily="50" charset="-127"/>
+              </a:rPr>
+              <a:t>RTOS</a:t>
+            </a:r>
+            <a:r>
+              <a:rPr lang="en-US" altLang="ko-KR" smtClean="0">
+                <a:latin typeface="LG스마트체2.0 Regular" panose="020B0600000101010101" pitchFamily="50" charset="-127"/>
+                <a:ea typeface="LG스마트체2.0 Regular" panose="020B0600000101010101" pitchFamily="50" charset="-127"/>
+              </a:rPr>
+              <a:t>(Real time OS)</a:t>
+            </a:r>
+            <a:r>
+              <a:rPr lang="en-US" altLang="ko-KR" sz="2000" smtClean="0">
+                <a:latin typeface="LG스마트체2.0 Regular" panose="020B0600000101010101" pitchFamily="50" charset="-127"/>
+                <a:ea typeface="LG스마트체2.0 Regular" panose="020B0600000101010101" pitchFamily="50" charset="-127"/>
+              </a:rPr>
+              <a:t> </a:t>
+            </a:r>
+            <a:r>
+              <a:rPr lang="ko-KR" altLang="en-US" sz="2000" smtClean="0">
+                <a:latin typeface="LG스마트체2.0 Regular" panose="020B0600000101010101" pitchFamily="50" charset="-127"/>
+                <a:ea typeface="LG스마트체2.0 Regular" panose="020B0600000101010101" pitchFamily="50" charset="-127"/>
+              </a:rPr>
+              <a:t>기능 구현</a:t>
+            </a:r>
+            <a:endParaRPr lang="en-US" altLang="ko-KR" sz="2000" smtClean="0">
+              <a:latin typeface="LG스마트체2.0 Regular" panose="020B0600000101010101" pitchFamily="50" charset="-127"/>
+              <a:ea typeface="LG스마트체2.0 Regular" panose="020B0600000101010101" pitchFamily="50" charset="-127"/>
+            </a:endParaRPr>
+          </a:p>
+          <a:p>
+            <a:pPr marL="800100" lvl="1" indent="-342900">
+              <a:buFont typeface="Wingdings" panose="05000000000000000000" pitchFamily="2" charset="2"/>
+              <a:buChar char="Ø"/>
+            </a:pPr>
+            <a:r>
+              <a:rPr lang="en-US" altLang="ko-KR" sz="2000" smtClean="0">
+                <a:latin typeface="LG스마트체2.0 Regular" panose="020B0600000101010101" pitchFamily="50" charset="-127"/>
+                <a:ea typeface="LG스마트체2.0 Regular" panose="020B0600000101010101" pitchFamily="50" charset="-127"/>
+              </a:rPr>
+              <a:t>Demo application</a:t>
+            </a:r>
+            <a:r>
+              <a:rPr lang="ko-KR" altLang="en-US" sz="2000">
+                <a:latin typeface="LG스마트체2.0 Regular" panose="020B0600000101010101" pitchFamily="50" charset="-127"/>
+                <a:ea typeface="LG스마트체2.0 Regular" panose="020B0600000101010101" pitchFamily="50" charset="-127"/>
+              </a:rPr>
+              <a:t> </a:t>
+            </a:r>
+            <a:r>
+              <a:rPr lang="ko-KR" altLang="en-US" sz="2000" smtClean="0">
+                <a:latin typeface="LG스마트체2.0 Regular" panose="020B0600000101010101" pitchFamily="50" charset="-127"/>
+                <a:ea typeface="LG스마트체2.0 Regular" panose="020B0600000101010101" pitchFamily="50" charset="-127"/>
+              </a:rPr>
+              <a:t>제작에 필요한 최소 구현 </a:t>
+            </a:r>
+            <a:r>
+              <a:rPr lang="en-US" altLang="ko-KR" sz="2000" smtClean="0">
+                <a:latin typeface="LG스마트체2.0 Regular" panose="020B0600000101010101" pitchFamily="50" charset="-127"/>
+                <a:ea typeface="LG스마트체2.0 Regular" panose="020B0600000101010101" pitchFamily="50" charset="-127"/>
+              </a:rPr>
+              <a:t>spec</a:t>
+            </a:r>
+            <a:r>
+              <a:rPr lang="ko-KR" altLang="en-US" sz="2000" smtClean="0">
+                <a:latin typeface="LG스마트체2.0 Regular" panose="020B0600000101010101" pitchFamily="50" charset="-127"/>
+                <a:ea typeface="LG스마트체2.0 Regular" panose="020B0600000101010101" pitchFamily="50" charset="-127"/>
+              </a:rPr>
+              <a:t> 이상의 </a:t>
+            </a:r>
+            <a:r>
+              <a:rPr lang="en-US" altLang="ko-KR" sz="2000" smtClean="0">
+                <a:latin typeface="LG스마트체2.0 Regular" panose="020B0600000101010101" pitchFamily="50" charset="-127"/>
+                <a:ea typeface="LG스마트체2.0 Regular" panose="020B0600000101010101" pitchFamily="50" charset="-127"/>
+              </a:rPr>
+              <a:t>RTOS </a:t>
+            </a:r>
+            <a:r>
+              <a:rPr lang="ko-KR" altLang="en-US" sz="2000" smtClean="0">
+                <a:latin typeface="LG스마트체2.0 Regular" panose="020B0600000101010101" pitchFamily="50" charset="-127"/>
+                <a:ea typeface="LG스마트체2.0 Regular" panose="020B0600000101010101" pitchFamily="50" charset="-127"/>
+              </a:rPr>
+              <a:t>기능 구현</a:t>
+            </a:r>
+            <a:endParaRPr lang="en-US" altLang="ko-KR" sz="2000" smtClean="0">
+              <a:latin typeface="LG스마트체2.0 Regular" panose="020B0600000101010101" pitchFamily="50" charset="-127"/>
+              <a:ea typeface="LG스마트체2.0 Regular" panose="020B0600000101010101" pitchFamily="50" charset="-127"/>
+            </a:endParaRPr>
+          </a:p>
+          <a:p>
+            <a:pPr marL="800100" lvl="1" indent="-342900">
+              <a:buFont typeface="Wingdings" panose="05000000000000000000" pitchFamily="2" charset="2"/>
+              <a:buChar char="Ø"/>
+            </a:pPr>
+            <a:r>
+              <a:rPr lang="ko-KR" altLang="en-US" sz="2000" smtClean="0">
+                <a:latin typeface="LG스마트체2.0 Regular" panose="020B0600000101010101" pitchFamily="50" charset="-127"/>
+                <a:ea typeface="LG스마트체2.0 Regular" panose="020B0600000101010101" pitchFamily="50" charset="-127"/>
+              </a:rPr>
+              <a:t>제공된 </a:t>
+            </a:r>
+            <a:r>
+              <a:rPr lang="en-US" altLang="ko-KR" sz="2000" smtClean="0">
+                <a:latin typeface="LG스마트체2.0 Regular" panose="020B0600000101010101" pitchFamily="50" charset="-127"/>
+                <a:ea typeface="LG스마트체2.0 Regular" panose="020B0600000101010101" pitchFamily="50" charset="-127"/>
+              </a:rPr>
+              <a:t>board</a:t>
+            </a:r>
+            <a:r>
+              <a:rPr lang="ko-KR" altLang="en-US" sz="2000" smtClean="0">
+                <a:latin typeface="LG스마트체2.0 Regular" panose="020B0600000101010101" pitchFamily="50" charset="-127"/>
+                <a:ea typeface="LG스마트체2.0 Regular" panose="020B0600000101010101" pitchFamily="50" charset="-127"/>
+              </a:rPr>
+              <a:t>에서 제공하는 </a:t>
+            </a:r>
+            <a:r>
+              <a:rPr lang="en-US" altLang="ko-KR" sz="2000" smtClean="0">
+                <a:latin typeface="LG스마트체2.0 Regular" panose="020B0600000101010101" pitchFamily="50" charset="-127"/>
+                <a:ea typeface="LG스마트체2.0 Regular" panose="020B0600000101010101" pitchFamily="50" charset="-127"/>
+              </a:rPr>
+              <a:t>peripheral</a:t>
+            </a:r>
+            <a:r>
+              <a:rPr lang="en-US" altLang="ko-KR" smtClean="0">
+                <a:latin typeface="LG스마트체2.0 Regular" panose="020B0600000101010101" pitchFamily="50" charset="-127"/>
+                <a:ea typeface="LG스마트체2.0 Regular" panose="020B0600000101010101" pitchFamily="50" charset="-127"/>
+              </a:rPr>
+              <a:t>(LCD, Joy key </a:t>
+            </a:r>
+            <a:r>
+              <a:rPr lang="ko-KR" altLang="en-US" smtClean="0">
+                <a:latin typeface="LG스마트체2.0 Regular" panose="020B0600000101010101" pitchFamily="50" charset="-127"/>
+                <a:ea typeface="LG스마트체2.0 Regular" panose="020B0600000101010101" pitchFamily="50" charset="-127"/>
+              </a:rPr>
+              <a:t>등</a:t>
+            </a:r>
+            <a:r>
+              <a:rPr lang="en-US" altLang="ko-KR" smtClean="0">
+                <a:latin typeface="LG스마트체2.0 Regular" panose="020B0600000101010101" pitchFamily="50" charset="-127"/>
+                <a:ea typeface="LG스마트체2.0 Regular" panose="020B0600000101010101" pitchFamily="50" charset="-127"/>
+              </a:rPr>
+              <a:t>)</a:t>
+            </a:r>
+            <a:r>
+              <a:rPr lang="ko-KR" altLang="en-US" sz="2000" smtClean="0">
+                <a:latin typeface="LG스마트체2.0 Regular" panose="020B0600000101010101" pitchFamily="50" charset="-127"/>
+                <a:ea typeface="LG스마트체2.0 Regular" panose="020B0600000101010101" pitchFamily="50" charset="-127"/>
+              </a:rPr>
+              <a:t>을 이용한 </a:t>
+            </a:r>
+            <a:r>
+              <a:rPr lang="en-US" altLang="ko-KR" sz="2000" smtClean="0">
+                <a:latin typeface="LG스마트체2.0 Regular" panose="020B0600000101010101" pitchFamily="50" charset="-127"/>
+                <a:ea typeface="LG스마트체2.0 Regular" panose="020B0600000101010101" pitchFamily="50" charset="-127"/>
+              </a:rPr>
+              <a:t>snake </a:t>
+            </a:r>
+            <a:r>
+              <a:rPr lang="ko-KR" altLang="en-US" sz="2000" smtClean="0">
+                <a:latin typeface="LG스마트체2.0 Regular" panose="020B0600000101010101" pitchFamily="50" charset="-127"/>
+                <a:ea typeface="LG스마트체2.0 Regular" panose="020B0600000101010101" pitchFamily="50" charset="-127"/>
+              </a:rPr>
+              <a:t>게임</a:t>
+            </a:r>
+            <a:r>
+              <a:rPr lang="en-US" altLang="ko-KR" sz="2000" smtClean="0">
+                <a:latin typeface="LG스마트체2.0 Regular" panose="020B0600000101010101" pitchFamily="50" charset="-127"/>
+                <a:ea typeface="LG스마트체2.0 Regular" panose="020B0600000101010101" pitchFamily="50" charset="-127"/>
+              </a:rPr>
+              <a:t> </a:t>
+            </a:r>
+            <a:r>
+              <a:rPr lang="ko-KR" altLang="en-US" sz="2000" smtClean="0">
+                <a:latin typeface="LG스마트체2.0 Regular" panose="020B0600000101010101" pitchFamily="50" charset="-127"/>
+                <a:ea typeface="LG스마트체2.0 Regular" panose="020B0600000101010101" pitchFamily="50" charset="-127"/>
+              </a:rPr>
+              <a:t>제작</a:t>
+            </a:r>
+            <a:endParaRPr lang="en-US" altLang="ko-KR" sz="2000" smtClean="0">
+              <a:latin typeface="LG스마트체2.0 Regular" panose="020B0600000101010101" pitchFamily="50" charset="-127"/>
+              <a:ea typeface="LG스마트체2.0 Regular" panose="020B0600000101010101" pitchFamily="50" charset="-127"/>
+            </a:endParaRPr>
+          </a:p>
+          <a:p>
+            <a:pPr marL="800100" lvl="1" indent="-342900">
+              <a:buFont typeface="Wingdings" panose="05000000000000000000" pitchFamily="2" charset="2"/>
+              <a:buChar char="Ø"/>
+            </a:pPr>
+            <a:endParaRPr lang="en-US" altLang="ko-KR" sz="2000">
+              <a:latin typeface="LG스마트체2.0 Regular" panose="020B0600000101010101" pitchFamily="50" charset="-127"/>
+              <a:ea typeface="LG스마트체2.0 Regular" panose="020B0600000101010101" pitchFamily="50" charset="-127"/>
+            </a:endParaRPr>
+          </a:p>
+          <a:p>
+            <a:pPr marL="342900" indent="-342900">
+              <a:buFont typeface="Arial" panose="020B0604020202020204" pitchFamily="34" charset="0"/>
+              <a:buChar char="•"/>
+            </a:pPr>
+            <a:r>
+              <a:rPr lang="ko-KR" altLang="en-US" sz="2400" b="1" smtClean="0">
+                <a:latin typeface="LG스마트체2.0 Regular" panose="020B0600000101010101" pitchFamily="50" charset="-127"/>
+                <a:ea typeface="LG스마트체2.0 Regular" panose="020B0600000101010101" pitchFamily="50" charset="-127"/>
+              </a:rPr>
+              <a:t>개발 결과</a:t>
+            </a:r>
+            <a:endParaRPr lang="en-US" altLang="ko-KR" sz="2400" b="1" smtClean="0">
+              <a:latin typeface="LG스마트체2.0 Regular" panose="020B0600000101010101" pitchFamily="50" charset="-127"/>
+              <a:ea typeface="LG스마트체2.0 Regular" panose="020B0600000101010101" pitchFamily="50" charset="-127"/>
+            </a:endParaRPr>
+          </a:p>
+          <a:p>
+            <a:pPr marL="800100" lvl="1" indent="-342900">
+              <a:buFont typeface="Wingdings" panose="05000000000000000000" pitchFamily="2" charset="2"/>
+              <a:buChar char="Ø"/>
+            </a:pPr>
+            <a:r>
+              <a:rPr lang="en-US" altLang="ko-KR" sz="2000" smtClean="0">
+                <a:latin typeface="LG스마트체2.0 Regular" panose="020B0600000101010101" pitchFamily="50" charset="-127"/>
+                <a:ea typeface="LG스마트체2.0 Regular" panose="020B0600000101010101" pitchFamily="50" charset="-127"/>
+              </a:rPr>
+              <a:t> </a:t>
+            </a:r>
+            <a:endParaRPr lang="en-US" altLang="ko-KR" sz="2000">
+              <a:latin typeface="LG스마트체2.0 Regular" panose="020B0600000101010101" pitchFamily="50" charset="-127"/>
+              <a:ea typeface="LG스마트체2.0 Regular" panose="020B0600000101010101" pitchFamily="50" charset="-127"/>
+            </a:endParaRPr>
+          </a:p>
+          <a:p>
+            <a:endParaRPr lang="en-US" altLang="ko-KR" sz="2000" smtClean="0">
+              <a:latin typeface="LG스마트체2.0 Regular" panose="020B0600000101010101" pitchFamily="50" charset="-127"/>
+              <a:ea typeface="LG스마트체2.0 Regular" panose="020B0600000101010101" pitchFamily="50" charset="-127"/>
+            </a:endParaRPr>
+          </a:p>
+          <a:p>
+            <a:endParaRPr lang="ko-KR" altLang="en-US" sz="2000">
+              <a:latin typeface="LG스마트체2.0 Regular" panose="020B0600000101010101" pitchFamily="50" charset="-127"/>
+              <a:ea typeface="LG스마트체2.0 Regular" panose="020B0600000101010101" pitchFamily="50" charset="-127"/>
+            </a:endParaRPr>
+          </a:p>
+        </p:txBody>
+      </p:sp>
+      <p:sp>
+        <p:nvSpPr>
+          <p:cNvPr id="5" name="직사각형 4"/>
+          <p:cNvSpPr/>
+          <p:nvPr/>
+        </p:nvSpPr>
+        <p:spPr>
+          <a:xfrm>
+            <a:off x="2171700" y="4330254"/>
+            <a:ext cx="10267950" cy="2762250"/>
+          </a:xfrm>
+          <a:prstGeom prst="rect">
+            <a:avLst/>
+          </a:prstGeom>
+        </p:spPr>
+        <p:style>
+          <a:lnRef idx="2">
+            <a:schemeClr val="accent1">
+              <a:shade val="50000"/>
+            </a:schemeClr>
+          </a:lnRef>
+          <a:fillRef idx="1">
+            <a:schemeClr val="accent1"/>
+          </a:fillRef>
+          <a:effectRef idx="0">
+            <a:schemeClr val="accent1"/>
+          </a:effectRef>
+          <a:fontRef idx="minor">
+            <a:schemeClr val="lt1"/>
+          </a:fontRef>
+        </p:style>
+        <p:txBody>
+          <a:bodyPr rtlCol="0" anchor="ctr"/>
+          <a:lstStyle/>
+          <a:p>
+            <a:pPr algn="ctr"/>
+            <a:r>
+              <a:rPr lang="en-US" altLang="ko-KR" smtClean="0"/>
+              <a:t>TBD</a:t>
+            </a:r>
+          </a:p>
+          <a:p>
+            <a:pPr algn="ctr"/>
+            <a:r>
+              <a:rPr lang="ko-KR" altLang="en-US" smtClean="0"/>
+              <a:t>구현한 </a:t>
+            </a:r>
+            <a:r>
+              <a:rPr lang="en-US" altLang="ko-KR" smtClean="0"/>
+              <a:t>RTOS </a:t>
+            </a:r>
+            <a:r>
+              <a:rPr lang="ko-KR" altLang="en-US" smtClean="0"/>
+              <a:t>기능을 기반으로 </a:t>
+            </a:r>
+            <a:r>
+              <a:rPr lang="en-US" altLang="ko-KR" smtClean="0"/>
+              <a:t>demo application(snake) </a:t>
+            </a:r>
+            <a:r>
+              <a:rPr lang="ko-KR" altLang="en-US" smtClean="0"/>
+              <a:t>구현 완료</a:t>
+            </a:r>
+            <a:r>
+              <a:rPr lang="en-US" altLang="ko-KR" smtClean="0"/>
+              <a:t>(</a:t>
+            </a:r>
+            <a:r>
+              <a:rPr lang="ko-KR" altLang="en-US" smtClean="0"/>
+              <a:t>구체적으로</a:t>
+            </a:r>
+            <a:r>
+              <a:rPr lang="en-US" altLang="ko-KR" smtClean="0"/>
+              <a:t>)</a:t>
+            </a:r>
+            <a:endParaRPr lang="ko-KR" altLang="en-US"/>
           </a:p>
         </p:txBody>
       </p:sp>
@@ -2105,6 +4306,13 @@
   <p:clrMapOvr>
     <a:masterClrMapping/>
   </p:clrMapOvr>
+  <p:timing>
+    <p:tnLst>
+      <p:par>
+        <p:cTn id="1" dur="indefinite" restart="never" nodeType="tmRoot"/>
+      </p:par>
+    </p:tnLst>
+  </p:timing>
 </p:sld>
 </file>
 
@@ -2148,7 +4356,7 @@
           <a:lstStyle/>
           <a:p>
             <a:r>
-              <a:rPr lang="en-US" altLang="ko-KR" sz="5400" b="1" dirty="0">
+              <a:rPr lang="en-US" altLang="ko-KR" sz="5400" b="1">
                 <a:solidFill>
                   <a:schemeClr val="bg1"/>
                 </a:solidFill>
@@ -2158,7 +4366,7 @@
               <a:t>3. </a:t>
             </a:r>
             <a:r>
-              <a:rPr lang="ko-KR" altLang="en-US" sz="5400" b="1" dirty="0">
+              <a:rPr lang="ko-KR" altLang="en-US" sz="5400" b="1">
                 <a:solidFill>
                   <a:schemeClr val="bg1"/>
                 </a:solidFill>
@@ -2178,7 +4386,7 @@
         </p:nvSpPr>
         <p:spPr>
           <a:xfrm>
-            <a:off x="884420" y="2488367"/>
+            <a:off x="0" y="10375067"/>
             <a:ext cx="17346430" cy="2188564"/>
           </a:xfrm>
           <a:prstGeom prst="rect">
@@ -2213,7 +4421,7 @@
               <a:buChar char="-"/>
             </a:pPr>
             <a:r>
-              <a:rPr lang="ko-KR" altLang="en-US" sz="3200" b="1" dirty="0">
+              <a:rPr lang="ko-KR" altLang="en-US" sz="3200" b="1">
                 <a:solidFill>
                   <a:schemeClr val="tx1"/>
                 </a:solidFill>
@@ -2221,7 +4429,7 @@
               <a:t>개발에 사용된 가장 </a:t>
             </a:r>
             <a:r>
-              <a:rPr lang="ko-KR" altLang="en-US" sz="3200" b="1" dirty="0">
+              <a:rPr lang="ko-KR" altLang="en-US" sz="3200" b="1">
                 <a:solidFill>
                   <a:srgbClr val="FF0000"/>
                 </a:solidFill>
@@ -2229,7 +4437,7 @@
               <a:t>핵심적으로 구현된 기술 </a:t>
             </a:r>
             <a:r>
-              <a:rPr lang="ko-KR" altLang="en-US" sz="3200" b="1" dirty="0" smtClean="0">
+              <a:rPr lang="ko-KR" altLang="en-US" sz="3200" b="1" smtClean="0">
                 <a:solidFill>
                   <a:srgbClr val="FF0000"/>
                 </a:solidFill>
@@ -2237,7 +4445,7 @@
               <a:t>소개</a:t>
             </a:r>
             <a:r>
-              <a:rPr lang="en-US" altLang="ko-KR" sz="3200" b="1" dirty="0" smtClean="0">
+              <a:rPr lang="en-US" altLang="ko-KR" sz="3200" b="1" smtClean="0">
                 <a:solidFill>
                   <a:srgbClr val="FF0000"/>
                 </a:solidFill>
@@ -2253,14 +4461,14 @@
               <a:t>일정에 나와있는거 소개</a:t>
             </a:r>
             <a:r>
-              <a:rPr lang="en-US" altLang="ko-KR" sz="3200" b="1" dirty="0" smtClean="0">
+              <a:rPr lang="en-US" altLang="ko-KR" sz="3200" b="1" smtClean="0">
                 <a:solidFill>
                   <a:srgbClr val="FF0000"/>
                 </a:solidFill>
               </a:rPr>
               <a:t>)</a:t>
             </a:r>
-            <a:endParaRPr lang="en-US" altLang="ko-KR" sz="3200" b="1" dirty="0">
+            <a:endParaRPr lang="en-US" altLang="ko-KR" sz="3200" b="1">
               <a:solidFill>
                 <a:srgbClr val="FF0000"/>
               </a:solidFill>
@@ -2272,7 +4480,7 @@
               <a:buChar char="-"/>
             </a:pPr>
             <a:r>
-              <a:rPr lang="ko-KR" altLang="en-US" sz="3200" b="1" dirty="0">
+              <a:rPr lang="ko-KR" altLang="en-US" sz="3200" b="1">
                 <a:solidFill>
                   <a:schemeClr val="tx1"/>
                 </a:solidFill>
@@ -2280,7 +4488,7 @@
               <a:t>기술 내용 또는 소스코드 등 다양한 방법으로 </a:t>
             </a:r>
             <a:r>
-              <a:rPr lang="ko-KR" altLang="en-US" sz="3200" b="1" dirty="0">
+              <a:rPr lang="ko-KR" altLang="en-US" sz="3200" b="1">
                 <a:solidFill>
                   <a:srgbClr val="FF0000"/>
                 </a:solidFill>
@@ -2288,7 +4496,7 @@
               <a:t>핵심을 </a:t>
             </a:r>
             <a:r>
-              <a:rPr lang="ko-KR" altLang="en-US" sz="3200" b="1" dirty="0" smtClean="0">
+              <a:rPr lang="ko-KR" altLang="en-US" sz="3200" b="1" smtClean="0">
                 <a:solidFill>
                   <a:srgbClr val="FF0000"/>
                 </a:solidFill>
@@ -2296,7 +4504,7 @@
               <a:t>소개</a:t>
             </a:r>
             <a:r>
-              <a:rPr lang="en-US" altLang="ko-KR" sz="3200" b="1" dirty="0" smtClean="0">
+              <a:rPr lang="en-US" altLang="ko-KR" sz="3200" b="1" smtClean="0">
                 <a:solidFill>
                   <a:srgbClr val="FF0000"/>
                 </a:solidFill>
@@ -2312,14 +4520,14 @@
               <a:t>각 부분 주요한 부분 코드 보여주고 대충 설명해</a:t>
             </a:r>
             <a:r>
-              <a:rPr lang="en-US" altLang="ko-KR" sz="3200" b="1" dirty="0" smtClean="0">
+              <a:rPr lang="en-US" altLang="ko-KR" sz="3200" b="1" smtClean="0">
                 <a:solidFill>
                   <a:srgbClr val="FF0000"/>
                 </a:solidFill>
               </a:rPr>
               <a:t>)</a:t>
             </a:r>
-            <a:endParaRPr lang="en-US" altLang="ko-KR" sz="3200" b="1" dirty="0">
+            <a:endParaRPr lang="en-US" altLang="ko-KR" sz="3200" b="1">
               <a:solidFill>
                 <a:srgbClr val="FF0000"/>
               </a:solidFill>
@@ -2331,7 +4539,7 @@
               <a:buChar char="-"/>
             </a:pPr>
             <a:r>
-              <a:rPr lang="ko-KR" altLang="en-US" sz="3200" b="1" dirty="0">
+              <a:rPr lang="ko-KR" altLang="en-US" sz="3200" b="1">
                 <a:solidFill>
                   <a:schemeClr val="tx1"/>
                 </a:solidFill>
@@ -2339,17 +4547,1212 @@
               <a:t>페이지 수 </a:t>
             </a:r>
             <a:r>
-              <a:rPr lang="ko-KR" altLang="en-US" sz="3200" b="1" dirty="0" err="1" smtClean="0">
+              <a:rPr lang="ko-KR" altLang="en-US" sz="3200" b="1" err="1" smtClean="0">
                 <a:solidFill>
                   <a:schemeClr val="tx1"/>
                 </a:solidFill>
               </a:rPr>
               <a:t>무관ㅇㅋ</a:t>
             </a:r>
-            <a:endParaRPr lang="ko-KR" altLang="en-US" sz="3200" b="1" dirty="0">
+            <a:endParaRPr lang="ko-KR" altLang="en-US" sz="3200" b="1">
               <a:solidFill>
                 <a:schemeClr val="tx1"/>
               </a:solidFill>
+            </a:endParaRPr>
+          </a:p>
+        </p:txBody>
+      </p:sp>
+      <p:sp>
+        <p:nvSpPr>
+          <p:cNvPr id="4" name="TextBox 3"/>
+          <p:cNvSpPr txBox="1"/>
+          <p:nvPr/>
+        </p:nvSpPr>
+        <p:spPr>
+          <a:xfrm>
+            <a:off x="737675" y="1800664"/>
+            <a:ext cx="12365886" cy="6540252"/>
+          </a:xfrm>
+          <a:prstGeom prst="rect">
+            <a:avLst/>
+          </a:prstGeom>
+          <a:noFill/>
+        </p:spPr>
+        <p:txBody>
+          <a:bodyPr wrap="none" rtlCol="0">
+            <a:spAutoFit/>
+          </a:bodyPr>
+          <a:lstStyle/>
+          <a:p>
+            <a:pPr marL="285750" indent="-285750">
+              <a:buFont typeface="Arial" panose="020B0604020202020204" pitchFamily="34" charset="0"/>
+              <a:buChar char="•"/>
+            </a:pPr>
+            <a:r>
+              <a:rPr lang="en-US" altLang="ko-KR" sz="2400" b="1" smtClean="0">
+                <a:latin typeface="LG스마트체2.0 Regular" panose="020B0600000101010101" pitchFamily="50" charset="-127"/>
+                <a:ea typeface="LG스마트체2.0 Regular" panose="020B0600000101010101" pitchFamily="50" charset="-127"/>
+              </a:rPr>
+              <a:t>Task &amp; Scheduler</a:t>
+            </a:r>
+          </a:p>
+          <a:p>
+            <a:pPr marL="800100" lvl="1" indent="-342900">
+              <a:buFont typeface="Wingdings" panose="05000000000000000000" pitchFamily="2" charset="2"/>
+              <a:buChar char="Ø"/>
+            </a:pPr>
+            <a:r>
+              <a:rPr lang="en-US" altLang="ko-KR" sz="2000" smtClean="0">
+                <a:latin typeface="LG스마트체2.0 Regular" panose="020B0600000101010101" pitchFamily="50" charset="-127"/>
+                <a:ea typeface="LG스마트체2.0 Regular" panose="020B0600000101010101" pitchFamily="50" charset="-127"/>
+              </a:rPr>
+              <a:t>Task</a:t>
+            </a:r>
+            <a:r>
+              <a:rPr lang="ko-KR" altLang="en-US" sz="2000" smtClean="0">
+                <a:latin typeface="LG스마트체2.0 Regular" panose="020B0600000101010101" pitchFamily="50" charset="-127"/>
+                <a:ea typeface="LG스마트체2.0 Regular" panose="020B0600000101010101" pitchFamily="50" charset="-127"/>
+              </a:rPr>
+              <a:t> 생성 및 </a:t>
+            </a:r>
+            <a:r>
+              <a:rPr lang="en-US" altLang="ko-KR" sz="2000" smtClean="0">
+                <a:latin typeface="LG스마트체2.0 Regular" panose="020B0600000101010101" pitchFamily="50" charset="-127"/>
+                <a:ea typeface="LG스마트체2.0 Regular" panose="020B0600000101010101" pitchFamily="50" charset="-127"/>
+              </a:rPr>
+              <a:t>context switching</a:t>
+            </a:r>
+            <a:r>
+              <a:rPr lang="ko-KR" altLang="en-US" sz="2000" smtClean="0">
+                <a:latin typeface="LG스마트체2.0 Regular" panose="020B0600000101010101" pitchFamily="50" charset="-127"/>
+                <a:ea typeface="LG스마트체2.0 Regular" panose="020B0600000101010101" pitchFamily="50" charset="-127"/>
+              </a:rPr>
+              <a:t>에 대한 </a:t>
+            </a:r>
+            <a:r>
+              <a:rPr lang="en-US" altLang="ko-KR" sz="2000" smtClean="0">
+                <a:latin typeface="LG스마트체2.0 Regular" panose="020B0600000101010101" pitchFamily="50" charset="-127"/>
+                <a:ea typeface="LG스마트체2.0 Regular" panose="020B0600000101010101" pitchFamily="50" charset="-127"/>
+              </a:rPr>
+              <a:t>critical section </a:t>
+            </a:r>
+            <a:r>
+              <a:rPr lang="ko-KR" altLang="en-US" sz="2000" smtClean="0">
+                <a:latin typeface="LG스마트체2.0 Regular" panose="020B0600000101010101" pitchFamily="50" charset="-127"/>
+                <a:ea typeface="LG스마트체2.0 Regular" panose="020B0600000101010101" pitchFamily="50" charset="-127"/>
+              </a:rPr>
+              <a:t>관리</a:t>
+            </a:r>
+            <a:endParaRPr lang="en-US" altLang="ko-KR" sz="2000" smtClean="0">
+              <a:latin typeface="LG스마트체2.0 Regular" panose="020B0600000101010101" pitchFamily="50" charset="-127"/>
+              <a:ea typeface="LG스마트체2.0 Regular" panose="020B0600000101010101" pitchFamily="50" charset="-127"/>
+            </a:endParaRPr>
+          </a:p>
+          <a:p>
+            <a:pPr marL="1257300" lvl="2" indent="-342900">
+              <a:buFont typeface="Wingdings" panose="05000000000000000000" pitchFamily="2" charset="2"/>
+              <a:buChar char="ü"/>
+            </a:pPr>
+            <a:r>
+              <a:rPr lang="en-US" altLang="ko-KR" sz="2000" err="1" smtClean="0">
+                <a:latin typeface="LG스마트체2.0 Regular" panose="020B0600000101010101" pitchFamily="50" charset="-127"/>
+                <a:ea typeface="LG스마트체2.0 Regular" panose="020B0600000101010101" pitchFamily="50" charset="-127"/>
+              </a:rPr>
+              <a:t>TCB</a:t>
+            </a:r>
+            <a:r>
+              <a:rPr lang="en-US" altLang="ko-KR" smtClean="0">
+                <a:latin typeface="LG스마트체2.0 Regular" panose="020B0600000101010101" pitchFamily="50" charset="-127"/>
+                <a:ea typeface="LG스마트체2.0 Regular" panose="020B0600000101010101" pitchFamily="50" charset="-127"/>
+              </a:rPr>
+              <a:t>(Task Control Block)</a:t>
+            </a:r>
+            <a:r>
+              <a:rPr lang="en-US" altLang="ko-KR" sz="2000" smtClean="0">
+                <a:latin typeface="LG스마트체2.0 Regular" panose="020B0600000101010101" pitchFamily="50" charset="-127"/>
+                <a:ea typeface="LG스마트체2.0 Regular" panose="020B0600000101010101" pitchFamily="50" charset="-127"/>
+              </a:rPr>
+              <a:t> structure</a:t>
+            </a:r>
+            <a:r>
+              <a:rPr lang="ko-KR" altLang="en-US" sz="2000" smtClean="0">
+                <a:latin typeface="LG스마트체2.0 Regular" panose="020B0600000101010101" pitchFamily="50" charset="-127"/>
+                <a:ea typeface="LG스마트체2.0 Regular" panose="020B0600000101010101" pitchFamily="50" charset="-127"/>
+              </a:rPr>
+              <a:t>를 이용하여 </a:t>
+            </a:r>
+            <a:r>
+              <a:rPr lang="en-US" altLang="ko-KR" sz="2000" smtClean="0">
+                <a:latin typeface="LG스마트체2.0 Regular" panose="020B0600000101010101" pitchFamily="50" charset="-127"/>
+                <a:ea typeface="LG스마트체2.0 Regular" panose="020B0600000101010101" pitchFamily="50" charset="-127"/>
+              </a:rPr>
+              <a:t>task</a:t>
+            </a:r>
+            <a:r>
+              <a:rPr lang="ko-KR" altLang="en-US" sz="2000" smtClean="0">
+                <a:latin typeface="LG스마트체2.0 Regular" panose="020B0600000101010101" pitchFamily="50" charset="-127"/>
+                <a:ea typeface="LG스마트체2.0 Regular" panose="020B0600000101010101" pitchFamily="50" charset="-127"/>
+              </a:rPr>
+              <a:t>의 </a:t>
+            </a:r>
+            <a:r>
+              <a:rPr lang="en-US" altLang="ko-KR" sz="2000" smtClean="0">
+                <a:latin typeface="LG스마트체2.0 Regular" panose="020B0600000101010101" pitchFamily="50" charset="-127"/>
+                <a:ea typeface="LG스마트체2.0 Regular" panose="020B0600000101010101" pitchFamily="50" charset="-127"/>
+              </a:rPr>
+              <a:t>stack </a:t>
+            </a:r>
+            <a:r>
+              <a:rPr lang="ko-KR" altLang="en-US" sz="2000" smtClean="0">
+                <a:latin typeface="LG스마트체2.0 Regular" panose="020B0600000101010101" pitchFamily="50" charset="-127"/>
+                <a:ea typeface="LG스마트체2.0 Regular" panose="020B0600000101010101" pitchFamily="50" charset="-127"/>
+              </a:rPr>
+              <a:t>위치</a:t>
+            </a:r>
+            <a:r>
+              <a:rPr lang="en-US" altLang="ko-KR" sz="2000" smtClean="0">
+                <a:latin typeface="LG스마트체2.0 Regular" panose="020B0600000101010101" pitchFamily="50" charset="-127"/>
+                <a:ea typeface="LG스마트체2.0 Regular" panose="020B0600000101010101" pitchFamily="50" charset="-127"/>
+              </a:rPr>
+              <a:t>, </a:t>
+            </a:r>
+            <a:r>
+              <a:rPr lang="ko-KR" altLang="en-US" sz="2000" smtClean="0">
+                <a:latin typeface="LG스마트체2.0 Regular" panose="020B0600000101010101" pitchFamily="50" charset="-127"/>
+                <a:ea typeface="LG스마트체2.0 Regular" panose="020B0600000101010101" pitchFamily="50" charset="-127"/>
+              </a:rPr>
+              <a:t>우선순위</a:t>
+            </a:r>
+            <a:r>
+              <a:rPr lang="en-US" altLang="ko-KR" sz="2000" smtClean="0">
+                <a:latin typeface="LG스마트체2.0 Regular" panose="020B0600000101010101" pitchFamily="50" charset="-127"/>
+                <a:ea typeface="LG스마트체2.0 Regular" panose="020B0600000101010101" pitchFamily="50" charset="-127"/>
+              </a:rPr>
+              <a:t>, state</a:t>
+            </a:r>
+            <a:r>
+              <a:rPr lang="ko-KR" altLang="en-US" sz="2000" smtClean="0">
+                <a:latin typeface="LG스마트체2.0 Regular" panose="020B0600000101010101" pitchFamily="50" charset="-127"/>
+                <a:ea typeface="LG스마트체2.0 Regular" panose="020B0600000101010101" pitchFamily="50" charset="-127"/>
+              </a:rPr>
+              <a:t>를 저장 및 관리</a:t>
+            </a:r>
+            <a:endParaRPr lang="en-US" altLang="ko-KR" sz="2000" smtClean="0">
+              <a:latin typeface="LG스마트체2.0 Regular" panose="020B0600000101010101" pitchFamily="50" charset="-127"/>
+              <a:ea typeface="LG스마트체2.0 Regular" panose="020B0600000101010101" pitchFamily="50" charset="-127"/>
+            </a:endParaRPr>
+          </a:p>
+          <a:p>
+            <a:pPr marL="1257300" lvl="2" indent="-342900">
+              <a:buFont typeface="Wingdings" panose="05000000000000000000" pitchFamily="2" charset="2"/>
+              <a:buChar char="ü"/>
+            </a:pPr>
+            <a:r>
+              <a:rPr lang="en-US" altLang="ko-KR" sz="2000" smtClean="0">
+                <a:latin typeface="LG스마트체2.0 Regular" panose="020B0600000101010101" pitchFamily="50" charset="-127"/>
+                <a:ea typeface="LG스마트체2.0 Regular" panose="020B0600000101010101" pitchFamily="50" charset="-127"/>
+              </a:rPr>
+              <a:t>Context Switching </a:t>
+            </a:r>
+            <a:r>
+              <a:rPr lang="ko-KR" altLang="en-US" sz="2000" smtClean="0">
+                <a:latin typeface="LG스마트체2.0 Regular" panose="020B0600000101010101" pitchFamily="50" charset="-127"/>
+                <a:ea typeface="LG스마트체2.0 Regular" panose="020B0600000101010101" pitchFamily="50" charset="-127"/>
+              </a:rPr>
+              <a:t>시 다른 </a:t>
+            </a:r>
+            <a:r>
+              <a:rPr lang="en-US" altLang="ko-KR" sz="2000" smtClean="0">
+                <a:latin typeface="LG스마트체2.0 Regular" panose="020B0600000101010101" pitchFamily="50" charset="-127"/>
+                <a:ea typeface="LG스마트체2.0 Regular" panose="020B0600000101010101" pitchFamily="50" charset="-127"/>
+              </a:rPr>
+              <a:t>interrupt</a:t>
+            </a:r>
+            <a:r>
+              <a:rPr lang="ko-KR" altLang="en-US" sz="2000" smtClean="0">
+                <a:latin typeface="LG스마트체2.0 Regular" panose="020B0600000101010101" pitchFamily="50" charset="-127"/>
+                <a:ea typeface="LG스마트체2.0 Regular" panose="020B0600000101010101" pitchFamily="50" charset="-127"/>
+              </a:rPr>
+              <a:t>가 발생하지 않도록 </a:t>
+            </a:r>
+            <a:r>
+              <a:rPr lang="en-US" altLang="ko-KR" sz="2000" smtClean="0">
+                <a:latin typeface="LG스마트체2.0 Regular" panose="020B0600000101010101" pitchFamily="50" charset="-127"/>
+                <a:ea typeface="LG스마트체2.0 Regular" panose="020B0600000101010101" pitchFamily="50" charset="-127"/>
+              </a:rPr>
+              <a:t>BASEPRI</a:t>
+            </a:r>
+            <a:r>
+              <a:rPr lang="ko-KR" altLang="en-US" sz="2000" smtClean="0">
+                <a:latin typeface="LG스마트체2.0 Regular" panose="020B0600000101010101" pitchFamily="50" charset="-127"/>
+                <a:ea typeface="LG스마트체2.0 Regular" panose="020B0600000101010101" pitchFamily="50" charset="-127"/>
+              </a:rPr>
+              <a:t>를 이용해 방지</a:t>
+            </a:r>
+            <a:r>
+              <a:rPr lang="en-US" altLang="ko-KR" sz="2000" smtClean="0">
+                <a:latin typeface="LG스마트체2.0 Regular" panose="020B0600000101010101" pitchFamily="50" charset="-127"/>
+                <a:ea typeface="LG스마트체2.0 Regular" panose="020B0600000101010101" pitchFamily="50" charset="-127"/>
+              </a:rPr>
+              <a:t/>
+            </a:r>
+            <a:br>
+              <a:rPr lang="en-US" altLang="ko-KR" sz="2000" smtClean="0">
+                <a:latin typeface="LG스마트체2.0 Regular" panose="020B0600000101010101" pitchFamily="50" charset="-127"/>
+                <a:ea typeface="LG스마트체2.0 Regular" panose="020B0600000101010101" pitchFamily="50" charset="-127"/>
+              </a:rPr>
+            </a:br>
+            <a:r>
+              <a:rPr lang="ko-KR" altLang="en-US" sz="2000" smtClean="0">
+                <a:latin typeface="LG스마트체2.0 Regular" panose="020B0600000101010101" pitchFamily="50" charset="-127"/>
+                <a:ea typeface="LG스마트체2.0 Regular" panose="020B0600000101010101" pitchFamily="50" charset="-127"/>
+              </a:rPr>
+              <a:t>이때</a:t>
+            </a:r>
+            <a:r>
+              <a:rPr lang="en-US" altLang="ko-KR" sz="2000" smtClean="0">
+                <a:latin typeface="LG스마트체2.0 Regular" panose="020B0600000101010101" pitchFamily="50" charset="-127"/>
+                <a:ea typeface="LG스마트체2.0 Regular" panose="020B0600000101010101" pitchFamily="50" charset="-127"/>
+              </a:rPr>
+              <a:t>, fault</a:t>
+            </a:r>
+            <a:r>
+              <a:rPr lang="ko-KR" altLang="en-US" sz="2000" smtClean="0">
+                <a:latin typeface="LG스마트체2.0 Regular" panose="020B0600000101010101" pitchFamily="50" charset="-127"/>
+                <a:ea typeface="LG스마트체2.0 Regular" panose="020B0600000101010101" pitchFamily="50" charset="-127"/>
+              </a:rPr>
+              <a:t>는 발생할 수 있도록 우선순위 </a:t>
+            </a:r>
+            <a:r>
+              <a:rPr lang="en-US" altLang="ko-KR" sz="2000" smtClean="0">
+                <a:latin typeface="LG스마트체2.0 Regular" panose="020B0600000101010101" pitchFamily="50" charset="-127"/>
+                <a:ea typeface="LG스마트체2.0 Regular" panose="020B0600000101010101" pitchFamily="50" charset="-127"/>
+              </a:rPr>
+              <a:t>3 </a:t>
+            </a:r>
+            <a:r>
+              <a:rPr lang="ko-KR" altLang="en-US" sz="2000" smtClean="0">
+                <a:latin typeface="LG스마트체2.0 Regular" panose="020B0600000101010101" pitchFamily="50" charset="-127"/>
+                <a:ea typeface="LG스마트체2.0 Regular" panose="020B0600000101010101" pitchFamily="50" charset="-127"/>
+              </a:rPr>
+              <a:t>이상의 </a:t>
+            </a:r>
+            <a:r>
+              <a:rPr lang="en-US" altLang="ko-KR" sz="2000" smtClean="0">
+                <a:latin typeface="LG스마트체2.0 Regular" panose="020B0600000101010101" pitchFamily="50" charset="-127"/>
+                <a:ea typeface="LG스마트체2.0 Regular" panose="020B0600000101010101" pitchFamily="50" charset="-127"/>
+              </a:rPr>
+              <a:t>exception</a:t>
+            </a:r>
+            <a:r>
+              <a:rPr lang="ko-KR" altLang="en-US" sz="2000" smtClean="0">
+                <a:latin typeface="LG스마트체2.0 Regular" panose="020B0600000101010101" pitchFamily="50" charset="-127"/>
+                <a:ea typeface="LG스마트체2.0 Regular" panose="020B0600000101010101" pitchFamily="50" charset="-127"/>
+              </a:rPr>
+              <a:t>만 발생하지 않도록 설정</a:t>
+            </a:r>
+            <a:endParaRPr lang="en-US" altLang="ko-KR" sz="2000">
+              <a:latin typeface="LG스마트체2.0 Regular" panose="020B0600000101010101" pitchFamily="50" charset="-127"/>
+              <a:ea typeface="LG스마트체2.0 Regular" panose="020B0600000101010101" pitchFamily="50" charset="-127"/>
+            </a:endParaRPr>
+          </a:p>
+          <a:p>
+            <a:pPr marL="1257300" lvl="2" indent="-342900">
+              <a:buFont typeface="Wingdings" panose="05000000000000000000" pitchFamily="2" charset="2"/>
+              <a:buChar char="ü"/>
+            </a:pPr>
+            <a:endParaRPr lang="en-US" altLang="ko-KR" sz="2000" smtClean="0">
+              <a:latin typeface="LG스마트체2.0 Regular" panose="020B0600000101010101" pitchFamily="50" charset="-127"/>
+              <a:ea typeface="LG스마트체2.0 Regular" panose="020B0600000101010101" pitchFamily="50" charset="-127"/>
+            </a:endParaRPr>
+          </a:p>
+          <a:p>
+            <a:pPr marL="1257300" lvl="2" indent="-342900">
+              <a:buFont typeface="Wingdings" panose="05000000000000000000" pitchFamily="2" charset="2"/>
+              <a:buChar char="ü"/>
+            </a:pPr>
+            <a:endParaRPr lang="en-US" altLang="ko-KR" sz="2000">
+              <a:latin typeface="LG스마트체2.0 Regular" panose="020B0600000101010101" pitchFamily="50" charset="-127"/>
+              <a:ea typeface="LG스마트체2.0 Regular" panose="020B0600000101010101" pitchFamily="50" charset="-127"/>
+            </a:endParaRPr>
+          </a:p>
+          <a:p>
+            <a:pPr marL="1257300" lvl="2" indent="-342900">
+              <a:buFont typeface="Wingdings" panose="05000000000000000000" pitchFamily="2" charset="2"/>
+              <a:buChar char="ü"/>
+            </a:pPr>
+            <a:endParaRPr lang="en-US" altLang="ko-KR" sz="2000" smtClean="0">
+              <a:latin typeface="LG스마트체2.0 Regular" panose="020B0600000101010101" pitchFamily="50" charset="-127"/>
+              <a:ea typeface="LG스마트체2.0 Regular" panose="020B0600000101010101" pitchFamily="50" charset="-127"/>
+            </a:endParaRPr>
+          </a:p>
+          <a:p>
+            <a:pPr marL="800100" lvl="1" indent="-342900">
+              <a:buFont typeface="Wingdings" panose="05000000000000000000" pitchFamily="2" charset="2"/>
+              <a:buChar char="Ø"/>
+            </a:pPr>
+            <a:r>
+              <a:rPr lang="en-US" altLang="ko-KR" sz="2000" smtClean="0">
+                <a:latin typeface="LG스마트체2.0 Regular" panose="020B0600000101010101" pitchFamily="50" charset="-127"/>
+                <a:ea typeface="LG스마트체2.0 Regular" panose="020B0600000101010101" pitchFamily="50" charset="-127"/>
+              </a:rPr>
+              <a:t>Task</a:t>
+            </a:r>
+            <a:r>
+              <a:rPr lang="ko-KR" altLang="en-US" sz="2000" smtClean="0">
+                <a:latin typeface="LG스마트체2.0 Regular" panose="020B0600000101010101" pitchFamily="50" charset="-127"/>
+                <a:ea typeface="LG스마트체2.0 Regular" panose="020B0600000101010101" pitchFamily="50" charset="-127"/>
+              </a:rPr>
+              <a:t> 우선순위 및 </a:t>
+            </a:r>
+            <a:r>
+              <a:rPr lang="en-US" altLang="ko-KR" sz="2000" smtClean="0">
+                <a:latin typeface="LG스마트체2.0 Regular" panose="020B0600000101010101" pitchFamily="50" charset="-127"/>
+                <a:ea typeface="LG스마트체2.0 Regular" panose="020B0600000101010101" pitchFamily="50" charset="-127"/>
+              </a:rPr>
+              <a:t>task state</a:t>
+            </a:r>
+            <a:r>
+              <a:rPr lang="en-US" altLang="ko-KR" smtClean="0">
+                <a:latin typeface="LG스마트체2.0 Regular" panose="020B0600000101010101" pitchFamily="50" charset="-127"/>
+                <a:ea typeface="LG스마트체2.0 Regular" panose="020B0600000101010101" pitchFamily="50" charset="-127"/>
+              </a:rPr>
+              <a:t>(Ready, Running, Blocked)</a:t>
+            </a:r>
+            <a:r>
+              <a:rPr lang="ko-KR" altLang="en-US" sz="2000" smtClean="0">
+                <a:latin typeface="LG스마트체2.0 Regular" panose="020B0600000101010101" pitchFamily="50" charset="-127"/>
+                <a:ea typeface="LG스마트체2.0 Regular" panose="020B0600000101010101" pitchFamily="50" charset="-127"/>
+              </a:rPr>
+              <a:t> 기반 </a:t>
+            </a:r>
+            <a:r>
+              <a:rPr lang="en-US" altLang="ko-KR" sz="2000" smtClean="0">
+                <a:latin typeface="LG스마트체2.0 Regular" panose="020B0600000101010101" pitchFamily="50" charset="-127"/>
+                <a:ea typeface="LG스마트체2.0 Regular" panose="020B0600000101010101" pitchFamily="50" charset="-127"/>
+              </a:rPr>
+              <a:t>scheduling </a:t>
+            </a:r>
+            <a:r>
+              <a:rPr lang="ko-KR" altLang="en-US" sz="2000" smtClean="0">
+                <a:latin typeface="LG스마트체2.0 Regular" panose="020B0600000101010101" pitchFamily="50" charset="-127"/>
+                <a:ea typeface="LG스마트체2.0 Regular" panose="020B0600000101010101" pitchFamily="50" charset="-127"/>
+              </a:rPr>
+              <a:t>함수 구현</a:t>
+            </a:r>
+            <a:endParaRPr lang="en-US" altLang="ko-KR" sz="2000" smtClean="0">
+              <a:latin typeface="LG스마트체2.0 Regular" panose="020B0600000101010101" pitchFamily="50" charset="-127"/>
+              <a:ea typeface="LG스마트체2.0 Regular" panose="020B0600000101010101" pitchFamily="50" charset="-127"/>
+            </a:endParaRPr>
+          </a:p>
+          <a:p>
+            <a:pPr marL="1257300" lvl="2" indent="-342900">
+              <a:buFont typeface="Wingdings" panose="05000000000000000000" pitchFamily="2" charset="2"/>
+              <a:buChar char="ü"/>
+            </a:pPr>
+            <a:r>
+              <a:rPr lang="en-US" altLang="ko-KR" sz="2000" err="1" smtClean="0">
+                <a:latin typeface="LG스마트체2.0 Regular" panose="020B0600000101010101" pitchFamily="50" charset="-127"/>
+                <a:ea typeface="LG스마트체2.0 Regular" panose="020B0600000101010101" pitchFamily="50" charset="-127"/>
+              </a:rPr>
+              <a:t>Systick</a:t>
+            </a:r>
+            <a:r>
+              <a:rPr lang="en-US" altLang="ko-KR" sz="2000" smtClean="0">
+                <a:latin typeface="LG스마트체2.0 Regular" panose="020B0600000101010101" pitchFamily="50" charset="-127"/>
+                <a:ea typeface="LG스마트체2.0 Regular" panose="020B0600000101010101" pitchFamily="50" charset="-127"/>
+              </a:rPr>
+              <a:t> interrupt</a:t>
+            </a:r>
+            <a:r>
+              <a:rPr lang="ko-KR" altLang="en-US" sz="2000" smtClean="0">
+                <a:latin typeface="LG스마트체2.0 Regular" panose="020B0600000101010101" pitchFamily="50" charset="-127"/>
+                <a:ea typeface="LG스마트체2.0 Regular" panose="020B0600000101010101" pitchFamily="50" charset="-127"/>
+              </a:rPr>
+              <a:t>를 이용해 일정 시간마다 </a:t>
+            </a:r>
+            <a:r>
+              <a:rPr lang="en-US" altLang="ko-KR" sz="2000" smtClean="0">
+                <a:latin typeface="LG스마트체2.0 Regular" panose="020B0600000101010101" pitchFamily="50" charset="-127"/>
+                <a:ea typeface="LG스마트체2.0 Regular" panose="020B0600000101010101" pitchFamily="50" charset="-127"/>
+              </a:rPr>
+              <a:t>task</a:t>
+            </a:r>
+            <a:r>
+              <a:rPr lang="ko-KR" altLang="en-US" sz="2000" smtClean="0">
+                <a:latin typeface="LG스마트체2.0 Regular" panose="020B0600000101010101" pitchFamily="50" charset="-127"/>
+                <a:ea typeface="LG스마트체2.0 Regular" panose="020B0600000101010101" pitchFamily="50" charset="-127"/>
+              </a:rPr>
+              <a:t>의 우선순위 비교 및 </a:t>
+            </a:r>
+            <a:r>
+              <a:rPr lang="en-US" altLang="ko-KR" sz="2000" smtClean="0">
+                <a:latin typeface="LG스마트체2.0 Regular" panose="020B0600000101010101" pitchFamily="50" charset="-127"/>
+                <a:ea typeface="LG스마트체2.0 Regular" panose="020B0600000101010101" pitchFamily="50" charset="-127"/>
+              </a:rPr>
+              <a:t>scheduling </a:t>
+            </a:r>
+            <a:r>
+              <a:rPr lang="ko-KR" altLang="en-US" sz="2000" smtClean="0">
+                <a:latin typeface="LG스마트체2.0 Regular" panose="020B0600000101010101" pitchFamily="50" charset="-127"/>
+                <a:ea typeface="LG스마트체2.0 Regular" panose="020B0600000101010101" pitchFamily="50" charset="-127"/>
+              </a:rPr>
+              <a:t>진행</a:t>
+            </a:r>
+            <a:endParaRPr lang="en-US" altLang="ko-KR" sz="2000" smtClean="0">
+              <a:latin typeface="LG스마트체2.0 Regular" panose="020B0600000101010101" pitchFamily="50" charset="-127"/>
+              <a:ea typeface="LG스마트체2.0 Regular" panose="020B0600000101010101" pitchFamily="50" charset="-127"/>
+            </a:endParaRPr>
+          </a:p>
+          <a:p>
+            <a:pPr marL="1257300" lvl="2" indent="-342900">
+              <a:buFont typeface="Wingdings" panose="05000000000000000000" pitchFamily="2" charset="2"/>
+              <a:buChar char="ü"/>
+            </a:pPr>
+            <a:r>
+              <a:rPr lang="en-US" altLang="ko-KR" sz="2000" smtClean="0">
+                <a:latin typeface="LG스마트체2.0 Regular" panose="020B0600000101010101" pitchFamily="50" charset="-127"/>
+                <a:ea typeface="LG스마트체2.0 Regular" panose="020B0600000101010101" pitchFamily="50" charset="-127"/>
+              </a:rPr>
+              <a:t>Max heap </a:t>
+            </a:r>
+            <a:r>
+              <a:rPr lang="ko-KR" altLang="en-US" sz="2000" smtClean="0">
+                <a:latin typeface="LG스마트체2.0 Regular" panose="020B0600000101010101" pitchFamily="50" charset="-127"/>
+                <a:ea typeface="LG스마트체2.0 Regular" panose="020B0600000101010101" pitchFamily="50" charset="-127"/>
+              </a:rPr>
+              <a:t>기반 </a:t>
+            </a:r>
+            <a:r>
+              <a:rPr lang="en-US" altLang="ko-KR" sz="2000" smtClean="0">
+                <a:latin typeface="LG스마트체2.0 Regular" panose="020B0600000101010101" pitchFamily="50" charset="-127"/>
+                <a:ea typeface="LG스마트체2.0 Regular" panose="020B0600000101010101" pitchFamily="50" charset="-127"/>
+              </a:rPr>
+              <a:t>priority queue</a:t>
+            </a:r>
+            <a:r>
+              <a:rPr lang="ko-KR" altLang="en-US" sz="2000" smtClean="0">
+                <a:latin typeface="LG스마트체2.0 Regular" panose="020B0600000101010101" pitchFamily="50" charset="-127"/>
+                <a:ea typeface="LG스마트체2.0 Regular" panose="020B0600000101010101" pitchFamily="50" charset="-127"/>
+              </a:rPr>
+              <a:t>를 이용하여 실행할 </a:t>
+            </a:r>
+            <a:r>
+              <a:rPr lang="en-US" altLang="ko-KR" sz="2000" smtClean="0">
+                <a:latin typeface="LG스마트체2.0 Regular" panose="020B0600000101010101" pitchFamily="50" charset="-127"/>
+                <a:ea typeface="LG스마트체2.0 Regular" panose="020B0600000101010101" pitchFamily="50" charset="-127"/>
+              </a:rPr>
+              <a:t>task</a:t>
+            </a:r>
+            <a:r>
+              <a:rPr lang="ko-KR" altLang="en-US" sz="2000" smtClean="0">
+                <a:latin typeface="LG스마트체2.0 Regular" panose="020B0600000101010101" pitchFamily="50" charset="-127"/>
+                <a:ea typeface="LG스마트체2.0 Regular" panose="020B0600000101010101" pitchFamily="50" charset="-127"/>
+              </a:rPr>
+              <a:t>를 결정</a:t>
+            </a:r>
+            <a:endParaRPr lang="en-US" altLang="ko-KR" sz="2000" smtClean="0">
+              <a:latin typeface="LG스마트체2.0 Regular" panose="020B0600000101010101" pitchFamily="50" charset="-127"/>
+              <a:ea typeface="LG스마트체2.0 Regular" panose="020B0600000101010101" pitchFamily="50" charset="-127"/>
+            </a:endParaRPr>
+          </a:p>
+          <a:p>
+            <a:pPr marL="1257300" lvl="2" indent="-342900">
+              <a:buFont typeface="Wingdings" panose="05000000000000000000" pitchFamily="2" charset="2"/>
+              <a:buChar char="ü"/>
+            </a:pPr>
+            <a:r>
+              <a:rPr lang="en-US" altLang="ko-KR" sz="2000" smtClean="0">
+                <a:latin typeface="LG스마트체2.0 Regular" panose="020B0600000101010101" pitchFamily="50" charset="-127"/>
+                <a:ea typeface="LG스마트체2.0 Regular" panose="020B0600000101010101" pitchFamily="50" charset="-127"/>
+              </a:rPr>
+              <a:t>Ready queue</a:t>
+            </a:r>
+            <a:r>
+              <a:rPr lang="ko-KR" altLang="en-US" sz="2000" smtClean="0">
+                <a:latin typeface="LG스마트체2.0 Regular" panose="020B0600000101010101" pitchFamily="50" charset="-127"/>
+                <a:ea typeface="LG스마트체2.0 Regular" panose="020B0600000101010101" pitchFamily="50" charset="-127"/>
+              </a:rPr>
+              <a:t>에서 우선순위가 가장 높은 </a:t>
+            </a:r>
+            <a:r>
+              <a:rPr lang="en-US" altLang="ko-KR" sz="2000" smtClean="0">
+                <a:latin typeface="LG스마트체2.0 Regular" panose="020B0600000101010101" pitchFamily="50" charset="-127"/>
+                <a:ea typeface="LG스마트체2.0 Regular" panose="020B0600000101010101" pitchFamily="50" charset="-127"/>
+              </a:rPr>
+              <a:t>task</a:t>
+            </a:r>
+            <a:r>
+              <a:rPr lang="ko-KR" altLang="en-US" sz="2000" smtClean="0">
+                <a:latin typeface="LG스마트체2.0 Regular" panose="020B0600000101010101" pitchFamily="50" charset="-127"/>
+                <a:ea typeface="LG스마트체2.0 Regular" panose="020B0600000101010101" pitchFamily="50" charset="-127"/>
+              </a:rPr>
+              <a:t>를 </a:t>
+            </a:r>
+            <a:r>
+              <a:rPr lang="en-US" altLang="ko-KR" sz="2000" smtClean="0">
+                <a:latin typeface="LG스마트체2.0 Regular" panose="020B0600000101010101" pitchFamily="50" charset="-127"/>
+                <a:ea typeface="LG스마트체2.0 Regular" panose="020B0600000101010101" pitchFamily="50" charset="-127"/>
+              </a:rPr>
+              <a:t>next task</a:t>
+            </a:r>
+            <a:r>
+              <a:rPr lang="ko-KR" altLang="en-US" sz="2000" smtClean="0">
+                <a:latin typeface="LG스마트체2.0 Regular" panose="020B0600000101010101" pitchFamily="50" charset="-127"/>
+                <a:ea typeface="LG스마트체2.0 Regular" panose="020B0600000101010101" pitchFamily="50" charset="-127"/>
+              </a:rPr>
+              <a:t>로 설정</a:t>
+            </a:r>
+            <a:endParaRPr lang="en-US" altLang="ko-KR" sz="2000" smtClean="0">
+              <a:latin typeface="LG스마트체2.0 Regular" panose="020B0600000101010101" pitchFamily="50" charset="-127"/>
+              <a:ea typeface="LG스마트체2.0 Regular" panose="020B0600000101010101" pitchFamily="50" charset="-127"/>
+            </a:endParaRPr>
+          </a:p>
+          <a:p>
+            <a:pPr marL="1714500" lvl="3" indent="-342900">
+              <a:buFont typeface="Wingdings" panose="05000000000000000000" pitchFamily="2" charset="2"/>
+              <a:buChar char="l"/>
+            </a:pPr>
+            <a:endParaRPr lang="en-US" altLang="ko-KR" sz="2000" smtClean="0">
+              <a:latin typeface="LG스마트체2.0 Regular" panose="020B0600000101010101" pitchFamily="50" charset="-127"/>
+              <a:ea typeface="LG스마트체2.0 Regular" panose="020B0600000101010101" pitchFamily="50" charset="-127"/>
+            </a:endParaRPr>
+          </a:p>
+          <a:p>
+            <a:pPr marL="1714500" lvl="3" indent="-342900">
+              <a:buFont typeface="Wingdings" panose="05000000000000000000" pitchFamily="2" charset="2"/>
+              <a:buChar char="l"/>
+            </a:pPr>
+            <a:endParaRPr lang="en-US" altLang="ko-KR" sz="2000">
+              <a:latin typeface="LG스마트체2.0 Regular" panose="020B0600000101010101" pitchFamily="50" charset="-127"/>
+              <a:ea typeface="LG스마트체2.0 Regular" panose="020B0600000101010101" pitchFamily="50" charset="-127"/>
+            </a:endParaRPr>
+          </a:p>
+          <a:p>
+            <a:pPr marL="1714500" lvl="3" indent="-342900">
+              <a:buFont typeface="Wingdings" panose="05000000000000000000" pitchFamily="2" charset="2"/>
+              <a:buChar char="l"/>
+            </a:pPr>
+            <a:endParaRPr lang="en-US" altLang="ko-KR" sz="1100" smtClean="0">
+              <a:latin typeface="LG스마트체2.0 Regular" panose="020B0600000101010101" pitchFamily="50" charset="-127"/>
+              <a:ea typeface="LG스마트체2.0 Regular" panose="020B0600000101010101" pitchFamily="50" charset="-127"/>
+            </a:endParaRPr>
+          </a:p>
+          <a:p>
+            <a:pPr marL="1257300" lvl="2" indent="-342900">
+              <a:buFont typeface="Wingdings" panose="05000000000000000000" pitchFamily="2" charset="2"/>
+              <a:buChar char="ü"/>
+            </a:pPr>
+            <a:r>
+              <a:rPr lang="en-US" altLang="ko-KR" sz="2000" smtClean="0">
+                <a:latin typeface="LG스마트체2.0 Regular" panose="020B0600000101010101" pitchFamily="50" charset="-127"/>
+                <a:ea typeface="LG스마트체2.0 Regular" panose="020B0600000101010101" pitchFamily="50" charset="-127"/>
+              </a:rPr>
+              <a:t>Ready queue</a:t>
+            </a:r>
+            <a:r>
+              <a:rPr lang="ko-KR" altLang="en-US" sz="2000" smtClean="0">
+                <a:latin typeface="LG스마트체2.0 Regular" panose="020B0600000101010101" pitchFamily="50" charset="-127"/>
+                <a:ea typeface="LG스마트체2.0 Regular" panose="020B0600000101010101" pitchFamily="50" charset="-127"/>
+              </a:rPr>
+              <a:t>에서 우선순위가 가장 높은 </a:t>
+            </a:r>
+            <a:r>
+              <a:rPr lang="en-US" altLang="ko-KR" sz="2000" smtClean="0">
+                <a:latin typeface="LG스마트체2.0 Regular" panose="020B0600000101010101" pitchFamily="50" charset="-127"/>
+                <a:ea typeface="LG스마트체2.0 Regular" panose="020B0600000101010101" pitchFamily="50" charset="-127"/>
+              </a:rPr>
+              <a:t>task</a:t>
+            </a:r>
+            <a:r>
+              <a:rPr lang="ko-KR" altLang="en-US" sz="2000" smtClean="0">
+                <a:latin typeface="LG스마트체2.0 Regular" panose="020B0600000101010101" pitchFamily="50" charset="-127"/>
+                <a:ea typeface="LG스마트체2.0 Regular" panose="020B0600000101010101" pitchFamily="50" charset="-127"/>
+              </a:rPr>
+              <a:t>를 </a:t>
+            </a:r>
+            <a:r>
+              <a:rPr lang="en-US" altLang="ko-KR" sz="2000" smtClean="0">
+                <a:latin typeface="LG스마트체2.0 Regular" panose="020B0600000101010101" pitchFamily="50" charset="-127"/>
+                <a:ea typeface="LG스마트체2.0 Regular" panose="020B0600000101010101" pitchFamily="50" charset="-127"/>
+              </a:rPr>
+              <a:t>pop</a:t>
+            </a:r>
+            <a:r>
+              <a:rPr lang="ko-KR" altLang="en-US" sz="2000" smtClean="0">
+                <a:latin typeface="LG스마트체2.0 Regular" panose="020B0600000101010101" pitchFamily="50" charset="-127"/>
+                <a:ea typeface="LG스마트체2.0 Regular" panose="020B0600000101010101" pitchFamily="50" charset="-127"/>
+              </a:rPr>
+              <a:t>하고 </a:t>
+            </a:r>
+            <a:r>
+              <a:rPr lang="en-US" altLang="ko-KR" sz="2000" smtClean="0">
+                <a:latin typeface="LG스마트체2.0 Regular" panose="020B0600000101010101" pitchFamily="50" charset="-127"/>
+                <a:ea typeface="LG스마트체2.0 Regular" panose="020B0600000101010101" pitchFamily="50" charset="-127"/>
+              </a:rPr>
+              <a:t>state</a:t>
+            </a:r>
+            <a:r>
+              <a:rPr lang="ko-KR" altLang="en-US" sz="2000" smtClean="0">
+                <a:latin typeface="LG스마트체2.0 Regular" panose="020B0600000101010101" pitchFamily="50" charset="-127"/>
+                <a:ea typeface="LG스마트체2.0 Regular" panose="020B0600000101010101" pitchFamily="50" charset="-127"/>
+              </a:rPr>
+              <a:t>를 </a:t>
+            </a:r>
+            <a:r>
+              <a:rPr lang="en-US" altLang="ko-KR" sz="2000" smtClean="0">
+                <a:latin typeface="LG스마트체2.0 Regular" panose="020B0600000101010101" pitchFamily="50" charset="-127"/>
+                <a:ea typeface="LG스마트체2.0 Regular" panose="020B0600000101010101" pitchFamily="50" charset="-127"/>
+              </a:rPr>
+              <a:t>RUNNING</a:t>
+            </a:r>
+            <a:r>
+              <a:rPr lang="ko-KR" altLang="en-US" sz="2000" smtClean="0">
+                <a:latin typeface="LG스마트체2.0 Regular" panose="020B0600000101010101" pitchFamily="50" charset="-127"/>
+                <a:ea typeface="LG스마트체2.0 Regular" panose="020B0600000101010101" pitchFamily="50" charset="-127"/>
+              </a:rPr>
+              <a:t>으로 설정</a:t>
+            </a:r>
+            <a:endParaRPr lang="en-US" altLang="ko-KR" sz="2000" smtClean="0">
+              <a:latin typeface="LG스마트체2.0 Regular" panose="020B0600000101010101" pitchFamily="50" charset="-127"/>
+              <a:ea typeface="LG스마트체2.0 Regular" panose="020B0600000101010101" pitchFamily="50" charset="-127"/>
+            </a:endParaRPr>
+          </a:p>
+          <a:p>
+            <a:pPr marL="1714500" lvl="3" indent="-342900">
+              <a:buFont typeface="Wingdings" panose="05000000000000000000" pitchFamily="2" charset="2"/>
+              <a:buChar char="l"/>
+            </a:pPr>
+            <a:endParaRPr lang="en-US" altLang="ko-KR" sz="2000">
+              <a:latin typeface="LG스마트체2.0 Regular" panose="020B0600000101010101" pitchFamily="50" charset="-127"/>
+              <a:ea typeface="LG스마트체2.0 Regular" panose="020B0600000101010101" pitchFamily="50" charset="-127"/>
+            </a:endParaRPr>
+          </a:p>
+          <a:p>
+            <a:pPr marL="1714500" lvl="3" indent="-342900">
+              <a:buFont typeface="Wingdings" panose="05000000000000000000" pitchFamily="2" charset="2"/>
+              <a:buChar char="l"/>
+            </a:pPr>
+            <a:endParaRPr lang="en-US" altLang="ko-KR" sz="2000" smtClean="0">
+              <a:latin typeface="LG스마트체2.0 Regular" panose="020B0600000101010101" pitchFamily="50" charset="-127"/>
+              <a:ea typeface="LG스마트체2.0 Regular" panose="020B0600000101010101" pitchFamily="50" charset="-127"/>
+            </a:endParaRPr>
+          </a:p>
+          <a:p>
+            <a:pPr marL="1714500" lvl="3" indent="-342900">
+              <a:buFont typeface="Wingdings" panose="05000000000000000000" pitchFamily="2" charset="2"/>
+              <a:buChar char="l"/>
+            </a:pPr>
+            <a:endParaRPr lang="en-US" altLang="ko-KR" sz="2000">
+              <a:latin typeface="LG스마트체2.0 Regular" panose="020B0600000101010101" pitchFamily="50" charset="-127"/>
+              <a:ea typeface="LG스마트체2.0 Regular" panose="020B0600000101010101" pitchFamily="50" charset="-127"/>
+            </a:endParaRPr>
+          </a:p>
+          <a:p>
+            <a:pPr marL="1257300" lvl="2" indent="-342900">
+              <a:buFont typeface="Wingdings" panose="05000000000000000000" pitchFamily="2" charset="2"/>
+              <a:buChar char="ü"/>
+            </a:pPr>
+            <a:r>
+              <a:rPr lang="en-US" altLang="ko-KR" sz="2000" smtClean="0">
+                <a:latin typeface="LG스마트체2.0 Regular" panose="020B0600000101010101" pitchFamily="50" charset="-127"/>
+                <a:ea typeface="LG스마트체2.0 Regular" panose="020B0600000101010101" pitchFamily="50" charset="-127"/>
+              </a:rPr>
+              <a:t>Current task</a:t>
+            </a:r>
+            <a:r>
+              <a:rPr lang="ko-KR" altLang="en-US" sz="2000" smtClean="0">
+                <a:latin typeface="LG스마트체2.0 Regular" panose="020B0600000101010101" pitchFamily="50" charset="-127"/>
+                <a:ea typeface="LG스마트체2.0 Regular" panose="020B0600000101010101" pitchFamily="50" charset="-127"/>
+              </a:rPr>
+              <a:t>의 </a:t>
+            </a:r>
+            <a:r>
+              <a:rPr lang="en-US" altLang="ko-KR" sz="2000" smtClean="0">
+                <a:latin typeface="LG스마트체2.0 Regular" panose="020B0600000101010101" pitchFamily="50" charset="-127"/>
+                <a:ea typeface="LG스마트체2.0 Regular" panose="020B0600000101010101" pitchFamily="50" charset="-127"/>
+              </a:rPr>
+              <a:t>state</a:t>
+            </a:r>
+            <a:r>
+              <a:rPr lang="ko-KR" altLang="en-US" sz="2000" smtClean="0">
+                <a:latin typeface="LG스마트체2.0 Regular" panose="020B0600000101010101" pitchFamily="50" charset="-127"/>
+                <a:ea typeface="LG스마트체2.0 Regular" panose="020B0600000101010101" pitchFamily="50" charset="-127"/>
+              </a:rPr>
+              <a:t>를 </a:t>
+            </a:r>
+            <a:r>
+              <a:rPr lang="en-US" altLang="ko-KR" sz="2000" smtClean="0">
+                <a:latin typeface="LG스마트체2.0 Regular" panose="020B0600000101010101" pitchFamily="50" charset="-127"/>
+                <a:ea typeface="LG스마트체2.0 Regular" panose="020B0600000101010101" pitchFamily="50" charset="-127"/>
+              </a:rPr>
+              <a:t>ready</a:t>
+            </a:r>
+            <a:r>
+              <a:rPr lang="ko-KR" altLang="en-US" sz="2000" smtClean="0">
+                <a:latin typeface="LG스마트체2.0 Regular" panose="020B0600000101010101" pitchFamily="50" charset="-127"/>
+                <a:ea typeface="LG스마트체2.0 Regular" panose="020B0600000101010101" pitchFamily="50" charset="-127"/>
+              </a:rPr>
+              <a:t>로 변경하며 </a:t>
+            </a:r>
+            <a:r>
+              <a:rPr lang="en-US" altLang="ko-KR" sz="2000" smtClean="0">
+                <a:latin typeface="LG스마트체2.0 Regular" panose="020B0600000101010101" pitchFamily="50" charset="-127"/>
+                <a:ea typeface="LG스마트체2.0 Regular" panose="020B0600000101010101" pitchFamily="50" charset="-127"/>
+              </a:rPr>
+              <a:t>running</a:t>
+            </a:r>
+            <a:r>
+              <a:rPr lang="ko-KR" altLang="en-US" sz="2000" smtClean="0">
+                <a:latin typeface="LG스마트체2.0 Regular" panose="020B0600000101010101" pitchFamily="50" charset="-127"/>
+                <a:ea typeface="LG스마트체2.0 Regular" panose="020B0600000101010101" pitchFamily="50" charset="-127"/>
+              </a:rPr>
+              <a:t>할 </a:t>
+            </a:r>
+            <a:r>
+              <a:rPr lang="en-US" altLang="ko-KR" sz="2000" smtClean="0">
+                <a:latin typeface="LG스마트체2.0 Regular" panose="020B0600000101010101" pitchFamily="50" charset="-127"/>
+                <a:ea typeface="LG스마트체2.0 Regular" panose="020B0600000101010101" pitchFamily="50" charset="-127"/>
+              </a:rPr>
+              <a:t>task</a:t>
+            </a:r>
+            <a:r>
+              <a:rPr lang="ko-KR" altLang="en-US" sz="2000" smtClean="0">
+                <a:latin typeface="LG스마트체2.0 Regular" panose="020B0600000101010101" pitchFamily="50" charset="-127"/>
+                <a:ea typeface="LG스마트체2.0 Regular" panose="020B0600000101010101" pitchFamily="50" charset="-127"/>
+              </a:rPr>
+              <a:t>를 </a:t>
+            </a:r>
+            <a:r>
+              <a:rPr lang="en-US" altLang="ko-KR" sz="2000" smtClean="0">
+                <a:latin typeface="LG스마트체2.0 Regular" panose="020B0600000101010101" pitchFamily="50" charset="-127"/>
+                <a:ea typeface="LG스마트체2.0 Regular" panose="020B0600000101010101" pitchFamily="50" charset="-127"/>
+              </a:rPr>
+              <a:t>current task</a:t>
+            </a:r>
+            <a:r>
+              <a:rPr lang="ko-KR" altLang="en-US" sz="2000" smtClean="0">
+                <a:latin typeface="LG스마트체2.0 Regular" panose="020B0600000101010101" pitchFamily="50" charset="-127"/>
+                <a:ea typeface="LG스마트체2.0 Regular" panose="020B0600000101010101" pitchFamily="50" charset="-127"/>
+              </a:rPr>
+              <a:t>로 변경</a:t>
+            </a:r>
+            <a:endParaRPr lang="en-US" altLang="ko-KR" sz="2000" smtClean="0">
+              <a:latin typeface="LG스마트체2.0 Regular" panose="020B0600000101010101" pitchFamily="50" charset="-127"/>
+              <a:ea typeface="LG스마트체2.0 Regular" panose="020B0600000101010101" pitchFamily="50" charset="-127"/>
+            </a:endParaRPr>
+          </a:p>
+          <a:p>
+            <a:pPr marL="342900" indent="-342900">
+              <a:buFont typeface="Arial" panose="020B0604020202020204" pitchFamily="34" charset="0"/>
+              <a:buChar char="•"/>
+            </a:pPr>
+            <a:endParaRPr lang="en-US" altLang="ko-KR" sz="2400">
+              <a:latin typeface="LG스마트체2.0 Regular" panose="020B0600000101010101" pitchFamily="50" charset="-127"/>
+              <a:ea typeface="LG스마트체2.0 Regular" panose="020B0600000101010101" pitchFamily="50" charset="-127"/>
+            </a:endParaRPr>
+          </a:p>
+        </p:txBody>
+      </p:sp>
+      <p:pic>
+        <p:nvPicPr>
+          <p:cNvPr id="5" name="그림 4"/>
+          <p:cNvPicPr>
+            <a:picLocks noChangeAspect="1"/>
+          </p:cNvPicPr>
+          <p:nvPr/>
+        </p:nvPicPr>
+        <p:blipFill>
+          <a:blip r:embed="rId2"/>
+          <a:stretch>
+            <a:fillRect/>
+          </a:stretch>
+        </p:blipFill>
+        <p:spPr>
+          <a:xfrm>
+            <a:off x="12218769" y="5495090"/>
+            <a:ext cx="4825643" cy="3087532"/>
+          </a:xfrm>
+          <a:prstGeom prst="rect">
+            <a:avLst/>
+          </a:prstGeom>
+        </p:spPr>
+      </p:pic>
+      <p:pic>
+        <p:nvPicPr>
+          <p:cNvPr id="6" name="그림 5"/>
+          <p:cNvPicPr>
+            <a:picLocks noChangeAspect="1"/>
+          </p:cNvPicPr>
+          <p:nvPr/>
+        </p:nvPicPr>
+        <p:blipFill rotWithShape="1">
+          <a:blip r:embed="rId3"/>
+          <a:srcRect b="84980"/>
+          <a:stretch/>
+        </p:blipFill>
+        <p:spPr>
+          <a:xfrm>
+            <a:off x="2699037" y="5661757"/>
+            <a:ext cx="7321264" cy="669347"/>
+          </a:xfrm>
+          <a:prstGeom prst="rect">
+            <a:avLst/>
+          </a:prstGeom>
+        </p:spPr>
+      </p:pic>
+      <p:pic>
+        <p:nvPicPr>
+          <p:cNvPr id="7" name="그림 6"/>
+          <p:cNvPicPr>
+            <a:picLocks noChangeAspect="1"/>
+          </p:cNvPicPr>
+          <p:nvPr/>
+        </p:nvPicPr>
+        <p:blipFill rotWithShape="1">
+          <a:blip r:embed="rId3"/>
+          <a:srcRect t="35880" b="48221"/>
+          <a:stretch/>
+        </p:blipFill>
+        <p:spPr>
+          <a:xfrm>
+            <a:off x="2699037" y="6790129"/>
+            <a:ext cx="7321264" cy="708498"/>
+          </a:xfrm>
+          <a:prstGeom prst="rect">
+            <a:avLst/>
+          </a:prstGeom>
+        </p:spPr>
+      </p:pic>
+      <p:pic>
+        <p:nvPicPr>
+          <p:cNvPr id="9" name="그림 8"/>
+          <p:cNvPicPr>
+            <a:picLocks noChangeAspect="1"/>
+          </p:cNvPicPr>
+          <p:nvPr/>
+        </p:nvPicPr>
+        <p:blipFill rotWithShape="1">
+          <a:blip r:embed="rId3"/>
+          <a:srcRect t="52899" b="10852"/>
+          <a:stretch/>
+        </p:blipFill>
+        <p:spPr>
+          <a:xfrm>
+            <a:off x="2699037" y="7925794"/>
+            <a:ext cx="7321264" cy="1615360"/>
+          </a:xfrm>
+          <a:prstGeom prst="rect">
+            <a:avLst/>
+          </a:prstGeom>
+        </p:spPr>
+      </p:pic>
+      <p:sp>
+        <p:nvSpPr>
+          <p:cNvPr id="10" name="직사각형 9"/>
+          <p:cNvSpPr/>
+          <p:nvPr/>
+        </p:nvSpPr>
+        <p:spPr>
+          <a:xfrm>
+            <a:off x="3124200" y="6093103"/>
+            <a:ext cx="3619500" cy="266700"/>
+          </a:xfrm>
+          <a:prstGeom prst="rect">
+            <a:avLst/>
+          </a:prstGeom>
+          <a:noFill/>
+          <a:ln w="28575">
+            <a:solidFill>
+              <a:srgbClr val="FF0000"/>
+            </a:solidFill>
+          </a:ln>
+        </p:spPr>
+        <p:style>
+          <a:lnRef idx="2">
+            <a:schemeClr val="accent1">
+              <a:shade val="50000"/>
+            </a:schemeClr>
+          </a:lnRef>
+          <a:fillRef idx="1">
+            <a:schemeClr val="accent1"/>
+          </a:fillRef>
+          <a:effectRef idx="0">
+            <a:schemeClr val="accent1"/>
+          </a:effectRef>
+          <a:fontRef idx="minor">
+            <a:schemeClr val="lt1"/>
+          </a:fontRef>
+        </p:style>
+        <p:txBody>
+          <a:bodyPr rtlCol="0" anchor="ctr"/>
+          <a:lstStyle/>
+          <a:p>
+            <a:pPr algn="ctr"/>
+            <a:endParaRPr lang="ko-KR" altLang="en-US"/>
+          </a:p>
+        </p:txBody>
+      </p:sp>
+      <p:sp>
+        <p:nvSpPr>
+          <p:cNvPr id="11" name="직사각형 10"/>
+          <p:cNvSpPr/>
+          <p:nvPr/>
+        </p:nvSpPr>
+        <p:spPr>
+          <a:xfrm>
+            <a:off x="3505200" y="7045603"/>
+            <a:ext cx="4476750" cy="457200"/>
+          </a:xfrm>
+          <a:prstGeom prst="rect">
+            <a:avLst/>
+          </a:prstGeom>
+          <a:noFill/>
+          <a:ln w="28575">
+            <a:solidFill>
+              <a:srgbClr val="FF0000"/>
+            </a:solidFill>
+          </a:ln>
+        </p:spPr>
+        <p:style>
+          <a:lnRef idx="2">
+            <a:schemeClr val="accent1">
+              <a:shade val="50000"/>
+            </a:schemeClr>
+          </a:lnRef>
+          <a:fillRef idx="1">
+            <a:schemeClr val="accent1"/>
+          </a:fillRef>
+          <a:effectRef idx="0">
+            <a:schemeClr val="accent1"/>
+          </a:effectRef>
+          <a:fontRef idx="minor">
+            <a:schemeClr val="lt1"/>
+          </a:fontRef>
+        </p:style>
+        <p:txBody>
+          <a:bodyPr rtlCol="0" anchor="ctr"/>
+          <a:lstStyle/>
+          <a:p>
+            <a:pPr algn="ctr"/>
+            <a:endParaRPr lang="ko-KR" altLang="en-US"/>
+          </a:p>
+        </p:txBody>
+      </p:sp>
+      <p:sp>
+        <p:nvSpPr>
+          <p:cNvPr id="12" name="직사각형 11"/>
+          <p:cNvSpPr/>
+          <p:nvPr/>
+        </p:nvSpPr>
+        <p:spPr>
+          <a:xfrm>
+            <a:off x="3562350" y="9274453"/>
+            <a:ext cx="2667000" cy="266700"/>
+          </a:xfrm>
+          <a:prstGeom prst="rect">
+            <a:avLst/>
+          </a:prstGeom>
+          <a:noFill/>
+          <a:ln w="28575">
+            <a:solidFill>
+              <a:srgbClr val="FF0000"/>
+            </a:solidFill>
+          </a:ln>
+        </p:spPr>
+        <p:style>
+          <a:lnRef idx="2">
+            <a:schemeClr val="accent1">
+              <a:shade val="50000"/>
+            </a:schemeClr>
+          </a:lnRef>
+          <a:fillRef idx="1">
+            <a:schemeClr val="accent1"/>
+          </a:fillRef>
+          <a:effectRef idx="0">
+            <a:schemeClr val="accent1"/>
+          </a:effectRef>
+          <a:fontRef idx="minor">
+            <a:schemeClr val="lt1"/>
+          </a:fontRef>
+        </p:style>
+        <p:txBody>
+          <a:bodyPr rtlCol="0" anchor="ctr"/>
+          <a:lstStyle/>
+          <a:p>
+            <a:pPr algn="ctr"/>
+            <a:endParaRPr lang="ko-KR" altLang="en-US"/>
+          </a:p>
+        </p:txBody>
+      </p:sp>
+      <p:sp>
+        <p:nvSpPr>
+          <p:cNvPr id="13" name="직사각형 12"/>
+          <p:cNvSpPr/>
+          <p:nvPr/>
+        </p:nvSpPr>
+        <p:spPr>
+          <a:xfrm>
+            <a:off x="4019550" y="8112403"/>
+            <a:ext cx="3733800" cy="266700"/>
+          </a:xfrm>
+          <a:prstGeom prst="rect">
+            <a:avLst/>
+          </a:prstGeom>
+          <a:noFill/>
+          <a:ln w="28575">
+            <a:solidFill>
+              <a:srgbClr val="FF0000"/>
+            </a:solidFill>
+          </a:ln>
+        </p:spPr>
+        <p:style>
+          <a:lnRef idx="2">
+            <a:schemeClr val="accent1">
+              <a:shade val="50000"/>
+            </a:schemeClr>
+          </a:lnRef>
+          <a:fillRef idx="1">
+            <a:schemeClr val="accent1"/>
+          </a:fillRef>
+          <a:effectRef idx="0">
+            <a:schemeClr val="accent1"/>
+          </a:effectRef>
+          <a:fontRef idx="minor">
+            <a:schemeClr val="lt1"/>
+          </a:fontRef>
+        </p:style>
+        <p:txBody>
+          <a:bodyPr rtlCol="0" anchor="ctr"/>
+          <a:lstStyle/>
+          <a:p>
+            <a:pPr algn="ctr"/>
+            <a:endParaRPr lang="ko-KR" altLang="en-US"/>
+          </a:p>
+        </p:txBody>
+      </p:sp>
+      <p:pic>
+        <p:nvPicPr>
+          <p:cNvPr id="8" name="그림 7"/>
+          <p:cNvPicPr>
+            <a:picLocks noChangeAspect="1"/>
+          </p:cNvPicPr>
+          <p:nvPr/>
+        </p:nvPicPr>
+        <p:blipFill>
+          <a:blip r:embed="rId4"/>
+          <a:stretch>
+            <a:fillRect/>
+          </a:stretch>
+        </p:blipFill>
+        <p:spPr>
+          <a:xfrm>
+            <a:off x="13337599" y="2511274"/>
+            <a:ext cx="3706813" cy="1264009"/>
+          </a:xfrm>
+          <a:prstGeom prst="rect">
+            <a:avLst/>
+          </a:prstGeom>
+        </p:spPr>
+      </p:pic>
+      <p:pic>
+        <p:nvPicPr>
+          <p:cNvPr id="14" name="그림 13"/>
+          <p:cNvPicPr>
+            <a:picLocks noChangeAspect="1"/>
+          </p:cNvPicPr>
+          <p:nvPr/>
+        </p:nvPicPr>
+        <p:blipFill>
+          <a:blip r:embed="rId5"/>
+          <a:stretch>
+            <a:fillRect/>
+          </a:stretch>
+        </p:blipFill>
+        <p:spPr>
+          <a:xfrm>
+            <a:off x="2699037" y="3498105"/>
+            <a:ext cx="3276443" cy="632005"/>
+          </a:xfrm>
+          <a:prstGeom prst="rect">
+            <a:avLst/>
+          </a:prstGeom>
+        </p:spPr>
+      </p:pic>
+      <p:sp>
+        <p:nvSpPr>
+          <p:cNvPr id="15" name="TextBox 14"/>
+          <p:cNvSpPr txBox="1"/>
+          <p:nvPr/>
+        </p:nvSpPr>
+        <p:spPr>
+          <a:xfrm>
+            <a:off x="13145446" y="8560676"/>
+            <a:ext cx="2972289" cy="400110"/>
+          </a:xfrm>
+          <a:prstGeom prst="rect">
+            <a:avLst/>
+          </a:prstGeom>
+        </p:spPr>
+        <p:txBody>
+          <a:bodyPr wrap="none" rtlCol="0">
+            <a:spAutoFit/>
+          </a:bodyPr>
+          <a:lstStyle/>
+          <a:p>
+            <a:r>
+              <a:rPr lang="en-US" altLang="ko-KR" sz="2000" b="1">
+                <a:latin typeface="LG스마트체2.0 Regular" panose="020B0600000101010101" pitchFamily="50" charset="-127"/>
+                <a:ea typeface="LG스마트체2.0 Regular" panose="020B0600000101010101" pitchFamily="50" charset="-127"/>
+              </a:rPr>
+              <a:t>Task state block diagram</a:t>
+            </a:r>
+            <a:endParaRPr lang="ko-KR" altLang="en-US" sz="2000" b="1">
+              <a:latin typeface="LG스마트체2.0 Regular" panose="020B0600000101010101" pitchFamily="50" charset="-127"/>
+              <a:ea typeface="LG스마트체2.0 Regular" panose="020B0600000101010101" pitchFamily="50" charset="-127"/>
+            </a:endParaRPr>
+          </a:p>
+        </p:txBody>
+      </p:sp>
+      <p:sp>
+        <p:nvSpPr>
+          <p:cNvPr id="17" name="TextBox 16"/>
+          <p:cNvSpPr txBox="1"/>
+          <p:nvPr/>
+        </p:nvSpPr>
+        <p:spPr>
+          <a:xfrm>
+            <a:off x="13655172" y="3775283"/>
+            <a:ext cx="3071675" cy="400110"/>
+          </a:xfrm>
+          <a:prstGeom prst="rect">
+            <a:avLst/>
+          </a:prstGeom>
+        </p:spPr>
+        <p:txBody>
+          <a:bodyPr wrap="none" rtlCol="0">
+            <a:spAutoFit/>
+          </a:bodyPr>
+          <a:lstStyle/>
+          <a:p>
+            <a:pPr algn="ctr"/>
+            <a:r>
+              <a:rPr lang="en-US" altLang="ko-KR" sz="2000" b="1" smtClean="0">
+                <a:latin typeface="LG스마트체2.0 Regular" panose="020B0600000101010101" pitchFamily="50" charset="-127"/>
+                <a:ea typeface="LG스마트체2.0 Regular" panose="020B0600000101010101" pitchFamily="50" charset="-127"/>
+              </a:rPr>
+              <a:t>TCB structure</a:t>
+            </a:r>
+            <a:r>
+              <a:rPr lang="ko-KR" altLang="en-US" sz="2000" b="1" smtClean="0">
+                <a:latin typeface="LG스마트체2.0 Regular" panose="020B0600000101010101" pitchFamily="50" charset="-127"/>
+                <a:ea typeface="LG스마트체2.0 Regular" panose="020B0600000101010101" pitchFamily="50" charset="-127"/>
+              </a:rPr>
+              <a:t>의 기본 구조</a:t>
+            </a:r>
+            <a:endParaRPr lang="ko-KR" altLang="en-US" sz="2000" b="1">
+              <a:latin typeface="LG스마트체2.0 Regular" panose="020B0600000101010101" pitchFamily="50" charset="-127"/>
+              <a:ea typeface="LG스마트체2.0 Regular" panose="020B0600000101010101" pitchFamily="50" charset="-127"/>
             </a:endParaRPr>
           </a:p>
         </p:txBody>
@@ -2357,13 +5760,20 @@
     </p:spTree>
     <p:extLst>
       <p:ext uri="{BB962C8B-B14F-4D97-AF65-F5344CB8AC3E}">
-        <p14:creationId xmlns:p14="http://schemas.microsoft.com/office/powerpoint/2010/main" val="3341560732"/>
+        <p14:creationId xmlns:p14="http://schemas.microsoft.com/office/powerpoint/2010/main" val="1945888775"/>
       </p:ext>
     </p:extLst>
   </p:cSld>
   <p:clrMapOvr>
     <a:masterClrMapping/>
   </p:clrMapOvr>
+  <p:timing>
+    <p:tnLst>
+      <p:par>
+        <p:cTn id="1" dur="indefinite" restart="never" nodeType="tmRoot"/>
+      </p:par>
+    </p:tnLst>
+  </p:timing>
 </p:sld>
 </file>
 
@@ -2407,24 +5817,24 @@
           <a:lstStyle/>
           <a:p>
             <a:r>
-              <a:rPr lang="en-US" altLang="ko-KR" sz="5400" b="1" dirty="0">
+              <a:rPr lang="en-US" altLang="ko-KR" sz="5400" b="1">
                 <a:solidFill>
                   <a:schemeClr val="bg1"/>
                 </a:solidFill>
                 <a:latin typeface="LG스마트체2.0 Regular" panose="020B0600000101010101" pitchFamily="50" charset="-127"/>
                 <a:ea typeface="LG스마트체2.0 Regular" panose="020B0600000101010101" pitchFamily="50" charset="-127"/>
               </a:rPr>
-              <a:t>4. </a:t>
-            </a:r>
-            <a:r>
-              <a:rPr lang="ko-KR" altLang="en-US" sz="5400" b="1" dirty="0">
+              <a:t>3. </a:t>
+            </a:r>
+            <a:r>
+              <a:rPr lang="ko-KR" altLang="en-US" sz="5400" b="1">
                 <a:solidFill>
                   <a:schemeClr val="bg1"/>
                 </a:solidFill>
                 <a:latin typeface="LG스마트체2.0 Regular" panose="020B0600000101010101" pitchFamily="50" charset="-127"/>
                 <a:ea typeface="LG스마트체2.0 Regular" panose="020B0600000101010101" pitchFamily="50" charset="-127"/>
               </a:rPr>
-              <a:t>결과 분석 및 기대 효과</a:t>
+              <a:t>핵심 기술</a:t>
             </a:r>
           </a:p>
         </p:txBody>
@@ -2437,8 +5847,8 @@
         </p:nvSpPr>
         <p:spPr>
           <a:xfrm>
-            <a:off x="244862" y="3306894"/>
-            <a:ext cx="18328888" cy="2458388"/>
+            <a:off x="0" y="10375067"/>
+            <a:ext cx="17346430" cy="2188564"/>
           </a:xfrm>
           <a:prstGeom prst="rect">
             <a:avLst/>
@@ -2472,36 +5882,36 @@
               <a:buChar char="-"/>
             </a:pPr>
             <a:r>
-              <a:rPr lang="ko-KR" altLang="en-US" sz="3200" b="1" dirty="0">
+              <a:rPr lang="ko-KR" altLang="en-US" sz="3200" b="1">
                 <a:solidFill>
                   <a:schemeClr val="tx1"/>
                 </a:solidFill>
               </a:rPr>
-              <a:t>결과물에 대한 성능측정 또는 </a:t>
-            </a:r>
-            <a:r>
-              <a:rPr lang="ko-KR" altLang="en-US" sz="3200" b="1" dirty="0">
+              <a:t>개발에 사용된 가장 </a:t>
+            </a:r>
+            <a:r>
+              <a:rPr lang="ko-KR" altLang="en-US" sz="3200" b="1">
                 <a:solidFill>
                   <a:srgbClr val="FF0000"/>
                 </a:solidFill>
               </a:rPr>
-              <a:t>목표달성 여부 등 </a:t>
-            </a:r>
-            <a:r>
-              <a:rPr lang="ko-KR" altLang="en-US" sz="3200" b="1" dirty="0" smtClean="0">
+              <a:t>핵심적으로 구현된 기술 </a:t>
+            </a:r>
+            <a:r>
+              <a:rPr lang="ko-KR" altLang="en-US" sz="3200" b="1" smtClean="0">
                 <a:solidFill>
                   <a:srgbClr val="FF0000"/>
                 </a:solidFill>
               </a:rPr>
-              <a:t>평가</a:t>
-            </a:r>
-            <a:r>
-              <a:rPr lang="en-US" altLang="ko-KR" sz="3200" b="1" dirty="0" smtClean="0">
+              <a:t>소개</a:t>
+            </a:r>
+            <a:r>
+              <a:rPr lang="en-US" altLang="ko-KR" sz="3200" b="1" smtClean="0">
                 <a:solidFill>
                   <a:srgbClr val="FF0000"/>
                 </a:solidFill>
               </a:rPr>
-              <a:t>(</a:t>
+              <a:t>(PJT </a:t>
             </a:r>
             <a:r>
               <a:rPr lang="ko-KR" altLang="en-US" sz="3200" b="1" smtClean="0">
@@ -2509,49 +5919,17 @@
                   <a:srgbClr val="FF0000"/>
                 </a:solidFill>
               </a:rPr>
-              <a:t>예</a:t>
-            </a:r>
-            <a:r>
-              <a:rPr lang="en-US" altLang="ko-KR" sz="3200" b="1" dirty="0" smtClean="0">
+              <a:t>일정에 나와있는거 소개</a:t>
+            </a:r>
+            <a:r>
+              <a:rPr lang="en-US" altLang="ko-KR" sz="3200" b="1" smtClean="0">
                 <a:solidFill>
                   <a:srgbClr val="FF0000"/>
                 </a:solidFill>
               </a:rPr>
-              <a:t>- task </a:t>
-            </a:r>
-            <a:r>
-              <a:rPr lang="ko-KR" altLang="en-US" sz="3200" b="1" smtClean="0">
-                <a:solidFill>
-                  <a:srgbClr val="FF0000"/>
-                </a:solidFill>
-              </a:rPr>
-              <a:t>수십개 만들어도 잘 되더라</a:t>
-            </a:r>
-            <a:r>
-              <a:rPr lang="en-US" altLang="ko-KR" sz="3200" b="1" dirty="0" smtClean="0">
-                <a:solidFill>
-                  <a:srgbClr val="FF0000"/>
-                </a:solidFill>
-              </a:rPr>
-              <a:t>, TC</a:t>
-            </a:r>
-            <a:r>
-              <a:rPr lang="ko-KR" altLang="en-US" sz="3200" b="1" smtClean="0">
-                <a:solidFill>
-                  <a:srgbClr val="FF0000"/>
-                </a:solidFill>
-              </a:rPr>
-              <a:t>기반 설명</a:t>
-            </a:r>
-            <a:r>
-              <a:rPr lang="en-US" altLang="ko-KR" sz="3200" b="1" dirty="0" smtClean="0">
-                <a:solidFill>
-                  <a:srgbClr val="FF0000"/>
-                </a:solidFill>
-              </a:rPr>
               <a:t>)</a:t>
             </a:r>
-            <a:endParaRPr lang="en-US" altLang="ko-KR" sz="3200" b="1" dirty="0">
+            <a:endParaRPr lang="en-US" altLang="ko-KR" sz="3200" b="1">
               <a:solidFill>
                 <a:srgbClr val="FF0000"/>
               </a:solidFill>
@@ -2563,144 +5941,1064 @@
               <a:buChar char="-"/>
             </a:pPr>
             <a:r>
-              <a:rPr lang="ko-KR" altLang="en-US" sz="3200" b="1" dirty="0">
+              <a:rPr lang="ko-KR" altLang="en-US" sz="3200" b="1">
                 <a:solidFill>
                   <a:schemeClr val="tx1"/>
                 </a:solidFill>
               </a:rPr>
-              <a:t>성능이 낮을 경우 원인 분석 및 개선책 검토 </a:t>
-            </a:r>
-            <a:r>
-              <a:rPr lang="ko-KR" altLang="en-US" sz="3200" b="1" dirty="0" smtClean="0">
+              <a:t>기술 내용 또는 소스코드 등 다양한 방법으로 </a:t>
+            </a:r>
+            <a:r>
+              <a:rPr lang="ko-KR" altLang="en-US" sz="3200" b="1">
+                <a:solidFill>
+                  <a:srgbClr val="FF0000"/>
+                </a:solidFill>
+              </a:rPr>
+              <a:t>핵심을 </a:t>
+            </a:r>
+            <a:r>
+              <a:rPr lang="ko-KR" altLang="en-US" sz="3200" b="1" smtClean="0">
+                <a:solidFill>
+                  <a:srgbClr val="FF0000"/>
+                </a:solidFill>
+              </a:rPr>
+              <a:t>소개</a:t>
+            </a:r>
+            <a:r>
+              <a:rPr lang="en-US" altLang="ko-KR" sz="3200" b="1" smtClean="0">
+                <a:solidFill>
+                  <a:srgbClr val="FF0000"/>
+                </a:solidFill>
+              </a:rPr>
+              <a:t>(</a:t>
+            </a:r>
+            <a:r>
+              <a:rPr lang="ko-KR" altLang="en-US" sz="3200" b="1" smtClean="0">
+                <a:solidFill>
+                  <a:srgbClr val="FF0000"/>
+                </a:solidFill>
+              </a:rPr>
+              <a:t>각 부분 주요한 부분 코드 보여주고 대충 설명해</a:t>
+            </a:r>
+            <a:r>
+              <a:rPr lang="en-US" altLang="ko-KR" sz="3200" b="1" smtClean="0">
+                <a:solidFill>
+                  <a:srgbClr val="FF0000"/>
+                </a:solidFill>
+              </a:rPr>
+              <a:t>)</a:t>
+            </a:r>
+            <a:endParaRPr lang="en-US" altLang="ko-KR" sz="3200" b="1">
+              <a:solidFill>
+                <a:srgbClr val="FF0000"/>
+              </a:solidFill>
+            </a:endParaRPr>
+          </a:p>
+          <a:p>
+            <a:pPr marL="457200" indent="-457200">
+              <a:buFontTx/>
+              <a:buChar char="-"/>
+            </a:pPr>
+            <a:r>
+              <a:rPr lang="ko-KR" altLang="en-US" sz="3200" b="1">
                 <a:solidFill>
                   <a:schemeClr val="tx1"/>
                 </a:solidFill>
               </a:rPr>
-              <a:t>기록</a:t>
-            </a:r>
-            <a:r>
-              <a:rPr lang="en-US" altLang="ko-KR" sz="3200" b="1" dirty="0" smtClean="0">
+              <a:t>페이지 수 </a:t>
+            </a:r>
+            <a:r>
+              <a:rPr lang="ko-KR" altLang="en-US" sz="3200" b="1" err="1" smtClean="0">
                 <a:solidFill>
                   <a:schemeClr val="tx1"/>
                 </a:solidFill>
               </a:rPr>
-              <a:t>(</a:t>
-            </a:r>
-            <a:r>
-              <a:rPr lang="ko-KR" altLang="en-US" sz="3200" b="1" smtClean="0">
-                <a:solidFill>
-                  <a:schemeClr val="tx1"/>
-                </a:solidFill>
-              </a:rPr>
-              <a:t>개 잘됨 안써도됨</a:t>
-            </a:r>
-            <a:r>
-              <a:rPr lang="en-US" altLang="ko-KR" sz="3200" b="1" dirty="0" smtClean="0">
-                <a:solidFill>
-                  <a:schemeClr val="tx1"/>
-                </a:solidFill>
-              </a:rPr>
-              <a:t>)</a:t>
-            </a:r>
-            <a:endParaRPr lang="en-US" altLang="ko-KR" sz="3200" b="1" dirty="0">
+              <a:t>무관ㅇㅋ</a:t>
+            </a:r>
+            <a:endParaRPr lang="ko-KR" altLang="en-US" sz="3200" b="1">
               <a:solidFill>
                 <a:schemeClr val="tx1"/>
               </a:solidFill>
             </a:endParaRPr>
           </a:p>
-          <a:p>
-            <a:pPr marL="457200" indent="-457200">
-              <a:buFontTx/>
-              <a:buChar char="-"/>
-            </a:pPr>
-            <a:r>
-              <a:rPr lang="ko-KR" altLang="en-US" sz="3200" b="1" dirty="0">
-                <a:solidFill>
-                  <a:schemeClr val="tx1"/>
-                </a:solidFill>
-              </a:rPr>
-              <a:t>성능이 만족했을 경우 향후 활용 가능한 기대효과 </a:t>
-            </a:r>
-            <a:r>
-              <a:rPr lang="ko-KR" altLang="en-US" sz="3200" b="1" dirty="0" smtClean="0">
-                <a:solidFill>
-                  <a:schemeClr val="tx1"/>
-                </a:solidFill>
-              </a:rPr>
-              <a:t>기록</a:t>
-            </a:r>
-            <a:r>
-              <a:rPr lang="en-US" altLang="ko-KR" sz="3200" b="1" dirty="0" smtClean="0">
-                <a:solidFill>
-                  <a:schemeClr val="tx1"/>
-                </a:solidFill>
-              </a:rPr>
-              <a:t>(Snake</a:t>
-            </a:r>
-            <a:r>
-              <a:rPr lang="ko-KR" altLang="en-US" sz="3200" b="1" smtClean="0">
-                <a:solidFill>
-                  <a:schemeClr val="tx1"/>
-                </a:solidFill>
-              </a:rPr>
-              <a:t>같은거 만들 수 있음</a:t>
-            </a:r>
-            <a:r>
-              <a:rPr lang="en-US" altLang="ko-KR" sz="3200" b="1" dirty="0" smtClean="0">
-                <a:solidFill>
-                  <a:schemeClr val="tx1"/>
-                </a:solidFill>
-              </a:rPr>
-              <a:t>)</a:t>
-            </a:r>
-            <a:endParaRPr lang="en-US" altLang="ko-KR" sz="3200" b="1" dirty="0">
+        </p:txBody>
+      </p:sp>
+      <p:sp>
+        <p:nvSpPr>
+          <p:cNvPr id="4" name="TextBox 3"/>
+          <p:cNvSpPr txBox="1"/>
+          <p:nvPr/>
+        </p:nvSpPr>
+        <p:spPr>
+          <a:xfrm>
+            <a:off x="737675" y="1800664"/>
+            <a:ext cx="15547846" cy="7355860"/>
+          </a:xfrm>
+          <a:prstGeom prst="rect">
+            <a:avLst/>
+          </a:prstGeom>
+          <a:noFill/>
+        </p:spPr>
+        <p:txBody>
+          <a:bodyPr wrap="none" rtlCol="0">
+            <a:spAutoFit/>
+          </a:bodyPr>
+          <a:lstStyle/>
+          <a:p>
+            <a:pPr marL="285750" indent="-285750">
+              <a:buFont typeface="Arial" panose="020B0604020202020204" pitchFamily="34" charset="0"/>
+              <a:buChar char="•"/>
+            </a:pPr>
+            <a:r>
+              <a:rPr lang="en-US" altLang="ko-KR" sz="2400" b="1" smtClean="0">
+                <a:latin typeface="LG스마트체2.0 Regular" panose="020B0600000101010101" pitchFamily="50" charset="-127"/>
+                <a:ea typeface="LG스마트체2.0 Regular" panose="020B0600000101010101" pitchFamily="50" charset="-127"/>
+              </a:rPr>
+              <a:t>Blocked based delay</a:t>
+            </a:r>
+          </a:p>
+          <a:p>
+            <a:pPr marL="800100" lvl="1" indent="-342900">
+              <a:buFont typeface="Wingdings" panose="05000000000000000000" pitchFamily="2" charset="2"/>
+              <a:buChar char="Ø"/>
+            </a:pPr>
+            <a:r>
+              <a:rPr lang="en-US" altLang="ko-KR" sz="2000" smtClean="0">
+                <a:latin typeface="LG스마트체2.0 Regular" panose="020B0600000101010101" pitchFamily="50" charset="-127"/>
+                <a:ea typeface="LG스마트체2.0 Regular" panose="020B0600000101010101" pitchFamily="50" charset="-127"/>
+              </a:rPr>
+              <a:t>TCB </a:t>
+            </a:r>
+            <a:r>
+              <a:rPr lang="ko-KR" altLang="en-US" sz="2000" smtClean="0">
+                <a:latin typeface="LG스마트체2.0 Regular" panose="020B0600000101010101" pitchFamily="50" charset="-127"/>
+                <a:ea typeface="LG스마트체2.0 Regular" panose="020B0600000101010101" pitchFamily="50" charset="-127"/>
+              </a:rPr>
+              <a:t>구조체에 </a:t>
+            </a:r>
+            <a:r>
+              <a:rPr lang="en-US" altLang="ko-KR" sz="2000" smtClean="0">
+                <a:latin typeface="LG스마트체2.0 Regular" panose="020B0600000101010101" pitchFamily="50" charset="-127"/>
+                <a:ea typeface="LG스마트체2.0 Regular" panose="020B0600000101010101" pitchFamily="50" charset="-127"/>
+              </a:rPr>
+              <a:t>timestamp </a:t>
+            </a:r>
+            <a:r>
+              <a:rPr lang="ko-KR" altLang="en-US" sz="2000" smtClean="0">
+                <a:latin typeface="LG스마트체2.0 Regular" panose="020B0600000101010101" pitchFamily="50" charset="-127"/>
+                <a:ea typeface="LG스마트체2.0 Regular" panose="020B0600000101010101" pitchFamily="50" charset="-127"/>
+              </a:rPr>
+              <a:t>및 </a:t>
+            </a:r>
+            <a:r>
+              <a:rPr lang="en-US" altLang="ko-KR" sz="2000" smtClean="0">
+                <a:latin typeface="LG스마트체2.0 Regular" panose="020B0600000101010101" pitchFamily="50" charset="-127"/>
+                <a:ea typeface="LG스마트체2.0 Regular" panose="020B0600000101010101" pitchFamily="50" charset="-127"/>
+              </a:rPr>
+              <a:t>delay_until </a:t>
+            </a:r>
+            <a:r>
+              <a:rPr lang="ko-KR" altLang="en-US" sz="2000" smtClean="0">
+                <a:latin typeface="LG스마트체2.0 Regular" panose="020B0600000101010101" pitchFamily="50" charset="-127"/>
+                <a:ea typeface="LG스마트체2.0 Regular" panose="020B0600000101010101" pitchFamily="50" charset="-127"/>
+              </a:rPr>
+              <a:t>함수를 이용하여 </a:t>
+            </a:r>
+            <a:r>
+              <a:rPr lang="en-US" altLang="ko-KR" sz="2000" smtClean="0">
+                <a:latin typeface="LG스마트체2.0 Regular" panose="020B0600000101010101" pitchFamily="50" charset="-127"/>
+                <a:ea typeface="LG스마트체2.0 Regular" panose="020B0600000101010101" pitchFamily="50" charset="-127"/>
+              </a:rPr>
+              <a:t>delay </a:t>
+            </a:r>
+            <a:r>
+              <a:rPr lang="ko-KR" altLang="en-US" sz="2000" smtClean="0">
+                <a:latin typeface="LG스마트체2.0 Regular" panose="020B0600000101010101" pitchFamily="50" charset="-127"/>
+                <a:ea typeface="LG스마트체2.0 Regular" panose="020B0600000101010101" pitchFamily="50" charset="-127"/>
+              </a:rPr>
+              <a:t>구현</a:t>
+            </a:r>
+            <a:endParaRPr lang="en-US" altLang="ko-KR" sz="2000" smtClean="0">
+              <a:latin typeface="LG스마트체2.0 Regular" panose="020B0600000101010101" pitchFamily="50" charset="-127"/>
+              <a:ea typeface="LG스마트체2.0 Regular" panose="020B0600000101010101" pitchFamily="50" charset="-127"/>
+            </a:endParaRPr>
+          </a:p>
+          <a:p>
+            <a:pPr marL="1257300" lvl="2" indent="-342900">
+              <a:buFont typeface="Wingdings" panose="05000000000000000000" pitchFamily="2" charset="2"/>
+              <a:buChar char="ü"/>
+            </a:pPr>
+            <a:r>
+              <a:rPr lang="en-US" altLang="ko-KR" sz="2000" smtClean="0">
+                <a:latin typeface="LG스마트체2.0 Regular" panose="020B0600000101010101" pitchFamily="50" charset="-127"/>
+                <a:ea typeface="LG스마트체2.0 Regular" panose="020B0600000101010101" pitchFamily="50" charset="-127"/>
+              </a:rPr>
+              <a:t>TCB </a:t>
+            </a:r>
+            <a:r>
+              <a:rPr lang="ko-KR" altLang="en-US" sz="2000" smtClean="0">
+                <a:latin typeface="LG스마트체2.0 Regular" panose="020B0600000101010101" pitchFamily="50" charset="-127"/>
+                <a:ea typeface="LG스마트체2.0 Regular" panose="020B0600000101010101" pitchFamily="50" charset="-127"/>
+              </a:rPr>
+              <a:t>구조체에 </a:t>
+            </a:r>
+            <a:r>
+              <a:rPr lang="en-US" altLang="ko-KR" sz="2000" smtClean="0">
+                <a:latin typeface="LG스마트체2.0 Regular" panose="020B0600000101010101" pitchFamily="50" charset="-127"/>
+                <a:ea typeface="LG스마트체2.0 Regular" panose="020B0600000101010101" pitchFamily="50" charset="-127"/>
+              </a:rPr>
+              <a:t>timestamp </a:t>
+            </a:r>
+            <a:r>
+              <a:rPr lang="ko-KR" altLang="en-US" sz="2000" smtClean="0">
+                <a:latin typeface="LG스마트체2.0 Regular" panose="020B0600000101010101" pitchFamily="50" charset="-127"/>
+                <a:ea typeface="LG스마트체2.0 Regular" panose="020B0600000101010101" pitchFamily="50" charset="-127"/>
+              </a:rPr>
+              <a:t>및 </a:t>
+            </a:r>
+            <a:r>
+              <a:rPr lang="en-US" altLang="ko-KR" sz="2000" smtClean="0">
+                <a:latin typeface="LG스마트체2.0 Regular" panose="020B0600000101010101" pitchFamily="50" charset="-127"/>
+                <a:ea typeface="LG스마트체2.0 Regular" panose="020B0600000101010101" pitchFamily="50" charset="-127"/>
+              </a:rPr>
+              <a:t>delay_until </a:t>
+            </a:r>
+            <a:r>
+              <a:rPr lang="ko-KR" altLang="en-US" sz="2000" smtClean="0">
+                <a:latin typeface="LG스마트체2.0 Regular" panose="020B0600000101010101" pitchFamily="50" charset="-127"/>
+                <a:ea typeface="LG스마트체2.0 Regular" panose="020B0600000101010101" pitchFamily="50" charset="-127"/>
+              </a:rPr>
+              <a:t>함수를 추가</a:t>
+            </a:r>
+            <a:endParaRPr lang="en-US" altLang="ko-KR" sz="2000" smtClean="0">
+              <a:latin typeface="LG스마트체2.0 Regular" panose="020B0600000101010101" pitchFamily="50" charset="-127"/>
+              <a:ea typeface="LG스마트체2.0 Regular" panose="020B0600000101010101" pitchFamily="50" charset="-127"/>
+            </a:endParaRPr>
+          </a:p>
+          <a:p>
+            <a:pPr marL="1714500" lvl="3" indent="-342900">
+              <a:buFont typeface="Wingdings" panose="05000000000000000000" pitchFamily="2" charset="2"/>
+              <a:buChar char="l"/>
+            </a:pPr>
+            <a:endParaRPr lang="en-US" altLang="ko-KR" sz="2000" smtClean="0">
+              <a:latin typeface="LG스마트체2.0 Regular" panose="020B0600000101010101" pitchFamily="50" charset="-127"/>
+              <a:ea typeface="LG스마트체2.0 Regular" panose="020B0600000101010101" pitchFamily="50" charset="-127"/>
+            </a:endParaRPr>
+          </a:p>
+          <a:p>
+            <a:pPr marL="1714500" lvl="3" indent="-342900">
+              <a:buFont typeface="Wingdings" panose="05000000000000000000" pitchFamily="2" charset="2"/>
+              <a:buChar char="l"/>
+            </a:pPr>
+            <a:endParaRPr lang="en-US" altLang="ko-KR" sz="2000">
+              <a:latin typeface="LG스마트체2.0 Regular" panose="020B0600000101010101" pitchFamily="50" charset="-127"/>
+              <a:ea typeface="LG스마트체2.0 Regular" panose="020B0600000101010101" pitchFamily="50" charset="-127"/>
+            </a:endParaRPr>
+          </a:p>
+          <a:p>
+            <a:pPr marL="1257300" lvl="2" indent="-342900">
+              <a:buFont typeface="Wingdings" panose="05000000000000000000" pitchFamily="2" charset="2"/>
+              <a:buChar char="ü"/>
+            </a:pPr>
+            <a:r>
+              <a:rPr lang="en-US" altLang="ko-KR" sz="2000" smtClean="0">
+                <a:latin typeface="LG스마트체2.0 Regular" panose="020B0600000101010101" pitchFamily="50" charset="-127"/>
+                <a:ea typeface="LG스마트체2.0 Regular" panose="020B0600000101010101" pitchFamily="50" charset="-127"/>
+              </a:rPr>
+              <a:t>Delay</a:t>
+            </a:r>
+            <a:r>
+              <a:rPr lang="ko-KR" altLang="en-US" sz="2000" smtClean="0">
+                <a:latin typeface="LG스마트체2.0 Regular" panose="020B0600000101010101" pitchFamily="50" charset="-127"/>
+                <a:ea typeface="LG스마트체2.0 Regular" panose="020B0600000101010101" pitchFamily="50" charset="-127"/>
+              </a:rPr>
+              <a:t>를 발생시킨 경우 </a:t>
+            </a:r>
+            <a:r>
+              <a:rPr lang="en-US" altLang="ko-KR" sz="2000" smtClean="0">
+                <a:latin typeface="LG스마트체2.0 Regular" panose="020B0600000101010101" pitchFamily="50" charset="-127"/>
+                <a:ea typeface="LG스마트체2.0 Regular" panose="020B0600000101010101" pitchFamily="50" charset="-127"/>
+              </a:rPr>
+              <a:t>ready queue</a:t>
+            </a:r>
+            <a:r>
+              <a:rPr lang="ko-KR" altLang="en-US" sz="2000" smtClean="0">
+                <a:latin typeface="LG스마트체2.0 Regular" panose="020B0600000101010101" pitchFamily="50" charset="-127"/>
+                <a:ea typeface="LG스마트체2.0 Regular" panose="020B0600000101010101" pitchFamily="50" charset="-127"/>
+              </a:rPr>
+              <a:t>에서 삭제하고 </a:t>
+            </a:r>
+            <a:r>
+              <a:rPr lang="en-US" altLang="ko-KR" sz="2000" smtClean="0">
+                <a:latin typeface="LG스마트체2.0 Regular" panose="020B0600000101010101" pitchFamily="50" charset="-127"/>
+                <a:ea typeface="LG스마트체2.0 Regular" panose="020B0600000101010101" pitchFamily="50" charset="-127"/>
+              </a:rPr>
+              <a:t>delay_until</a:t>
+            </a:r>
+            <a:r>
+              <a:rPr lang="ko-KR" altLang="en-US" sz="2000" smtClean="0">
+                <a:latin typeface="LG스마트체2.0 Regular" panose="020B0600000101010101" pitchFamily="50" charset="-127"/>
+                <a:ea typeface="LG스마트체2.0 Regular" panose="020B0600000101010101" pitchFamily="50" charset="-127"/>
+              </a:rPr>
+              <a:t>에 </a:t>
+            </a:r>
+            <a:r>
+              <a:rPr lang="en-US" altLang="ko-KR" sz="2000" smtClean="0">
+                <a:latin typeface="LG스마트체2.0 Regular" panose="020B0600000101010101" pitchFamily="50" charset="-127"/>
+                <a:ea typeface="LG스마트체2.0 Regular" panose="020B0600000101010101" pitchFamily="50" charset="-127"/>
+              </a:rPr>
+              <a:t>delay</a:t>
+            </a:r>
+            <a:r>
+              <a:rPr lang="ko-KR" altLang="en-US" sz="2000" smtClean="0">
+                <a:latin typeface="LG스마트체2.0 Regular" panose="020B0600000101010101" pitchFamily="50" charset="-127"/>
+                <a:ea typeface="LG스마트체2.0 Regular" panose="020B0600000101010101" pitchFamily="50" charset="-127"/>
+              </a:rPr>
+              <a:t>시켜야 할 시간을 저장하고 </a:t>
+            </a:r>
+            <a:r>
+              <a:rPr lang="en-US" altLang="ko-KR" sz="2000" smtClean="0">
+                <a:latin typeface="LG스마트체2.0 Regular" panose="020B0600000101010101" pitchFamily="50" charset="-127"/>
+                <a:ea typeface="LG스마트체2.0 Regular" panose="020B0600000101010101" pitchFamily="50" charset="-127"/>
+              </a:rPr>
+              <a:t>blocked queue</a:t>
+            </a:r>
+            <a:r>
+              <a:rPr lang="ko-KR" altLang="en-US" sz="2000" smtClean="0">
+                <a:latin typeface="LG스마트체2.0 Regular" panose="020B0600000101010101" pitchFamily="50" charset="-127"/>
+                <a:ea typeface="LG스마트체2.0 Regular" panose="020B0600000101010101" pitchFamily="50" charset="-127"/>
+              </a:rPr>
+              <a:t>에 </a:t>
+            </a:r>
+            <a:r>
+              <a:rPr lang="en-US" altLang="ko-KR" sz="2000" smtClean="0">
+                <a:latin typeface="LG스마트체2.0 Regular" panose="020B0600000101010101" pitchFamily="50" charset="-127"/>
+                <a:ea typeface="LG스마트체2.0 Regular" panose="020B0600000101010101" pitchFamily="50" charset="-127"/>
+              </a:rPr>
+              <a:t>task </a:t>
+            </a:r>
+            <a:r>
+              <a:rPr lang="ko-KR" altLang="en-US" sz="2000" smtClean="0">
+                <a:latin typeface="LG스마트체2.0 Regular" panose="020B0600000101010101" pitchFamily="50" charset="-127"/>
+                <a:ea typeface="LG스마트체2.0 Regular" panose="020B0600000101010101" pitchFamily="50" charset="-127"/>
+              </a:rPr>
+              <a:t>저장</a:t>
+            </a:r>
+            <a:endParaRPr lang="en-US" altLang="ko-KR" sz="2000" smtClean="0">
+              <a:latin typeface="LG스마트체2.0 Regular" panose="020B0600000101010101" pitchFamily="50" charset="-127"/>
+              <a:ea typeface="LG스마트체2.0 Regular" panose="020B0600000101010101" pitchFamily="50" charset="-127"/>
+            </a:endParaRPr>
+          </a:p>
+          <a:p>
+            <a:pPr marL="1714500" lvl="3" indent="-342900">
+              <a:buFont typeface="Wingdings" panose="05000000000000000000" pitchFamily="2" charset="2"/>
+              <a:buChar char="l"/>
+            </a:pPr>
+            <a:endParaRPr lang="en-US" altLang="ko-KR" sz="2000">
+              <a:latin typeface="LG스마트체2.0 Regular" panose="020B0600000101010101" pitchFamily="50" charset="-127"/>
+              <a:ea typeface="LG스마트체2.0 Regular" panose="020B0600000101010101" pitchFamily="50" charset="-127"/>
+            </a:endParaRPr>
+          </a:p>
+          <a:p>
+            <a:pPr marL="1714500" lvl="3" indent="-342900">
+              <a:buFont typeface="Wingdings" panose="05000000000000000000" pitchFamily="2" charset="2"/>
+              <a:buChar char="l"/>
+            </a:pPr>
+            <a:endParaRPr lang="en-US" altLang="ko-KR" sz="2000" smtClean="0">
+              <a:latin typeface="LG스마트체2.0 Regular" panose="020B0600000101010101" pitchFamily="50" charset="-127"/>
+              <a:ea typeface="LG스마트체2.0 Regular" panose="020B0600000101010101" pitchFamily="50" charset="-127"/>
+            </a:endParaRPr>
+          </a:p>
+          <a:p>
+            <a:pPr marL="1714500" lvl="3" indent="-342900">
+              <a:buFont typeface="Wingdings" panose="05000000000000000000" pitchFamily="2" charset="2"/>
+              <a:buChar char="l"/>
+            </a:pPr>
+            <a:endParaRPr lang="en-US" altLang="ko-KR" sz="2000">
+              <a:latin typeface="LG스마트체2.0 Regular" panose="020B0600000101010101" pitchFamily="50" charset="-127"/>
+              <a:ea typeface="LG스마트체2.0 Regular" panose="020B0600000101010101" pitchFamily="50" charset="-127"/>
+            </a:endParaRPr>
+          </a:p>
+          <a:p>
+            <a:pPr marL="1714500" lvl="3" indent="-342900">
+              <a:buFont typeface="Wingdings" panose="05000000000000000000" pitchFamily="2" charset="2"/>
+              <a:buChar char="l"/>
+            </a:pPr>
+            <a:endParaRPr lang="en-US" altLang="ko-KR" sz="2000" smtClean="0">
+              <a:latin typeface="LG스마트체2.0 Regular" panose="020B0600000101010101" pitchFamily="50" charset="-127"/>
+              <a:ea typeface="LG스마트체2.0 Regular" panose="020B0600000101010101" pitchFamily="50" charset="-127"/>
+            </a:endParaRPr>
+          </a:p>
+          <a:p>
+            <a:pPr marL="1714500" lvl="3" indent="-342900">
+              <a:buFont typeface="Wingdings" panose="05000000000000000000" pitchFamily="2" charset="2"/>
+              <a:buChar char="l"/>
+            </a:pPr>
+            <a:endParaRPr lang="en-US" altLang="ko-KR" sz="2000">
+              <a:latin typeface="LG스마트체2.0 Regular" panose="020B0600000101010101" pitchFamily="50" charset="-127"/>
+              <a:ea typeface="LG스마트체2.0 Regular" panose="020B0600000101010101" pitchFamily="50" charset="-127"/>
+            </a:endParaRPr>
+          </a:p>
+          <a:p>
+            <a:pPr lvl="3"/>
+            <a:endParaRPr lang="en-US" altLang="ko-KR" sz="2000" smtClean="0">
+              <a:latin typeface="LG스마트체2.0 Regular" panose="020B0600000101010101" pitchFamily="50" charset="-127"/>
+              <a:ea typeface="LG스마트체2.0 Regular" panose="020B0600000101010101" pitchFamily="50" charset="-127"/>
+            </a:endParaRPr>
+          </a:p>
+          <a:p>
+            <a:pPr marL="1257300" lvl="2" indent="-342900">
+              <a:buFont typeface="Wingdings" panose="05000000000000000000" pitchFamily="2" charset="2"/>
+              <a:buChar char="ü"/>
+            </a:pPr>
+            <a:r>
+              <a:rPr lang="en-US" altLang="ko-KR" sz="2000" smtClean="0">
+                <a:latin typeface="LG스마트체2.0 Regular" panose="020B0600000101010101" pitchFamily="50" charset="-127"/>
+                <a:ea typeface="LG스마트체2.0 Regular" panose="020B0600000101010101" pitchFamily="50" charset="-127"/>
+              </a:rPr>
+              <a:t>systick handler</a:t>
+            </a:r>
+            <a:r>
+              <a:rPr lang="ko-KR" altLang="en-US" sz="2000" smtClean="0">
+                <a:latin typeface="LG스마트체2.0 Regular" panose="020B0600000101010101" pitchFamily="50" charset="-127"/>
+                <a:ea typeface="LG스마트체2.0 Regular" panose="020B0600000101010101" pitchFamily="50" charset="-127"/>
+              </a:rPr>
+              <a:t>가 발생하는 경우 </a:t>
+            </a:r>
+            <a:r>
+              <a:rPr lang="en-US" altLang="ko-KR" sz="2000" smtClean="0">
+                <a:latin typeface="LG스마트체2.0 Regular" panose="020B0600000101010101" pitchFamily="50" charset="-127"/>
+                <a:ea typeface="LG스마트체2.0 Regular" panose="020B0600000101010101" pitchFamily="50" charset="-127"/>
+              </a:rPr>
+              <a:t>system_tick</a:t>
+            </a:r>
+            <a:r>
+              <a:rPr lang="ko-KR" altLang="en-US" sz="2000" smtClean="0">
+                <a:latin typeface="LG스마트체2.0 Regular" panose="020B0600000101010101" pitchFamily="50" charset="-127"/>
+                <a:ea typeface="LG스마트체2.0 Regular" panose="020B0600000101010101" pitchFamily="50" charset="-127"/>
+              </a:rPr>
+              <a:t>을 증가시키고 </a:t>
+            </a:r>
+            <a:r>
+              <a:rPr lang="en-US" altLang="ko-KR" sz="2000" smtClean="0">
+                <a:latin typeface="LG스마트체2.0 Regular" panose="020B0600000101010101" pitchFamily="50" charset="-127"/>
+                <a:ea typeface="LG스마트체2.0 Regular" panose="020B0600000101010101" pitchFamily="50" charset="-127"/>
+              </a:rPr>
+              <a:t>delay_until</a:t>
+            </a:r>
+            <a:r>
+              <a:rPr lang="ko-KR" altLang="en-US" sz="2000" smtClean="0">
+                <a:latin typeface="LG스마트체2.0 Regular" panose="020B0600000101010101" pitchFamily="50" charset="-127"/>
+                <a:ea typeface="LG스마트체2.0 Regular" panose="020B0600000101010101" pitchFamily="50" charset="-127"/>
+              </a:rPr>
+              <a:t>이 </a:t>
+            </a:r>
+            <a:r>
+              <a:rPr lang="en-US" altLang="ko-KR" sz="2000" smtClean="0">
+                <a:latin typeface="LG스마트체2.0 Regular" panose="020B0600000101010101" pitchFamily="50" charset="-127"/>
+                <a:ea typeface="LG스마트체2.0 Regular" panose="020B0600000101010101" pitchFamily="50" charset="-127"/>
+              </a:rPr>
+              <a:t>system_tick</a:t>
+            </a:r>
+            <a:r>
+              <a:rPr lang="ko-KR" altLang="en-US" sz="2000" smtClean="0">
+                <a:latin typeface="LG스마트체2.0 Regular" panose="020B0600000101010101" pitchFamily="50" charset="-127"/>
+                <a:ea typeface="LG스마트체2.0 Regular" panose="020B0600000101010101" pitchFamily="50" charset="-127"/>
+              </a:rPr>
+              <a:t>보다 작은 경우 </a:t>
+            </a:r>
+            <a:r>
+              <a:rPr lang="en-US" altLang="ko-KR" sz="2000" smtClean="0">
+                <a:latin typeface="LG스마트체2.0 Regular" panose="020B0600000101010101" pitchFamily="50" charset="-127"/>
+                <a:ea typeface="LG스마트체2.0 Regular" panose="020B0600000101010101" pitchFamily="50" charset="-127"/>
+              </a:rPr>
+              <a:t>delay</a:t>
+            </a:r>
+            <a:r>
+              <a:rPr lang="ko-KR" altLang="en-US" sz="2000" smtClean="0">
+                <a:latin typeface="LG스마트체2.0 Regular" panose="020B0600000101010101" pitchFamily="50" charset="-127"/>
+                <a:ea typeface="LG스마트체2.0 Regular" panose="020B0600000101010101" pitchFamily="50" charset="-127"/>
+              </a:rPr>
+              <a:t>가 종료됨을 확인</a:t>
+            </a:r>
+            <a:endParaRPr lang="en-US" altLang="ko-KR" sz="2000" smtClean="0">
+              <a:latin typeface="LG스마트체2.0 Regular" panose="020B0600000101010101" pitchFamily="50" charset="-127"/>
+              <a:ea typeface="LG스마트체2.0 Regular" panose="020B0600000101010101" pitchFamily="50" charset="-127"/>
+            </a:endParaRPr>
+          </a:p>
+          <a:p>
+            <a:pPr marL="1257300" lvl="2" indent="-342900">
+              <a:buFont typeface="Wingdings" panose="05000000000000000000" pitchFamily="2" charset="2"/>
+              <a:buChar char="ü"/>
+            </a:pPr>
+            <a:endParaRPr lang="en-US" altLang="ko-KR" sz="2000" smtClean="0">
+              <a:latin typeface="LG스마트체2.0 Regular" panose="020B0600000101010101" pitchFamily="50" charset="-127"/>
+              <a:ea typeface="LG스마트체2.0 Regular" panose="020B0600000101010101" pitchFamily="50" charset="-127"/>
+            </a:endParaRPr>
+          </a:p>
+          <a:p>
+            <a:pPr marL="1257300" lvl="2" indent="-342900">
+              <a:buFont typeface="Wingdings" panose="05000000000000000000" pitchFamily="2" charset="2"/>
+              <a:buChar char="ü"/>
+            </a:pPr>
+            <a:endParaRPr lang="en-US" altLang="ko-KR" sz="2000">
+              <a:latin typeface="LG스마트체2.0 Regular" panose="020B0600000101010101" pitchFamily="50" charset="-127"/>
+              <a:ea typeface="LG스마트체2.0 Regular" panose="020B0600000101010101" pitchFamily="50" charset="-127"/>
+            </a:endParaRPr>
+          </a:p>
+          <a:p>
+            <a:pPr marL="1257300" lvl="2" indent="-342900">
+              <a:buFont typeface="Wingdings" panose="05000000000000000000" pitchFamily="2" charset="2"/>
+              <a:buChar char="ü"/>
+            </a:pPr>
+            <a:endParaRPr lang="en-US" altLang="ko-KR" sz="2000" smtClean="0">
+              <a:latin typeface="LG스마트체2.0 Regular" panose="020B0600000101010101" pitchFamily="50" charset="-127"/>
+              <a:ea typeface="LG스마트체2.0 Regular" panose="020B0600000101010101" pitchFamily="50" charset="-127"/>
+            </a:endParaRPr>
+          </a:p>
+          <a:p>
+            <a:pPr marL="1257300" lvl="2" indent="-342900">
+              <a:buFont typeface="Wingdings" panose="05000000000000000000" pitchFamily="2" charset="2"/>
+              <a:buChar char="ü"/>
+            </a:pPr>
+            <a:endParaRPr lang="en-US" altLang="ko-KR" sz="2000">
+              <a:latin typeface="LG스마트체2.0 Regular" panose="020B0600000101010101" pitchFamily="50" charset="-127"/>
+              <a:ea typeface="LG스마트체2.0 Regular" panose="020B0600000101010101" pitchFamily="50" charset="-127"/>
+            </a:endParaRPr>
+          </a:p>
+          <a:p>
+            <a:pPr marL="1257300" lvl="2" indent="-342900">
+              <a:buFont typeface="Wingdings" panose="05000000000000000000" pitchFamily="2" charset="2"/>
+              <a:buChar char="ü"/>
+            </a:pPr>
+            <a:endParaRPr lang="en-US" altLang="ko-KR" sz="2000" smtClean="0">
+              <a:latin typeface="LG스마트체2.0 Regular" panose="020B0600000101010101" pitchFamily="50" charset="-127"/>
+              <a:ea typeface="LG스마트체2.0 Regular" panose="020B0600000101010101" pitchFamily="50" charset="-127"/>
+            </a:endParaRPr>
+          </a:p>
+          <a:p>
+            <a:pPr marL="1257300" lvl="2" indent="-342900">
+              <a:buFont typeface="Wingdings" panose="05000000000000000000" pitchFamily="2" charset="2"/>
+              <a:buChar char="ü"/>
+            </a:pPr>
+            <a:endParaRPr lang="en-US" altLang="ko-KR" sz="2000">
+              <a:latin typeface="LG스마트체2.0 Regular" panose="020B0600000101010101" pitchFamily="50" charset="-127"/>
+              <a:ea typeface="LG스마트체2.0 Regular" panose="020B0600000101010101" pitchFamily="50" charset="-127"/>
+            </a:endParaRPr>
+          </a:p>
+          <a:p>
+            <a:pPr marL="1257300" lvl="2" indent="-342900">
+              <a:buFont typeface="Wingdings" panose="05000000000000000000" pitchFamily="2" charset="2"/>
+              <a:buChar char="ü"/>
+            </a:pPr>
+            <a:endParaRPr lang="en-US" altLang="ko-KR" sz="2000" smtClean="0">
+              <a:latin typeface="LG스마트체2.0 Regular" panose="020B0600000101010101" pitchFamily="50" charset="-127"/>
+              <a:ea typeface="LG스마트체2.0 Regular" panose="020B0600000101010101" pitchFamily="50" charset="-127"/>
+            </a:endParaRPr>
+          </a:p>
+          <a:p>
+            <a:pPr marL="1257300" lvl="2" indent="-342900">
+              <a:buFont typeface="Wingdings" panose="05000000000000000000" pitchFamily="2" charset="2"/>
+              <a:buChar char="ü"/>
+            </a:pPr>
+            <a:endParaRPr lang="en-US" altLang="ko-KR" sz="2000">
+              <a:latin typeface="LG스마트체2.0 Regular" panose="020B0600000101010101" pitchFamily="50" charset="-127"/>
+              <a:ea typeface="LG스마트체2.0 Regular" panose="020B0600000101010101" pitchFamily="50" charset="-127"/>
+            </a:endParaRPr>
+          </a:p>
+          <a:p>
+            <a:pPr marL="342900" indent="-342900">
+              <a:buFont typeface="Arial" panose="020B0604020202020204" pitchFamily="34" charset="0"/>
+              <a:buChar char="•"/>
+            </a:pPr>
+            <a:endParaRPr lang="en-US" altLang="ko-KR" sz="2400" smtClean="0">
+              <a:latin typeface="LG스마트체2.0 Regular" panose="020B0600000101010101" pitchFamily="50" charset="-127"/>
+              <a:ea typeface="LG스마트체2.0 Regular" panose="020B0600000101010101" pitchFamily="50" charset="-127"/>
+            </a:endParaRPr>
+          </a:p>
+          <a:p>
+            <a:pPr marL="342900" indent="-342900">
+              <a:buFont typeface="Arial" panose="020B0604020202020204" pitchFamily="34" charset="0"/>
+              <a:buChar char="•"/>
+            </a:pPr>
+            <a:endParaRPr lang="en-US" altLang="ko-KR" sz="2400">
+              <a:latin typeface="LG스마트체2.0 Regular" panose="020B0600000101010101" pitchFamily="50" charset="-127"/>
+              <a:ea typeface="LG스마트체2.0 Regular" panose="020B0600000101010101" pitchFamily="50" charset="-127"/>
+            </a:endParaRPr>
+          </a:p>
+        </p:txBody>
+      </p:sp>
+      <p:pic>
+        <p:nvPicPr>
+          <p:cNvPr id="12" name="그림 11"/>
+          <p:cNvPicPr>
+            <a:picLocks noChangeAspect="1"/>
+          </p:cNvPicPr>
+          <p:nvPr/>
+        </p:nvPicPr>
+        <p:blipFill>
+          <a:blip r:embed="rId2"/>
+          <a:stretch>
+            <a:fillRect/>
+          </a:stretch>
+        </p:blipFill>
+        <p:spPr>
+          <a:xfrm>
+            <a:off x="2553934" y="6030473"/>
+            <a:ext cx="11922587" cy="596129"/>
+          </a:xfrm>
+          <a:prstGeom prst="rect">
+            <a:avLst/>
+          </a:prstGeom>
+        </p:spPr>
+      </p:pic>
+      <p:grpSp>
+        <p:nvGrpSpPr>
+          <p:cNvPr id="22" name="그룹 21"/>
+          <p:cNvGrpSpPr/>
+          <p:nvPr/>
+        </p:nvGrpSpPr>
+        <p:grpSpPr>
+          <a:xfrm>
+            <a:off x="11715170" y="2146292"/>
+            <a:ext cx="4961908" cy="890143"/>
+            <a:chOff x="11715170" y="2667162"/>
+            <a:chExt cx="4961908" cy="890143"/>
+          </a:xfrm>
+        </p:grpSpPr>
+        <p:grpSp>
+          <p:nvGrpSpPr>
+            <p:cNvPr id="11" name="그룹 10"/>
+            <p:cNvGrpSpPr/>
+            <p:nvPr/>
+          </p:nvGrpSpPr>
+          <p:grpSpPr>
+            <a:xfrm>
+              <a:off x="11715170" y="2667162"/>
+              <a:ext cx="4961908" cy="890143"/>
+              <a:chOff x="7515842" y="4213918"/>
+              <a:chExt cx="4961908" cy="890143"/>
+            </a:xfrm>
+          </p:grpSpPr>
+          <p:pic>
+            <p:nvPicPr>
+              <p:cNvPr id="8" name="그림 7"/>
+              <p:cNvPicPr>
+                <a:picLocks noChangeAspect="1"/>
+              </p:cNvPicPr>
+              <p:nvPr/>
+            </p:nvPicPr>
+            <p:blipFill rotWithShape="1">
+              <a:blip r:embed="rId3"/>
+              <a:srcRect b="90095"/>
+              <a:stretch/>
+            </p:blipFill>
+            <p:spPr>
+              <a:xfrm>
+                <a:off x="7515842" y="4213918"/>
+                <a:ext cx="4961908" cy="281903"/>
+              </a:xfrm>
+              <a:prstGeom prst="rect">
+                <a:avLst/>
+              </a:prstGeom>
+            </p:spPr>
+          </p:pic>
+          <p:pic>
+            <p:nvPicPr>
+              <p:cNvPr id="10" name="그림 9"/>
+              <p:cNvPicPr>
+                <a:picLocks noChangeAspect="1"/>
+              </p:cNvPicPr>
+              <p:nvPr/>
+            </p:nvPicPr>
+            <p:blipFill rotWithShape="1">
+              <a:blip r:embed="rId3"/>
+              <a:srcRect t="78313"/>
+              <a:stretch/>
+            </p:blipFill>
+            <p:spPr>
+              <a:xfrm>
+                <a:off x="7515842" y="4486814"/>
+                <a:ext cx="4961908" cy="617247"/>
+              </a:xfrm>
+              <a:prstGeom prst="rect">
+                <a:avLst/>
+              </a:prstGeom>
+            </p:spPr>
+          </p:pic>
+        </p:grpSp>
+        <p:sp>
+          <p:nvSpPr>
+            <p:cNvPr id="13" name="직사각형 12"/>
+            <p:cNvSpPr/>
+            <p:nvPr/>
+          </p:nvSpPr>
+          <p:spPr>
+            <a:xfrm>
+              <a:off x="14419036" y="2968094"/>
+              <a:ext cx="1847850" cy="571500"/>
+            </a:xfrm>
+            <a:prstGeom prst="rect">
+              <a:avLst/>
+            </a:prstGeom>
+            <a:noFill/>
+            <a:ln w="28575">
               <a:solidFill>
-                <a:schemeClr val="tx1"/>
+                <a:srgbClr val="FF0000"/>
               </a:solidFill>
-            </a:endParaRPr>
-          </a:p>
-          <a:p>
-            <a:pPr marL="457200" indent="-457200">
-              <a:buFontTx/>
-              <a:buChar char="-"/>
-            </a:pPr>
-            <a:r>
-              <a:rPr lang="ko-KR" altLang="en-US" sz="3200" b="1" dirty="0">
-                <a:solidFill>
-                  <a:schemeClr val="tx1"/>
-                </a:solidFill>
-              </a:rPr>
-              <a:t>가급적 </a:t>
-            </a:r>
-            <a:r>
-              <a:rPr lang="en-US" altLang="ko-KR" sz="3200" b="1" dirty="0">
-                <a:solidFill>
-                  <a:schemeClr val="tx1"/>
-                </a:solidFill>
-              </a:rPr>
-              <a:t>1 </a:t>
-            </a:r>
-            <a:r>
-              <a:rPr lang="ko-KR" altLang="en-US" sz="3200" b="1" dirty="0">
-                <a:solidFill>
-                  <a:schemeClr val="tx1"/>
-                </a:solidFill>
-              </a:rPr>
-              <a:t>페이지로 정리</a:t>
-            </a:r>
+            </a:ln>
+          </p:spPr>
+          <p:style>
+            <a:lnRef idx="2">
+              <a:schemeClr val="accent1">
+                <a:shade val="50000"/>
+              </a:schemeClr>
+            </a:lnRef>
+            <a:fillRef idx="1">
+              <a:schemeClr val="accent1"/>
+            </a:fillRef>
+            <a:effectRef idx="0">
+              <a:schemeClr val="accent1"/>
+            </a:effectRef>
+            <a:fontRef idx="minor">
+              <a:schemeClr val="lt1"/>
+            </a:fontRef>
+          </p:style>
+          <p:txBody>
+            <a:bodyPr rtlCol="0" anchor="ctr"/>
+            <a:lstStyle/>
+            <a:p>
+              <a:pPr algn="ctr"/>
+              <a:endParaRPr lang="ko-KR" altLang="en-US"/>
+            </a:p>
+          </p:txBody>
+        </p:sp>
+      </p:grpSp>
+      <p:grpSp>
+        <p:nvGrpSpPr>
+          <p:cNvPr id="21" name="그룹 20"/>
+          <p:cNvGrpSpPr/>
+          <p:nvPr/>
+        </p:nvGrpSpPr>
+        <p:grpSpPr>
+          <a:xfrm>
+            <a:off x="2553934" y="3831061"/>
+            <a:ext cx="8346703" cy="1632788"/>
+            <a:chOff x="2553934" y="4111058"/>
+            <a:chExt cx="8346703" cy="1632788"/>
+          </a:xfrm>
+        </p:grpSpPr>
+        <p:pic>
+          <p:nvPicPr>
+            <p:cNvPr id="14" name="그림 13"/>
+            <p:cNvPicPr>
+              <a:picLocks noChangeAspect="1"/>
+            </p:cNvPicPr>
+            <p:nvPr/>
+          </p:nvPicPr>
+          <p:blipFill rotWithShape="1">
+            <a:blip r:embed="rId4"/>
+            <a:srcRect b="92701"/>
+            <a:stretch/>
+          </p:blipFill>
+          <p:spPr>
+            <a:xfrm>
+              <a:off x="2553934" y="4111058"/>
+              <a:ext cx="8346703" cy="290655"/>
+            </a:xfrm>
+            <a:prstGeom prst="rect">
+              <a:avLst/>
+            </a:prstGeom>
+          </p:spPr>
+        </p:pic>
+        <p:pic>
+          <p:nvPicPr>
+            <p:cNvPr id="15" name="그림 14"/>
+            <p:cNvPicPr>
+              <a:picLocks noChangeAspect="1"/>
+            </p:cNvPicPr>
+            <p:nvPr/>
+          </p:nvPicPr>
+          <p:blipFill rotWithShape="1">
+            <a:blip r:embed="rId4"/>
+            <a:srcRect t="27265" b="61577"/>
+            <a:stretch/>
+          </p:blipFill>
+          <p:spPr>
+            <a:xfrm>
+              <a:off x="2553934" y="4360984"/>
+              <a:ext cx="8346703" cy="444316"/>
+            </a:xfrm>
+            <a:prstGeom prst="rect">
+              <a:avLst/>
+            </a:prstGeom>
+          </p:spPr>
+        </p:pic>
+        <p:pic>
+          <p:nvPicPr>
+            <p:cNvPr id="16" name="그림 15"/>
+            <p:cNvPicPr>
+              <a:picLocks noChangeAspect="1"/>
+            </p:cNvPicPr>
+            <p:nvPr/>
+          </p:nvPicPr>
+          <p:blipFill rotWithShape="1">
+            <a:blip r:embed="rId4"/>
+            <a:srcRect t="73905" b="1130"/>
+            <a:stretch/>
+          </p:blipFill>
+          <p:spPr>
+            <a:xfrm>
+              <a:off x="2553934" y="4749730"/>
+              <a:ext cx="8346703" cy="994116"/>
+            </a:xfrm>
+            <a:prstGeom prst="rect">
+              <a:avLst/>
+            </a:prstGeom>
+          </p:spPr>
+        </p:pic>
+        <p:sp>
+          <p:nvSpPr>
+            <p:cNvPr id="17" name="직사각형 16"/>
+            <p:cNvSpPr/>
+            <p:nvPr/>
+          </p:nvSpPr>
+          <p:spPr>
+            <a:xfrm>
+              <a:off x="7067550" y="4716880"/>
+              <a:ext cx="2876550" cy="381000"/>
+            </a:xfrm>
+            <a:prstGeom prst="rect">
+              <a:avLst/>
+            </a:prstGeom>
+            <a:noFill/>
+            <a:ln w="28575">
+              <a:solidFill>
+                <a:srgbClr val="FF0000"/>
+              </a:solidFill>
+            </a:ln>
+          </p:spPr>
+          <p:style>
+            <a:lnRef idx="2">
+              <a:schemeClr val="accent1">
+                <a:shade val="50000"/>
+              </a:schemeClr>
+            </a:lnRef>
+            <a:fillRef idx="1">
+              <a:schemeClr val="accent1"/>
+            </a:fillRef>
+            <a:effectRef idx="0">
+              <a:schemeClr val="accent1"/>
+            </a:effectRef>
+            <a:fontRef idx="minor">
+              <a:schemeClr val="lt1"/>
+            </a:fontRef>
+          </p:style>
+          <p:txBody>
+            <a:bodyPr rtlCol="0" anchor="ctr"/>
+            <a:lstStyle/>
+            <a:p>
+              <a:pPr algn="ctr"/>
+              <a:endParaRPr lang="ko-KR" altLang="en-US"/>
+            </a:p>
+          </p:txBody>
+        </p:sp>
+        <p:sp>
+          <p:nvSpPr>
+            <p:cNvPr id="18" name="직사각형 17"/>
+            <p:cNvSpPr/>
+            <p:nvPr/>
+          </p:nvSpPr>
+          <p:spPr>
+            <a:xfrm>
+              <a:off x="2971800" y="5326480"/>
+              <a:ext cx="7829550" cy="381000"/>
+            </a:xfrm>
+            <a:prstGeom prst="rect">
+              <a:avLst/>
+            </a:prstGeom>
+            <a:noFill/>
+            <a:ln w="28575">
+              <a:solidFill>
+                <a:srgbClr val="FF0000"/>
+              </a:solidFill>
+            </a:ln>
+          </p:spPr>
+          <p:style>
+            <a:lnRef idx="2">
+              <a:schemeClr val="accent1">
+                <a:shade val="50000"/>
+              </a:schemeClr>
+            </a:lnRef>
+            <a:fillRef idx="1">
+              <a:schemeClr val="accent1"/>
+            </a:fillRef>
+            <a:effectRef idx="0">
+              <a:schemeClr val="accent1"/>
+            </a:effectRef>
+            <a:fontRef idx="minor">
+              <a:schemeClr val="lt1"/>
+            </a:fontRef>
+          </p:style>
+          <p:txBody>
+            <a:bodyPr rtlCol="0" anchor="ctr"/>
+            <a:lstStyle/>
+            <a:p>
+              <a:pPr algn="ctr"/>
+              <a:endParaRPr lang="ko-KR" altLang="en-US"/>
+            </a:p>
+          </p:txBody>
+        </p:sp>
+      </p:grpSp>
+      <p:grpSp>
+        <p:nvGrpSpPr>
+          <p:cNvPr id="24" name="그룹 23"/>
+          <p:cNvGrpSpPr/>
+          <p:nvPr/>
+        </p:nvGrpSpPr>
+        <p:grpSpPr>
+          <a:xfrm>
+            <a:off x="4535370" y="7249016"/>
+            <a:ext cx="8485422" cy="2610871"/>
+            <a:chOff x="4535370" y="7249016"/>
+            <a:chExt cx="8485422" cy="2610871"/>
+          </a:xfrm>
+        </p:grpSpPr>
+        <p:pic>
+          <p:nvPicPr>
+            <p:cNvPr id="19" name="그림 18"/>
+            <p:cNvPicPr>
+              <a:picLocks noChangeAspect="1"/>
+            </p:cNvPicPr>
+            <p:nvPr/>
+          </p:nvPicPr>
+          <p:blipFill>
+            <a:blip r:embed="rId5"/>
+            <a:stretch>
+              <a:fillRect/>
+            </a:stretch>
+          </p:blipFill>
+          <p:spPr>
+            <a:xfrm>
+              <a:off x="4535370" y="7249016"/>
+              <a:ext cx="8485422" cy="2210761"/>
+            </a:xfrm>
+            <a:prstGeom prst="rect">
+              <a:avLst/>
+            </a:prstGeom>
+          </p:spPr>
+        </p:pic>
+        <p:sp>
+          <p:nvSpPr>
+            <p:cNvPr id="20" name="TextBox 19"/>
+            <p:cNvSpPr txBox="1"/>
+            <p:nvPr/>
+          </p:nvSpPr>
+          <p:spPr>
+            <a:xfrm>
+              <a:off x="7078738" y="9459777"/>
+              <a:ext cx="3398687" cy="400110"/>
+            </a:xfrm>
+            <a:prstGeom prst="rect">
+              <a:avLst/>
+            </a:prstGeom>
+          </p:spPr>
+          <p:txBody>
+            <a:bodyPr wrap="none" rtlCol="0">
+              <a:spAutoFit/>
+            </a:bodyPr>
+            <a:lstStyle/>
+            <a:p>
+              <a:pPr algn="ctr"/>
+              <a:r>
+                <a:rPr lang="en-US" altLang="ko-KR" sz="2000" b="1" smtClean="0">
+                  <a:latin typeface="LG스마트체2.0 Regular" panose="020B0600000101010101" pitchFamily="50" charset="-127"/>
+                  <a:ea typeface="LG스마트체2.0 Regular" panose="020B0600000101010101" pitchFamily="50" charset="-127"/>
+                </a:rPr>
+                <a:t>Blocked based delay concept</a:t>
+              </a:r>
+              <a:endParaRPr lang="ko-KR" altLang="en-US" sz="2000" b="1">
+                <a:latin typeface="LG스마트체2.0 Regular" panose="020B0600000101010101" pitchFamily="50" charset="-127"/>
+                <a:ea typeface="LG스마트체2.0 Regular" panose="020B0600000101010101" pitchFamily="50" charset="-127"/>
+              </a:endParaRPr>
+            </a:p>
+          </p:txBody>
+        </p:sp>
+      </p:grpSp>
+      <p:sp>
+        <p:nvSpPr>
+          <p:cNvPr id="25" name="TextBox 24"/>
+          <p:cNvSpPr txBox="1"/>
+          <p:nvPr/>
+        </p:nvSpPr>
+        <p:spPr>
+          <a:xfrm>
+            <a:off x="12212251" y="3034174"/>
+            <a:ext cx="3967754" cy="400110"/>
+          </a:xfrm>
+          <a:prstGeom prst="rect">
+            <a:avLst/>
+          </a:prstGeom>
+        </p:spPr>
+        <p:txBody>
+          <a:bodyPr wrap="none" rtlCol="0">
+            <a:spAutoFit/>
+          </a:bodyPr>
+          <a:lstStyle/>
+          <a:p>
+            <a:pPr algn="ctr"/>
+            <a:r>
+              <a:rPr lang="en-US" altLang="ko-KR" sz="2000" b="1" smtClean="0">
+                <a:latin typeface="LG스마트체2.0 Regular" panose="020B0600000101010101" pitchFamily="50" charset="-127"/>
+                <a:ea typeface="LG스마트체2.0 Regular" panose="020B0600000101010101" pitchFamily="50" charset="-127"/>
+              </a:rPr>
+              <a:t>Delay </a:t>
+            </a:r>
+            <a:r>
+              <a:rPr lang="ko-KR" altLang="en-US" sz="2000" b="1" smtClean="0">
+                <a:latin typeface="LG스마트체2.0 Regular" panose="020B0600000101010101" pitchFamily="50" charset="-127"/>
+                <a:ea typeface="LG스마트체2.0 Regular" panose="020B0600000101010101" pitchFamily="50" charset="-127"/>
+              </a:rPr>
+              <a:t>구현을 위한 </a:t>
+            </a:r>
+            <a:r>
+              <a:rPr lang="en-US" altLang="ko-KR" sz="2000" b="1" smtClean="0">
+                <a:latin typeface="LG스마트체2.0 Regular" panose="020B0600000101010101" pitchFamily="50" charset="-127"/>
+                <a:ea typeface="LG스마트체2.0 Regular" panose="020B0600000101010101" pitchFamily="50" charset="-127"/>
+              </a:rPr>
+              <a:t>parameter </a:t>
+            </a:r>
+            <a:r>
+              <a:rPr lang="ko-KR" altLang="en-US" sz="2000" b="1" smtClean="0">
+                <a:latin typeface="LG스마트체2.0 Regular" panose="020B0600000101010101" pitchFamily="50" charset="-127"/>
+                <a:ea typeface="LG스마트체2.0 Regular" panose="020B0600000101010101" pitchFamily="50" charset="-127"/>
+              </a:rPr>
+              <a:t>추가 </a:t>
+            </a:r>
+            <a:endParaRPr lang="ko-KR" altLang="en-US" sz="2000" b="1">
+              <a:latin typeface="LG스마트체2.0 Regular" panose="020B0600000101010101" pitchFamily="50" charset="-127"/>
+              <a:ea typeface="LG스마트체2.0 Regular" panose="020B0600000101010101" pitchFamily="50" charset="-127"/>
+            </a:endParaRPr>
           </a:p>
         </p:txBody>
       </p:sp>
     </p:spTree>
     <p:extLst>
       <p:ext uri="{BB962C8B-B14F-4D97-AF65-F5344CB8AC3E}">
-        <p14:creationId xmlns:p14="http://schemas.microsoft.com/office/powerpoint/2010/main" val="3256740301"/>
+        <p14:creationId xmlns:p14="http://schemas.microsoft.com/office/powerpoint/2010/main" val="4098797690"/>
       </p:ext>
     </p:extLst>
   </p:cSld>
   <p:clrMapOvr>
     <a:masterClrMapping/>
   </p:clrMapOvr>
+  <p:timing>
+    <p:tnLst>
+      <p:par>
+        <p:cTn id="1" dur="indefinite" restart="never" nodeType="tmRoot"/>
+      </p:par>
+    </p:tnLst>
+  </p:timing>
 </p:sld>
 </file>
 
@@ -2744,24 +7042,24 @@
           <a:lstStyle/>
           <a:p>
             <a:r>
-              <a:rPr lang="en-US" altLang="ko-KR" sz="5400" b="1" dirty="0">
+              <a:rPr lang="en-US" altLang="ko-KR" sz="5400" b="1">
                 <a:solidFill>
                   <a:schemeClr val="bg1"/>
                 </a:solidFill>
                 <a:latin typeface="LG스마트체2.0 Regular" panose="020B0600000101010101" pitchFamily="50" charset="-127"/>
                 <a:ea typeface="LG스마트체2.0 Regular" panose="020B0600000101010101" pitchFamily="50" charset="-127"/>
               </a:rPr>
-              <a:t>5. </a:t>
-            </a:r>
-            <a:r>
-              <a:rPr lang="ko-KR" altLang="en-US" sz="5400" b="1" dirty="0">
+              <a:t>3. </a:t>
+            </a:r>
+            <a:r>
+              <a:rPr lang="ko-KR" altLang="en-US" sz="5400" b="1">
                 <a:solidFill>
                   <a:schemeClr val="bg1"/>
                 </a:solidFill>
                 <a:latin typeface="LG스마트체2.0 Regular" panose="020B0600000101010101" pitchFamily="50" charset="-127"/>
                 <a:ea typeface="LG스마트체2.0 Regular" panose="020B0600000101010101" pitchFamily="50" charset="-127"/>
               </a:rPr>
-              <a:t>향후 연구 과제</a:t>
+              <a:t>핵심 기술</a:t>
             </a:r>
           </a:p>
         </p:txBody>
@@ -2774,8 +7072,8 @@
         </p:nvSpPr>
         <p:spPr>
           <a:xfrm>
-            <a:off x="884420" y="2488367"/>
-            <a:ext cx="11092721" cy="1798820"/>
+            <a:off x="0" y="10375067"/>
+            <a:ext cx="17346430" cy="2188564"/>
           </a:xfrm>
           <a:prstGeom prst="rect">
             <a:avLst/>
@@ -2809,86 +7107,54 @@
               <a:buChar char="-"/>
             </a:pPr>
             <a:r>
-              <a:rPr lang="ko-KR" altLang="en-US" sz="3200" b="1" dirty="0">
+              <a:rPr lang="ko-KR" altLang="en-US" sz="3200" b="1">
+                <a:solidFill>
+                  <a:schemeClr val="tx1"/>
+                </a:solidFill>
+              </a:rPr>
+              <a:t>개발에 사용된 가장 </a:t>
+            </a:r>
+            <a:r>
+              <a:rPr lang="ko-KR" altLang="en-US" sz="3200" b="1">
                 <a:solidFill>
                   <a:srgbClr val="FF0000"/>
                 </a:solidFill>
               </a:rPr>
-              <a:t>개발 결과물의 추후 개선점</a:t>
-            </a:r>
-            <a:r>
-              <a:rPr lang="en-US" altLang="ko-KR" sz="3200" b="1" dirty="0">
+              <a:t>핵심적으로 구현된 기술 </a:t>
+            </a:r>
+            <a:r>
+              <a:rPr lang="ko-KR" altLang="en-US" sz="3200" b="1" smtClean="0">
                 <a:solidFill>
                   <a:srgbClr val="FF0000"/>
                 </a:solidFill>
               </a:rPr>
-              <a:t>, </a:t>
-            </a:r>
-            <a:r>
-              <a:rPr lang="ko-KR" altLang="en-US" sz="3200" b="1" dirty="0">
+              <a:t>소개</a:t>
+            </a:r>
+            <a:r>
+              <a:rPr lang="en-US" altLang="ko-KR" sz="3200" b="1" smtClean="0">
                 <a:solidFill>
                   <a:srgbClr val="FF0000"/>
                 </a:solidFill>
               </a:rPr>
-              <a:t>후속 개발 주제 등에 </a:t>
-            </a:r>
-            <a:r>
-              <a:rPr lang="ko-KR" altLang="en-US" sz="3200" b="1">
+              <a:t>(PJT </a:t>
+            </a:r>
+            <a:r>
+              <a:rPr lang="ko-KR" altLang="en-US" sz="3200" b="1" smtClean="0">
                 <a:solidFill>
                   <a:srgbClr val="FF0000"/>
                 </a:solidFill>
               </a:rPr>
-              <a:t>대한 </a:t>
-            </a:r>
-            <a:r>
-              <a:rPr lang="ko-KR" altLang="en-US" sz="3200" b="1" smtClean="0">
+              <a:t>일정에 나와있는거 소개</a:t>
+            </a:r>
+            <a:r>
+              <a:rPr lang="en-US" altLang="ko-KR" sz="3200" b="1" smtClean="0">
                 <a:solidFill>
                   <a:srgbClr val="FF0000"/>
                 </a:solidFill>
               </a:rPr>
-              <a:t>내용</a:t>
-            </a:r>
-            <a:r>
-              <a:rPr lang="en-US" altLang="ko-KR" sz="3200" b="1" dirty="0" smtClean="0">
-                <a:solidFill>
-                  <a:srgbClr val="FF0000"/>
-                </a:solidFill>
-              </a:rPr>
-              <a:t>(</a:t>
-            </a:r>
-            <a:r>
-              <a:rPr lang="ko-KR" altLang="en-US" sz="3200" b="1" smtClean="0">
-                <a:solidFill>
-                  <a:srgbClr val="FF0000"/>
-                </a:solidFill>
-              </a:rPr>
-              <a:t>현재 상용 </a:t>
-            </a:r>
-            <a:r>
-              <a:rPr lang="en-US" altLang="ko-KR" sz="3200" b="1" dirty="0" smtClean="0">
-                <a:solidFill>
-                  <a:srgbClr val="FF0000"/>
-                </a:solidFill>
-              </a:rPr>
-              <a:t>RTOS </a:t>
-            </a:r>
-            <a:r>
-              <a:rPr lang="ko-KR" altLang="en-US" sz="3200" b="1" smtClean="0">
-                <a:solidFill>
-                  <a:srgbClr val="FF0000"/>
-                </a:solidFill>
-              </a:rPr>
-              <a:t>기능 몇 개 찾아서 추가하면 됨</a:t>
-            </a:r>
-            <a:r>
-              <a:rPr lang="en-US" altLang="ko-KR" sz="3200" b="1" dirty="0" smtClean="0">
-                <a:solidFill>
-                  <a:srgbClr val="FF0000"/>
-                </a:solidFill>
-              </a:rPr>
               <a:t>)</a:t>
             </a:r>
-            <a:endParaRPr lang="en-US" altLang="ko-KR" sz="3200" b="1" dirty="0">
+            <a:endParaRPr lang="en-US" altLang="ko-KR" sz="3200" b="1">
               <a:solidFill>
                 <a:srgbClr val="FF0000"/>
               </a:solidFill>
@@ -2900,49 +7166,1217 @@
               <a:buChar char="-"/>
             </a:pPr>
             <a:r>
-              <a:rPr lang="ko-KR" altLang="en-US" sz="3200" b="1" dirty="0">
+              <a:rPr lang="ko-KR" altLang="en-US" sz="3200" b="1">
                 <a:solidFill>
                   <a:schemeClr val="tx1"/>
                 </a:solidFill>
               </a:rPr>
-              <a:t>가급적 </a:t>
-            </a:r>
-            <a:r>
-              <a:rPr lang="en-US" altLang="ko-KR" sz="3200" b="1" dirty="0">
+              <a:t>기술 내용 또는 소스코드 등 다양한 방법으로 </a:t>
+            </a:r>
+            <a:r>
+              <a:rPr lang="ko-KR" altLang="en-US" sz="3200" b="1">
+                <a:solidFill>
+                  <a:srgbClr val="FF0000"/>
+                </a:solidFill>
+              </a:rPr>
+              <a:t>핵심을 </a:t>
+            </a:r>
+            <a:r>
+              <a:rPr lang="ko-KR" altLang="en-US" sz="3200" b="1" smtClean="0">
+                <a:solidFill>
+                  <a:srgbClr val="FF0000"/>
+                </a:solidFill>
+              </a:rPr>
+              <a:t>소개</a:t>
+            </a:r>
+            <a:r>
+              <a:rPr lang="en-US" altLang="ko-KR" sz="3200" b="1" smtClean="0">
+                <a:solidFill>
+                  <a:srgbClr val="FF0000"/>
+                </a:solidFill>
+              </a:rPr>
+              <a:t>(</a:t>
+            </a:r>
+            <a:r>
+              <a:rPr lang="ko-KR" altLang="en-US" sz="3200" b="1" smtClean="0">
+                <a:solidFill>
+                  <a:srgbClr val="FF0000"/>
+                </a:solidFill>
+              </a:rPr>
+              <a:t>각 부분 주요한 부분 코드 보여주고 대충 설명해</a:t>
+            </a:r>
+            <a:r>
+              <a:rPr lang="en-US" altLang="ko-KR" sz="3200" b="1" smtClean="0">
+                <a:solidFill>
+                  <a:srgbClr val="FF0000"/>
+                </a:solidFill>
+              </a:rPr>
+              <a:t>)</a:t>
+            </a:r>
+            <a:endParaRPr lang="en-US" altLang="ko-KR" sz="3200" b="1">
+              <a:solidFill>
+                <a:srgbClr val="FF0000"/>
+              </a:solidFill>
+            </a:endParaRPr>
+          </a:p>
+          <a:p>
+            <a:pPr marL="457200" indent="-457200">
+              <a:buFontTx/>
+              <a:buChar char="-"/>
+            </a:pPr>
+            <a:r>
+              <a:rPr lang="ko-KR" altLang="en-US" sz="3200" b="1">
                 <a:solidFill>
                   <a:schemeClr val="tx1"/>
                 </a:solidFill>
               </a:rPr>
-              <a:t>1</a:t>
-            </a:r>
-            <a:r>
-              <a:rPr lang="ko-KR" altLang="en-US" sz="3200" b="1">
+              <a:t>페이지 수 </a:t>
+            </a:r>
+            <a:r>
+              <a:rPr lang="ko-KR" altLang="en-US" sz="3200" b="1" err="1" smtClean="0">
                 <a:solidFill>
                   <a:schemeClr val="tx1"/>
                 </a:solidFill>
               </a:rPr>
-              <a:t>페이지로 </a:t>
-            </a:r>
-            <a:r>
-              <a:rPr lang="ko-KR" altLang="en-US" sz="3200" b="1" smtClean="0">
-                <a:solidFill>
-                  <a:schemeClr val="tx1"/>
-                </a:solidFill>
-              </a:rPr>
-              <a:t>요약</a:t>
-            </a:r>
-            <a:r>
-              <a:rPr lang="ko-KR" altLang="en-US" sz="3200" b="1" smtClean="0">
-                <a:solidFill>
-                  <a:schemeClr val="tx1"/>
-                </a:solidFill>
-              </a:rPr>
-              <a:t>ㅇㅋ</a:t>
-            </a:r>
-            <a:endParaRPr lang="ko-KR" altLang="en-US" sz="3200" b="1" dirty="0">
+              <a:t>무관ㅇㅋ</a:t>
+            </a:r>
+            <a:endParaRPr lang="ko-KR" altLang="en-US" sz="3200" b="1">
               <a:solidFill>
                 <a:schemeClr val="tx1"/>
               </a:solidFill>
+            </a:endParaRPr>
+          </a:p>
+        </p:txBody>
+      </p:sp>
+      <p:sp>
+        <p:nvSpPr>
+          <p:cNvPr id="4" name="TextBox 3"/>
+          <p:cNvSpPr txBox="1"/>
+          <p:nvPr/>
+        </p:nvSpPr>
+        <p:spPr>
+          <a:xfrm>
+            <a:off x="737675" y="1800664"/>
+            <a:ext cx="12793887" cy="6124754"/>
+          </a:xfrm>
+          <a:prstGeom prst="rect">
+            <a:avLst/>
+          </a:prstGeom>
+          <a:noFill/>
+        </p:spPr>
+        <p:txBody>
+          <a:bodyPr wrap="none" rtlCol="0">
+            <a:spAutoFit/>
+          </a:bodyPr>
+          <a:lstStyle/>
+          <a:p>
+            <a:pPr marL="285750" indent="-285750">
+              <a:buFont typeface="Arial" panose="020B0604020202020204" pitchFamily="34" charset="0"/>
+              <a:buChar char="•"/>
+            </a:pPr>
+            <a:r>
+              <a:rPr lang="en-US" altLang="ko-KR" sz="2400" b="1" smtClean="0">
+                <a:latin typeface="LG스마트체2.0 Regular" panose="020B0600000101010101" pitchFamily="50" charset="-127"/>
+                <a:ea typeface="LG스마트체2.0 Regular" panose="020B0600000101010101" pitchFamily="50" charset="-127"/>
+              </a:rPr>
+              <a:t>Signaling &amp; Queue</a:t>
+            </a:r>
+          </a:p>
+          <a:p>
+            <a:pPr marL="800100" lvl="1" indent="-342900">
+              <a:buFont typeface="Wingdings" panose="05000000000000000000" pitchFamily="2" charset="2"/>
+              <a:buChar char="Ø"/>
+            </a:pPr>
+            <a:r>
+              <a:rPr lang="en-US" altLang="ko-KR" sz="2000" smtClean="0">
+                <a:latin typeface="LG스마트체2.0 Regular" panose="020B0600000101010101" pitchFamily="50" charset="-127"/>
+                <a:ea typeface="LG스마트체2.0 Regular" panose="020B0600000101010101" pitchFamily="50" charset="-127"/>
+              </a:rPr>
+              <a:t>TCB </a:t>
+            </a:r>
+            <a:r>
+              <a:rPr lang="ko-KR" altLang="en-US" sz="2000" smtClean="0">
+                <a:latin typeface="LG스마트체2.0 Regular" panose="020B0600000101010101" pitchFamily="50" charset="-127"/>
+                <a:ea typeface="LG스마트체2.0 Regular" panose="020B0600000101010101" pitchFamily="50" charset="-127"/>
+              </a:rPr>
+              <a:t>구조체에서 </a:t>
+            </a:r>
+            <a:r>
+              <a:rPr lang="en-US" altLang="ko-KR" sz="2000" smtClean="0">
+                <a:latin typeface="LG스마트체2.0 Regular" panose="020B0600000101010101" pitchFamily="50" charset="-127"/>
+                <a:ea typeface="LG스마트체2.0 Regular" panose="020B0600000101010101" pitchFamily="50" charset="-127"/>
+              </a:rPr>
+              <a:t>signal_flag</a:t>
+            </a:r>
+            <a:r>
+              <a:rPr lang="ko-KR" altLang="en-US" sz="2000" smtClean="0">
+                <a:latin typeface="LG스마트체2.0 Regular" panose="020B0600000101010101" pitchFamily="50" charset="-127"/>
+                <a:ea typeface="LG스마트체2.0 Regular" panose="020B0600000101010101" pitchFamily="50" charset="-127"/>
+              </a:rPr>
+              <a:t>를 통한 </a:t>
+            </a:r>
+            <a:r>
+              <a:rPr lang="en-US" altLang="ko-KR" sz="2000" smtClean="0">
+                <a:latin typeface="LG스마트체2.0 Regular" panose="020B0600000101010101" pitchFamily="50" charset="-127"/>
+                <a:ea typeface="LG스마트체2.0 Regular" panose="020B0600000101010101" pitchFamily="50" charset="-127"/>
+              </a:rPr>
+              <a:t>signaling </a:t>
+            </a:r>
+            <a:r>
+              <a:rPr lang="ko-KR" altLang="en-US" sz="2000" smtClean="0">
+                <a:latin typeface="LG스마트체2.0 Regular" panose="020B0600000101010101" pitchFamily="50" charset="-127"/>
+                <a:ea typeface="LG스마트체2.0 Regular" panose="020B0600000101010101" pitchFamily="50" charset="-127"/>
+              </a:rPr>
+              <a:t>구현</a:t>
+            </a:r>
+            <a:endParaRPr lang="en-US" altLang="ko-KR" sz="2000" smtClean="0">
+              <a:latin typeface="LG스마트체2.0 Regular" panose="020B0600000101010101" pitchFamily="50" charset="-127"/>
+              <a:ea typeface="LG스마트체2.0 Regular" panose="020B0600000101010101" pitchFamily="50" charset="-127"/>
+            </a:endParaRPr>
+          </a:p>
+          <a:p>
+            <a:pPr marL="1257300" lvl="2" indent="-342900">
+              <a:buFont typeface="Wingdings" panose="05000000000000000000" pitchFamily="2" charset="2"/>
+              <a:buChar char="ü"/>
+            </a:pPr>
+            <a:r>
+              <a:rPr lang="en-US" altLang="ko-KR" sz="2000" smtClean="0">
+                <a:latin typeface="LG스마트체2.0 Regular" panose="020B0600000101010101" pitchFamily="50" charset="-127"/>
+                <a:ea typeface="LG스마트체2.0 Regular" panose="020B0600000101010101" pitchFamily="50" charset="-127"/>
+              </a:rPr>
+              <a:t>signal_flag</a:t>
+            </a:r>
+            <a:r>
+              <a:rPr lang="ko-KR" altLang="en-US" sz="2000" smtClean="0">
+                <a:latin typeface="LG스마트체2.0 Regular" panose="020B0600000101010101" pitchFamily="50" charset="-127"/>
+                <a:ea typeface="LG스마트체2.0 Regular" panose="020B0600000101010101" pitchFamily="50" charset="-127"/>
+              </a:rPr>
+              <a:t>를 통해 </a:t>
+            </a:r>
+            <a:r>
+              <a:rPr lang="en-US" altLang="ko-KR" sz="2000" smtClean="0">
+                <a:latin typeface="LG스마트체2.0 Regular" panose="020B0600000101010101" pitchFamily="50" charset="-127"/>
+                <a:ea typeface="LG스마트체2.0 Regular" panose="020B0600000101010101" pitchFamily="50" charset="-127"/>
+              </a:rPr>
+              <a:t>signal</a:t>
+            </a:r>
+            <a:r>
+              <a:rPr lang="ko-KR" altLang="en-US" sz="2000" smtClean="0">
+                <a:latin typeface="LG스마트체2.0 Regular" panose="020B0600000101010101" pitchFamily="50" charset="-127"/>
+                <a:ea typeface="LG스마트체2.0 Regular" panose="020B0600000101010101" pitchFamily="50" charset="-127"/>
+              </a:rPr>
+              <a:t>을 정상적으로 수신했는지 확인하고</a:t>
+            </a:r>
+            <a:r>
+              <a:rPr lang="en-US" altLang="ko-KR" sz="2000" smtClean="0">
+                <a:latin typeface="LG스마트체2.0 Regular" panose="020B0600000101010101" pitchFamily="50" charset="-127"/>
+                <a:ea typeface="LG스마트체2.0 Regular" panose="020B0600000101010101" pitchFamily="50" charset="-127"/>
+              </a:rPr>
+              <a:t>, </a:t>
+            </a:r>
+            <a:r>
+              <a:rPr lang="ko-KR" altLang="en-US" sz="2000" smtClean="0">
+                <a:latin typeface="LG스마트체2.0 Regular" panose="020B0600000101010101" pitchFamily="50" charset="-127"/>
+                <a:ea typeface="LG스마트체2.0 Regular" panose="020B0600000101010101" pitchFamily="50" charset="-127"/>
+              </a:rPr>
+              <a:t>정상적으로 수신한 경우 결과를 읽음</a:t>
+            </a:r>
+            <a:endParaRPr lang="en-US" altLang="ko-KR" sz="2000">
+              <a:latin typeface="LG스마트체2.0 Regular" panose="020B0600000101010101" pitchFamily="50" charset="-127"/>
+              <a:ea typeface="LG스마트체2.0 Regular" panose="020B0600000101010101" pitchFamily="50" charset="-127"/>
+            </a:endParaRPr>
+          </a:p>
+          <a:p>
+            <a:pPr marL="1257300" lvl="2" indent="-342900">
+              <a:buFont typeface="Wingdings" panose="05000000000000000000" pitchFamily="2" charset="2"/>
+              <a:buChar char="ü"/>
+            </a:pPr>
+            <a:r>
+              <a:rPr lang="en-US" altLang="ko-KR" sz="2000" smtClean="0">
+                <a:latin typeface="LG스마트체2.0 Regular" panose="020B0600000101010101" pitchFamily="50" charset="-127"/>
+                <a:ea typeface="LG스마트체2.0 Regular" panose="020B0600000101010101" pitchFamily="50" charset="-127"/>
+              </a:rPr>
+              <a:t>Blocked based delay </a:t>
+            </a:r>
+            <a:r>
+              <a:rPr lang="ko-KR" altLang="en-US" sz="2000" smtClean="0">
+                <a:latin typeface="LG스마트체2.0 Regular" panose="020B0600000101010101" pitchFamily="50" charset="-127"/>
+                <a:ea typeface="LG스마트체2.0 Regular" panose="020B0600000101010101" pitchFamily="50" charset="-127"/>
+              </a:rPr>
+              <a:t>기능을 이용해 수신하고자 하는 시간동안 </a:t>
+            </a:r>
+            <a:r>
+              <a:rPr lang="en-US" altLang="ko-KR" sz="2000" smtClean="0">
+                <a:latin typeface="LG스마트체2.0 Regular" panose="020B0600000101010101" pitchFamily="50" charset="-127"/>
+                <a:ea typeface="LG스마트체2.0 Regular" panose="020B0600000101010101" pitchFamily="50" charset="-127"/>
+              </a:rPr>
+              <a:t>task</a:t>
+            </a:r>
+            <a:r>
+              <a:rPr lang="ko-KR" altLang="en-US" sz="2000" smtClean="0">
+                <a:latin typeface="LG스마트체2.0 Regular" panose="020B0600000101010101" pitchFamily="50" charset="-127"/>
+                <a:ea typeface="LG스마트체2.0 Regular" panose="020B0600000101010101" pitchFamily="50" charset="-127"/>
+              </a:rPr>
+              <a:t>는 </a:t>
+            </a:r>
+            <a:r>
+              <a:rPr lang="en-US" altLang="ko-KR" sz="2000" smtClean="0">
+                <a:latin typeface="LG스마트체2.0 Regular" panose="020B0600000101010101" pitchFamily="50" charset="-127"/>
+                <a:ea typeface="LG스마트체2.0 Regular" panose="020B0600000101010101" pitchFamily="50" charset="-127"/>
+              </a:rPr>
+              <a:t>blocked </a:t>
+            </a:r>
+            <a:r>
+              <a:rPr lang="ko-KR" altLang="en-US" sz="2000" smtClean="0">
+                <a:latin typeface="LG스마트체2.0 Regular" panose="020B0600000101010101" pitchFamily="50" charset="-127"/>
+                <a:ea typeface="LG스마트체2.0 Regular" panose="020B0600000101010101" pitchFamily="50" charset="-127"/>
+              </a:rPr>
+              <a:t>상태가 되며</a:t>
+            </a:r>
+            <a:r>
+              <a:rPr lang="en-US" altLang="ko-KR" sz="2000" smtClean="0">
+                <a:latin typeface="LG스마트체2.0 Regular" panose="020B0600000101010101" pitchFamily="50" charset="-127"/>
+                <a:ea typeface="LG스마트체2.0 Regular" panose="020B0600000101010101" pitchFamily="50" charset="-127"/>
+              </a:rPr>
+              <a:t/>
+            </a:r>
+            <a:br>
+              <a:rPr lang="en-US" altLang="ko-KR" sz="2000" smtClean="0">
+                <a:latin typeface="LG스마트체2.0 Regular" panose="020B0600000101010101" pitchFamily="50" charset="-127"/>
+                <a:ea typeface="LG스마트체2.0 Regular" panose="020B0600000101010101" pitchFamily="50" charset="-127"/>
+              </a:rPr>
+            </a:br>
+            <a:r>
+              <a:rPr lang="ko-KR" altLang="en-US" sz="2000" smtClean="0">
+                <a:latin typeface="LG스마트체2.0 Regular" panose="020B0600000101010101" pitchFamily="50" charset="-127"/>
+                <a:ea typeface="LG스마트체2.0 Regular" panose="020B0600000101010101" pitchFamily="50" charset="-127"/>
+              </a:rPr>
+              <a:t>해당 시간에 다른 </a:t>
+            </a:r>
+            <a:r>
+              <a:rPr lang="en-US" altLang="ko-KR" sz="2000" smtClean="0">
+                <a:latin typeface="LG스마트체2.0 Regular" panose="020B0600000101010101" pitchFamily="50" charset="-127"/>
+                <a:ea typeface="LG스마트체2.0 Regular" panose="020B0600000101010101" pitchFamily="50" charset="-127"/>
+              </a:rPr>
+              <a:t>task</a:t>
+            </a:r>
+            <a:r>
+              <a:rPr lang="ko-KR" altLang="en-US" sz="2000" smtClean="0">
+                <a:latin typeface="LG스마트체2.0 Regular" panose="020B0600000101010101" pitchFamily="50" charset="-127"/>
+                <a:ea typeface="LG스마트체2.0 Regular" panose="020B0600000101010101" pitchFamily="50" charset="-127"/>
+              </a:rPr>
+              <a:t>가 </a:t>
+            </a:r>
+            <a:r>
+              <a:rPr lang="en-US" altLang="ko-KR" sz="2000" smtClean="0">
+                <a:latin typeface="LG스마트체2.0 Regular" panose="020B0600000101010101" pitchFamily="50" charset="-127"/>
+                <a:ea typeface="LG스마트체2.0 Regular" panose="020B0600000101010101" pitchFamily="50" charset="-127"/>
+              </a:rPr>
+              <a:t>cpu</a:t>
+            </a:r>
+            <a:r>
+              <a:rPr lang="ko-KR" altLang="en-US" sz="2000" smtClean="0">
+                <a:latin typeface="LG스마트체2.0 Regular" panose="020B0600000101010101" pitchFamily="50" charset="-127"/>
+                <a:ea typeface="LG스마트체2.0 Regular" panose="020B0600000101010101" pitchFamily="50" charset="-127"/>
+              </a:rPr>
+              <a:t>를 할당받아 사용 가능함 </a:t>
+            </a:r>
+            <a:endParaRPr lang="en-US" altLang="ko-KR" sz="2000" smtClean="0">
+              <a:latin typeface="LG스마트체2.0 Regular" panose="020B0600000101010101" pitchFamily="50" charset="-127"/>
+              <a:ea typeface="LG스마트체2.0 Regular" panose="020B0600000101010101" pitchFamily="50" charset="-127"/>
+            </a:endParaRPr>
+          </a:p>
+          <a:p>
+            <a:endParaRPr lang="en-US" altLang="ko-KR" sz="2000">
+              <a:latin typeface="LG스마트체2.0 Regular" panose="020B0600000101010101" pitchFamily="50" charset="-127"/>
+              <a:ea typeface="LG스마트체2.0 Regular" panose="020B0600000101010101" pitchFamily="50" charset="-127"/>
+            </a:endParaRPr>
+          </a:p>
+          <a:p>
+            <a:pPr marL="800100" lvl="1" indent="-342900">
+              <a:buFont typeface="Wingdings" panose="05000000000000000000" pitchFamily="2" charset="2"/>
+              <a:buChar char="ü"/>
+            </a:pPr>
+            <a:endParaRPr lang="en-US" altLang="ko-KR" sz="2000" smtClean="0">
+              <a:latin typeface="LG스마트체2.0 Regular" panose="020B0600000101010101" pitchFamily="50" charset="-127"/>
+              <a:ea typeface="LG스마트체2.0 Regular" panose="020B0600000101010101" pitchFamily="50" charset="-127"/>
+            </a:endParaRPr>
+          </a:p>
+          <a:p>
+            <a:pPr marL="800100" lvl="1" indent="-342900">
+              <a:buFont typeface="Wingdings" panose="05000000000000000000" pitchFamily="2" charset="2"/>
+              <a:buChar char="ü"/>
+            </a:pPr>
+            <a:endParaRPr lang="en-US" altLang="ko-KR" sz="2000">
+              <a:latin typeface="LG스마트체2.0 Regular" panose="020B0600000101010101" pitchFamily="50" charset="-127"/>
+              <a:ea typeface="LG스마트체2.0 Regular" panose="020B0600000101010101" pitchFamily="50" charset="-127"/>
+            </a:endParaRPr>
+          </a:p>
+          <a:p>
+            <a:pPr marL="800100" lvl="1" indent="-342900">
+              <a:buFont typeface="Wingdings" panose="05000000000000000000" pitchFamily="2" charset="2"/>
+              <a:buChar char="ü"/>
+            </a:pPr>
+            <a:endParaRPr lang="en-US" altLang="ko-KR" sz="2000" smtClean="0">
+              <a:latin typeface="LG스마트체2.0 Regular" panose="020B0600000101010101" pitchFamily="50" charset="-127"/>
+              <a:ea typeface="LG스마트체2.0 Regular" panose="020B0600000101010101" pitchFamily="50" charset="-127"/>
+            </a:endParaRPr>
+          </a:p>
+          <a:p>
+            <a:pPr marL="800100" lvl="1" indent="-342900">
+              <a:buFont typeface="Wingdings" panose="05000000000000000000" pitchFamily="2" charset="2"/>
+              <a:buChar char="Ø"/>
+            </a:pPr>
+            <a:r>
+              <a:rPr lang="en-US" altLang="ko-KR" sz="2000" smtClean="0">
+                <a:latin typeface="LG스마트체2.0 Regular" panose="020B0600000101010101" pitchFamily="50" charset="-127"/>
+                <a:ea typeface="LG스마트체2.0 Regular" panose="020B0600000101010101" pitchFamily="50" charset="-127"/>
+              </a:rPr>
+              <a:t>Queue </a:t>
+            </a:r>
+            <a:r>
+              <a:rPr lang="ko-KR" altLang="en-US" sz="2000" smtClean="0">
+                <a:latin typeface="LG스마트체2.0 Regular" panose="020B0600000101010101" pitchFamily="50" charset="-127"/>
+                <a:ea typeface="LG스마트체2.0 Regular" panose="020B0600000101010101" pitchFamily="50" charset="-127"/>
+              </a:rPr>
+              <a:t>구현</a:t>
+            </a:r>
+            <a:endParaRPr lang="en-US" altLang="ko-KR" sz="2000">
+              <a:latin typeface="LG스마트체2.0 Regular" panose="020B0600000101010101" pitchFamily="50" charset="-127"/>
+              <a:ea typeface="LG스마트체2.0 Regular" panose="020B0600000101010101" pitchFamily="50" charset="-127"/>
+            </a:endParaRPr>
+          </a:p>
+          <a:p>
+            <a:pPr marL="1257300" lvl="2" indent="-342900">
+              <a:buFont typeface="Wingdings" panose="05000000000000000000" pitchFamily="2" charset="2"/>
+              <a:buChar char="ü"/>
+            </a:pPr>
+            <a:r>
+              <a:rPr lang="en-US" altLang="ko-KR" sz="2000" smtClean="0">
+                <a:latin typeface="LG스마트체2.0 Regular" panose="020B0600000101010101" pitchFamily="50" charset="-127"/>
+                <a:ea typeface="LG스마트체2.0 Regular" panose="020B0600000101010101" pitchFamily="50" charset="-127"/>
+              </a:rPr>
+              <a:t>Queue</a:t>
+            </a:r>
+            <a:r>
+              <a:rPr lang="ko-KR" altLang="en-US" sz="2000" smtClean="0">
+                <a:latin typeface="LG스마트체2.0 Regular" panose="020B0600000101010101" pitchFamily="50" charset="-127"/>
+                <a:ea typeface="LG스마트체2.0 Regular" panose="020B0600000101010101" pitchFamily="50" charset="-127"/>
+              </a:rPr>
+              <a:t>를 이용하여 입력된 </a:t>
+            </a:r>
+            <a:r>
+              <a:rPr lang="en-US" altLang="ko-KR" sz="2000" smtClean="0">
+                <a:latin typeface="LG스마트체2.0 Regular" panose="020B0600000101010101" pitchFamily="50" charset="-127"/>
+                <a:ea typeface="LG스마트체2.0 Regular" panose="020B0600000101010101" pitchFamily="50" charset="-127"/>
+              </a:rPr>
+              <a:t>data</a:t>
+            </a:r>
+            <a:r>
+              <a:rPr lang="ko-KR" altLang="en-US" sz="2000" smtClean="0">
+                <a:latin typeface="LG스마트체2.0 Regular" panose="020B0600000101010101" pitchFamily="50" charset="-127"/>
+                <a:ea typeface="LG스마트체2.0 Regular" panose="020B0600000101010101" pitchFamily="50" charset="-127"/>
+              </a:rPr>
+              <a:t>를 순차적으로 저장하고 출력함</a:t>
+            </a:r>
+            <a:endParaRPr lang="en-US" altLang="ko-KR" sz="2000" smtClean="0">
+              <a:latin typeface="LG스마트체2.0 Regular" panose="020B0600000101010101" pitchFamily="50" charset="-127"/>
+              <a:ea typeface="LG스마트체2.0 Regular" panose="020B0600000101010101" pitchFamily="50" charset="-127"/>
+            </a:endParaRPr>
+          </a:p>
+          <a:p>
+            <a:pPr marL="1257300" lvl="2" indent="-342900">
+              <a:buFont typeface="Wingdings" panose="05000000000000000000" pitchFamily="2" charset="2"/>
+              <a:buChar char="ü"/>
+            </a:pPr>
+            <a:r>
+              <a:rPr lang="en-US" altLang="ko-KR" sz="2000" smtClean="0">
+                <a:latin typeface="LG스마트체2.0 Regular" panose="020B0600000101010101" pitchFamily="50" charset="-127"/>
+                <a:ea typeface="LG스마트체2.0 Regular" panose="020B0600000101010101" pitchFamily="50" charset="-127"/>
+              </a:rPr>
+              <a:t>Queue</a:t>
+            </a:r>
+            <a:r>
+              <a:rPr lang="ko-KR" altLang="en-US" sz="2000" smtClean="0">
+                <a:latin typeface="LG스마트체2.0 Regular" panose="020B0600000101010101" pitchFamily="50" charset="-127"/>
+                <a:ea typeface="LG스마트체2.0 Regular" panose="020B0600000101010101" pitchFamily="50" charset="-127"/>
+              </a:rPr>
+              <a:t>의 저장될 </a:t>
+            </a:r>
+            <a:r>
+              <a:rPr lang="en-US" altLang="ko-KR" sz="2000" smtClean="0">
+                <a:latin typeface="LG스마트체2.0 Regular" panose="020B0600000101010101" pitchFamily="50" charset="-127"/>
+                <a:ea typeface="LG스마트체2.0 Regular" panose="020B0600000101010101" pitchFamily="50" charset="-127"/>
+              </a:rPr>
+              <a:t>data size</a:t>
+            </a:r>
+            <a:r>
+              <a:rPr lang="ko-KR" altLang="en-US" sz="2000" smtClean="0">
+                <a:latin typeface="LG스마트체2.0 Regular" panose="020B0600000101010101" pitchFamily="50" charset="-127"/>
+                <a:ea typeface="LG스마트체2.0 Regular" panose="020B0600000101010101" pitchFamily="50" charset="-127"/>
+              </a:rPr>
+              <a:t>를 </a:t>
+            </a:r>
+            <a:r>
+              <a:rPr lang="en-US" altLang="ko-KR" sz="2000" smtClean="0">
+                <a:latin typeface="LG스마트체2.0 Regular" panose="020B0600000101010101" pitchFamily="50" charset="-127"/>
+                <a:ea typeface="LG스마트체2.0 Regular" panose="020B0600000101010101" pitchFamily="50" charset="-127"/>
+              </a:rPr>
+              <a:t>parameter</a:t>
+            </a:r>
+            <a:r>
+              <a:rPr lang="ko-KR" altLang="en-US" sz="2000" smtClean="0">
+                <a:latin typeface="LG스마트체2.0 Regular" panose="020B0600000101010101" pitchFamily="50" charset="-127"/>
+                <a:ea typeface="LG스마트체2.0 Regular" panose="020B0600000101010101" pitchFamily="50" charset="-127"/>
+              </a:rPr>
+              <a:t>로 하여 다양한 </a:t>
+            </a:r>
+            <a:r>
+              <a:rPr lang="en-US" altLang="ko-KR" sz="2000" smtClean="0">
+                <a:latin typeface="LG스마트체2.0 Regular" panose="020B0600000101010101" pitchFamily="50" charset="-127"/>
+                <a:ea typeface="LG스마트체2.0 Regular" panose="020B0600000101010101" pitchFamily="50" charset="-127"/>
+              </a:rPr>
+              <a:t>data type</a:t>
+            </a:r>
+            <a:r>
+              <a:rPr lang="ko-KR" altLang="en-US" sz="2000" smtClean="0">
+                <a:latin typeface="LG스마트체2.0 Regular" panose="020B0600000101010101" pitchFamily="50" charset="-127"/>
+                <a:ea typeface="LG스마트체2.0 Regular" panose="020B0600000101010101" pitchFamily="50" charset="-127"/>
+              </a:rPr>
+              <a:t>을 지원</a:t>
+            </a:r>
+            <a:r>
+              <a:rPr lang="ko-KR" altLang="en-US" sz="2000" smtClean="0">
+                <a:latin typeface="LG스마트체2.0 Regular" panose="020B0600000101010101" pitchFamily="50" charset="-127"/>
+                <a:ea typeface="LG스마트체2.0 Regular" panose="020B0600000101010101" pitchFamily="50" charset="-127"/>
+              </a:rPr>
+              <a:t>함</a:t>
+            </a:r>
+            <a:endParaRPr lang="en-US" altLang="ko-KR" sz="2000" smtClean="0">
+              <a:latin typeface="LG스마트체2.0 Regular" panose="020B0600000101010101" pitchFamily="50" charset="-127"/>
+              <a:ea typeface="LG스마트체2.0 Regular" panose="020B0600000101010101" pitchFamily="50" charset="-127"/>
+            </a:endParaRPr>
+          </a:p>
+          <a:p>
+            <a:pPr marL="1257300" lvl="2" indent="-342900">
+              <a:buFont typeface="Wingdings" panose="05000000000000000000" pitchFamily="2" charset="2"/>
+              <a:buChar char="ü"/>
+            </a:pPr>
+            <a:r>
+              <a:rPr lang="en-US" altLang="ko-KR" sz="2000" smtClean="0">
+                <a:latin typeface="LG스마트체2.0 Regular" panose="020B0600000101010101" pitchFamily="50" charset="-127"/>
+                <a:ea typeface="LG스마트체2.0 Regular" panose="020B0600000101010101" pitchFamily="50" charset="-127"/>
+              </a:rPr>
+              <a:t>signal_flag</a:t>
+            </a:r>
+            <a:r>
+              <a:rPr lang="ko-KR" altLang="en-US" sz="2000" smtClean="0">
+                <a:latin typeface="LG스마트체2.0 Regular" panose="020B0600000101010101" pitchFamily="50" charset="-127"/>
+                <a:ea typeface="LG스마트체2.0 Regular" panose="020B0600000101010101" pitchFamily="50" charset="-127"/>
+              </a:rPr>
+              <a:t>를 이용해 예외처리</a:t>
+            </a:r>
+            <a:r>
+              <a:rPr lang="en-US" altLang="ko-KR" sz="2000" smtClean="0">
+                <a:latin typeface="LG스마트체2.0 Regular" panose="020B0600000101010101" pitchFamily="50" charset="-127"/>
+                <a:ea typeface="LG스마트체2.0 Regular" panose="020B0600000101010101" pitchFamily="50" charset="-127"/>
+              </a:rPr>
+              <a:t>(timeout, queue</a:t>
+            </a:r>
+            <a:r>
+              <a:rPr lang="ko-KR" altLang="en-US" sz="2000" smtClean="0">
+                <a:latin typeface="LG스마트체2.0 Regular" panose="020B0600000101010101" pitchFamily="50" charset="-127"/>
+                <a:ea typeface="LG스마트체2.0 Regular" panose="020B0600000101010101" pitchFamily="50" charset="-127"/>
+              </a:rPr>
+              <a:t>에 접근 </a:t>
+            </a:r>
+            <a:r>
+              <a:rPr lang="en-US" altLang="ko-KR" sz="2000" smtClean="0">
+                <a:latin typeface="LG스마트체2.0 Regular" panose="020B0600000101010101" pitchFamily="50" charset="-127"/>
+                <a:ea typeface="LG스마트체2.0 Regular" panose="020B0600000101010101" pitchFamily="50" charset="-127"/>
+              </a:rPr>
+              <a:t>task </a:t>
+            </a:r>
+            <a:r>
+              <a:rPr lang="ko-KR" altLang="en-US" sz="2000" smtClean="0">
+                <a:latin typeface="LG스마트체2.0 Regular" panose="020B0600000101010101" pitchFamily="50" charset="-127"/>
+                <a:ea typeface="LG스마트체2.0 Regular" panose="020B0600000101010101" pitchFamily="50" charset="-127"/>
+              </a:rPr>
+              <a:t>권한 확인</a:t>
+            </a:r>
+            <a:r>
+              <a:rPr lang="en-US" altLang="ko-KR" sz="2000" smtClean="0">
+                <a:latin typeface="LG스마트체2.0 Regular" panose="020B0600000101010101" pitchFamily="50" charset="-127"/>
+                <a:ea typeface="LG스마트체2.0 Regular" panose="020B0600000101010101" pitchFamily="50" charset="-127"/>
+              </a:rPr>
+              <a:t>, queue</a:t>
+            </a:r>
+            <a:r>
+              <a:rPr lang="ko-KR" altLang="en-US" sz="2000" smtClean="0">
+                <a:latin typeface="LG스마트체2.0 Regular" panose="020B0600000101010101" pitchFamily="50" charset="-127"/>
+                <a:ea typeface="LG스마트체2.0 Regular" panose="020B0600000101010101" pitchFamily="50" charset="-127"/>
+              </a:rPr>
+              <a:t>의 타입확인 등</a:t>
+            </a:r>
+            <a:r>
+              <a:rPr lang="en-US" altLang="ko-KR" sz="2000" smtClean="0">
+                <a:latin typeface="LG스마트체2.0 Regular" panose="020B0600000101010101" pitchFamily="50" charset="-127"/>
+                <a:ea typeface="LG스마트체2.0 Regular" panose="020B0600000101010101" pitchFamily="50" charset="-127"/>
+              </a:rPr>
+              <a:t>)</a:t>
+            </a:r>
+            <a:r>
+              <a:rPr lang="ko-KR" altLang="en-US" sz="2000" smtClean="0">
+                <a:latin typeface="LG스마트체2.0 Regular" panose="020B0600000101010101" pitchFamily="50" charset="-127"/>
+                <a:ea typeface="LG스마트체2.0 Regular" panose="020B0600000101010101" pitchFamily="50" charset="-127"/>
+              </a:rPr>
+              <a:t>를 진행하고</a:t>
+            </a:r>
+            <a:r>
+              <a:rPr lang="en-US" altLang="ko-KR" sz="2000" smtClean="0">
+                <a:latin typeface="LG스마트체2.0 Regular" panose="020B0600000101010101" pitchFamily="50" charset="-127"/>
+                <a:ea typeface="LG스마트체2.0 Regular" panose="020B0600000101010101" pitchFamily="50" charset="-127"/>
+              </a:rPr>
+              <a:t>,</a:t>
+            </a:r>
+            <a:r>
+              <a:rPr lang="en-US" altLang="ko-KR" sz="2000">
+                <a:latin typeface="LG스마트체2.0 Regular" panose="020B0600000101010101" pitchFamily="50" charset="-127"/>
+                <a:ea typeface="LG스마트체2.0 Regular" panose="020B0600000101010101" pitchFamily="50" charset="-127"/>
+              </a:rPr>
+              <a:t/>
+            </a:r>
+            <a:br>
+              <a:rPr lang="en-US" altLang="ko-KR" sz="2000">
+                <a:latin typeface="LG스마트체2.0 Regular" panose="020B0600000101010101" pitchFamily="50" charset="-127"/>
+                <a:ea typeface="LG스마트체2.0 Regular" panose="020B0600000101010101" pitchFamily="50" charset="-127"/>
+              </a:rPr>
+            </a:br>
+            <a:r>
+              <a:rPr lang="ko-KR" altLang="en-US" sz="2000" smtClean="0">
+                <a:latin typeface="LG스마트체2.0 Regular" panose="020B0600000101010101" pitchFamily="50" charset="-127"/>
+                <a:ea typeface="LG스마트체2.0 Regular" panose="020B0600000101010101" pitchFamily="50" charset="-127"/>
+              </a:rPr>
+              <a:t>정상적으로 수신한 경우 결과를 읽음</a:t>
+            </a:r>
+            <a:endParaRPr lang="en-US" altLang="ko-KR" sz="2000" smtClean="0">
+              <a:latin typeface="LG스마트체2.0 Regular" panose="020B0600000101010101" pitchFamily="50" charset="-127"/>
+              <a:ea typeface="LG스마트체2.0 Regular" panose="020B0600000101010101" pitchFamily="50" charset="-127"/>
+            </a:endParaRPr>
+          </a:p>
+          <a:p>
+            <a:pPr marL="1257300" lvl="2" indent="-342900">
+              <a:buFont typeface="Wingdings" panose="05000000000000000000" pitchFamily="2" charset="2"/>
+              <a:buChar char="ü"/>
+            </a:pPr>
+            <a:endParaRPr lang="en-US" altLang="ko-KR" sz="2000">
+              <a:latin typeface="LG스마트체2.0 Regular" panose="020B0600000101010101" pitchFamily="50" charset="-127"/>
+              <a:ea typeface="LG스마트체2.0 Regular" panose="020B0600000101010101" pitchFamily="50" charset="-127"/>
+            </a:endParaRPr>
+          </a:p>
+          <a:p>
+            <a:pPr marL="1257300" lvl="2" indent="-342900">
+              <a:buFont typeface="Wingdings" panose="05000000000000000000" pitchFamily="2" charset="2"/>
+              <a:buChar char="ü"/>
+            </a:pPr>
+            <a:endParaRPr lang="en-US" altLang="ko-KR" sz="2000" smtClean="0">
+              <a:latin typeface="LG스마트체2.0 Regular" panose="020B0600000101010101" pitchFamily="50" charset="-127"/>
+              <a:ea typeface="LG스마트체2.0 Regular" panose="020B0600000101010101" pitchFamily="50" charset="-127"/>
+            </a:endParaRPr>
+          </a:p>
+          <a:p>
+            <a:pPr marL="1257300" lvl="2" indent="-342900">
+              <a:buFont typeface="Wingdings" panose="05000000000000000000" pitchFamily="2" charset="2"/>
+              <a:buChar char="ü"/>
+            </a:pPr>
+            <a:endParaRPr lang="en-US" altLang="ko-KR" sz="2000">
+              <a:latin typeface="LG스마트체2.0 Regular" panose="020B0600000101010101" pitchFamily="50" charset="-127"/>
+              <a:ea typeface="LG스마트체2.0 Regular" panose="020B0600000101010101" pitchFamily="50" charset="-127"/>
+            </a:endParaRPr>
+          </a:p>
+          <a:p>
+            <a:pPr marL="342900" indent="-342900">
+              <a:buFont typeface="Arial" panose="020B0604020202020204" pitchFamily="34" charset="0"/>
+              <a:buChar char="•"/>
+            </a:pPr>
+            <a:endParaRPr lang="en-US" altLang="ko-KR" sz="2400" smtClean="0">
+              <a:latin typeface="LG스마트체2.0 Regular" panose="020B0600000101010101" pitchFamily="50" charset="-127"/>
+              <a:ea typeface="LG스마트체2.0 Regular" panose="020B0600000101010101" pitchFamily="50" charset="-127"/>
+            </a:endParaRPr>
+          </a:p>
+          <a:p>
+            <a:pPr marL="342900" indent="-342900">
+              <a:buFont typeface="Arial" panose="020B0604020202020204" pitchFamily="34" charset="0"/>
+              <a:buChar char="•"/>
+            </a:pPr>
+            <a:endParaRPr lang="en-US" altLang="ko-KR" sz="2400">
+              <a:latin typeface="LG스마트체2.0 Regular" panose="020B0600000101010101" pitchFamily="50" charset="-127"/>
+              <a:ea typeface="LG스마트체2.0 Regular" panose="020B0600000101010101" pitchFamily="50" charset="-127"/>
+            </a:endParaRPr>
+          </a:p>
+        </p:txBody>
+      </p:sp>
+      <p:sp>
+        <p:nvSpPr>
+          <p:cNvPr id="20" name="TextBox 19"/>
+          <p:cNvSpPr txBox="1"/>
+          <p:nvPr/>
+        </p:nvSpPr>
+        <p:spPr>
+          <a:xfrm>
+            <a:off x="14550268" y="7045608"/>
+            <a:ext cx="2140331" cy="400110"/>
+          </a:xfrm>
+          <a:prstGeom prst="rect">
+            <a:avLst/>
+          </a:prstGeom>
+        </p:spPr>
+        <p:txBody>
+          <a:bodyPr wrap="none" rtlCol="0">
+            <a:spAutoFit/>
+          </a:bodyPr>
+          <a:lstStyle/>
+          <a:p>
+            <a:pPr algn="ctr"/>
+            <a:r>
+              <a:rPr lang="en-US" altLang="ko-KR" sz="2000" b="1" smtClean="0">
+                <a:latin typeface="LG스마트체2.0 Regular" panose="020B0600000101010101" pitchFamily="50" charset="-127"/>
+                <a:ea typeface="LG스마트체2.0 Regular" panose="020B0600000101010101" pitchFamily="50" charset="-127"/>
+              </a:rPr>
+              <a:t>Siganling concept</a:t>
+            </a:r>
+            <a:endParaRPr lang="ko-KR" altLang="en-US" sz="2000" b="1">
+              <a:latin typeface="LG스마트체2.0 Regular" panose="020B0600000101010101" pitchFamily="50" charset="-127"/>
+              <a:ea typeface="LG스마트체2.0 Regular" panose="020B0600000101010101" pitchFamily="50" charset="-127"/>
+            </a:endParaRPr>
+          </a:p>
+        </p:txBody>
+      </p:sp>
+      <p:pic>
+        <p:nvPicPr>
+          <p:cNvPr id="1026" name="Picture 2" descr="RTOS Overview and FreeRTOS introduction - Code Inside Out"/>
+          <p:cNvPicPr>
+            <a:picLocks noChangeAspect="1" noChangeArrowheads="1"/>
+          </p:cNvPicPr>
+          <p:nvPr/>
+        </p:nvPicPr>
+        <p:blipFill>
+          <a:blip r:embed="rId2">
+            <a:extLst>
+              <a:ext uri="{28A0092B-C50C-407E-A947-70E740481C1C}">
+                <a14:useLocalDpi xmlns:a14="http://schemas.microsoft.com/office/drawing/2010/main" val="0"/>
+              </a:ext>
+            </a:extLst>
+          </a:blip>
+          <a:srcRect/>
+          <a:stretch>
+            <a:fillRect/>
+          </a:stretch>
+        </p:blipFill>
+        <p:spPr bwMode="auto">
+          <a:xfrm>
+            <a:off x="13831622" y="3230323"/>
+            <a:ext cx="3577623" cy="3812222"/>
+          </a:xfrm>
+          <a:prstGeom prst="rect">
+            <a:avLst/>
+          </a:prstGeom>
+          <a:noFill/>
+          <a:extLst>
+            <a:ext uri="{909E8E84-426E-40DD-AFC4-6F175D3DCCD1}">
+              <a14:hiddenFill xmlns:a14="http://schemas.microsoft.com/office/drawing/2010/main">
+                <a:solidFill>
+                  <a:srgbClr val="FFFFFF"/>
+                </a:solidFill>
+              </a14:hiddenFill>
+            </a:ext>
+          </a:extLst>
+        </p:spPr>
+      </p:pic>
+      <p:grpSp>
+        <p:nvGrpSpPr>
+          <p:cNvPr id="30" name="그룹 29"/>
+          <p:cNvGrpSpPr/>
+          <p:nvPr/>
+        </p:nvGrpSpPr>
+        <p:grpSpPr>
+          <a:xfrm>
+            <a:off x="2516643" y="6332241"/>
+            <a:ext cx="6069664" cy="3106238"/>
+            <a:chOff x="2516643" y="6523950"/>
+            <a:chExt cx="6069664" cy="3106238"/>
+          </a:xfrm>
+        </p:grpSpPr>
+        <p:pic>
+          <p:nvPicPr>
+            <p:cNvPr id="6" name="그림 5"/>
+            <p:cNvPicPr>
+              <a:picLocks noChangeAspect="1"/>
+            </p:cNvPicPr>
+            <p:nvPr/>
+          </p:nvPicPr>
+          <p:blipFill rotWithShape="1">
+            <a:blip r:embed="rId3"/>
+            <a:srcRect b="7367"/>
+            <a:stretch/>
+          </p:blipFill>
+          <p:spPr>
+            <a:xfrm>
+              <a:off x="2516643" y="6523950"/>
+              <a:ext cx="6069664" cy="3106238"/>
+            </a:xfrm>
+            <a:prstGeom prst="rect">
+              <a:avLst/>
+            </a:prstGeom>
+          </p:spPr>
+        </p:pic>
+        <p:sp>
+          <p:nvSpPr>
+            <p:cNvPr id="22" name="직사각형 21"/>
+            <p:cNvSpPr/>
+            <p:nvPr/>
+          </p:nvSpPr>
+          <p:spPr>
+            <a:xfrm>
+              <a:off x="4394026" y="6540293"/>
+              <a:ext cx="1585298" cy="246165"/>
+            </a:xfrm>
+            <a:prstGeom prst="rect">
+              <a:avLst/>
+            </a:prstGeom>
+            <a:noFill/>
+            <a:ln w="28575">
+              <a:solidFill>
+                <a:srgbClr val="FF0000"/>
+              </a:solidFill>
+            </a:ln>
+          </p:spPr>
+          <p:style>
+            <a:lnRef idx="2">
+              <a:schemeClr val="accent1">
+                <a:shade val="50000"/>
+              </a:schemeClr>
+            </a:lnRef>
+            <a:fillRef idx="1">
+              <a:schemeClr val="accent1"/>
+            </a:fillRef>
+            <a:effectRef idx="0">
+              <a:schemeClr val="accent1"/>
+            </a:effectRef>
+            <a:fontRef idx="minor">
+              <a:schemeClr val="lt1"/>
+            </a:fontRef>
+          </p:style>
+          <p:txBody>
+            <a:bodyPr rtlCol="0" anchor="ctr"/>
+            <a:lstStyle/>
+            <a:p>
+              <a:pPr algn="ctr"/>
+              <a:endParaRPr lang="ko-KR" altLang="en-US"/>
+            </a:p>
+          </p:txBody>
+        </p:sp>
+        <p:sp>
+          <p:nvSpPr>
+            <p:cNvPr id="23" name="직사각형 22"/>
+            <p:cNvSpPr/>
+            <p:nvPr/>
+          </p:nvSpPr>
+          <p:spPr>
+            <a:xfrm>
+              <a:off x="4908563" y="7194024"/>
+              <a:ext cx="2177003" cy="278851"/>
+            </a:xfrm>
+            <a:prstGeom prst="rect">
+              <a:avLst/>
+            </a:prstGeom>
+            <a:noFill/>
+            <a:ln w="28575">
+              <a:solidFill>
+                <a:srgbClr val="FF0000"/>
+              </a:solidFill>
+            </a:ln>
+          </p:spPr>
+          <p:style>
+            <a:lnRef idx="2">
+              <a:schemeClr val="accent1">
+                <a:shade val="50000"/>
+              </a:schemeClr>
+            </a:lnRef>
+            <a:fillRef idx="1">
+              <a:schemeClr val="accent1"/>
+            </a:fillRef>
+            <a:effectRef idx="0">
+              <a:schemeClr val="accent1"/>
+            </a:effectRef>
+            <a:fontRef idx="minor">
+              <a:schemeClr val="lt1"/>
+            </a:fontRef>
+          </p:style>
+          <p:txBody>
+            <a:bodyPr rtlCol="0" anchor="ctr"/>
+            <a:lstStyle/>
+            <a:p>
+              <a:pPr algn="ctr"/>
+              <a:endParaRPr lang="ko-KR" altLang="en-US"/>
+            </a:p>
+          </p:txBody>
+        </p:sp>
+        <p:sp>
+          <p:nvSpPr>
+            <p:cNvPr id="26" name="직사각형 25"/>
+            <p:cNvSpPr/>
+            <p:nvPr/>
+          </p:nvSpPr>
+          <p:spPr>
+            <a:xfrm>
+              <a:off x="4908564" y="7847755"/>
+              <a:ext cx="1948197" cy="262508"/>
+            </a:xfrm>
+            <a:prstGeom prst="rect">
+              <a:avLst/>
+            </a:prstGeom>
+            <a:noFill/>
+            <a:ln w="28575">
+              <a:solidFill>
+                <a:srgbClr val="FF0000"/>
+              </a:solidFill>
+            </a:ln>
+          </p:spPr>
+          <p:style>
+            <a:lnRef idx="2">
+              <a:schemeClr val="accent1">
+                <a:shade val="50000"/>
+              </a:schemeClr>
+            </a:lnRef>
+            <a:fillRef idx="1">
+              <a:schemeClr val="accent1"/>
+            </a:fillRef>
+            <a:effectRef idx="0">
+              <a:schemeClr val="accent1"/>
+            </a:effectRef>
+            <a:fontRef idx="minor">
+              <a:schemeClr val="lt1"/>
+            </a:fontRef>
+          </p:style>
+          <p:txBody>
+            <a:bodyPr rtlCol="0" anchor="ctr"/>
+            <a:lstStyle/>
+            <a:p>
+              <a:pPr algn="ctr"/>
+              <a:endParaRPr lang="ko-KR" altLang="en-US"/>
+            </a:p>
+          </p:txBody>
+        </p:sp>
+        <p:sp>
+          <p:nvSpPr>
+            <p:cNvPr id="27" name="직사각형 26"/>
+            <p:cNvSpPr/>
+            <p:nvPr/>
+          </p:nvSpPr>
+          <p:spPr>
+            <a:xfrm>
+              <a:off x="4908563" y="8518763"/>
+              <a:ext cx="2356779" cy="246165"/>
+            </a:xfrm>
+            <a:prstGeom prst="rect">
+              <a:avLst/>
+            </a:prstGeom>
+            <a:noFill/>
+            <a:ln w="28575">
+              <a:solidFill>
+                <a:srgbClr val="FF0000"/>
+              </a:solidFill>
+            </a:ln>
+          </p:spPr>
+          <p:style>
+            <a:lnRef idx="2">
+              <a:schemeClr val="accent1">
+                <a:shade val="50000"/>
+              </a:schemeClr>
+            </a:lnRef>
+            <a:fillRef idx="1">
+              <a:schemeClr val="accent1"/>
+            </a:fillRef>
+            <a:effectRef idx="0">
+              <a:schemeClr val="accent1"/>
+            </a:effectRef>
+            <a:fontRef idx="minor">
+              <a:schemeClr val="lt1"/>
+            </a:fontRef>
+          </p:style>
+          <p:txBody>
+            <a:bodyPr rtlCol="0" anchor="ctr"/>
+            <a:lstStyle/>
+            <a:p>
+              <a:pPr algn="ctr"/>
+              <a:endParaRPr lang="ko-KR" altLang="en-US"/>
+            </a:p>
+          </p:txBody>
+        </p:sp>
+        <p:sp>
+          <p:nvSpPr>
+            <p:cNvPr id="28" name="직사각형 27"/>
+            <p:cNvSpPr/>
+            <p:nvPr/>
+          </p:nvSpPr>
+          <p:spPr>
+            <a:xfrm>
+              <a:off x="4908564" y="9188837"/>
+              <a:ext cx="1621332" cy="246165"/>
+            </a:xfrm>
+            <a:prstGeom prst="rect">
+              <a:avLst/>
+            </a:prstGeom>
+            <a:noFill/>
+            <a:ln w="28575">
+              <a:solidFill>
+                <a:srgbClr val="FF0000"/>
+              </a:solidFill>
+            </a:ln>
+          </p:spPr>
+          <p:style>
+            <a:lnRef idx="2">
+              <a:schemeClr val="accent1">
+                <a:shade val="50000"/>
+              </a:schemeClr>
+            </a:lnRef>
+            <a:fillRef idx="1">
+              <a:schemeClr val="accent1"/>
+            </a:fillRef>
+            <a:effectRef idx="0">
+              <a:schemeClr val="accent1"/>
+            </a:effectRef>
+            <a:fontRef idx="minor">
+              <a:schemeClr val="lt1"/>
+            </a:fontRef>
+          </p:style>
+          <p:txBody>
+            <a:bodyPr rtlCol="0" anchor="ctr"/>
+            <a:lstStyle/>
+            <a:p>
+              <a:pPr algn="ctr"/>
+              <a:endParaRPr lang="ko-KR" altLang="en-US"/>
+            </a:p>
+          </p:txBody>
+        </p:sp>
+      </p:grpSp>
+      <p:pic>
+        <p:nvPicPr>
+          <p:cNvPr id="7" name="그림 6"/>
+          <p:cNvPicPr>
+            <a:picLocks noChangeAspect="1"/>
+          </p:cNvPicPr>
+          <p:nvPr/>
+        </p:nvPicPr>
+        <p:blipFill>
+          <a:blip r:embed="rId4"/>
+          <a:stretch>
+            <a:fillRect/>
+          </a:stretch>
+        </p:blipFill>
+        <p:spPr>
+          <a:xfrm>
+            <a:off x="8995470" y="6330077"/>
+            <a:ext cx="2925316" cy="2237947"/>
+          </a:xfrm>
+          <a:prstGeom prst="rect">
+            <a:avLst/>
+          </a:prstGeom>
+        </p:spPr>
+      </p:pic>
+      <p:grpSp>
+        <p:nvGrpSpPr>
+          <p:cNvPr id="33" name="그룹 32"/>
+          <p:cNvGrpSpPr/>
+          <p:nvPr/>
+        </p:nvGrpSpPr>
+        <p:grpSpPr>
+          <a:xfrm>
+            <a:off x="2516643" y="3477130"/>
+            <a:ext cx="8985287" cy="1034812"/>
+            <a:chOff x="-7139283" y="5408745"/>
+            <a:chExt cx="8985287" cy="1034812"/>
+          </a:xfrm>
+        </p:grpSpPr>
+        <p:pic>
+          <p:nvPicPr>
+            <p:cNvPr id="29" name="그림 28"/>
+            <p:cNvPicPr>
+              <a:picLocks noChangeAspect="1"/>
+            </p:cNvPicPr>
+            <p:nvPr/>
+          </p:nvPicPr>
+          <p:blipFill rotWithShape="1">
+            <a:blip r:embed="rId5"/>
+            <a:srcRect b="93582"/>
+            <a:stretch/>
+          </p:blipFill>
+          <p:spPr>
+            <a:xfrm>
+              <a:off x="-7139283" y="5408745"/>
+              <a:ext cx="8985287" cy="286483"/>
+            </a:xfrm>
+            <a:prstGeom prst="rect">
+              <a:avLst/>
+            </a:prstGeom>
+          </p:spPr>
+        </p:pic>
+        <p:pic>
+          <p:nvPicPr>
+            <p:cNvPr id="31" name="그림 30"/>
+            <p:cNvPicPr>
+              <a:picLocks noChangeAspect="1"/>
+            </p:cNvPicPr>
+            <p:nvPr/>
+          </p:nvPicPr>
+          <p:blipFill rotWithShape="1">
+            <a:blip r:embed="rId5"/>
+            <a:srcRect t="83849"/>
+            <a:stretch/>
+          </p:blipFill>
+          <p:spPr>
+            <a:xfrm>
+              <a:off x="-7139283" y="5695228"/>
+              <a:ext cx="8985287" cy="721003"/>
+            </a:xfrm>
+            <a:prstGeom prst="rect">
+              <a:avLst/>
+            </a:prstGeom>
+          </p:spPr>
+        </p:pic>
+        <p:sp>
+          <p:nvSpPr>
+            <p:cNvPr id="32" name="직사각형 31"/>
+            <p:cNvSpPr/>
+            <p:nvPr/>
+          </p:nvSpPr>
+          <p:spPr>
+            <a:xfrm>
+              <a:off x="-6407325" y="6197392"/>
+              <a:ext cx="3746913" cy="246165"/>
+            </a:xfrm>
+            <a:prstGeom prst="rect">
+              <a:avLst/>
+            </a:prstGeom>
+            <a:noFill/>
+            <a:ln w="28575">
+              <a:solidFill>
+                <a:srgbClr val="FF0000"/>
+              </a:solidFill>
+            </a:ln>
+          </p:spPr>
+          <p:style>
+            <a:lnRef idx="2">
+              <a:schemeClr val="accent1">
+                <a:shade val="50000"/>
+              </a:schemeClr>
+            </a:lnRef>
+            <a:fillRef idx="1">
+              <a:schemeClr val="accent1"/>
+            </a:fillRef>
+            <a:effectRef idx="0">
+              <a:schemeClr val="accent1"/>
+            </a:effectRef>
+            <a:fontRef idx="minor">
+              <a:schemeClr val="lt1"/>
+            </a:fontRef>
+          </p:style>
+          <p:txBody>
+            <a:bodyPr rtlCol="0" anchor="ctr"/>
+            <a:lstStyle/>
+            <a:p>
+              <a:pPr algn="ctr"/>
+              <a:endParaRPr lang="ko-KR" altLang="en-US"/>
+            </a:p>
+          </p:txBody>
+        </p:sp>
+        <p:sp>
+          <p:nvSpPr>
+            <p:cNvPr id="35" name="직사각형 34"/>
+            <p:cNvSpPr/>
+            <p:nvPr/>
+          </p:nvSpPr>
+          <p:spPr>
+            <a:xfrm>
+              <a:off x="126703" y="5500707"/>
+              <a:ext cx="1276885" cy="246165"/>
+            </a:xfrm>
+            <a:prstGeom prst="rect">
+              <a:avLst/>
+            </a:prstGeom>
+            <a:noFill/>
+            <a:ln w="28575">
+              <a:solidFill>
+                <a:srgbClr val="FF0000"/>
+              </a:solidFill>
+            </a:ln>
+          </p:spPr>
+          <p:style>
+            <a:lnRef idx="2">
+              <a:schemeClr val="accent1">
+                <a:shade val="50000"/>
+              </a:schemeClr>
+            </a:lnRef>
+            <a:fillRef idx="1">
+              <a:schemeClr val="accent1"/>
+            </a:fillRef>
+            <a:effectRef idx="0">
+              <a:schemeClr val="accent1"/>
+            </a:effectRef>
+            <a:fontRef idx="minor">
+              <a:schemeClr val="lt1"/>
+            </a:fontRef>
+          </p:style>
+          <p:txBody>
+            <a:bodyPr rtlCol="0" anchor="ctr"/>
+            <a:lstStyle/>
+            <a:p>
+              <a:pPr algn="ctr"/>
+              <a:endParaRPr lang="ko-KR" altLang="en-US"/>
+            </a:p>
+          </p:txBody>
+        </p:sp>
+      </p:grpSp>
+      <p:sp>
+        <p:nvSpPr>
+          <p:cNvPr id="36" name="TextBox 35"/>
+          <p:cNvSpPr txBox="1"/>
+          <p:nvPr/>
+        </p:nvSpPr>
+        <p:spPr>
+          <a:xfrm>
+            <a:off x="9740626" y="8568024"/>
+            <a:ext cx="1435008" cy="400110"/>
+          </a:xfrm>
+          <a:prstGeom prst="rect">
+            <a:avLst/>
+          </a:prstGeom>
+        </p:spPr>
+        <p:txBody>
+          <a:bodyPr wrap="none" rtlCol="0">
+            <a:spAutoFit/>
+          </a:bodyPr>
+          <a:lstStyle/>
+          <a:p>
+            <a:pPr algn="ctr"/>
+            <a:r>
+              <a:rPr lang="en-US" altLang="ko-KR" sz="2000" b="1" smtClean="0">
+                <a:latin typeface="LG스마트체2.0 Regular" panose="020B0600000101010101" pitchFamily="50" charset="-127"/>
+                <a:ea typeface="LG스마트체2.0 Regular" panose="020B0600000101010101" pitchFamily="50" charset="-127"/>
+              </a:rPr>
+              <a:t>Queue </a:t>
+            </a:r>
+            <a:r>
+              <a:rPr lang="ko-KR" altLang="en-US" sz="2000" b="1" smtClean="0">
+                <a:latin typeface="LG스마트체2.0 Regular" panose="020B0600000101010101" pitchFamily="50" charset="-127"/>
+                <a:ea typeface="LG스마트체2.0 Regular" panose="020B0600000101010101" pitchFamily="50" charset="-127"/>
+              </a:rPr>
+              <a:t>구조</a:t>
+            </a:r>
+            <a:endParaRPr lang="ko-KR" altLang="en-US" sz="2000" b="1">
+              <a:latin typeface="LG스마트체2.0 Regular" panose="020B0600000101010101" pitchFamily="50" charset="-127"/>
+              <a:ea typeface="LG스마트체2.0 Regular" panose="020B0600000101010101" pitchFamily="50" charset="-127"/>
             </a:endParaRPr>
           </a:p>
         </p:txBody>
@@ -2950,13 +8384,20 @@
     </p:spTree>
     <p:extLst>
       <p:ext uri="{BB962C8B-B14F-4D97-AF65-F5344CB8AC3E}">
-        <p14:creationId xmlns:p14="http://schemas.microsoft.com/office/powerpoint/2010/main" val="3019012668"/>
+        <p14:creationId xmlns:p14="http://schemas.microsoft.com/office/powerpoint/2010/main" val="1457875017"/>
       </p:ext>
     </p:extLst>
   </p:cSld>
   <p:clrMapOvr>
     <a:masterClrMapping/>
   </p:clrMapOvr>
+  <p:timing>
+    <p:tnLst>
+      <p:par>
+        <p:cTn id="1" dur="indefinite" restart="never" nodeType="tmRoot"/>
+      </p:par>
+    </p:tnLst>
+  </p:timing>
 </p:sld>
 </file>
 
@@ -3000,24 +8441,24 @@
           <a:lstStyle/>
           <a:p>
             <a:r>
-              <a:rPr lang="en-US" altLang="ko-KR" sz="5400" b="1" dirty="0">
+              <a:rPr lang="en-US" altLang="ko-KR" sz="5400" b="1">
                 <a:solidFill>
                   <a:schemeClr val="bg1"/>
                 </a:solidFill>
                 <a:latin typeface="LG스마트체2.0 Regular" panose="020B0600000101010101" pitchFamily="50" charset="-127"/>
                 <a:ea typeface="LG스마트체2.0 Regular" panose="020B0600000101010101" pitchFamily="50" charset="-127"/>
               </a:rPr>
-              <a:t>6. </a:t>
-            </a:r>
-            <a:r>
-              <a:rPr lang="ko-KR" altLang="en-US" sz="5400" b="1" dirty="0">
+              <a:t>3. </a:t>
+            </a:r>
+            <a:r>
+              <a:rPr lang="ko-KR" altLang="en-US" sz="5400" b="1">
                 <a:solidFill>
                   <a:schemeClr val="bg1"/>
                 </a:solidFill>
                 <a:latin typeface="LG스마트체2.0 Regular" panose="020B0600000101010101" pitchFamily="50" charset="-127"/>
                 <a:ea typeface="LG스마트체2.0 Regular" panose="020B0600000101010101" pitchFamily="50" charset="-127"/>
               </a:rPr>
-              <a:t>프로젝트 수행 후기</a:t>
+              <a:t>핵심 기술</a:t>
             </a:r>
           </a:p>
         </p:txBody>
@@ -3030,8 +8471,8 @@
         </p:nvSpPr>
         <p:spPr>
           <a:xfrm>
-            <a:off x="884420" y="2488367"/>
-            <a:ext cx="14469880" cy="2203554"/>
+            <a:off x="0" y="10375067"/>
+            <a:ext cx="17346430" cy="2188564"/>
           </a:xfrm>
           <a:prstGeom prst="rect">
             <a:avLst/>
@@ -3065,189 +8506,1496 @@
               <a:buChar char="-"/>
             </a:pPr>
             <a:r>
-              <a:rPr lang="ko-KR" altLang="en-US" sz="3200" b="1" dirty="0">
+              <a:rPr lang="ko-KR" altLang="en-US" sz="3200" b="1">
                 <a:solidFill>
                   <a:schemeClr val="tx1"/>
                 </a:solidFill>
               </a:rPr>
-              <a:t>프로젝트 수행에 따른 </a:t>
-            </a:r>
-            <a:r>
-              <a:rPr lang="ko-KR" altLang="en-US" sz="3200" b="1" dirty="0" err="1" smtClean="0">
+              <a:t>개발에 사용된 가장 </a:t>
+            </a:r>
+            <a:r>
+              <a:rPr lang="ko-KR" altLang="en-US" sz="3200" b="1">
+                <a:solidFill>
+                  <a:srgbClr val="FF0000"/>
+                </a:solidFill>
+              </a:rPr>
+              <a:t>핵심적으로 구현된 기술 </a:t>
+            </a:r>
+            <a:r>
+              <a:rPr lang="ko-KR" altLang="en-US" sz="3200" b="1" smtClean="0">
+                <a:solidFill>
+                  <a:srgbClr val="FF0000"/>
+                </a:solidFill>
+              </a:rPr>
+              <a:t>소개</a:t>
+            </a:r>
+            <a:r>
+              <a:rPr lang="en-US" altLang="ko-KR" sz="3200" b="1" smtClean="0">
+                <a:solidFill>
+                  <a:srgbClr val="FF0000"/>
+                </a:solidFill>
+              </a:rPr>
+              <a:t>(PJT </a:t>
+            </a:r>
+            <a:r>
+              <a:rPr lang="ko-KR" altLang="en-US" sz="3200" b="1" smtClean="0">
+                <a:solidFill>
+                  <a:srgbClr val="FF0000"/>
+                </a:solidFill>
+              </a:rPr>
+              <a:t>일정에 나와있는거 소개</a:t>
+            </a:r>
+            <a:r>
+              <a:rPr lang="en-US" altLang="ko-KR" sz="3200" b="1" smtClean="0">
+                <a:solidFill>
+                  <a:srgbClr val="FF0000"/>
+                </a:solidFill>
+              </a:rPr>
+              <a:t>)</a:t>
+            </a:r>
+            <a:endParaRPr lang="en-US" altLang="ko-KR" sz="3200" b="1">
+              <a:solidFill>
+                <a:srgbClr val="FF0000"/>
+              </a:solidFill>
+            </a:endParaRPr>
+          </a:p>
+          <a:p>
+            <a:pPr marL="457200" indent="-457200">
+              <a:buFontTx/>
+              <a:buChar char="-"/>
+            </a:pPr>
+            <a:r>
+              <a:rPr lang="ko-KR" altLang="en-US" sz="3200" b="1">
                 <a:solidFill>
                   <a:schemeClr val="tx1"/>
                 </a:solidFill>
               </a:rPr>
-              <a:t>느낀점</a:t>
-            </a:r>
-            <a:r>
-              <a:rPr lang="en-US" altLang="ko-KR" sz="3200" b="1" dirty="0" smtClean="0">
+              <a:t>기술 내용 또는 소스코드 등 다양한 방법으로 </a:t>
+            </a:r>
+            <a:r>
+              <a:rPr lang="ko-KR" altLang="en-US" sz="3200" b="1">
+                <a:solidFill>
+                  <a:srgbClr val="FF0000"/>
+                </a:solidFill>
+              </a:rPr>
+              <a:t>핵심을 </a:t>
+            </a:r>
+            <a:r>
+              <a:rPr lang="ko-KR" altLang="en-US" sz="3200" b="1" smtClean="0">
+                <a:solidFill>
+                  <a:srgbClr val="FF0000"/>
+                </a:solidFill>
+              </a:rPr>
+              <a:t>소개</a:t>
+            </a:r>
+            <a:r>
+              <a:rPr lang="en-US" altLang="ko-KR" sz="3200" b="1" smtClean="0">
+                <a:solidFill>
+                  <a:srgbClr val="FF0000"/>
+                </a:solidFill>
+              </a:rPr>
+              <a:t>(</a:t>
+            </a:r>
+            <a:r>
+              <a:rPr lang="ko-KR" altLang="en-US" sz="3200" b="1" smtClean="0">
+                <a:solidFill>
+                  <a:srgbClr val="FF0000"/>
+                </a:solidFill>
+              </a:rPr>
+              <a:t>각 부분 주요한 부분 코드 보여주고 대충 설명해</a:t>
+            </a:r>
+            <a:r>
+              <a:rPr lang="en-US" altLang="ko-KR" sz="3200" b="1" smtClean="0">
+                <a:solidFill>
+                  <a:srgbClr val="FF0000"/>
+                </a:solidFill>
+              </a:rPr>
+              <a:t>)</a:t>
+            </a:r>
+            <a:endParaRPr lang="en-US" altLang="ko-KR" sz="3200" b="1">
+              <a:solidFill>
+                <a:srgbClr val="FF0000"/>
+              </a:solidFill>
+            </a:endParaRPr>
+          </a:p>
+          <a:p>
+            <a:pPr marL="457200" indent="-457200">
+              <a:buFontTx/>
+              <a:buChar char="-"/>
+            </a:pPr>
+            <a:r>
+              <a:rPr lang="ko-KR" altLang="en-US" sz="3200" b="1">
                 <a:solidFill>
                   <a:schemeClr val="tx1"/>
                 </a:solidFill>
               </a:rPr>
-              <a:t>(</a:t>
-            </a:r>
-            <a:r>
-              <a:rPr lang="ko-KR" altLang="en-US" sz="3200" b="1" smtClean="0">
+              <a:t>페이지 수 </a:t>
+            </a:r>
+            <a:r>
+              <a:rPr lang="ko-KR" altLang="en-US" sz="3200" b="1" err="1" smtClean="0">
                 <a:solidFill>
                   <a:schemeClr val="tx1"/>
                 </a:solidFill>
               </a:rPr>
-              <a:t>각자 쓰고 합쳐</a:t>
-            </a:r>
-            <a:r>
-              <a:rPr lang="en-US" altLang="ko-KR" sz="3200" b="1" dirty="0" smtClean="0">
-                <a:solidFill>
-                  <a:schemeClr val="tx1"/>
-                </a:solidFill>
-              </a:rPr>
-              <a:t>)</a:t>
-            </a:r>
-            <a:endParaRPr lang="en-US" altLang="ko-KR" sz="3200" b="1" dirty="0">
+              <a:t>무관ㅇㅋ</a:t>
+            </a:r>
+            <a:endParaRPr lang="ko-KR" altLang="en-US" sz="3200" b="1">
               <a:solidFill>
                 <a:schemeClr val="tx1"/>
               </a:solidFill>
             </a:endParaRPr>
           </a:p>
-          <a:p>
-            <a:pPr marL="457200" indent="-457200">
-              <a:buFontTx/>
-              <a:buChar char="-"/>
-            </a:pPr>
-            <a:r>
-              <a:rPr lang="ko-KR" altLang="en-US" sz="3200" b="1" dirty="0" err="1">
-                <a:solidFill>
-                  <a:schemeClr val="tx1"/>
-                </a:solidFill>
-              </a:rPr>
-              <a:t>개발중</a:t>
-            </a:r>
-            <a:r>
-              <a:rPr lang="ko-KR" altLang="en-US" sz="3200" b="1" dirty="0">
-                <a:solidFill>
-                  <a:schemeClr val="tx1"/>
-                </a:solidFill>
-              </a:rPr>
-              <a:t> 어려웠던 점 그리고 이를 극복한 사연 </a:t>
-            </a:r>
-            <a:r>
-              <a:rPr lang="ko-KR" altLang="en-US" sz="3200" b="1" dirty="0" smtClean="0">
-                <a:solidFill>
-                  <a:schemeClr val="tx1"/>
-                </a:solidFill>
-              </a:rPr>
-              <a:t>등</a:t>
-            </a:r>
-            <a:r>
-              <a:rPr lang="en-US" altLang="ko-KR" sz="3200" b="1" dirty="0" smtClean="0">
-                <a:solidFill>
-                  <a:schemeClr val="tx1"/>
-                </a:solidFill>
-              </a:rPr>
-              <a:t>(</a:t>
-            </a:r>
-            <a:r>
-              <a:rPr lang="ko-KR" altLang="en-US" sz="3200" b="1" smtClean="0">
-                <a:solidFill>
-                  <a:schemeClr val="tx1"/>
-                </a:solidFill>
-              </a:rPr>
-              <a:t>각자 쓰고 합쳐</a:t>
-            </a:r>
-            <a:r>
-              <a:rPr lang="en-US" altLang="ko-KR" sz="3200" b="1" dirty="0" smtClean="0">
-                <a:solidFill>
-                  <a:schemeClr val="tx1"/>
-                </a:solidFill>
-              </a:rPr>
-              <a:t>)</a:t>
-            </a:r>
-            <a:endParaRPr lang="en-US" altLang="ko-KR" sz="3200" b="1" dirty="0">
+        </p:txBody>
+      </p:sp>
+      <p:sp>
+        <p:nvSpPr>
+          <p:cNvPr id="4" name="TextBox 3"/>
+          <p:cNvSpPr txBox="1"/>
+          <p:nvPr/>
+        </p:nvSpPr>
+        <p:spPr>
+          <a:xfrm>
+            <a:off x="737675" y="1800664"/>
+            <a:ext cx="1470274" cy="769441"/>
+          </a:xfrm>
+          <a:prstGeom prst="rect">
+            <a:avLst/>
+          </a:prstGeom>
+          <a:noFill/>
+        </p:spPr>
+        <p:txBody>
+          <a:bodyPr wrap="none" rtlCol="0">
+            <a:spAutoFit/>
+          </a:bodyPr>
+          <a:lstStyle/>
+          <a:p>
+            <a:pPr marL="285750" indent="-285750">
+              <a:buFont typeface="Arial" panose="020B0604020202020204" pitchFamily="34" charset="0"/>
+              <a:buChar char="•"/>
+            </a:pPr>
+            <a:r>
+              <a:rPr lang="en-US" altLang="ko-KR" sz="2400" b="1" smtClean="0">
+                <a:latin typeface="LG스마트체2.0 Regular" panose="020B0600000101010101" pitchFamily="50" charset="-127"/>
+                <a:ea typeface="LG스마트체2.0 Regular" panose="020B0600000101010101" pitchFamily="50" charset="-127"/>
+              </a:rPr>
+              <a:t>Mutex</a:t>
+            </a:r>
+          </a:p>
+          <a:p>
+            <a:pPr marL="800100" lvl="1" indent="-342900">
+              <a:buFont typeface="Wingdings" panose="05000000000000000000" pitchFamily="2" charset="2"/>
+              <a:buChar char="Ø"/>
+            </a:pPr>
+            <a:r>
+              <a:rPr lang="ko-KR" altLang="en-US" sz="2000" smtClean="0">
+                <a:latin typeface="LG스마트체2.0 Regular" panose="020B0600000101010101" pitchFamily="50" charset="-127"/>
+                <a:ea typeface="LG스마트체2.0 Regular" panose="020B0600000101010101" pitchFamily="50" charset="-127"/>
+              </a:rPr>
+              <a:t>기술</a:t>
+            </a:r>
+            <a:endParaRPr lang="en-US" altLang="ko-KR" sz="2400">
+              <a:latin typeface="LG스마트체2.0 Regular" panose="020B0600000101010101" pitchFamily="50" charset="-127"/>
+              <a:ea typeface="LG스마트체2.0 Regular" panose="020B0600000101010101" pitchFamily="50" charset="-127"/>
+            </a:endParaRPr>
+          </a:p>
+        </p:txBody>
+      </p:sp>
+      <p:sp>
+        <p:nvSpPr>
+          <p:cNvPr id="20" name="TextBox 19"/>
+          <p:cNvSpPr txBox="1"/>
+          <p:nvPr/>
+        </p:nvSpPr>
+        <p:spPr>
+          <a:xfrm>
+            <a:off x="7740907" y="9475728"/>
+            <a:ext cx="1864613" cy="400110"/>
+          </a:xfrm>
+          <a:prstGeom prst="rect">
+            <a:avLst/>
+          </a:prstGeom>
+        </p:spPr>
+        <p:txBody>
+          <a:bodyPr wrap="none" rtlCol="0">
+            <a:spAutoFit/>
+          </a:bodyPr>
+          <a:lstStyle/>
+          <a:p>
+            <a:pPr algn="ctr"/>
+            <a:r>
+              <a:rPr lang="en-US" altLang="ko-KR" sz="2000" b="1" smtClean="0">
+                <a:latin typeface="LG스마트체2.0 Regular" panose="020B0600000101010101" pitchFamily="50" charset="-127"/>
+                <a:ea typeface="LG스마트체2.0 Regular" panose="020B0600000101010101" pitchFamily="50" charset="-127"/>
+              </a:rPr>
+              <a:t>Mutex concept</a:t>
+            </a:r>
+            <a:endParaRPr lang="ko-KR" altLang="en-US" sz="2000" b="1">
+              <a:latin typeface="LG스마트체2.0 Regular" panose="020B0600000101010101" pitchFamily="50" charset="-127"/>
+              <a:ea typeface="LG스마트체2.0 Regular" panose="020B0600000101010101" pitchFamily="50" charset="-127"/>
+            </a:endParaRPr>
+          </a:p>
+        </p:txBody>
+      </p:sp>
+      <p:grpSp>
+        <p:nvGrpSpPr>
+          <p:cNvPr id="33" name="그룹 32"/>
+          <p:cNvGrpSpPr/>
+          <p:nvPr/>
+        </p:nvGrpSpPr>
+        <p:grpSpPr>
+          <a:xfrm>
+            <a:off x="2516643" y="3811811"/>
+            <a:ext cx="8985287" cy="1034812"/>
+            <a:chOff x="-7139283" y="5408745"/>
+            <a:chExt cx="8985287" cy="1034812"/>
+          </a:xfrm>
+        </p:grpSpPr>
+        <p:pic>
+          <p:nvPicPr>
+            <p:cNvPr id="29" name="그림 28"/>
+            <p:cNvPicPr>
+              <a:picLocks noChangeAspect="1"/>
+            </p:cNvPicPr>
+            <p:nvPr/>
+          </p:nvPicPr>
+          <p:blipFill rotWithShape="1">
+            <a:blip r:embed="rId2"/>
+            <a:srcRect b="93582"/>
+            <a:stretch/>
+          </p:blipFill>
+          <p:spPr>
+            <a:xfrm>
+              <a:off x="-7139283" y="5408745"/>
+              <a:ext cx="8985287" cy="286483"/>
+            </a:xfrm>
+            <a:prstGeom prst="rect">
+              <a:avLst/>
+            </a:prstGeom>
+          </p:spPr>
+        </p:pic>
+        <p:pic>
+          <p:nvPicPr>
+            <p:cNvPr id="31" name="그림 30"/>
+            <p:cNvPicPr>
+              <a:picLocks noChangeAspect="1"/>
+            </p:cNvPicPr>
+            <p:nvPr/>
+          </p:nvPicPr>
+          <p:blipFill rotWithShape="1">
+            <a:blip r:embed="rId2"/>
+            <a:srcRect t="83849"/>
+            <a:stretch/>
+          </p:blipFill>
+          <p:spPr>
+            <a:xfrm>
+              <a:off x="-7139283" y="5695228"/>
+              <a:ext cx="8985287" cy="721003"/>
+            </a:xfrm>
+            <a:prstGeom prst="rect">
+              <a:avLst/>
+            </a:prstGeom>
+          </p:spPr>
+        </p:pic>
+        <p:sp>
+          <p:nvSpPr>
+            <p:cNvPr id="32" name="직사각형 31"/>
+            <p:cNvSpPr/>
+            <p:nvPr/>
+          </p:nvSpPr>
+          <p:spPr>
+            <a:xfrm>
+              <a:off x="-6407325" y="6197392"/>
+              <a:ext cx="3746913" cy="246165"/>
+            </a:xfrm>
+            <a:prstGeom prst="rect">
+              <a:avLst/>
+            </a:prstGeom>
+            <a:noFill/>
+            <a:ln w="28575">
               <a:solidFill>
-                <a:schemeClr val="tx1"/>
+                <a:srgbClr val="FF0000"/>
               </a:solidFill>
-            </a:endParaRPr>
-          </a:p>
-          <a:p>
-            <a:pPr marL="457200" indent="-457200">
-              <a:buFontTx/>
-              <a:buChar char="-"/>
-            </a:pPr>
-            <a:r>
-              <a:rPr lang="ko-KR" altLang="en-US" sz="3200" b="1" dirty="0">
-                <a:solidFill>
-                  <a:schemeClr val="tx1"/>
-                </a:solidFill>
-              </a:rPr>
-              <a:t>교육과 프로젝트를 마무리한 소회 등</a:t>
-            </a:r>
-            <a:r>
-              <a:rPr lang="en-US" altLang="ko-KR" sz="3200" b="1" dirty="0">
-                <a:solidFill>
-                  <a:schemeClr val="tx1"/>
-                </a:solidFill>
-              </a:rPr>
-              <a:t>… 1</a:t>
-            </a:r>
-            <a:r>
-              <a:rPr lang="ko-KR" altLang="en-US" sz="3200" b="1" dirty="0">
-                <a:solidFill>
-                  <a:schemeClr val="tx1"/>
-                </a:solidFill>
-              </a:rPr>
-              <a:t>페이지로 </a:t>
-            </a:r>
-            <a:r>
-              <a:rPr lang="ko-KR" altLang="en-US" sz="3200" b="1">
-                <a:solidFill>
-                  <a:schemeClr val="tx1"/>
-                </a:solidFill>
-              </a:rPr>
-              <a:t>정리 </a:t>
-            </a:r>
-            <a:r>
-              <a:rPr lang="en-US" altLang="ko-KR" sz="3200" b="1" dirty="0" smtClean="0">
-                <a:solidFill>
-                  <a:schemeClr val="tx1"/>
-                </a:solidFill>
-              </a:rPr>
-              <a:t>(</a:t>
-            </a:r>
-            <a:r>
-              <a:rPr lang="ko-KR" altLang="en-US" sz="3200" b="1" smtClean="0">
-                <a:solidFill>
-                  <a:schemeClr val="tx1"/>
-                </a:solidFill>
-              </a:rPr>
-              <a:t>각자 쓰고 합쳐</a:t>
-            </a:r>
-            <a:r>
-              <a:rPr lang="en-US" altLang="ko-KR" sz="3200" b="1" dirty="0" smtClean="0">
-                <a:solidFill>
-                  <a:schemeClr val="tx1"/>
-                </a:solidFill>
-              </a:rPr>
-              <a:t>)</a:t>
-            </a:r>
-            <a:endParaRPr lang="ko-KR" altLang="en-US" sz="3200" b="1" dirty="0">
+            </a:ln>
+          </p:spPr>
+          <p:style>
+            <a:lnRef idx="2">
+              <a:schemeClr val="accent1">
+                <a:shade val="50000"/>
+              </a:schemeClr>
+            </a:lnRef>
+            <a:fillRef idx="1">
+              <a:schemeClr val="accent1"/>
+            </a:fillRef>
+            <a:effectRef idx="0">
+              <a:schemeClr val="accent1"/>
+            </a:effectRef>
+            <a:fontRef idx="minor">
+              <a:schemeClr val="lt1"/>
+            </a:fontRef>
+          </p:style>
+          <p:txBody>
+            <a:bodyPr rtlCol="0" anchor="ctr"/>
+            <a:lstStyle/>
+            <a:p>
+              <a:pPr algn="ctr"/>
+              <a:endParaRPr lang="ko-KR" altLang="en-US"/>
+            </a:p>
+          </p:txBody>
+        </p:sp>
+        <p:sp>
+          <p:nvSpPr>
+            <p:cNvPr id="35" name="직사각형 34"/>
+            <p:cNvSpPr/>
+            <p:nvPr/>
+          </p:nvSpPr>
+          <p:spPr>
+            <a:xfrm>
+              <a:off x="126703" y="5500707"/>
+              <a:ext cx="1276885" cy="246165"/>
+            </a:xfrm>
+            <a:prstGeom prst="rect">
+              <a:avLst/>
+            </a:prstGeom>
+            <a:noFill/>
+            <a:ln w="28575">
               <a:solidFill>
-                <a:schemeClr val="tx1"/>
+                <a:srgbClr val="FF0000"/>
               </a:solidFill>
-            </a:endParaRPr>
+            </a:ln>
+          </p:spPr>
+          <p:style>
+            <a:lnRef idx="2">
+              <a:schemeClr val="accent1">
+                <a:shade val="50000"/>
+              </a:schemeClr>
+            </a:lnRef>
+            <a:fillRef idx="1">
+              <a:schemeClr val="accent1"/>
+            </a:fillRef>
+            <a:effectRef idx="0">
+              <a:schemeClr val="accent1"/>
+            </a:effectRef>
+            <a:fontRef idx="minor">
+              <a:schemeClr val="lt1"/>
+            </a:fontRef>
+          </p:style>
+          <p:txBody>
+            <a:bodyPr rtlCol="0" anchor="ctr"/>
+            <a:lstStyle/>
+            <a:p>
+              <a:pPr algn="ctr"/>
+              <a:endParaRPr lang="ko-KR" altLang="en-US"/>
+            </a:p>
+          </p:txBody>
+        </p:sp>
+      </p:grpSp>
+      <p:pic>
+        <p:nvPicPr>
+          <p:cNvPr id="5" name="그림 4"/>
+          <p:cNvPicPr>
+            <a:picLocks noChangeAspect="1"/>
+          </p:cNvPicPr>
+          <p:nvPr/>
+        </p:nvPicPr>
+        <p:blipFill>
+          <a:blip r:embed="rId3"/>
+          <a:stretch>
+            <a:fillRect/>
+          </a:stretch>
+        </p:blipFill>
+        <p:spPr>
+          <a:xfrm>
+            <a:off x="4233945" y="7656199"/>
+            <a:ext cx="8878539" cy="1819529"/>
+          </a:xfrm>
+          <a:prstGeom prst="rect">
+            <a:avLst/>
+          </a:prstGeom>
+        </p:spPr>
+      </p:pic>
+      <p:sp>
+        <p:nvSpPr>
+          <p:cNvPr id="21" name="직사각형 20"/>
+          <p:cNvSpPr/>
+          <p:nvPr/>
+        </p:nvSpPr>
+        <p:spPr>
+          <a:xfrm>
+            <a:off x="2140206" y="2768813"/>
+            <a:ext cx="11690093" cy="4487276"/>
+          </a:xfrm>
+          <a:prstGeom prst="rect">
+            <a:avLst/>
+          </a:prstGeom>
+        </p:spPr>
+        <p:style>
+          <a:lnRef idx="2">
+            <a:schemeClr val="accent1">
+              <a:shade val="50000"/>
+            </a:schemeClr>
+          </a:lnRef>
+          <a:fillRef idx="1">
+            <a:schemeClr val="accent1"/>
+          </a:fillRef>
+          <a:effectRef idx="0">
+            <a:schemeClr val="accent1"/>
+          </a:effectRef>
+          <a:fontRef idx="minor">
+            <a:schemeClr val="lt1"/>
+          </a:fontRef>
+        </p:style>
+        <p:txBody>
+          <a:bodyPr rtlCol="0" anchor="ctr"/>
+          <a:lstStyle/>
+          <a:p>
+            <a:pPr algn="ctr"/>
+            <a:r>
+              <a:rPr lang="en-US" altLang="ko-KR" smtClean="0"/>
+              <a:t>TBD</a:t>
+            </a:r>
           </a:p>
         </p:txBody>
       </p:sp>
     </p:spTree>
     <p:extLst>
       <p:ext uri="{BB962C8B-B14F-4D97-AF65-F5344CB8AC3E}">
-        <p14:creationId xmlns:p14="http://schemas.microsoft.com/office/powerpoint/2010/main" val="2477282649"/>
+        <p14:creationId xmlns:p14="http://schemas.microsoft.com/office/powerpoint/2010/main" val="2786514983"/>
       </p:ext>
     </p:extLst>
   </p:cSld>
   <p:clrMapOvr>
     <a:masterClrMapping/>
   </p:clrMapOvr>
+  <p:timing>
+    <p:tnLst>
+      <p:par>
+        <p:cTn id="1" dur="indefinite" restart="never" nodeType="tmRoot"/>
+      </p:par>
+    </p:tnLst>
+  </p:timing>
+</p:sld>
+</file>
+
+<file path=ppt/slides/slide9.xml><?xml version="1.0" encoding="utf-8"?>
+<p:sld xmlns:a="http://schemas.openxmlformats.org/drawingml/2006/main" xmlns:r="http://schemas.openxmlformats.org/officeDocument/2006/relationships" xmlns:p="http://schemas.openxmlformats.org/presentationml/2006/main">
+  <p:cSld>
+    <p:spTree>
+      <p:nvGrpSpPr>
+        <p:cNvPr id="1" name=""/>
+        <p:cNvGrpSpPr/>
+        <p:nvPr/>
+      </p:nvGrpSpPr>
+      <p:grpSpPr>
+        <a:xfrm>
+          <a:off x="0" y="0"/>
+          <a:ext cx="0" cy="0"/>
+          <a:chOff x="0" y="0"/>
+          <a:chExt cx="0" cy="0"/>
+        </a:xfrm>
+      </p:grpSpPr>
+      <p:sp>
+        <p:nvSpPr>
+          <p:cNvPr id="2" name="TextBox 1"/>
+          <p:cNvSpPr txBox="1"/>
+          <p:nvPr/>
+        </p:nvSpPr>
+        <p:spPr>
+          <a:xfrm>
+            <a:off x="244862" y="238662"/>
+            <a:ext cx="14190667" cy="923330"/>
+          </a:xfrm>
+          <a:prstGeom prst="rect">
+            <a:avLst/>
+          </a:prstGeom>
+          <a:noFill/>
+        </p:spPr>
+        <p:txBody>
+          <a:bodyPr wrap="square" rtlCol="0">
+            <a:spAutoFit/>
+          </a:bodyPr>
+          <a:lstStyle/>
+          <a:p>
+            <a:r>
+              <a:rPr lang="en-US" altLang="ko-KR" sz="5400" b="1">
+                <a:solidFill>
+                  <a:schemeClr val="bg1"/>
+                </a:solidFill>
+                <a:latin typeface="LG스마트체2.0 Regular" panose="020B0600000101010101" pitchFamily="50" charset="-127"/>
+                <a:ea typeface="LG스마트체2.0 Regular" panose="020B0600000101010101" pitchFamily="50" charset="-127"/>
+              </a:rPr>
+              <a:t>4. </a:t>
+            </a:r>
+            <a:r>
+              <a:rPr lang="ko-KR" altLang="en-US" sz="5400" b="1">
+                <a:solidFill>
+                  <a:schemeClr val="bg1"/>
+                </a:solidFill>
+                <a:latin typeface="LG스마트체2.0 Regular" panose="020B0600000101010101" pitchFamily="50" charset="-127"/>
+                <a:ea typeface="LG스마트체2.0 Regular" panose="020B0600000101010101" pitchFamily="50" charset="-127"/>
+              </a:rPr>
+              <a:t>결과 분석 및 기대 효과</a:t>
+            </a:r>
+          </a:p>
+        </p:txBody>
+      </p:sp>
+      <p:sp>
+        <p:nvSpPr>
+          <p:cNvPr id="3" name="직사각형 2"/>
+          <p:cNvSpPr/>
+          <p:nvPr/>
+        </p:nvSpPr>
+        <p:spPr>
+          <a:xfrm>
+            <a:off x="244862" y="10114094"/>
+            <a:ext cx="18328888" cy="2458388"/>
+          </a:xfrm>
+          <a:prstGeom prst="rect">
+            <a:avLst/>
+          </a:prstGeom>
+          <a:solidFill>
+            <a:srgbClr val="FFFF00"/>
+          </a:solidFill>
+        </p:spPr>
+        <p:style>
+          <a:lnRef idx="2">
+            <a:schemeClr val="accent1">
+              <a:shade val="50000"/>
+            </a:schemeClr>
+          </a:lnRef>
+          <a:fillRef idx="1">
+            <a:schemeClr val="accent1"/>
+          </a:fillRef>
+          <a:effectRef idx="0">
+            <a:schemeClr val="accent1"/>
+          </a:effectRef>
+          <a:fontRef idx="minor">
+            <a:schemeClr val="lt1"/>
+          </a:fontRef>
+        </p:style>
+        <p:txBody>
+          <a:bodyPr rtlCol="0" anchor="ctr"/>
+          <a:lstStyle/>
+          <a:p>
+            <a:pPr marL="457200" indent="-457200">
+              <a:buFontTx/>
+              <a:buChar char="-"/>
+            </a:pPr>
+            <a:r>
+              <a:rPr lang="ko-KR" altLang="en-US" sz="3200" b="1">
+                <a:solidFill>
+                  <a:schemeClr val="tx1"/>
+                </a:solidFill>
+              </a:rPr>
+              <a:t>결과물에 대한 성능측정 또는 </a:t>
+            </a:r>
+            <a:r>
+              <a:rPr lang="ko-KR" altLang="en-US" sz="3200" b="1">
+                <a:solidFill>
+                  <a:srgbClr val="FF0000"/>
+                </a:solidFill>
+              </a:rPr>
+              <a:t>목표달성 여부 등 </a:t>
+            </a:r>
+            <a:r>
+              <a:rPr lang="ko-KR" altLang="en-US" sz="3200" b="1" smtClean="0">
+                <a:solidFill>
+                  <a:srgbClr val="FF0000"/>
+                </a:solidFill>
+              </a:rPr>
+              <a:t>평가</a:t>
+            </a:r>
+            <a:r>
+              <a:rPr lang="en-US" altLang="ko-KR" sz="3200" b="1" smtClean="0">
+                <a:solidFill>
+                  <a:srgbClr val="FF0000"/>
+                </a:solidFill>
+              </a:rPr>
+              <a:t>(</a:t>
+            </a:r>
+            <a:r>
+              <a:rPr lang="ko-KR" altLang="en-US" sz="3200" b="1" smtClean="0">
+                <a:solidFill>
+                  <a:srgbClr val="FF0000"/>
+                </a:solidFill>
+              </a:rPr>
+              <a:t>예</a:t>
+            </a:r>
+            <a:r>
+              <a:rPr lang="en-US" altLang="ko-KR" sz="3200" b="1" smtClean="0">
+                <a:solidFill>
+                  <a:srgbClr val="FF0000"/>
+                </a:solidFill>
+              </a:rPr>
+              <a:t>- task </a:t>
+            </a:r>
+            <a:r>
+              <a:rPr lang="ko-KR" altLang="en-US" sz="3200" b="1" smtClean="0">
+                <a:solidFill>
+                  <a:srgbClr val="FF0000"/>
+                </a:solidFill>
+              </a:rPr>
+              <a:t>수십개 만들어도 잘 되더라</a:t>
+            </a:r>
+            <a:r>
+              <a:rPr lang="en-US" altLang="ko-KR" sz="3200" b="1" smtClean="0">
+                <a:solidFill>
+                  <a:srgbClr val="FF0000"/>
+                </a:solidFill>
+              </a:rPr>
+              <a:t>, TC</a:t>
+            </a:r>
+            <a:r>
+              <a:rPr lang="ko-KR" altLang="en-US" sz="3200" b="1" smtClean="0">
+                <a:solidFill>
+                  <a:srgbClr val="FF0000"/>
+                </a:solidFill>
+              </a:rPr>
+              <a:t>기반 설명</a:t>
+            </a:r>
+            <a:r>
+              <a:rPr lang="en-US" altLang="ko-KR" sz="3200" b="1" smtClean="0">
+                <a:solidFill>
+                  <a:srgbClr val="FF0000"/>
+                </a:solidFill>
+              </a:rPr>
+              <a:t>)</a:t>
+            </a:r>
+            <a:endParaRPr lang="en-US" altLang="ko-KR" sz="3200" b="1">
+              <a:solidFill>
+                <a:srgbClr val="FF0000"/>
+              </a:solidFill>
+            </a:endParaRPr>
+          </a:p>
+          <a:p>
+            <a:pPr marL="457200" indent="-457200">
+              <a:buFontTx/>
+              <a:buChar char="-"/>
+            </a:pPr>
+            <a:r>
+              <a:rPr lang="ko-KR" altLang="en-US" sz="3200" b="1">
+                <a:solidFill>
+                  <a:schemeClr val="tx1"/>
+                </a:solidFill>
+              </a:rPr>
+              <a:t>성능이 낮을 경우 원인 분석 및 개선책 검토 </a:t>
+            </a:r>
+            <a:r>
+              <a:rPr lang="ko-KR" altLang="en-US" sz="3200" b="1" smtClean="0">
+                <a:solidFill>
+                  <a:schemeClr val="tx1"/>
+                </a:solidFill>
+              </a:rPr>
+              <a:t>기록</a:t>
+            </a:r>
+            <a:r>
+              <a:rPr lang="en-US" altLang="ko-KR" sz="3200" b="1" smtClean="0">
+                <a:solidFill>
+                  <a:schemeClr val="tx1"/>
+                </a:solidFill>
+              </a:rPr>
+              <a:t>(</a:t>
+            </a:r>
+            <a:r>
+              <a:rPr lang="ko-KR" altLang="en-US" sz="3200" b="1" smtClean="0">
+                <a:solidFill>
+                  <a:schemeClr val="tx1"/>
+                </a:solidFill>
+              </a:rPr>
+              <a:t>개 잘됨 안써도됨</a:t>
+            </a:r>
+            <a:r>
+              <a:rPr lang="en-US" altLang="ko-KR" sz="3200" b="1" smtClean="0">
+                <a:solidFill>
+                  <a:schemeClr val="tx1"/>
+                </a:solidFill>
+              </a:rPr>
+              <a:t>)</a:t>
+            </a:r>
+            <a:endParaRPr lang="en-US" altLang="ko-KR" sz="3200" b="1">
+              <a:solidFill>
+                <a:schemeClr val="tx1"/>
+              </a:solidFill>
+            </a:endParaRPr>
+          </a:p>
+          <a:p>
+            <a:pPr marL="457200" indent="-457200">
+              <a:buFontTx/>
+              <a:buChar char="-"/>
+            </a:pPr>
+            <a:r>
+              <a:rPr lang="ko-KR" altLang="en-US" sz="3200" b="1">
+                <a:solidFill>
+                  <a:schemeClr val="tx1"/>
+                </a:solidFill>
+              </a:rPr>
+              <a:t>성능이 만족했을 경우 향후 활용 가능한 기대효과 </a:t>
+            </a:r>
+            <a:r>
+              <a:rPr lang="ko-KR" altLang="en-US" sz="3200" b="1" smtClean="0">
+                <a:solidFill>
+                  <a:schemeClr val="tx1"/>
+                </a:solidFill>
+              </a:rPr>
+              <a:t>기록</a:t>
+            </a:r>
+            <a:r>
+              <a:rPr lang="en-US" altLang="ko-KR" sz="3200" b="1" smtClean="0">
+                <a:solidFill>
+                  <a:schemeClr val="tx1"/>
+                </a:solidFill>
+              </a:rPr>
+              <a:t>(Snake</a:t>
+            </a:r>
+            <a:r>
+              <a:rPr lang="ko-KR" altLang="en-US" sz="3200" b="1" smtClean="0">
+                <a:solidFill>
+                  <a:schemeClr val="tx1"/>
+                </a:solidFill>
+              </a:rPr>
+              <a:t>같은거 만들 수 있음</a:t>
+            </a:r>
+            <a:r>
+              <a:rPr lang="en-US" altLang="ko-KR" sz="3200" b="1" smtClean="0">
+                <a:solidFill>
+                  <a:schemeClr val="tx1"/>
+                </a:solidFill>
+              </a:rPr>
+              <a:t>)</a:t>
+            </a:r>
+            <a:endParaRPr lang="en-US" altLang="ko-KR" sz="3200" b="1">
+              <a:solidFill>
+                <a:schemeClr val="tx1"/>
+              </a:solidFill>
+            </a:endParaRPr>
+          </a:p>
+          <a:p>
+            <a:pPr marL="457200" indent="-457200">
+              <a:buFontTx/>
+              <a:buChar char="-"/>
+            </a:pPr>
+            <a:r>
+              <a:rPr lang="ko-KR" altLang="en-US" sz="3200" b="1">
+                <a:solidFill>
+                  <a:schemeClr val="tx1"/>
+                </a:solidFill>
+              </a:rPr>
+              <a:t>가급적 </a:t>
+            </a:r>
+            <a:r>
+              <a:rPr lang="en-US" altLang="ko-KR" sz="3200" b="1">
+                <a:solidFill>
+                  <a:schemeClr val="tx1"/>
+                </a:solidFill>
+              </a:rPr>
+              <a:t>1 </a:t>
+            </a:r>
+            <a:r>
+              <a:rPr lang="ko-KR" altLang="en-US" sz="3200" b="1">
+                <a:solidFill>
+                  <a:schemeClr val="tx1"/>
+                </a:solidFill>
+              </a:rPr>
+              <a:t>페이지로 정리</a:t>
+            </a:r>
+          </a:p>
+        </p:txBody>
+      </p:sp>
+      <p:sp>
+        <p:nvSpPr>
+          <p:cNvPr id="4" name="TextBox 3"/>
+          <p:cNvSpPr txBox="1"/>
+          <p:nvPr/>
+        </p:nvSpPr>
+        <p:spPr>
+          <a:xfrm>
+            <a:off x="737675" y="1800664"/>
+            <a:ext cx="13579358" cy="5755422"/>
+          </a:xfrm>
+          <a:prstGeom prst="rect">
+            <a:avLst/>
+          </a:prstGeom>
+          <a:noFill/>
+        </p:spPr>
+        <p:txBody>
+          <a:bodyPr wrap="none" rtlCol="0">
+            <a:spAutoFit/>
+          </a:bodyPr>
+          <a:lstStyle/>
+          <a:p>
+            <a:pPr marL="285750" indent="-285750">
+              <a:buFont typeface="Arial" panose="020B0604020202020204" pitchFamily="34" charset="0"/>
+              <a:buChar char="•"/>
+            </a:pPr>
+            <a:r>
+              <a:rPr lang="ko-KR" altLang="en-US" sz="2400" b="1" smtClean="0">
+                <a:latin typeface="LG스마트체2.0 Regular" panose="020B0600000101010101" pitchFamily="50" charset="-127"/>
+                <a:ea typeface="LG스마트체2.0 Regular" panose="020B0600000101010101" pitchFamily="50" charset="-127"/>
+              </a:rPr>
+              <a:t>결과 분석 </a:t>
+            </a:r>
+            <a:r>
+              <a:rPr lang="en-US" altLang="ko-KR" sz="2400" b="1" smtClean="0">
+                <a:latin typeface="LG스마트체2.0 Regular" panose="020B0600000101010101" pitchFamily="50" charset="-127"/>
+                <a:ea typeface="LG스마트체2.0 Regular" panose="020B0600000101010101" pitchFamily="50" charset="-127"/>
+              </a:rPr>
+              <a:t>- Test case </a:t>
+            </a:r>
+            <a:r>
+              <a:rPr lang="ko-KR" altLang="en-US" sz="2400" b="1" smtClean="0">
+                <a:latin typeface="LG스마트체2.0 Regular" panose="020B0600000101010101" pitchFamily="50" charset="-127"/>
+                <a:ea typeface="LG스마트체2.0 Regular" panose="020B0600000101010101" pitchFamily="50" charset="-127"/>
+              </a:rPr>
+              <a:t>기반 구현 내용의 </a:t>
+            </a:r>
+            <a:r>
+              <a:rPr lang="en-US" altLang="ko-KR" sz="2400" b="1" smtClean="0">
+                <a:latin typeface="LG스마트체2.0 Regular" panose="020B0600000101010101" pitchFamily="50" charset="-127"/>
+                <a:ea typeface="LG스마트체2.0 Regular" panose="020B0600000101010101" pitchFamily="50" charset="-127"/>
+              </a:rPr>
+              <a:t>robustness </a:t>
+            </a:r>
+            <a:r>
+              <a:rPr lang="ko-KR" altLang="en-US" sz="2400" b="1" smtClean="0">
+                <a:latin typeface="LG스마트체2.0 Regular" panose="020B0600000101010101" pitchFamily="50" charset="-127"/>
+                <a:ea typeface="LG스마트체2.0 Regular" panose="020B0600000101010101" pitchFamily="50" charset="-127"/>
+              </a:rPr>
+              <a:t>확인</a:t>
+            </a:r>
+            <a:endParaRPr lang="en-US" altLang="ko-KR" sz="2000" b="1" smtClean="0">
+              <a:latin typeface="LG스마트체2.0 Regular" panose="020B0600000101010101" pitchFamily="50" charset="-127"/>
+              <a:ea typeface="LG스마트체2.0 Regular" panose="020B0600000101010101" pitchFamily="50" charset="-127"/>
+            </a:endParaRPr>
+          </a:p>
+          <a:p>
+            <a:pPr marL="800100" lvl="1" indent="-342900">
+              <a:buFont typeface="Wingdings" panose="05000000000000000000" pitchFamily="2" charset="2"/>
+              <a:buChar char="Ø"/>
+            </a:pPr>
+            <a:r>
+              <a:rPr lang="en-US" altLang="ko-KR" sz="2000" smtClean="0">
+                <a:latin typeface="LG스마트체2.0 Regular" panose="020B0600000101010101" pitchFamily="50" charset="-127"/>
+                <a:ea typeface="LG스마트체2.0 Regular" panose="020B0600000101010101" pitchFamily="50" charset="-127"/>
+              </a:rPr>
+              <a:t>Task </a:t>
+            </a:r>
+            <a:r>
+              <a:rPr lang="en-US" altLang="ko-KR" sz="2000">
+                <a:latin typeface="LG스마트체2.0 Regular" panose="020B0600000101010101" pitchFamily="50" charset="-127"/>
+                <a:ea typeface="LG스마트체2.0 Regular" panose="020B0600000101010101" pitchFamily="50" charset="-127"/>
+              </a:rPr>
+              <a:t>&amp; Scheduler </a:t>
+            </a:r>
+            <a:r>
+              <a:rPr lang="ko-KR" altLang="en-US" sz="2000">
+                <a:latin typeface="LG스마트체2.0 Regular" panose="020B0600000101010101" pitchFamily="50" charset="-127"/>
+                <a:ea typeface="LG스마트체2.0 Regular" panose="020B0600000101010101" pitchFamily="50" charset="-127"/>
+              </a:rPr>
+              <a:t>및 </a:t>
+            </a:r>
+            <a:r>
+              <a:rPr lang="en-US" altLang="ko-KR" sz="2000">
+                <a:latin typeface="LG스마트체2.0 Regular" panose="020B0600000101010101" pitchFamily="50" charset="-127"/>
+                <a:ea typeface="LG스마트체2.0 Regular" panose="020B0600000101010101" pitchFamily="50" charset="-127"/>
+              </a:rPr>
+              <a:t>Blocked </a:t>
+            </a:r>
+            <a:r>
+              <a:rPr lang="en-US" altLang="ko-KR" sz="2000">
+                <a:latin typeface="LG스마트체2.0 Regular" panose="020B0600000101010101" pitchFamily="50" charset="-127"/>
+                <a:ea typeface="LG스마트체2.0 Regular" panose="020B0600000101010101" pitchFamily="50" charset="-127"/>
+              </a:rPr>
+              <a:t>based </a:t>
+            </a:r>
+            <a:r>
+              <a:rPr lang="en-US" altLang="ko-KR" sz="2000" smtClean="0">
+                <a:latin typeface="LG스마트체2.0 Regular" panose="020B0600000101010101" pitchFamily="50" charset="-127"/>
+                <a:ea typeface="LG스마트체2.0 Regular" panose="020B0600000101010101" pitchFamily="50" charset="-127"/>
+              </a:rPr>
+              <a:t>delay</a:t>
+            </a:r>
+            <a:endParaRPr lang="en-US" altLang="ko-KR" sz="2000">
+              <a:latin typeface="LG스마트체2.0 Regular" panose="020B0600000101010101" pitchFamily="50" charset="-127"/>
+              <a:ea typeface="LG스마트체2.0 Regular" panose="020B0600000101010101" pitchFamily="50" charset="-127"/>
+            </a:endParaRPr>
+          </a:p>
+          <a:p>
+            <a:pPr marL="1257300" lvl="2" indent="-342900">
+              <a:buFont typeface="Wingdings" panose="05000000000000000000" pitchFamily="2" charset="2"/>
+              <a:buChar char="ü"/>
+            </a:pPr>
+            <a:r>
+              <a:rPr lang="ko-KR" altLang="en-US" sz="2000" smtClean="0">
+                <a:latin typeface="LG스마트체2.0 Regular" panose="020B0600000101010101" pitchFamily="50" charset="-127"/>
+                <a:ea typeface="LG스마트체2.0 Regular" panose="020B0600000101010101" pitchFamily="50" charset="-127"/>
+              </a:rPr>
+              <a:t>다양한 우선순위의 </a:t>
+            </a:r>
+            <a:r>
+              <a:rPr lang="en-US" altLang="ko-KR" sz="2000" smtClean="0">
+                <a:latin typeface="LG스마트체2.0 Regular" panose="020B0600000101010101" pitchFamily="50" charset="-127"/>
+                <a:ea typeface="LG스마트체2.0 Regular" panose="020B0600000101010101" pitchFamily="50" charset="-127"/>
+              </a:rPr>
+              <a:t>task</a:t>
+            </a:r>
+            <a:r>
+              <a:rPr lang="ko-KR" altLang="en-US" sz="2000" smtClean="0">
+                <a:latin typeface="LG스마트체2.0 Regular" panose="020B0600000101010101" pitchFamily="50" charset="-127"/>
+                <a:ea typeface="LG스마트체2.0 Regular" panose="020B0600000101010101" pitchFamily="50" charset="-127"/>
+              </a:rPr>
+              <a:t>를 만들었을 때 우선순위에 맞추어 정상 동작 확인</a:t>
+            </a:r>
+            <a:endParaRPr lang="en-US" altLang="ko-KR" sz="2000">
+              <a:latin typeface="LG스마트체2.0 Regular" panose="020B0600000101010101" pitchFamily="50" charset="-127"/>
+              <a:ea typeface="LG스마트체2.0 Regular" panose="020B0600000101010101" pitchFamily="50" charset="-127"/>
+            </a:endParaRPr>
+          </a:p>
+          <a:p>
+            <a:pPr marL="1257300" lvl="2" indent="-342900">
+              <a:buFont typeface="Wingdings" panose="05000000000000000000" pitchFamily="2" charset="2"/>
+              <a:buChar char="ü"/>
+            </a:pPr>
+            <a:r>
+              <a:rPr lang="ko-KR" altLang="en-US" sz="2000" smtClean="0">
+                <a:latin typeface="LG스마트체2.0 Regular" panose="020B0600000101010101" pitchFamily="50" charset="-127"/>
+                <a:ea typeface="LG스마트체2.0 Regular" panose="020B0600000101010101" pitchFamily="50" charset="-127"/>
+              </a:rPr>
+              <a:t>같은 우선순위의 </a:t>
+            </a:r>
+            <a:r>
+              <a:rPr lang="en-US" altLang="ko-KR" sz="2000" smtClean="0">
+                <a:latin typeface="LG스마트체2.0 Regular" panose="020B0600000101010101" pitchFamily="50" charset="-127"/>
+                <a:ea typeface="LG스마트체2.0 Regular" panose="020B0600000101010101" pitchFamily="50" charset="-127"/>
+              </a:rPr>
+              <a:t>task</a:t>
+            </a:r>
+            <a:r>
+              <a:rPr lang="ko-KR" altLang="en-US" sz="2000" smtClean="0">
+                <a:latin typeface="LG스마트체2.0 Regular" panose="020B0600000101010101" pitchFamily="50" charset="-127"/>
+                <a:ea typeface="LG스마트체2.0 Regular" panose="020B0600000101010101" pitchFamily="50" charset="-127"/>
+              </a:rPr>
+              <a:t>가 있는 경우 번갈아 가면서 동작함을 확인</a:t>
+            </a:r>
+            <a:endParaRPr lang="en-US" altLang="ko-KR" sz="2000" smtClean="0">
+              <a:latin typeface="LG스마트체2.0 Regular" panose="020B0600000101010101" pitchFamily="50" charset="-127"/>
+              <a:ea typeface="LG스마트체2.0 Regular" panose="020B0600000101010101" pitchFamily="50" charset="-127"/>
+            </a:endParaRPr>
+          </a:p>
+          <a:p>
+            <a:pPr marL="1257300" lvl="2" indent="-342900">
+              <a:buFont typeface="Wingdings" panose="05000000000000000000" pitchFamily="2" charset="2"/>
+              <a:buChar char="ü"/>
+            </a:pPr>
+            <a:r>
+              <a:rPr lang="en-US" altLang="ko-KR" sz="2000" smtClean="0">
+                <a:latin typeface="LG스마트체2.0 Regular" panose="020B0600000101010101" pitchFamily="50" charset="-127"/>
+                <a:ea typeface="LG스마트체2.0 Regular" panose="020B0600000101010101" pitchFamily="50" charset="-127"/>
+              </a:rPr>
+              <a:t>Task</a:t>
+            </a:r>
+            <a:r>
+              <a:rPr lang="ko-KR" altLang="en-US" sz="2000" smtClean="0">
+                <a:latin typeface="LG스마트체2.0 Regular" panose="020B0600000101010101" pitchFamily="50" charset="-127"/>
+                <a:ea typeface="LG스마트체2.0 Regular" panose="020B0600000101010101" pitchFamily="50" charset="-127"/>
+              </a:rPr>
+              <a:t>를 </a:t>
+            </a:r>
+            <a:r>
+              <a:rPr lang="en-US" altLang="ko-KR" sz="2000" smtClean="0">
+                <a:latin typeface="LG스마트체2.0 Regular" panose="020B0600000101010101" pitchFamily="50" charset="-127"/>
+                <a:ea typeface="LG스마트체2.0 Regular" panose="020B0600000101010101" pitchFamily="50" charset="-127"/>
+              </a:rPr>
+              <a:t>spec </a:t>
+            </a:r>
+            <a:r>
+              <a:rPr lang="ko-KR" altLang="en-US" sz="2000" smtClean="0">
+                <a:latin typeface="LG스마트체2.0 Regular" panose="020B0600000101010101" pitchFamily="50" charset="-127"/>
+                <a:ea typeface="LG스마트체2.0 Regular" panose="020B0600000101010101" pitchFamily="50" charset="-127"/>
+              </a:rPr>
+              <a:t>기준 최대한 많이 만들었을 때 정상 동작 확인</a:t>
+            </a:r>
+            <a:endParaRPr lang="en-US" altLang="ko-KR" sz="2000" smtClean="0">
+              <a:latin typeface="LG스마트체2.0 Regular" panose="020B0600000101010101" pitchFamily="50" charset="-127"/>
+              <a:ea typeface="LG스마트체2.0 Regular" panose="020B0600000101010101" pitchFamily="50" charset="-127"/>
+            </a:endParaRPr>
+          </a:p>
+          <a:p>
+            <a:pPr marL="1257300" lvl="2" indent="-342900">
+              <a:buFont typeface="Wingdings" panose="05000000000000000000" pitchFamily="2" charset="2"/>
+              <a:buChar char="ü"/>
+            </a:pPr>
+            <a:r>
+              <a:rPr lang="en-US" altLang="ko-KR" sz="2000" smtClean="0">
+                <a:latin typeface="LG스마트체2.0 Regular" panose="020B0600000101010101" pitchFamily="50" charset="-127"/>
+                <a:ea typeface="LG스마트체2.0 Regular" panose="020B0600000101010101" pitchFamily="50" charset="-127"/>
+              </a:rPr>
+              <a:t>Context switching </a:t>
+            </a:r>
+            <a:r>
+              <a:rPr lang="ko-KR" altLang="en-US" sz="2000" smtClean="0">
+                <a:latin typeface="LG스마트체2.0 Regular" panose="020B0600000101010101" pitchFamily="50" charset="-127"/>
+                <a:ea typeface="LG스마트체2.0 Regular" panose="020B0600000101010101" pitchFamily="50" charset="-127"/>
+              </a:rPr>
+              <a:t>시 </a:t>
+            </a:r>
+            <a:r>
+              <a:rPr lang="en-US" altLang="ko-KR" sz="2000" smtClean="0">
+                <a:latin typeface="LG스마트체2.0 Regular" panose="020B0600000101010101" pitchFamily="50" charset="-127"/>
+                <a:ea typeface="LG스마트체2.0 Regular" panose="020B0600000101010101" pitchFamily="50" charset="-127"/>
+              </a:rPr>
+              <a:t>critical section</a:t>
+            </a:r>
+            <a:r>
+              <a:rPr lang="ko-KR" altLang="en-US" sz="2000" smtClean="0">
+                <a:latin typeface="LG스마트체2.0 Regular" panose="020B0600000101010101" pitchFamily="50" charset="-127"/>
+                <a:ea typeface="LG스마트체2.0 Regular" panose="020B0600000101010101" pitchFamily="50" charset="-127"/>
+              </a:rPr>
+              <a:t>에서 강제로 </a:t>
+            </a:r>
+            <a:r>
+              <a:rPr lang="en-US" altLang="ko-KR" sz="2000" smtClean="0">
+                <a:latin typeface="LG스마트체2.0 Regular" panose="020B0600000101010101" pitchFamily="50" charset="-127"/>
+                <a:ea typeface="LG스마트체2.0 Regular" panose="020B0600000101010101" pitchFamily="50" charset="-127"/>
+              </a:rPr>
+              <a:t>interrupt </a:t>
+            </a:r>
+            <a:r>
+              <a:rPr lang="ko-KR" altLang="en-US" sz="2000" smtClean="0">
+                <a:latin typeface="LG스마트체2.0 Regular" panose="020B0600000101010101" pitchFamily="50" charset="-127"/>
+                <a:ea typeface="LG스마트체2.0 Regular" panose="020B0600000101010101" pitchFamily="50" charset="-127"/>
+              </a:rPr>
+              <a:t>발생 시 </a:t>
+            </a:r>
+            <a:r>
+              <a:rPr lang="en-US" altLang="ko-KR" sz="2000" smtClean="0">
+                <a:latin typeface="LG스마트체2.0 Regular" panose="020B0600000101010101" pitchFamily="50" charset="-127"/>
+                <a:ea typeface="LG스마트체2.0 Regular" panose="020B0600000101010101" pitchFamily="50" charset="-127"/>
+              </a:rPr>
+              <a:t>critical section </a:t>
+            </a:r>
+            <a:r>
+              <a:rPr lang="ko-KR" altLang="en-US" sz="2000" smtClean="0">
+                <a:latin typeface="LG스마트체2.0 Regular" panose="020B0600000101010101" pitchFamily="50" charset="-127"/>
+                <a:ea typeface="LG스마트체2.0 Regular" panose="020B0600000101010101" pitchFamily="50" charset="-127"/>
+              </a:rPr>
+              <a:t>수행 후 </a:t>
+            </a:r>
+            <a:r>
+              <a:rPr lang="en-US" altLang="ko-KR" sz="2000" smtClean="0">
+                <a:latin typeface="LG스마트체2.0 Regular" panose="020B0600000101010101" pitchFamily="50" charset="-127"/>
+                <a:ea typeface="LG스마트체2.0 Regular" panose="020B0600000101010101" pitchFamily="50" charset="-127"/>
+              </a:rPr>
+              <a:t>interrupt </a:t>
+            </a:r>
+            <a:r>
+              <a:rPr lang="ko-KR" altLang="en-US" sz="2000" smtClean="0">
+                <a:latin typeface="LG스마트체2.0 Regular" panose="020B0600000101010101" pitchFamily="50" charset="-127"/>
+                <a:ea typeface="LG스마트체2.0 Regular" panose="020B0600000101010101" pitchFamily="50" charset="-127"/>
+              </a:rPr>
+              <a:t>발생 확인</a:t>
+            </a:r>
+            <a:endParaRPr lang="en-US" altLang="ko-KR" sz="2000" smtClean="0">
+              <a:latin typeface="LG스마트체2.0 Regular" panose="020B0600000101010101" pitchFamily="50" charset="-127"/>
+              <a:ea typeface="LG스마트체2.0 Regular" panose="020B0600000101010101" pitchFamily="50" charset="-127"/>
+            </a:endParaRPr>
+          </a:p>
+          <a:p>
+            <a:pPr marL="800100" lvl="1" indent="-342900">
+              <a:buFont typeface="Wingdings" panose="05000000000000000000" pitchFamily="2" charset="2"/>
+              <a:buChar char="Ø"/>
+            </a:pPr>
+            <a:endParaRPr lang="en-US" altLang="ko-KR" sz="2000" smtClean="0">
+              <a:latin typeface="LG스마트체2.0 Regular" panose="020B0600000101010101" pitchFamily="50" charset="-127"/>
+              <a:ea typeface="LG스마트체2.0 Regular" panose="020B0600000101010101" pitchFamily="50" charset="-127"/>
+            </a:endParaRPr>
+          </a:p>
+          <a:p>
+            <a:pPr marL="800100" lvl="1" indent="-342900">
+              <a:buFont typeface="Wingdings" panose="05000000000000000000" pitchFamily="2" charset="2"/>
+              <a:buChar char="Ø"/>
+            </a:pPr>
+            <a:r>
+              <a:rPr lang="en-US" altLang="ko-KR" sz="2000" smtClean="0">
+                <a:latin typeface="LG스마트체2.0 Regular" panose="020B0600000101010101" pitchFamily="50" charset="-127"/>
+                <a:ea typeface="LG스마트체2.0 Regular" panose="020B0600000101010101" pitchFamily="50" charset="-127"/>
+              </a:rPr>
+              <a:t>Signaling &amp; Queue</a:t>
+            </a:r>
+            <a:endParaRPr lang="en-US" altLang="ko-KR" sz="2000">
+              <a:latin typeface="LG스마트체2.0 Regular" panose="020B0600000101010101" pitchFamily="50" charset="-127"/>
+              <a:ea typeface="LG스마트체2.0 Regular" panose="020B0600000101010101" pitchFamily="50" charset="-127"/>
+            </a:endParaRPr>
+          </a:p>
+          <a:p>
+            <a:pPr marL="1257300" lvl="2" indent="-342900">
+              <a:buFont typeface="Wingdings" panose="05000000000000000000" pitchFamily="2" charset="2"/>
+              <a:buChar char="ü"/>
+            </a:pPr>
+            <a:r>
+              <a:rPr lang="ko-KR" altLang="en-US" sz="2000" smtClean="0">
+                <a:latin typeface="LG스마트체2.0 Regular" panose="020B0600000101010101" pitchFamily="50" charset="-127"/>
+                <a:ea typeface="LG스마트체2.0 Regular" panose="020B0600000101010101" pitchFamily="50" charset="-127"/>
+              </a:rPr>
+              <a:t>예외처리가 필요한 상황을 </a:t>
+            </a:r>
+            <a:r>
+              <a:rPr lang="en-US" altLang="ko-KR" sz="2000" smtClean="0">
+                <a:latin typeface="LG스마트체2.0 Regular" panose="020B0600000101010101" pitchFamily="50" charset="-127"/>
+                <a:ea typeface="LG스마트체2.0 Regular" panose="020B0600000101010101" pitchFamily="50" charset="-127"/>
+              </a:rPr>
+              <a:t>TC</a:t>
+            </a:r>
+            <a:r>
+              <a:rPr lang="ko-KR" altLang="en-US" sz="2000" smtClean="0">
+                <a:latin typeface="LG스마트체2.0 Regular" panose="020B0600000101010101" pitchFamily="50" charset="-127"/>
+                <a:ea typeface="LG스마트체2.0 Regular" panose="020B0600000101010101" pitchFamily="50" charset="-127"/>
+              </a:rPr>
+              <a:t>로 구현하여 해당 상황과 일치하는 경고문 발생 확인</a:t>
+            </a:r>
+            <a:endParaRPr lang="en-US" altLang="ko-KR" sz="2000">
+              <a:latin typeface="LG스마트체2.0 Regular" panose="020B0600000101010101" pitchFamily="50" charset="-127"/>
+              <a:ea typeface="LG스마트체2.0 Regular" panose="020B0600000101010101" pitchFamily="50" charset="-127"/>
+            </a:endParaRPr>
+          </a:p>
+          <a:p>
+            <a:pPr marL="1257300" lvl="2" indent="-342900">
+              <a:buFont typeface="Wingdings" panose="05000000000000000000" pitchFamily="2" charset="2"/>
+              <a:buChar char="ü"/>
+            </a:pPr>
+            <a:r>
+              <a:rPr lang="en-US" altLang="ko-KR" sz="2000" smtClean="0">
+                <a:latin typeface="LG스마트체2.0 Regular" panose="020B0600000101010101" pitchFamily="50" charset="-127"/>
+                <a:ea typeface="LG스마트체2.0 Regular" panose="020B0600000101010101" pitchFamily="50" charset="-127"/>
+              </a:rPr>
+              <a:t>Hardware interrupt</a:t>
+            </a:r>
+            <a:r>
+              <a:rPr lang="ko-KR" altLang="en-US" sz="2000" smtClean="0">
+                <a:latin typeface="LG스마트체2.0 Regular" panose="020B0600000101010101" pitchFamily="50" charset="-127"/>
+                <a:ea typeface="LG스마트체2.0 Regular" panose="020B0600000101010101" pitchFamily="50" charset="-127"/>
+              </a:rPr>
+              <a:t>를 발생시켜 </a:t>
+            </a:r>
+            <a:r>
+              <a:rPr lang="en-US" altLang="ko-KR" sz="2000" smtClean="0">
+                <a:latin typeface="LG스마트체2.0 Regular" panose="020B0600000101010101" pitchFamily="50" charset="-127"/>
+                <a:ea typeface="LG스마트체2.0 Regular" panose="020B0600000101010101" pitchFamily="50" charset="-127"/>
+              </a:rPr>
+              <a:t>Queue</a:t>
+            </a:r>
+            <a:r>
+              <a:rPr lang="ko-KR" altLang="en-US" sz="2000" smtClean="0">
+                <a:latin typeface="LG스마트체2.0 Regular" panose="020B0600000101010101" pitchFamily="50" charset="-127"/>
+                <a:ea typeface="LG스마트체2.0 Regular" panose="020B0600000101010101" pitchFamily="50" charset="-127"/>
+              </a:rPr>
+              <a:t>에 </a:t>
+            </a:r>
+            <a:r>
+              <a:rPr lang="en-US" altLang="ko-KR" sz="2000" smtClean="0">
+                <a:latin typeface="LG스마트체2.0 Regular" panose="020B0600000101010101" pitchFamily="50" charset="-127"/>
+                <a:ea typeface="LG스마트체2.0 Regular" panose="020B0600000101010101" pitchFamily="50" charset="-127"/>
+              </a:rPr>
+              <a:t>data</a:t>
+            </a:r>
+            <a:r>
+              <a:rPr lang="ko-KR" altLang="en-US" sz="2000" smtClean="0">
+                <a:latin typeface="LG스마트체2.0 Regular" panose="020B0600000101010101" pitchFamily="50" charset="-127"/>
+                <a:ea typeface="LG스마트체2.0 Regular" panose="020B0600000101010101" pitchFamily="50" charset="-127"/>
+              </a:rPr>
+              <a:t>를 입력하고 정상적으로 출력함을 확인</a:t>
+            </a:r>
+            <a:endParaRPr lang="en-US" altLang="ko-KR" sz="2000" smtClean="0">
+              <a:latin typeface="LG스마트체2.0 Regular" panose="020B0600000101010101" pitchFamily="50" charset="-127"/>
+              <a:ea typeface="LG스마트체2.0 Regular" panose="020B0600000101010101" pitchFamily="50" charset="-127"/>
+            </a:endParaRPr>
+          </a:p>
+          <a:p>
+            <a:pPr marL="800100" lvl="1" indent="-342900">
+              <a:buFont typeface="Wingdings" panose="05000000000000000000" pitchFamily="2" charset="2"/>
+              <a:buChar char="Ø"/>
+            </a:pPr>
+            <a:endParaRPr lang="en-US" altLang="ko-KR" sz="2000">
+              <a:latin typeface="LG스마트체2.0 Regular" panose="020B0600000101010101" pitchFamily="50" charset="-127"/>
+              <a:ea typeface="LG스마트체2.0 Regular" panose="020B0600000101010101" pitchFamily="50" charset="-127"/>
+            </a:endParaRPr>
+          </a:p>
+          <a:p>
+            <a:pPr marL="800100" lvl="1" indent="-342900">
+              <a:buFont typeface="Wingdings" panose="05000000000000000000" pitchFamily="2" charset="2"/>
+              <a:buChar char="Ø"/>
+            </a:pPr>
+            <a:r>
+              <a:rPr lang="en-US" altLang="ko-KR" sz="2000" smtClean="0">
+                <a:latin typeface="LG스마트체2.0 Regular" panose="020B0600000101010101" pitchFamily="50" charset="-127"/>
+                <a:ea typeface="LG스마트체2.0 Regular" panose="020B0600000101010101" pitchFamily="50" charset="-127"/>
+              </a:rPr>
+              <a:t>Mutex</a:t>
+            </a:r>
+            <a:endParaRPr lang="en-US" altLang="ko-KR" sz="2000">
+              <a:latin typeface="LG스마트체2.0 Regular" panose="020B0600000101010101" pitchFamily="50" charset="-127"/>
+              <a:ea typeface="LG스마트체2.0 Regular" panose="020B0600000101010101" pitchFamily="50" charset="-127"/>
+            </a:endParaRPr>
+          </a:p>
+          <a:p>
+            <a:pPr marL="1257300" lvl="2" indent="-342900">
+              <a:buFont typeface="Wingdings" panose="05000000000000000000" pitchFamily="2" charset="2"/>
+              <a:buChar char="ü"/>
+            </a:pPr>
+            <a:r>
+              <a:rPr lang="en-US" altLang="ko-KR" sz="2000" smtClean="0">
+                <a:latin typeface="LG스마트체2.0 Regular" panose="020B0600000101010101" pitchFamily="50" charset="-127"/>
+                <a:ea typeface="LG스마트체2.0 Regular" panose="020B0600000101010101" pitchFamily="50" charset="-127"/>
+              </a:rPr>
+              <a:t>2</a:t>
+            </a:r>
+            <a:r>
+              <a:rPr lang="ko-KR" altLang="en-US" sz="2000" smtClean="0">
+                <a:latin typeface="LG스마트체2.0 Regular" panose="020B0600000101010101" pitchFamily="50" charset="-127"/>
+                <a:ea typeface="LG스마트체2.0 Regular" panose="020B0600000101010101" pitchFamily="50" charset="-127"/>
+              </a:rPr>
+              <a:t>개의 </a:t>
+            </a:r>
+            <a:r>
+              <a:rPr lang="en-US" altLang="ko-KR" sz="2000" smtClean="0">
+                <a:latin typeface="LG스마트체2.0 Regular" panose="020B0600000101010101" pitchFamily="50" charset="-127"/>
+                <a:ea typeface="LG스마트체2.0 Regular" panose="020B0600000101010101" pitchFamily="50" charset="-127"/>
+              </a:rPr>
+              <a:t>task</a:t>
+            </a:r>
+            <a:r>
+              <a:rPr lang="ko-KR" altLang="en-US" sz="2000" smtClean="0">
+                <a:latin typeface="LG스마트체2.0 Regular" panose="020B0600000101010101" pitchFamily="50" charset="-127"/>
+                <a:ea typeface="LG스마트체2.0 Regular" panose="020B0600000101010101" pitchFamily="50" charset="-127"/>
+              </a:rPr>
+              <a:t>가 공유자원을 경쟁하여 사용하는 경우 </a:t>
+            </a:r>
+            <a:r>
+              <a:rPr lang="en-US" altLang="ko-KR" sz="2000" smtClean="0">
+                <a:latin typeface="LG스마트체2.0 Regular" panose="020B0600000101010101" pitchFamily="50" charset="-127"/>
+                <a:ea typeface="LG스마트체2.0 Regular" panose="020B0600000101010101" pitchFamily="50" charset="-127"/>
+              </a:rPr>
+              <a:t>mutex</a:t>
+            </a:r>
+            <a:r>
+              <a:rPr lang="ko-KR" altLang="en-US" sz="2000" smtClean="0">
+                <a:latin typeface="LG스마트체2.0 Regular" panose="020B0600000101010101" pitchFamily="50" charset="-127"/>
+                <a:ea typeface="LG스마트체2.0 Regular" panose="020B0600000101010101" pitchFamily="50" charset="-127"/>
+              </a:rPr>
+              <a:t>를 이용하여 정상 동작 확인</a:t>
+            </a:r>
+            <a:endParaRPr lang="en-US" altLang="ko-KR" sz="2000" smtClean="0">
+              <a:latin typeface="LG스마트체2.0 Regular" panose="020B0600000101010101" pitchFamily="50" charset="-127"/>
+              <a:ea typeface="LG스마트체2.0 Regular" panose="020B0600000101010101" pitchFamily="50" charset="-127"/>
+            </a:endParaRPr>
+          </a:p>
+          <a:p>
+            <a:pPr marL="1257300" lvl="2" indent="-342900">
+              <a:buFont typeface="Wingdings" panose="05000000000000000000" pitchFamily="2" charset="2"/>
+              <a:buChar char="ü"/>
+            </a:pPr>
+            <a:r>
+              <a:rPr lang="en-US" altLang="ko-KR" sz="2000" smtClean="0">
+                <a:latin typeface="LG스마트체2.0 Regular" panose="020B0600000101010101" pitchFamily="50" charset="-127"/>
+                <a:ea typeface="LG스마트체2.0 Regular" panose="020B0600000101010101" pitchFamily="50" charset="-127"/>
+              </a:rPr>
+              <a:t>Priority inversion </a:t>
+            </a:r>
+            <a:r>
+              <a:rPr lang="ko-KR" altLang="en-US" sz="2000" smtClean="0">
+                <a:latin typeface="LG스마트체2.0 Regular" panose="020B0600000101010101" pitchFamily="50" charset="-127"/>
+                <a:ea typeface="LG스마트체2.0 Regular" panose="020B0600000101010101" pitchFamily="50" charset="-127"/>
+              </a:rPr>
+              <a:t>상황을 만들어 </a:t>
+            </a:r>
+            <a:r>
+              <a:rPr lang="en-US" altLang="ko-KR" sz="2000" smtClean="0">
+                <a:latin typeface="LG스마트체2.0 Regular" panose="020B0600000101010101" pitchFamily="50" charset="-127"/>
+                <a:ea typeface="LG스마트체2.0 Regular" panose="020B0600000101010101" pitchFamily="50" charset="-127"/>
+              </a:rPr>
+              <a:t>priority inheritance </a:t>
+            </a:r>
+            <a:r>
+              <a:rPr lang="ko-KR" altLang="en-US" sz="2000" smtClean="0">
+                <a:latin typeface="LG스마트체2.0 Regular" panose="020B0600000101010101" pitchFamily="50" charset="-127"/>
+                <a:ea typeface="LG스마트체2.0 Regular" panose="020B0600000101010101" pitchFamily="50" charset="-127"/>
+              </a:rPr>
+              <a:t>기능의 정상 동작 확인</a:t>
+            </a:r>
+            <a:endParaRPr lang="en-US" altLang="ko-KR" sz="2000">
+              <a:latin typeface="LG스마트체2.0 Regular" panose="020B0600000101010101" pitchFamily="50" charset="-127"/>
+              <a:ea typeface="LG스마트체2.0 Regular" panose="020B0600000101010101" pitchFamily="50" charset="-127"/>
+            </a:endParaRPr>
+          </a:p>
+          <a:p>
+            <a:pPr marL="800100" lvl="1" indent="-342900">
+              <a:buFont typeface="Wingdings" panose="05000000000000000000" pitchFamily="2" charset="2"/>
+              <a:buChar char="ü"/>
+            </a:pPr>
+            <a:endParaRPr lang="en-US" altLang="ko-KR" sz="2000" smtClean="0">
+              <a:latin typeface="LG스마트체2.0 Regular" panose="020B0600000101010101" pitchFamily="50" charset="-127"/>
+              <a:ea typeface="LG스마트체2.0 Regular" panose="020B0600000101010101" pitchFamily="50" charset="-127"/>
+            </a:endParaRPr>
+          </a:p>
+          <a:p>
+            <a:pPr marL="1257300" lvl="2" indent="-342900">
+              <a:buFont typeface="Wingdings" panose="05000000000000000000" pitchFamily="2" charset="2"/>
+              <a:buChar char="ü"/>
+            </a:pPr>
+            <a:endParaRPr lang="en-US" altLang="ko-KR" sz="2000" smtClean="0">
+              <a:latin typeface="LG스마트체2.0 Regular" panose="020B0600000101010101" pitchFamily="50" charset="-127"/>
+              <a:ea typeface="LG스마트체2.0 Regular" panose="020B0600000101010101" pitchFamily="50" charset="-127"/>
+            </a:endParaRPr>
+          </a:p>
+          <a:p>
+            <a:pPr marL="285750" indent="-285750">
+              <a:buFont typeface="Arial" panose="020B0604020202020204" pitchFamily="34" charset="0"/>
+              <a:buChar char="•"/>
+            </a:pPr>
+            <a:r>
+              <a:rPr lang="ko-KR" altLang="en-US" sz="2400" b="1" smtClean="0">
+                <a:solidFill>
+                  <a:prstClr val="black"/>
+                </a:solidFill>
+                <a:latin typeface="LG스마트체2.0 Regular" panose="020B0600000101010101" pitchFamily="50" charset="-127"/>
+                <a:ea typeface="LG스마트체2.0 Regular" panose="020B0600000101010101" pitchFamily="50" charset="-127"/>
+              </a:rPr>
+              <a:t>기대 효과</a:t>
+            </a:r>
+            <a:endParaRPr lang="en-US" altLang="ko-KR" sz="2400" b="1">
+              <a:latin typeface="LG스마트체2.0 Regular" panose="020B0600000101010101" pitchFamily="50" charset="-127"/>
+              <a:ea typeface="LG스마트체2.0 Regular" panose="020B0600000101010101" pitchFamily="50" charset="-127"/>
+            </a:endParaRPr>
+          </a:p>
+          <a:p>
+            <a:pPr marL="800100" lvl="1" indent="-342900">
+              <a:buFont typeface="Wingdings" panose="05000000000000000000" pitchFamily="2" charset="2"/>
+              <a:buChar char="Ø"/>
+            </a:pPr>
+            <a:r>
+              <a:rPr lang="en-US" altLang="ko-KR" sz="2000" smtClean="0">
+                <a:latin typeface="LG스마트체2.0 Regular" panose="020B0600000101010101" pitchFamily="50" charset="-127"/>
+                <a:ea typeface="LG스마트체2.0 Regular" panose="020B0600000101010101" pitchFamily="50" charset="-127"/>
+              </a:rPr>
+              <a:t>CPU</a:t>
+            </a:r>
+            <a:r>
+              <a:rPr lang="ko-KR" altLang="en-US" sz="2000" smtClean="0">
+                <a:latin typeface="LG스마트체2.0 Regular" panose="020B0600000101010101" pitchFamily="50" charset="-127"/>
+                <a:ea typeface="LG스마트체2.0 Regular" panose="020B0600000101010101" pitchFamily="50" charset="-127"/>
+              </a:rPr>
+              <a:t>의 효율적인 사용을 통해 </a:t>
+            </a:r>
+            <a:r>
+              <a:rPr lang="en-US" altLang="ko-KR" sz="2000" smtClean="0">
+                <a:latin typeface="LG스마트체2.0 Regular" panose="020B0600000101010101" pitchFamily="50" charset="-127"/>
+                <a:ea typeface="LG스마트체2.0 Regular" panose="020B0600000101010101" pitchFamily="50" charset="-127"/>
+              </a:rPr>
+              <a:t>Snake </a:t>
+            </a:r>
+            <a:r>
+              <a:rPr lang="ko-KR" altLang="en-US" sz="2000" smtClean="0">
+                <a:latin typeface="LG스마트체2.0 Regular" panose="020B0600000101010101" pitchFamily="50" charset="-127"/>
+                <a:ea typeface="LG스마트체2.0 Regular" panose="020B0600000101010101" pitchFamily="50" charset="-127"/>
+              </a:rPr>
+              <a:t>게임과 같은 여러가지 </a:t>
+            </a:r>
+            <a:r>
+              <a:rPr lang="en-US" altLang="ko-KR" sz="2000" smtClean="0">
+                <a:latin typeface="LG스마트체2.0 Regular" panose="020B0600000101010101" pitchFamily="50" charset="-127"/>
+                <a:ea typeface="LG스마트체2.0 Regular" panose="020B0600000101010101" pitchFamily="50" charset="-127"/>
+              </a:rPr>
+              <a:t>task</a:t>
+            </a:r>
+            <a:r>
+              <a:rPr lang="ko-KR" altLang="en-US" sz="2000" smtClean="0">
+                <a:latin typeface="LG스마트체2.0 Regular" panose="020B0600000101010101" pitchFamily="50" charset="-127"/>
+                <a:ea typeface="LG스마트체2.0 Regular" panose="020B0600000101010101" pitchFamily="50" charset="-127"/>
+              </a:rPr>
+              <a:t>를 효율적으로 구동하는 </a:t>
+            </a:r>
+            <a:r>
+              <a:rPr lang="en-US" altLang="ko-KR" sz="2000" smtClean="0">
+                <a:latin typeface="LG스마트체2.0 Regular" panose="020B0600000101010101" pitchFamily="50" charset="-127"/>
+                <a:ea typeface="LG스마트체2.0 Regular" panose="020B0600000101010101" pitchFamily="50" charset="-127"/>
+              </a:rPr>
+              <a:t>Snake </a:t>
+            </a:r>
+            <a:r>
+              <a:rPr lang="ko-KR" altLang="en-US" sz="2000" smtClean="0">
+                <a:latin typeface="LG스마트체2.0 Regular" panose="020B0600000101010101" pitchFamily="50" charset="-127"/>
+                <a:ea typeface="LG스마트체2.0 Regular" panose="020B0600000101010101" pitchFamily="50" charset="-127"/>
+              </a:rPr>
+              <a:t>게임 구현</a:t>
+            </a:r>
+            <a:endParaRPr lang="en-US" altLang="ko-KR" sz="2400" b="1">
+              <a:solidFill>
+                <a:prstClr val="black"/>
+              </a:solidFill>
+              <a:latin typeface="LG스마트체2.0 Regular" panose="020B0600000101010101" pitchFamily="50" charset="-127"/>
+              <a:ea typeface="LG스마트체2.0 Regular" panose="020B0600000101010101" pitchFamily="50" charset="-127"/>
+            </a:endParaRPr>
+          </a:p>
+        </p:txBody>
+      </p:sp>
+      <p:sp>
+        <p:nvSpPr>
+          <p:cNvPr id="12" name="직사각형 11"/>
+          <p:cNvSpPr/>
+          <p:nvPr/>
+        </p:nvSpPr>
+        <p:spPr>
+          <a:xfrm>
+            <a:off x="1682307" y="7924799"/>
+            <a:ext cx="11690093" cy="1102939"/>
+          </a:xfrm>
+          <a:prstGeom prst="rect">
+            <a:avLst/>
+          </a:prstGeom>
+        </p:spPr>
+        <p:style>
+          <a:lnRef idx="2">
+            <a:schemeClr val="accent1">
+              <a:shade val="50000"/>
+            </a:schemeClr>
+          </a:lnRef>
+          <a:fillRef idx="1">
+            <a:schemeClr val="accent1"/>
+          </a:fillRef>
+          <a:effectRef idx="0">
+            <a:schemeClr val="accent1"/>
+          </a:effectRef>
+          <a:fontRef idx="minor">
+            <a:schemeClr val="lt1"/>
+          </a:fontRef>
+        </p:style>
+        <p:txBody>
+          <a:bodyPr rtlCol="0" anchor="ctr"/>
+          <a:lstStyle/>
+          <a:p>
+            <a:pPr algn="ctr"/>
+            <a:r>
+              <a:rPr lang="en-US" altLang="ko-KR" smtClean="0"/>
+              <a:t>TBD</a:t>
+            </a:r>
+          </a:p>
+        </p:txBody>
+      </p:sp>
+    </p:spTree>
+    <p:extLst>
+      <p:ext uri="{BB962C8B-B14F-4D97-AF65-F5344CB8AC3E}">
+        <p14:creationId xmlns:p14="http://schemas.microsoft.com/office/powerpoint/2010/main" val="3256740301"/>
+      </p:ext>
+    </p:extLst>
+  </p:cSld>
+  <p:clrMapOvr>
+    <a:masterClrMapping/>
+  </p:clrMapOvr>
+  <p:timing>
+    <p:tnLst>
+      <p:par>
+        <p:cTn id="1" dur="indefinite" restart="never" nodeType="tmRoot"/>
+      </p:par>
+    </p:tnLst>
+  </p:timing>
 </p:sld>
 </file>
 
